--- a/product/扫码挪车/挪车产品设计-admin-陆陆畅版本.pptx
+++ b/product/扫码挪车/挪车产品设计-admin-陆陆畅版本.pptx
@@ -10,6 +10,7 @@
     <p:sldId id="275" r:id="rId4"/>
     <p:sldId id="276" r:id="rId5"/>
     <p:sldId id="277" r:id="rId6"/>
+    <p:sldId id="278" r:id="rId7"/>
   </p:sldIdLst>
   <p:sldSz cx="12192000" cy="6858000"/>
   <p:notesSz cx="6858000" cy="9144000"/>
@@ -754,10 +755,10 @@
       </p:sp>
       <p:graphicFrame>
         <p:nvGraphicFramePr>
-          <p:cNvPr id="70" name="对象 69">
+          <p:cNvPr id="4" name="对象 3">
             <a:extLst>
               <a:ext uri="{FF2B5EF4-FFF2-40B4-BE49-F238E27FC236}">
-                <a16:creationId xmlns:a16="http://schemas.microsoft.com/office/drawing/2014/main" id="{CB993436-2831-4231-AF34-F309415175E2}"/>
+                <a16:creationId xmlns:a16="http://schemas.microsoft.com/office/drawing/2014/main" id="{AE51FF6E-4CEA-4B64-8C6E-67B794348198}"/>
               </a:ext>
             </a:extLst>
           </p:cNvPr>
@@ -767,25 +768,25 @@
           <p:nvPr>
             <p:extLst>
               <p:ext uri="{D42A27DB-BD31-4B8C-83A1-F6EECF244321}">
-                <p14:modId xmlns:p14="http://schemas.microsoft.com/office/powerpoint/2010/main" val="3286109889"/>
+                <p14:modId xmlns:p14="http://schemas.microsoft.com/office/powerpoint/2010/main" val="42348423"/>
               </p:ext>
             </p:extLst>
           </p:nvPr>
         </p:nvGraphicFramePr>
         <p:xfrm>
-          <a:off x="1726924" y="1375949"/>
-          <a:ext cx="8420100" cy="2103437"/>
+          <a:off x="2133600" y="1528349"/>
+          <a:ext cx="7924800" cy="2103437"/>
         </p:xfrm>
         <a:graphic>
           <a:graphicData uri="http://schemas.openxmlformats.org/presentationml/2006/ole">
             <mc:AlternateContent xmlns:mc="http://schemas.openxmlformats.org/markup-compatibility/2006">
               <mc:Choice xmlns:v="urn:schemas-microsoft-com:vml" Requires="v">
-                <p:oleObj spid="_x0000_s1094" name="Worksheet" r:id="rId3" imgW="8419834" imgH="2103300" progId="Excel.Sheet.12">
+                <p:oleObj spid="_x0000_s1119" name="Worksheet" r:id="rId3" imgW="7924620" imgH="2103300" progId="Excel.Sheet.12">
                   <p:embed/>
                 </p:oleObj>
               </mc:Choice>
               <mc:Fallback>
-                <p:oleObj name="Worksheet" r:id="rId3" imgW="8419834" imgH="2103300" progId="Excel.Sheet.12">
+                <p:oleObj name="Worksheet" r:id="rId3" imgW="7924620" imgH="2103300" progId="Excel.Sheet.12">
                   <p:embed/>
                   <p:pic>
                     <p:nvPicPr>
@@ -801,8 +802,8 @@
                     </p:blipFill>
                     <p:spPr>
                       <a:xfrm>
-                        <a:off x="1726924" y="1375949"/>
-                        <a:ext cx="8420100" cy="2103437"/>
+                        <a:off x="2133600" y="1528349"/>
+                        <a:ext cx="7924800" cy="2103437"/>
                       </a:xfrm>
                       <a:prstGeom prst="rect">
                         <a:avLst/>
@@ -873,173 +874,12 @@
           </a:p>
         </p:txBody>
       </p:sp>
-      <p:sp>
-        <p:nvSpPr>
-          <p:cNvPr id="5" name="文本框 4">
+      <p:graphicFrame>
+        <p:nvGraphicFramePr>
+          <p:cNvPr id="4" name="对象 3">
             <a:extLst>
               <a:ext uri="{FF2B5EF4-FFF2-40B4-BE49-F238E27FC236}">
-                <a16:creationId xmlns:a16="http://schemas.microsoft.com/office/drawing/2014/main" id="{25BDE4DB-0429-4E76-8B78-9136DE10AC5C}"/>
-              </a:ext>
-            </a:extLst>
-          </p:cNvPr>
-          <p:cNvSpPr txBox="1"/>
-          <p:nvPr/>
-        </p:nvSpPr>
-        <p:spPr>
-          <a:xfrm>
-            <a:off x="144367" y="538021"/>
-            <a:ext cx="6553200" cy="1754326"/>
-          </a:xfrm>
-          <a:prstGeom prst="rect">
-            <a:avLst/>
-          </a:prstGeom>
-          <a:noFill/>
-        </p:spPr>
-        <p:txBody>
-          <a:bodyPr wrap="square" rtlCol="0">
-            <a:spAutoFit/>
-          </a:bodyPr>
-          <a:lstStyle/>
-          <a:p>
-            <a:pPr algn="l"/>
-            <a:r>
-              <a:rPr lang="zh-CN" altLang="en-US" sz="1200" dirty="0">
-                <a:latin typeface="微软雅黑" panose="020B0503020204020204" pitchFamily="34" charset="-122"/>
-                <a:ea typeface="微软雅黑" panose="020B0503020204020204" pitchFamily="34" charset="-122"/>
-              </a:rPr>
-              <a:t>体验码和实体码分开管理</a:t>
-            </a:r>
-            <a:endParaRPr lang="en-US" altLang="zh-CN" sz="1200" dirty="0">
-              <a:latin typeface="微软雅黑" panose="020B0503020204020204" pitchFamily="34" charset="-122"/>
-              <a:ea typeface="微软雅黑" panose="020B0503020204020204" pitchFamily="34" charset="-122"/>
-            </a:endParaRPr>
-          </a:p>
-          <a:p>
-            <a:pPr algn="l"/>
-            <a:r>
-              <a:rPr lang="zh-CN" altLang="en-US" sz="1200" dirty="0">
-                <a:latin typeface="微软雅黑" panose="020B0503020204020204" pitchFamily="34" charset="-122"/>
-                <a:ea typeface="微软雅黑" panose="020B0503020204020204" pitchFamily="34" charset="-122"/>
-              </a:rPr>
-              <a:t>体验码不可新增、修改，不可删除</a:t>
-            </a:r>
-            <a:endParaRPr lang="en-US" altLang="zh-CN" sz="1200" dirty="0">
-              <a:latin typeface="微软雅黑" panose="020B0503020204020204" pitchFamily="34" charset="-122"/>
-              <a:ea typeface="微软雅黑" panose="020B0503020204020204" pitchFamily="34" charset="-122"/>
-            </a:endParaRPr>
-          </a:p>
-          <a:p>
-            <a:pPr algn="l"/>
-            <a:r>
-              <a:rPr lang="zh-CN" altLang="en-US" sz="1200" dirty="0">
-                <a:latin typeface="微软雅黑" panose="020B0503020204020204" pitchFamily="34" charset="-122"/>
-                <a:ea typeface="微软雅黑" panose="020B0503020204020204" pitchFamily="34" charset="-122"/>
-              </a:rPr>
-              <a:t>实体码根据运营情况，可新增、可删除</a:t>
-            </a:r>
-            <a:endParaRPr lang="en-US" altLang="zh-CN" sz="1200" dirty="0">
-              <a:latin typeface="微软雅黑" panose="020B0503020204020204" pitchFamily="34" charset="-122"/>
-              <a:ea typeface="微软雅黑" panose="020B0503020204020204" pitchFamily="34" charset="-122"/>
-            </a:endParaRPr>
-          </a:p>
-          <a:p>
-            <a:pPr algn="l"/>
-            <a:r>
-              <a:rPr lang="zh-CN" altLang="en-US" sz="1200" dirty="0">
-                <a:latin typeface="微软雅黑" panose="020B0503020204020204" pitchFamily="34" charset="-122"/>
-                <a:ea typeface="微软雅黑" panose="020B0503020204020204" pitchFamily="34" charset="-122"/>
-              </a:rPr>
-              <a:t>可过滤可检索</a:t>
-            </a:r>
-            <a:endParaRPr lang="en-US" altLang="zh-CN" sz="1200" dirty="0">
-              <a:latin typeface="微软雅黑" panose="020B0503020204020204" pitchFamily="34" charset="-122"/>
-              <a:ea typeface="微软雅黑" panose="020B0503020204020204" pitchFamily="34" charset="-122"/>
-            </a:endParaRPr>
-          </a:p>
-          <a:p>
-            <a:pPr algn="l"/>
-            <a:endParaRPr lang="en-US" altLang="zh-CN" sz="1200" dirty="0">
-              <a:latin typeface="微软雅黑" panose="020B0503020204020204" pitchFamily="34" charset="-122"/>
-              <a:ea typeface="微软雅黑" panose="020B0503020204020204" pitchFamily="34" charset="-122"/>
-            </a:endParaRPr>
-          </a:p>
-          <a:p>
-            <a:pPr algn="l"/>
-            <a:r>
-              <a:rPr lang="zh-CN" altLang="en-US" sz="1200" dirty="0">
-                <a:latin typeface="微软雅黑" panose="020B0503020204020204" pitchFamily="34" charset="-122"/>
-                <a:ea typeface="微软雅黑" panose="020B0503020204020204" pitchFamily="34" charset="-122"/>
-              </a:rPr>
-              <a:t>实体码需要增加批量生成功能，一次生成</a:t>
-            </a:r>
-            <a:r>
-              <a:rPr lang="en-US" altLang="zh-CN" sz="1200" dirty="0">
-                <a:latin typeface="微软雅黑" panose="020B0503020204020204" pitchFamily="34" charset="-122"/>
-                <a:ea typeface="微软雅黑" panose="020B0503020204020204" pitchFamily="34" charset="-122"/>
-              </a:rPr>
-              <a:t>5000</a:t>
-            </a:r>
-            <a:r>
-              <a:rPr lang="zh-CN" altLang="en-US" sz="1200" dirty="0">
-                <a:latin typeface="微软雅黑" panose="020B0503020204020204" pitchFamily="34" charset="-122"/>
-                <a:ea typeface="微软雅黑" panose="020B0503020204020204" pitchFamily="34" charset="-122"/>
-              </a:rPr>
-              <a:t>个码，</a:t>
-            </a:r>
-            <a:endParaRPr lang="en-US" altLang="zh-CN" sz="1200" dirty="0">
-              <a:latin typeface="微软雅黑" panose="020B0503020204020204" pitchFamily="34" charset="-122"/>
-              <a:ea typeface="微软雅黑" panose="020B0503020204020204" pitchFamily="34" charset="-122"/>
-            </a:endParaRPr>
-          </a:p>
-          <a:p>
-            <a:r>
-              <a:rPr lang="zh-CN" altLang="en-US" sz="1200" dirty="0">
-                <a:latin typeface="微软雅黑" panose="020B0503020204020204" pitchFamily="34" charset="-122"/>
-                <a:ea typeface="微软雅黑" panose="020B0503020204020204" pitchFamily="34" charset="-122"/>
-              </a:rPr>
-              <a:t>可过滤可检索</a:t>
-            </a:r>
-            <a:endParaRPr lang="en-US" altLang="zh-CN" sz="1200" dirty="0">
-              <a:latin typeface="微软雅黑" panose="020B0503020204020204" pitchFamily="34" charset="-122"/>
-              <a:ea typeface="微软雅黑" panose="020B0503020204020204" pitchFamily="34" charset="-122"/>
-            </a:endParaRPr>
-          </a:p>
-          <a:p>
-            <a:pPr algn="l"/>
-            <a:r>
-              <a:rPr lang="zh-CN" altLang="en-US" sz="1200" dirty="0">
-                <a:latin typeface="微软雅黑" panose="020B0503020204020204" pitchFamily="34" charset="-122"/>
-                <a:ea typeface="微软雅黑" panose="020B0503020204020204" pitchFamily="34" charset="-122"/>
-              </a:rPr>
-              <a:t>数据可导出用于印刷制作</a:t>
-            </a:r>
-            <a:endParaRPr lang="en-US" altLang="zh-CN" sz="1200" dirty="0">
-              <a:latin typeface="微软雅黑" panose="020B0503020204020204" pitchFamily="34" charset="-122"/>
-              <a:ea typeface="微软雅黑" panose="020B0503020204020204" pitchFamily="34" charset="-122"/>
-            </a:endParaRPr>
-          </a:p>
-          <a:p>
-            <a:pPr algn="l"/>
-            <a:r>
-              <a:rPr lang="zh-CN" altLang="en-US" sz="1200" dirty="0">
-                <a:latin typeface="微软雅黑" panose="020B0503020204020204" pitchFamily="34" charset="-122"/>
-                <a:ea typeface="微软雅黑" panose="020B0503020204020204" pitchFamily="34" charset="-122"/>
-              </a:rPr>
-              <a:t>可批量更新状态</a:t>
-            </a:r>
-            <a:endParaRPr lang="en-US" altLang="zh-CN" sz="1200" dirty="0">
-              <a:latin typeface="微软雅黑" panose="020B0503020204020204" pitchFamily="34" charset="-122"/>
-              <a:ea typeface="微软雅黑" panose="020B0503020204020204" pitchFamily="34" charset="-122"/>
-            </a:endParaRPr>
-          </a:p>
-        </p:txBody>
-      </p:sp>
-      <p:graphicFrame>
-        <p:nvGraphicFramePr>
-          <p:cNvPr id="23" name="对象 22">
-            <a:extLst>
-              <a:ext uri="{FF2B5EF4-FFF2-40B4-BE49-F238E27FC236}">
-                <a16:creationId xmlns:a16="http://schemas.microsoft.com/office/drawing/2014/main" id="{97087D62-9DA3-4F95-8B3C-27CB37EB29FD}"/>
+                <a16:creationId xmlns:a16="http://schemas.microsoft.com/office/drawing/2014/main" id="{7F56EEA4-8E6B-45C5-9CA2-A6376CCBECE5}"/>
               </a:ext>
             </a:extLst>
           </p:cNvPr>
@@ -1049,25 +889,25 @@
           <p:nvPr>
             <p:extLst>
               <p:ext uri="{D42A27DB-BD31-4B8C-83A1-F6EECF244321}">
-                <p14:modId xmlns:p14="http://schemas.microsoft.com/office/powerpoint/2010/main" val="3951927194"/>
+                <p14:modId xmlns:p14="http://schemas.microsoft.com/office/powerpoint/2010/main" val="4276575811"/>
               </p:ext>
             </p:extLst>
           </p:nvPr>
         </p:nvGraphicFramePr>
         <p:xfrm>
-          <a:off x="2466905" y="1788423"/>
-          <a:ext cx="6773863" cy="960437"/>
+          <a:off x="1624219" y="1580530"/>
+          <a:ext cx="7962900" cy="1150937"/>
         </p:xfrm>
         <a:graphic>
           <a:graphicData uri="http://schemas.openxmlformats.org/presentationml/2006/ole">
             <mc:AlternateContent xmlns:mc="http://schemas.openxmlformats.org/markup-compatibility/2006">
               <mc:Choice xmlns:v="urn:schemas-microsoft-com:vml" Requires="v">
-                <p:oleObj spid="_x0000_s2148" name="Worksheet" r:id="rId3" imgW="6774350" imgH="960268" progId="Excel.Sheet.12">
+                <p:oleObj spid="_x0000_s2179" name="Worksheet" r:id="rId3" imgW="7962621" imgH="1150873" progId="Excel.Sheet.12">
                   <p:embed/>
                 </p:oleObj>
               </mc:Choice>
               <mc:Fallback>
-                <p:oleObj name="Worksheet" r:id="rId3" imgW="6774350" imgH="960268" progId="Excel.Sheet.12">
+                <p:oleObj name="Worksheet" r:id="rId3" imgW="7962621" imgH="1150873" progId="Excel.Sheet.12">
                   <p:embed/>
                   <p:pic>
                     <p:nvPicPr>
@@ -1083,359 +923,8 @@
                     </p:blipFill>
                     <p:spPr>
                       <a:xfrm>
-                        <a:off x="2466905" y="1788423"/>
-                        <a:ext cx="6773863" cy="960437"/>
-                      </a:xfrm>
-                      <a:prstGeom prst="rect">
-                        <a:avLst/>
-                      </a:prstGeom>
-                    </p:spPr>
-                  </p:pic>
-                </p:oleObj>
-              </mc:Fallback>
-            </mc:AlternateContent>
-          </a:graphicData>
-        </a:graphic>
-      </p:graphicFrame>
-      <p:grpSp>
-        <p:nvGrpSpPr>
-          <p:cNvPr id="50" name="组合 49">
-            <a:extLst>
-              <a:ext uri="{FF2B5EF4-FFF2-40B4-BE49-F238E27FC236}">
-                <a16:creationId xmlns:a16="http://schemas.microsoft.com/office/drawing/2014/main" id="{444058D9-3D0F-4AC2-9DAE-969B5764E78A}"/>
-              </a:ext>
-            </a:extLst>
-          </p:cNvPr>
-          <p:cNvGrpSpPr/>
-          <p:nvPr/>
-        </p:nvGrpSpPr>
-        <p:grpSpPr>
-          <a:xfrm>
-            <a:off x="8793210" y="4964513"/>
-            <a:ext cx="2133208" cy="605452"/>
-            <a:chOff x="8740201" y="4730130"/>
-            <a:chExt cx="2133208" cy="605452"/>
-          </a:xfrm>
-        </p:grpSpPr>
-        <p:grpSp>
-          <p:nvGrpSpPr>
-            <p:cNvPr id="28" name="组合 27">
-              <a:extLst>
-                <a:ext uri="{FF2B5EF4-FFF2-40B4-BE49-F238E27FC236}">
-                  <a16:creationId xmlns:a16="http://schemas.microsoft.com/office/drawing/2014/main" id="{8B24E433-9978-4241-88D5-B754853E2E56}"/>
-                </a:ext>
-              </a:extLst>
-            </p:cNvPr>
-            <p:cNvGrpSpPr/>
-            <p:nvPr/>
-          </p:nvGrpSpPr>
-          <p:grpSpPr>
-            <a:xfrm>
-              <a:off x="8747088" y="4730130"/>
-              <a:ext cx="2126321" cy="247930"/>
-              <a:chOff x="105603" y="5640773"/>
-              <a:chExt cx="3139069" cy="366018"/>
-            </a:xfrm>
-          </p:grpSpPr>
-          <p:sp>
-            <p:nvSpPr>
-              <p:cNvPr id="29" name="矩形 28">
-                <a:extLst>
-                  <a:ext uri="{FF2B5EF4-FFF2-40B4-BE49-F238E27FC236}">
-                    <a16:creationId xmlns:a16="http://schemas.microsoft.com/office/drawing/2014/main" id="{7B4A660F-B58B-4008-9F93-56817050FC5A}"/>
-                  </a:ext>
-                </a:extLst>
-              </p:cNvPr>
-              <p:cNvSpPr/>
-              <p:nvPr/>
-            </p:nvSpPr>
-            <p:spPr>
-              <a:xfrm>
-                <a:off x="105603" y="5640773"/>
-                <a:ext cx="3139069" cy="366018"/>
-              </a:xfrm>
-              <a:prstGeom prst="rect">
-                <a:avLst/>
-              </a:prstGeom>
-              <a:ln>
-                <a:solidFill>
-                  <a:srgbClr val="DBDBDB"/>
-                </a:solidFill>
-              </a:ln>
-            </p:spPr>
-            <p:style>
-              <a:lnRef idx="1">
-                <a:schemeClr val="accent1"/>
-              </a:lnRef>
-              <a:fillRef idx="0">
-                <a:schemeClr val="accent1"/>
-              </a:fillRef>
-              <a:effectRef idx="0">
-                <a:schemeClr val="accent1"/>
-              </a:effectRef>
-              <a:fontRef idx="minor">
-                <a:schemeClr val="tx1"/>
-              </a:fontRef>
-            </p:style>
-            <p:txBody>
-              <a:bodyPr rtlCol="0" anchor="ctr"/>
-              <a:lstStyle/>
-              <a:p>
-                <a:pPr algn="ctr"/>
-                <a:endParaRPr lang="zh-CN" altLang="en-US" sz="500"/>
-              </a:p>
-            </p:txBody>
-          </p:sp>
-          <p:sp>
-            <p:nvSpPr>
-              <p:cNvPr id="30" name="文本框 29">
-                <a:extLst>
-                  <a:ext uri="{FF2B5EF4-FFF2-40B4-BE49-F238E27FC236}">
-                    <a16:creationId xmlns:a16="http://schemas.microsoft.com/office/drawing/2014/main" id="{0FDA182B-FF18-4577-A263-6275FD4B7B54}"/>
-                  </a:ext>
-                </a:extLst>
-              </p:cNvPr>
-              <p:cNvSpPr txBox="1"/>
-              <p:nvPr/>
-            </p:nvSpPr>
-            <p:spPr>
-              <a:xfrm>
-                <a:off x="552270" y="5691451"/>
-                <a:ext cx="2524902" cy="295340"/>
-              </a:xfrm>
-              <a:prstGeom prst="rect">
-                <a:avLst/>
-              </a:prstGeom>
-              <a:noFill/>
-            </p:spPr>
-            <p:txBody>
-              <a:bodyPr wrap="square" rtlCol="0">
-                <a:spAutoFit/>
-              </a:bodyPr>
-              <a:lstStyle/>
-              <a:p>
-                <a:r>
-                  <a:rPr lang="zh-CN" altLang="en-US" sz="700" dirty="0">
-                    <a:solidFill>
-                      <a:srgbClr val="EFEFF4"/>
-                    </a:solidFill>
-                    <a:latin typeface="微软雅黑" panose="020B0503020204020204" pitchFamily="34" charset="-122"/>
-                    <a:ea typeface="微软雅黑" panose="020B0503020204020204" pitchFamily="34" charset="-122"/>
-                  </a:rPr>
-                  <a:t>批量生成的数量</a:t>
-                </a:r>
-              </a:p>
-            </p:txBody>
-          </p:sp>
-          <p:sp>
-            <p:nvSpPr>
-              <p:cNvPr id="31" name="矩形 30">
-                <a:extLst>
-                  <a:ext uri="{FF2B5EF4-FFF2-40B4-BE49-F238E27FC236}">
-                    <a16:creationId xmlns:a16="http://schemas.microsoft.com/office/drawing/2014/main" id="{C56C175D-E0AB-4AFD-855E-52EAAE9652D1}"/>
-                  </a:ext>
-                </a:extLst>
-              </p:cNvPr>
-              <p:cNvSpPr/>
-              <p:nvPr/>
-            </p:nvSpPr>
-            <p:spPr>
-              <a:xfrm>
-                <a:off x="158334" y="5721987"/>
-                <a:ext cx="203589" cy="203589"/>
-              </a:xfrm>
-              <a:prstGeom prst="rect">
-                <a:avLst/>
-              </a:prstGeom>
-              <a:solidFill>
-                <a:schemeClr val="bg1">
-                  <a:lumMod val="85000"/>
-                </a:schemeClr>
-              </a:solidFill>
-              <a:ln>
-                <a:noFill/>
-              </a:ln>
-            </p:spPr>
-            <p:style>
-              <a:lnRef idx="2">
-                <a:schemeClr val="accent1">
-                  <a:shade val="50000"/>
-                </a:schemeClr>
-              </a:lnRef>
-              <a:fillRef idx="1">
-                <a:schemeClr val="accent1"/>
-              </a:fillRef>
-              <a:effectRef idx="0">
-                <a:schemeClr val="accent1"/>
-              </a:effectRef>
-              <a:fontRef idx="minor">
-                <a:schemeClr val="lt1"/>
-              </a:fontRef>
-            </p:style>
-            <p:txBody>
-              <a:bodyPr rtlCol="0" anchor="ctr"/>
-              <a:lstStyle/>
-              <a:p>
-                <a:pPr algn="ctr"/>
-                <a:endParaRPr lang="zh-CN" altLang="en-US" sz="500"/>
-              </a:p>
-            </p:txBody>
-          </p:sp>
-          <p:cxnSp>
-            <p:nvCxnSpPr>
-              <p:cNvPr id="32" name="直接连接符 31">
-                <a:extLst>
-                  <a:ext uri="{FF2B5EF4-FFF2-40B4-BE49-F238E27FC236}">
-                    <a16:creationId xmlns:a16="http://schemas.microsoft.com/office/drawing/2014/main" id="{2E9B98E5-7390-49A9-9D0A-135309B7C084}"/>
-                  </a:ext>
-                </a:extLst>
-              </p:cNvPr>
-              <p:cNvCxnSpPr/>
-              <p:nvPr/>
-            </p:nvCxnSpPr>
-            <p:spPr>
-              <a:xfrm>
-                <a:off x="459213" y="5683263"/>
-                <a:ext cx="0" cy="269861"/>
-              </a:xfrm>
-              <a:prstGeom prst="line">
-                <a:avLst/>
-              </a:prstGeom>
-              <a:ln>
-                <a:solidFill>
-                  <a:srgbClr val="DBDBDB"/>
-                </a:solidFill>
-              </a:ln>
-            </p:spPr>
-            <p:style>
-              <a:lnRef idx="1">
-                <a:schemeClr val="accent1"/>
-              </a:lnRef>
-              <a:fillRef idx="0">
-                <a:schemeClr val="accent1"/>
-              </a:fillRef>
-              <a:effectRef idx="0">
-                <a:schemeClr val="accent1"/>
-              </a:effectRef>
-              <a:fontRef idx="minor">
-                <a:schemeClr val="tx1"/>
-              </a:fontRef>
-            </p:style>
-          </p:cxnSp>
-        </p:grpSp>
-        <p:sp>
-          <p:nvSpPr>
-            <p:cNvPr id="43" name="矩形: 圆角 42">
-              <a:hlinkClick r:id="rId5" action="ppaction://hlinksldjump"/>
-              <a:extLst>
-                <a:ext uri="{FF2B5EF4-FFF2-40B4-BE49-F238E27FC236}">
-                  <a16:creationId xmlns:a16="http://schemas.microsoft.com/office/drawing/2014/main" id="{873CC451-13C3-4C37-BEE0-E3F644B43B69}"/>
-                </a:ext>
-              </a:extLst>
-            </p:cNvPr>
-            <p:cNvSpPr/>
-            <p:nvPr/>
-          </p:nvSpPr>
-          <p:spPr>
-            <a:xfrm>
-              <a:off x="8740201" y="5073274"/>
-              <a:ext cx="2126321" cy="262308"/>
-            </a:xfrm>
-            <a:prstGeom prst="roundRect">
-              <a:avLst>
-                <a:gd name="adj" fmla="val 6455"/>
-              </a:avLst>
-            </a:prstGeom>
-            <a:solidFill>
-              <a:srgbClr val="09BB07"/>
-            </a:solidFill>
-            <a:ln>
-              <a:noFill/>
-            </a:ln>
-          </p:spPr>
-          <p:style>
-            <a:lnRef idx="2">
-              <a:schemeClr val="accent1">
-                <a:shade val="50000"/>
-              </a:schemeClr>
-            </a:lnRef>
-            <a:fillRef idx="1">
-              <a:schemeClr val="accent1"/>
-            </a:fillRef>
-            <a:effectRef idx="0">
-              <a:schemeClr val="accent1"/>
-            </a:effectRef>
-            <a:fontRef idx="minor">
-              <a:schemeClr val="lt1"/>
-            </a:fontRef>
-          </p:style>
-          <p:txBody>
-            <a:bodyPr rtlCol="0" anchor="ctr"/>
-            <a:lstStyle/>
-            <a:p>
-              <a:pPr algn="ctr"/>
-              <a:r>
-                <a:rPr lang="zh-CN" altLang="en-US" sz="700" dirty="0">
-                  <a:latin typeface="微软雅黑" panose="020B0503020204020204" pitchFamily="34" charset="-122"/>
-                  <a:ea typeface="微软雅黑" panose="020B0503020204020204" pitchFamily="34" charset="-122"/>
-                </a:rPr>
-                <a:t>批量生成</a:t>
-              </a:r>
-            </a:p>
-          </p:txBody>
-        </p:sp>
-      </p:grpSp>
-      <p:graphicFrame>
-        <p:nvGraphicFramePr>
-          <p:cNvPr id="48" name="对象 47">
-            <a:extLst>
-              <a:ext uri="{FF2B5EF4-FFF2-40B4-BE49-F238E27FC236}">
-                <a16:creationId xmlns:a16="http://schemas.microsoft.com/office/drawing/2014/main" id="{8A327990-2966-4D0D-9CC5-CD5D60F38186}"/>
-              </a:ext>
-            </a:extLst>
-          </p:cNvPr>
-          <p:cNvGraphicFramePr>
-            <a:graphicFrameLocks noChangeAspect="1"/>
-          </p:cNvGraphicFramePr>
-          <p:nvPr>
-            <p:extLst>
-              <p:ext uri="{D42A27DB-BD31-4B8C-83A1-F6EECF244321}">
-                <p14:modId xmlns:p14="http://schemas.microsoft.com/office/powerpoint/2010/main" val="1780436877"/>
-              </p:ext>
-            </p:extLst>
-          </p:nvPr>
-        </p:nvGraphicFramePr>
-        <p:xfrm>
-          <a:off x="1627187" y="3143246"/>
-          <a:ext cx="8937625" cy="1341437"/>
-        </p:xfrm>
-        <a:graphic>
-          <a:graphicData uri="http://schemas.openxmlformats.org/presentationml/2006/ole">
-            <mc:AlternateContent xmlns:mc="http://schemas.openxmlformats.org/markup-compatibility/2006">
-              <mc:Choice xmlns:v="urn:schemas-microsoft-com:vml" Requires="v">
-                <p:oleObj spid="_x0000_s2149" name="Worksheet" r:id="rId6" imgW="8937968" imgH="1340876" progId="Excel.Sheet.12">
-                  <p:embed/>
-                </p:oleObj>
-              </mc:Choice>
-              <mc:Fallback>
-                <p:oleObj name="Worksheet" r:id="rId6" imgW="8937968" imgH="1340876" progId="Excel.Sheet.12">
-                  <p:embed/>
-                  <p:pic>
-                    <p:nvPicPr>
-                      <p:cNvPr id="0" name=""/>
-                      <p:cNvPicPr/>
-                      <p:nvPr/>
-                    </p:nvPicPr>
-                    <p:blipFill>
-                      <a:blip r:embed="rId7"/>
-                      <a:stretch>
-                        <a:fillRect/>
-                      </a:stretch>
-                    </p:blipFill>
-                    <p:spPr>
-                      <a:xfrm>
-                        <a:off x="1627187" y="3143246"/>
-                        <a:ext cx="8937625" cy="1341437"/>
+                        <a:off x="1624219" y="1580530"/>
+                        <a:ext cx="7962900" cy="1150937"/>
                       </a:xfrm>
                       <a:prstGeom prst="rect">
                         <a:avLst/>
@@ -1450,10 +939,10 @@
       </p:graphicFrame>
       <p:sp>
         <p:nvSpPr>
-          <p:cNvPr id="49" name="文本框 48">
+          <p:cNvPr id="17" name="文本框 16">
             <a:extLst>
               <a:ext uri="{FF2B5EF4-FFF2-40B4-BE49-F238E27FC236}">
-                <a16:creationId xmlns:a16="http://schemas.microsoft.com/office/drawing/2014/main" id="{44B4CB94-DA4E-483D-BF97-736571D82FCE}"/>
+                <a16:creationId xmlns:a16="http://schemas.microsoft.com/office/drawing/2014/main" id="{96030E50-A0FF-454E-ADB7-143A0B501755}"/>
               </a:ext>
             </a:extLst>
           </p:cNvPr>
@@ -1462,8 +951,8 @@
         </p:nvSpPr>
         <p:spPr>
           <a:xfrm>
-            <a:off x="894522" y="4964513"/>
-            <a:ext cx="5440017" cy="646331"/>
+            <a:off x="144367" y="456006"/>
+            <a:ext cx="9568069" cy="276999"/>
           </a:xfrm>
           <a:prstGeom prst="rect">
             <a:avLst/>
@@ -1476,41 +965,12 @@
           </a:bodyPr>
           <a:lstStyle/>
           <a:p>
-            <a:pPr algn="l"/>
             <a:r>
               <a:rPr lang="zh-CN" altLang="en-US" sz="1200" dirty="0">
                 <a:latin typeface="微软雅黑" panose="020B0503020204020204" pitchFamily="34" charset="-122"/>
                 <a:ea typeface="微软雅黑" panose="020B0503020204020204" pitchFamily="34" charset="-122"/>
               </a:rPr>
-              <a:t>对于导出，可先过滤，如未制作的所有码。过滤后导出，用于制作</a:t>
-            </a:r>
-            <a:endParaRPr lang="en-US" altLang="zh-CN" sz="1200" dirty="0">
-              <a:latin typeface="微软雅黑" panose="020B0503020204020204" pitchFamily="34" charset="-122"/>
-              <a:ea typeface="微软雅黑" panose="020B0503020204020204" pitchFamily="34" charset="-122"/>
-            </a:endParaRPr>
-          </a:p>
-          <a:p>
-            <a:pPr algn="l"/>
-            <a:r>
-              <a:rPr lang="zh-CN" altLang="en-US" sz="1200" dirty="0">
-                <a:latin typeface="微软雅黑" panose="020B0503020204020204" pitchFamily="34" charset="-122"/>
-                <a:ea typeface="微软雅黑" panose="020B0503020204020204" pitchFamily="34" charset="-122"/>
-              </a:rPr>
-              <a:t>制作完成后，再次过滤，未制作的所有码。全选，批量更新状态为“库存”</a:t>
-            </a:r>
-            <a:endParaRPr lang="en-US" altLang="zh-CN" sz="1200" dirty="0">
-              <a:latin typeface="微软雅黑" panose="020B0503020204020204" pitchFamily="34" charset="-122"/>
-              <a:ea typeface="微软雅黑" panose="020B0503020204020204" pitchFamily="34" charset="-122"/>
-            </a:endParaRPr>
-          </a:p>
-          <a:p>
-            <a:pPr algn="l"/>
-            <a:r>
-              <a:rPr lang="zh-CN" altLang="en-US" sz="1200" dirty="0">
-                <a:latin typeface="微软雅黑" panose="020B0503020204020204" pitchFamily="34" charset="-122"/>
-                <a:ea typeface="微软雅黑" panose="020B0503020204020204" pitchFamily="34" charset="-122"/>
-              </a:rPr>
-              <a:t>发货状态不可在此更新，通过订单绑定更新</a:t>
+              <a:t>只有绑定了车牌、手机的，才叫做挪车码</a:t>
             </a:r>
           </a:p>
         </p:txBody>
@@ -1573,69 +1033,6 @@
           </a:p>
         </p:txBody>
       </p:sp>
-      <p:graphicFrame>
-        <p:nvGraphicFramePr>
-          <p:cNvPr id="6" name="对象 5">
-            <a:extLst>
-              <a:ext uri="{FF2B5EF4-FFF2-40B4-BE49-F238E27FC236}">
-                <a16:creationId xmlns:a16="http://schemas.microsoft.com/office/drawing/2014/main" id="{FCCA9A9C-D9C5-483A-A8D7-5DC2A54295B0}"/>
-              </a:ext>
-            </a:extLst>
-          </p:cNvPr>
-          <p:cNvGraphicFramePr>
-            <a:graphicFrameLocks noChangeAspect="1"/>
-          </p:cNvGraphicFramePr>
-          <p:nvPr>
-            <p:extLst>
-              <p:ext uri="{D42A27DB-BD31-4B8C-83A1-F6EECF244321}">
-                <p14:modId xmlns:p14="http://schemas.microsoft.com/office/powerpoint/2010/main" val="3070549525"/>
-              </p:ext>
-            </p:extLst>
-          </p:nvPr>
-        </p:nvGraphicFramePr>
-        <p:xfrm>
-          <a:off x="1922739" y="1843917"/>
-          <a:ext cx="7750175" cy="769937"/>
-        </p:xfrm>
-        <a:graphic>
-          <a:graphicData uri="http://schemas.openxmlformats.org/presentationml/2006/ole">
-            <mc:AlternateContent xmlns:mc="http://schemas.openxmlformats.org/markup-compatibility/2006">
-              <mc:Choice xmlns:v="urn:schemas-microsoft-com:vml" Requires="v">
-                <p:oleObj spid="_x0000_s3129" name="Worksheet" r:id="rId3" imgW="7749697" imgH="769662" progId="Excel.Sheet.12">
-                  <p:embed/>
-                </p:oleObj>
-              </mc:Choice>
-              <mc:Fallback>
-                <p:oleObj name="Worksheet" r:id="rId3" imgW="7749697" imgH="769662" progId="Excel.Sheet.12">
-                  <p:embed/>
-                  <p:pic>
-                    <p:nvPicPr>
-                      <p:cNvPr id="0" name=""/>
-                      <p:cNvPicPr/>
-                      <p:nvPr/>
-                    </p:nvPicPr>
-                    <p:blipFill>
-                      <a:blip r:embed="rId4"/>
-                      <a:stretch>
-                        <a:fillRect/>
-                      </a:stretch>
-                    </p:blipFill>
-                    <p:spPr>
-                      <a:xfrm>
-                        <a:off x="1922739" y="1843917"/>
-                        <a:ext cx="7750175" cy="769937"/>
-                      </a:xfrm>
-                      <a:prstGeom prst="rect">
-                        <a:avLst/>
-                      </a:prstGeom>
-                    </p:spPr>
-                  </p:pic>
-                </p:oleObj>
-              </mc:Fallback>
-            </mc:AlternateContent>
-          </a:graphicData>
-        </a:graphic>
-      </p:graphicFrame>
       <p:sp>
         <p:nvSpPr>
           <p:cNvPr id="7" name="文本框 6">
@@ -1674,6 +1071,69 @@
           </a:p>
         </p:txBody>
       </p:sp>
+      <p:graphicFrame>
+        <p:nvGraphicFramePr>
+          <p:cNvPr id="4" name="对象 3">
+            <a:extLst>
+              <a:ext uri="{FF2B5EF4-FFF2-40B4-BE49-F238E27FC236}">
+                <a16:creationId xmlns:a16="http://schemas.microsoft.com/office/drawing/2014/main" id="{F1BCF34E-D635-4B23-ACBF-57D9D63ED95F}"/>
+              </a:ext>
+            </a:extLst>
+          </p:cNvPr>
+          <p:cNvGraphicFramePr>
+            <a:graphicFrameLocks noChangeAspect="1"/>
+          </p:cNvGraphicFramePr>
+          <p:nvPr>
+            <p:extLst>
+              <p:ext uri="{D42A27DB-BD31-4B8C-83A1-F6EECF244321}">
+                <p14:modId xmlns:p14="http://schemas.microsoft.com/office/powerpoint/2010/main" val="4001215036"/>
+              </p:ext>
+            </p:extLst>
+          </p:nvPr>
+        </p:nvGraphicFramePr>
+        <p:xfrm>
+          <a:off x="1842052" y="1698142"/>
+          <a:ext cx="7924800" cy="769937"/>
+        </p:xfrm>
+        <a:graphic>
+          <a:graphicData uri="http://schemas.openxmlformats.org/presentationml/2006/ole">
+            <mc:AlternateContent xmlns:mc="http://schemas.openxmlformats.org/markup-compatibility/2006">
+              <mc:Choice xmlns:v="urn:schemas-microsoft-com:vml" Requires="v">
+                <p:oleObj spid="_x0000_s3154" name="Worksheet" r:id="rId3" imgW="7924620" imgH="769662" progId="Excel.Sheet.12">
+                  <p:embed/>
+                </p:oleObj>
+              </mc:Choice>
+              <mc:Fallback>
+                <p:oleObj name="Worksheet" r:id="rId3" imgW="7924620" imgH="769662" progId="Excel.Sheet.12">
+                  <p:embed/>
+                  <p:pic>
+                    <p:nvPicPr>
+                      <p:cNvPr id="0" name=""/>
+                      <p:cNvPicPr/>
+                      <p:nvPr/>
+                    </p:nvPicPr>
+                    <p:blipFill>
+                      <a:blip r:embed="rId4"/>
+                      <a:stretch>
+                        <a:fillRect/>
+                      </a:stretch>
+                    </p:blipFill>
+                    <p:spPr>
+                      <a:xfrm>
+                        <a:off x="1842052" y="1698142"/>
+                        <a:ext cx="7924800" cy="769937"/>
+                      </a:xfrm>
+                      <a:prstGeom prst="rect">
+                        <a:avLst/>
+                      </a:prstGeom>
+                    </p:spPr>
+                  </p:pic>
+                </p:oleObj>
+              </mc:Fallback>
+            </mc:AlternateContent>
+          </a:graphicData>
+        </a:graphic>
+      </p:graphicFrame>
     </p:spTree>
     <p:extLst>
       <p:ext uri="{BB962C8B-B14F-4D97-AF65-F5344CB8AC3E}">
@@ -1747,7 +1207,7 @@
         <p:spPr>
           <a:xfrm>
             <a:off x="144367" y="456006"/>
-            <a:ext cx="9568069" cy="646331"/>
+            <a:ext cx="9568069" cy="830997"/>
           </a:xfrm>
           <a:prstGeom prst="rect">
             <a:avLst/>
@@ -1778,7 +1238,20 @@
                 <a:latin typeface="微软雅黑" panose="020B0503020204020204" pitchFamily="34" charset="-122"/>
                 <a:ea typeface="微软雅黑" panose="020B0503020204020204" pitchFamily="34" charset="-122"/>
               </a:rPr>
-              <a:t>对于每一个订单，需要人工操作“发货”。发货记录绑定实体码</a:t>
+              <a:t>对于每一个订单，需要人工操作“发货”。</a:t>
+            </a:r>
+            <a:endParaRPr lang="en-US" altLang="zh-CN" sz="1200" dirty="0">
+              <a:latin typeface="微软雅黑" panose="020B0503020204020204" pitchFamily="34" charset="-122"/>
+              <a:ea typeface="微软雅黑" panose="020B0503020204020204" pitchFamily="34" charset="-122"/>
+            </a:endParaRPr>
+          </a:p>
+          <a:p>
+            <a:r>
+              <a:rPr lang="zh-CN" altLang="en-US" sz="1200" dirty="0">
+                <a:latin typeface="微软雅黑" panose="020B0503020204020204" pitchFamily="34" charset="-122"/>
+                <a:ea typeface="微软雅黑" panose="020B0503020204020204" pitchFamily="34" charset="-122"/>
+              </a:rPr>
+              <a:t>未来发货记录绑定实体码</a:t>
             </a:r>
             <a:r>
               <a:rPr lang="en-US" altLang="zh-CN" sz="1200" dirty="0">
@@ -1805,7 +1278,7 @@
                 <a:latin typeface="微软雅黑" panose="020B0503020204020204" pitchFamily="34" charset="-122"/>
                 <a:ea typeface="微软雅黑" panose="020B0503020204020204" pitchFamily="34" charset="-122"/>
               </a:rPr>
-              <a:t>物流信息，可单独设计实体，但不再单独页面中展示</a:t>
+              <a:t>本期只记录快递单号即可</a:t>
             </a:r>
             <a:endParaRPr lang="en-US" altLang="zh-CN" sz="1200" dirty="0">
               <a:latin typeface="微软雅黑" panose="020B0503020204020204" pitchFamily="34" charset="-122"/>
@@ -1814,12 +1287,90 @@
           </a:p>
         </p:txBody>
       </p:sp>
+      <p:sp>
+        <p:nvSpPr>
+          <p:cNvPr id="3" name="文本框 2">
+            <a:extLst>
+              <a:ext uri="{FF2B5EF4-FFF2-40B4-BE49-F238E27FC236}">
+                <a16:creationId xmlns:a16="http://schemas.microsoft.com/office/drawing/2014/main" id="{A1C7AA23-5649-4800-B1B6-7A46488F01CB}"/>
+              </a:ext>
+            </a:extLst>
+          </p:cNvPr>
+          <p:cNvSpPr txBox="1"/>
+          <p:nvPr/>
+        </p:nvSpPr>
+        <p:spPr>
+          <a:xfrm>
+            <a:off x="222250" y="3524458"/>
+            <a:ext cx="8895246" cy="646331"/>
+          </a:xfrm>
+          <a:prstGeom prst="rect">
+            <a:avLst/>
+          </a:prstGeom>
+          <a:noFill/>
+        </p:spPr>
+        <p:txBody>
+          <a:bodyPr wrap="square" rtlCol="0">
+            <a:spAutoFit/>
+          </a:bodyPr>
+          <a:lstStyle/>
+          <a:p>
+            <a:pPr algn="l"/>
+            <a:r>
+              <a:rPr lang="zh-CN" altLang="en-US" sz="1200" dirty="0">
+                <a:latin typeface="微软雅黑" panose="020B0503020204020204" pitchFamily="34" charset="-122"/>
+                <a:ea typeface="微软雅黑" panose="020B0503020204020204" pitchFamily="34" charset="-122"/>
+              </a:rPr>
+              <a:t>引入快递套打组件与设备</a:t>
+            </a:r>
+            <a:endParaRPr lang="en-US" altLang="zh-CN" sz="1200" dirty="0">
+              <a:latin typeface="微软雅黑" panose="020B0503020204020204" pitchFamily="34" charset="-122"/>
+              <a:ea typeface="微软雅黑" panose="020B0503020204020204" pitchFamily="34" charset="-122"/>
+            </a:endParaRPr>
+          </a:p>
+          <a:p>
+            <a:pPr algn="l"/>
+            <a:endParaRPr lang="en-US" altLang="zh-CN" sz="1200" dirty="0">
+              <a:latin typeface="微软雅黑" panose="020B0503020204020204" pitchFamily="34" charset="-122"/>
+              <a:ea typeface="微软雅黑" panose="020B0503020204020204" pitchFamily="34" charset="-122"/>
+            </a:endParaRPr>
+          </a:p>
+          <a:p>
+            <a:pPr algn="l"/>
+            <a:r>
+              <a:rPr lang="zh-CN" altLang="en-US" sz="1200" dirty="0">
+                <a:latin typeface="微软雅黑" panose="020B0503020204020204" pitchFamily="34" charset="-122"/>
+                <a:ea typeface="微软雅黑" panose="020B0503020204020204" pitchFamily="34" charset="-122"/>
+              </a:rPr>
+              <a:t>每次发货前，需要记录实体物料</a:t>
+            </a:r>
+            <a:r>
+              <a:rPr lang="en-US" altLang="zh-CN" sz="1200" dirty="0">
+                <a:latin typeface="微软雅黑" panose="020B0503020204020204" pitchFamily="34" charset="-122"/>
+                <a:ea typeface="微软雅黑" panose="020B0503020204020204" pitchFamily="34" charset="-122"/>
+              </a:rPr>
+              <a:t>ID</a:t>
+            </a:r>
+            <a:r>
+              <a:rPr lang="zh-CN" altLang="en-US" sz="1200" dirty="0">
+                <a:latin typeface="微软雅黑" panose="020B0503020204020204" pitchFamily="34" charset="-122"/>
+                <a:ea typeface="微软雅黑" panose="020B0503020204020204" pitchFamily="34" charset="-122"/>
+              </a:rPr>
+              <a:t>以及物流单号，需要支持扫码枪扫码录入</a:t>
+            </a:r>
+            <a:endParaRPr lang="en-US" altLang="zh-CN" sz="1200" dirty="0">
+              <a:latin typeface="微软雅黑" panose="020B0503020204020204" pitchFamily="34" charset="-122"/>
+              <a:ea typeface="微软雅黑" panose="020B0503020204020204" pitchFamily="34" charset="-122"/>
+            </a:endParaRPr>
+          </a:p>
+        </p:txBody>
+      </p:sp>
       <p:graphicFrame>
         <p:nvGraphicFramePr>
-          <p:cNvPr id="9" name="对象 8">
+          <p:cNvPr id="8" name="对象 7">
             <a:extLst>
               <a:ext uri="{FF2B5EF4-FFF2-40B4-BE49-F238E27FC236}">
-                <a16:creationId xmlns:a16="http://schemas.microsoft.com/office/drawing/2014/main" id="{04D585AB-2500-4459-A878-724C610E26E3}"/>
+                <a16:creationId xmlns:a16="http://schemas.microsoft.com/office/drawing/2014/main" id="{99160567-D2A2-4E72-9E20-C418E24BD5D0}"/>
               </a:ext>
             </a:extLst>
           </p:cNvPr>
@@ -1829,25 +1380,25 @@
           <p:nvPr>
             <p:extLst>
               <p:ext uri="{D42A27DB-BD31-4B8C-83A1-F6EECF244321}">
-                <p14:modId xmlns:p14="http://schemas.microsoft.com/office/powerpoint/2010/main" val="2395716140"/>
+                <p14:modId xmlns:p14="http://schemas.microsoft.com/office/powerpoint/2010/main" val="1207102387"/>
               </p:ext>
             </p:extLst>
           </p:nvPr>
         </p:nvGraphicFramePr>
         <p:xfrm>
-          <a:off x="421535" y="1497495"/>
-          <a:ext cx="11510466" cy="881270"/>
+          <a:off x="222250" y="2368343"/>
+          <a:ext cx="11747500" cy="965200"/>
         </p:xfrm>
         <a:graphic>
           <a:graphicData uri="http://schemas.openxmlformats.org/presentationml/2006/ole">
             <mc:AlternateContent xmlns:mc="http://schemas.openxmlformats.org/markup-compatibility/2006">
               <mc:Choice xmlns:v="urn:schemas-microsoft-com:vml" Requires="v">
-                <p:oleObj spid="_x0000_s4143" name="Worksheet" r:id="rId3" imgW="15133262" imgH="1150873" progId="Excel.Sheet.12">
+                <p:oleObj spid="_x0000_s4168" name="Worksheet" r:id="rId3" imgW="14089152" imgH="1150873" progId="Excel.Sheet.12">
                   <p:embed/>
                 </p:oleObj>
               </mc:Choice>
               <mc:Fallback>
-                <p:oleObj name="Worksheet" r:id="rId3" imgW="15133262" imgH="1150873" progId="Excel.Sheet.12">
+                <p:oleObj name="Worksheet" r:id="rId3" imgW="14089152" imgH="1150873" progId="Excel.Sheet.12">
                   <p:embed/>
                   <p:pic>
                     <p:nvPicPr>
@@ -1863,8 +1414,8 @@
                     </p:blipFill>
                     <p:spPr>
                       <a:xfrm>
-                        <a:off x="421535" y="1497495"/>
-                        <a:ext cx="11510466" cy="881270"/>
+                        <a:off x="222250" y="2368343"/>
+                        <a:ext cx="11747500" cy="965200"/>
                       </a:xfrm>
                       <a:prstGeom prst="rect">
                         <a:avLst/>
@@ -1877,116 +1428,133 @@
           </a:graphicData>
         </a:graphic>
       </p:graphicFrame>
-      <p:cxnSp>
-        <p:nvCxnSpPr>
-          <p:cNvPr id="11" name="直接箭头连接符 10">
+    </p:spTree>
+    <p:extLst>
+      <p:ext uri="{BB962C8B-B14F-4D97-AF65-F5344CB8AC3E}">
+        <p14:creationId xmlns:p14="http://schemas.microsoft.com/office/powerpoint/2010/main" val="3142110697"/>
+      </p:ext>
+    </p:extLst>
+  </p:cSld>
+  <p:clrMapOvr>
+    <a:masterClrMapping/>
+  </p:clrMapOvr>
+</p:sld>
+</file>
+
+<file path=ppt/slides/slide6.xml><?xml version="1.0" encoding="utf-8"?>
+<p:sld xmlns:a="http://schemas.openxmlformats.org/drawingml/2006/main" xmlns:r="http://schemas.openxmlformats.org/officeDocument/2006/relationships" xmlns:p="http://schemas.openxmlformats.org/presentationml/2006/main">
+  <p:cSld>
+    <p:spTree>
+      <p:nvGrpSpPr>
+        <p:cNvPr id="1" name=""/>
+        <p:cNvGrpSpPr/>
+        <p:nvPr/>
+      </p:nvGrpSpPr>
+      <p:grpSpPr>
+        <a:xfrm>
+          <a:off x="0" y="0"/>
+          <a:ext cx="0" cy="0"/>
+          <a:chOff x="0" y="0"/>
+          <a:chExt cx="0" cy="0"/>
+        </a:xfrm>
+      </p:grpSpPr>
+      <p:sp>
+        <p:nvSpPr>
+          <p:cNvPr id="2" name="标题 1">
             <a:extLst>
               <a:ext uri="{FF2B5EF4-FFF2-40B4-BE49-F238E27FC236}">
-                <a16:creationId xmlns:a16="http://schemas.microsoft.com/office/drawing/2014/main" id="{BE2CC9D6-294B-4C8A-A96A-5F5BF316F556}"/>
+                <a16:creationId xmlns:a16="http://schemas.microsoft.com/office/drawing/2014/main" id="{0613830C-A7ED-4333-80F9-AA3622A0A690}"/>
               </a:ext>
             </a:extLst>
           </p:cNvPr>
-          <p:cNvCxnSpPr/>
-          <p:nvPr/>
-        </p:nvCxnSpPr>
-        <p:spPr>
-          <a:xfrm flipH="1">
-            <a:off x="8262730" y="2378765"/>
-            <a:ext cx="2252870" cy="881270"/>
-          </a:xfrm>
-          <a:prstGeom prst="straightConnector1">
-            <a:avLst/>
-          </a:prstGeom>
-          <a:ln>
-            <a:tailEnd type="triangle"/>
-          </a:ln>
-        </p:spPr>
-        <p:style>
-          <a:lnRef idx="1">
-            <a:schemeClr val="accent1"/>
-          </a:lnRef>
-          <a:fillRef idx="0">
-            <a:schemeClr val="accent1"/>
-          </a:fillRef>
-          <a:effectRef idx="0">
-            <a:schemeClr val="accent1"/>
-          </a:effectRef>
-          <a:fontRef idx="minor">
-            <a:schemeClr val="tx1"/>
-          </a:fontRef>
-        </p:style>
-      </p:cxnSp>
-      <p:sp>
-        <p:nvSpPr>
-          <p:cNvPr id="22" name="矩形: 圆角 21">
+          <p:cNvSpPr>
+            <a:spLocks noGrp="1"/>
+          </p:cNvSpPr>
+          <p:nvPr>
+            <p:ph type="title"/>
+          </p:nvPr>
+        </p:nvSpPr>
+        <p:spPr/>
+        <p:txBody>
+          <a:bodyPr/>
+          <a:lstStyle/>
+          <a:p>
+            <a:r>
+              <a:rPr lang="zh-CN" altLang="en-US" dirty="0"/>
+              <a:t>实体物料管理</a:t>
+            </a:r>
+          </a:p>
+        </p:txBody>
+      </p:sp>
+      <p:graphicFrame>
+        <p:nvGraphicFramePr>
+          <p:cNvPr id="4" name="对象 3">
             <a:extLst>
               <a:ext uri="{FF2B5EF4-FFF2-40B4-BE49-F238E27FC236}">
-                <a16:creationId xmlns:a16="http://schemas.microsoft.com/office/drawing/2014/main" id="{D40FA781-248E-4B9B-86E5-315500142C19}"/>
+                <a16:creationId xmlns:a16="http://schemas.microsoft.com/office/drawing/2014/main" id="{982E357D-AD75-4C39-BF25-C44BFEAAD620}"/>
               </a:ext>
             </a:extLst>
           </p:cNvPr>
-          <p:cNvSpPr/>
-          <p:nvPr/>
-        </p:nvSpPr>
-        <p:spPr>
-          <a:xfrm>
-            <a:off x="7612585" y="3342333"/>
-            <a:ext cx="819028" cy="189352"/>
-          </a:xfrm>
-          <a:prstGeom prst="roundRect">
-            <a:avLst>
-              <a:gd name="adj" fmla="val 6455"/>
-            </a:avLst>
-          </a:prstGeom>
-          <a:solidFill>
-            <a:srgbClr val="FFFFFF"/>
-          </a:solidFill>
-          <a:ln>
-            <a:solidFill>
-              <a:srgbClr val="09BB07"/>
-            </a:solidFill>
-          </a:ln>
-        </p:spPr>
-        <p:style>
-          <a:lnRef idx="2">
-            <a:schemeClr val="accent1">
-              <a:shade val="50000"/>
-            </a:schemeClr>
-          </a:lnRef>
-          <a:fillRef idx="1">
-            <a:schemeClr val="accent1"/>
-          </a:fillRef>
-          <a:effectRef idx="0">
-            <a:schemeClr val="accent1"/>
-          </a:effectRef>
-          <a:fontRef idx="minor">
-            <a:schemeClr val="lt1"/>
-          </a:fontRef>
-        </p:style>
-        <p:txBody>
-          <a:bodyPr rtlCol="0" anchor="ctr"/>
-          <a:lstStyle/>
-          <a:p>
-            <a:pPr algn="ctr"/>
-            <a:r>
-              <a:rPr lang="zh-CN" altLang="en-US" sz="700" dirty="0">
-                <a:solidFill>
-                  <a:srgbClr val="09BB07"/>
-                </a:solidFill>
-                <a:latin typeface="微软雅黑" panose="020B0503020204020204" pitchFamily="34" charset="-122"/>
-                <a:ea typeface="微软雅黑" panose="020B0503020204020204" pitchFamily="34" charset="-122"/>
-              </a:rPr>
-              <a:t>检索</a:t>
-            </a:r>
-          </a:p>
-        </p:txBody>
-      </p:sp>
+          <p:cNvGraphicFramePr>
+            <a:graphicFrameLocks noChangeAspect="1"/>
+          </p:cNvGraphicFramePr>
+          <p:nvPr>
+            <p:extLst>
+              <p:ext uri="{D42A27DB-BD31-4B8C-83A1-F6EECF244321}">
+                <p14:modId xmlns:p14="http://schemas.microsoft.com/office/powerpoint/2010/main" val="4242003065"/>
+              </p:ext>
+            </p:extLst>
+          </p:nvPr>
+        </p:nvGraphicFramePr>
+        <p:xfrm>
+          <a:off x="4290218" y="2468563"/>
+          <a:ext cx="3611563" cy="960437"/>
+        </p:xfrm>
+        <a:graphic>
+          <a:graphicData uri="http://schemas.openxmlformats.org/presentationml/2006/ole">
+            <mc:AlternateContent xmlns:mc="http://schemas.openxmlformats.org/markup-compatibility/2006">
+              <mc:Choice xmlns:v="urn:schemas-microsoft-com:vml" Requires="v">
+                <p:oleObj spid="_x0000_s5131" name="Worksheet" r:id="rId3" imgW="3611861" imgH="960268" progId="Excel.Sheet.12">
+                  <p:embed/>
+                </p:oleObj>
+              </mc:Choice>
+              <mc:Fallback>
+                <p:oleObj name="Worksheet" r:id="rId3" imgW="3611861" imgH="960268" progId="Excel.Sheet.12">
+                  <p:embed/>
+                  <p:pic>
+                    <p:nvPicPr>
+                      <p:cNvPr id="0" name=""/>
+                      <p:cNvPicPr/>
+                      <p:nvPr/>
+                    </p:nvPicPr>
+                    <p:blipFill>
+                      <a:blip r:embed="rId4"/>
+                      <a:stretch>
+                        <a:fillRect/>
+                      </a:stretch>
+                    </p:blipFill>
+                    <p:spPr>
+                      <a:xfrm>
+                        <a:off x="4290218" y="2468563"/>
+                        <a:ext cx="3611563" cy="960437"/>
+                      </a:xfrm>
+                      <a:prstGeom prst="rect">
+                        <a:avLst/>
+                      </a:prstGeom>
+                    </p:spPr>
+                  </p:pic>
+                </p:oleObj>
+              </mc:Fallback>
+            </mc:AlternateContent>
+          </a:graphicData>
+        </a:graphic>
+      </p:graphicFrame>
       <p:sp>
         <p:nvSpPr>
-          <p:cNvPr id="28" name="文本框 27">
+          <p:cNvPr id="5" name="文本框 4">
             <a:extLst>
               <a:ext uri="{FF2B5EF4-FFF2-40B4-BE49-F238E27FC236}">
-                <a16:creationId xmlns:a16="http://schemas.microsoft.com/office/drawing/2014/main" id="{6BA2F86E-B546-4234-A4A6-E125B86B5469}"/>
+                <a16:creationId xmlns:a16="http://schemas.microsoft.com/office/drawing/2014/main" id="{D672A23F-A8DA-43A9-89D1-13AC41530B2D}"/>
               </a:ext>
             </a:extLst>
           </p:cNvPr>
@@ -1995,8 +1563,8 @@
         </p:nvSpPr>
         <p:spPr>
           <a:xfrm>
-            <a:off x="8838271" y="3197753"/>
-            <a:ext cx="3048000" cy="461665"/>
+            <a:off x="144367" y="456006"/>
+            <a:ext cx="9568069" cy="276999"/>
           </a:xfrm>
           <a:prstGeom prst="rect">
             <a:avLst/>
@@ -2009,755 +1577,20 @@
           </a:bodyPr>
           <a:lstStyle/>
           <a:p>
-            <a:pPr algn="l"/>
             <a:r>
               <a:rPr lang="zh-CN" altLang="en-US" sz="1200" dirty="0">
                 <a:latin typeface="微软雅黑" panose="020B0503020204020204" pitchFamily="34" charset="-122"/>
                 <a:ea typeface="微软雅黑" panose="020B0503020204020204" pitchFamily="34" charset="-122"/>
               </a:rPr>
-              <a:t>通过检索，检索过滤实体码</a:t>
-            </a:r>
-            <a:r>
-              <a:rPr lang="en-US" altLang="zh-CN" sz="1200" dirty="0">
-                <a:latin typeface="微软雅黑" panose="020B0503020204020204" pitchFamily="34" charset="-122"/>
-                <a:ea typeface="微软雅黑" panose="020B0503020204020204" pitchFamily="34" charset="-122"/>
-              </a:rPr>
-              <a:t>ID</a:t>
-            </a:r>
-          </a:p>
-          <a:p>
-            <a:pPr algn="l"/>
-            <a:r>
-              <a:rPr lang="zh-CN" altLang="en-US" sz="1200" dirty="0">
-                <a:latin typeface="微软雅黑" panose="020B0503020204020204" pitchFamily="34" charset="-122"/>
-                <a:ea typeface="微软雅黑" panose="020B0503020204020204" pitchFamily="34" charset="-122"/>
-              </a:rPr>
-              <a:t>降低运营发货的复杂度</a:t>
+              <a:t>实体物料，可批量生成，可以过滤并导出，用于印刷</a:t>
             </a:r>
           </a:p>
         </p:txBody>
       </p:sp>
-      <p:grpSp>
-        <p:nvGrpSpPr>
-          <p:cNvPr id="30" name="组合 29">
-            <a:extLst>
-              <a:ext uri="{FF2B5EF4-FFF2-40B4-BE49-F238E27FC236}">
-                <a16:creationId xmlns:a16="http://schemas.microsoft.com/office/drawing/2014/main" id="{D7A2183B-3EEE-40C8-8956-4DC71929AF02}"/>
-              </a:ext>
-            </a:extLst>
-          </p:cNvPr>
-          <p:cNvGrpSpPr/>
-          <p:nvPr/>
-        </p:nvGrpSpPr>
-        <p:grpSpPr>
-          <a:xfrm>
-            <a:off x="5520183" y="3260035"/>
-            <a:ext cx="2982154" cy="1785534"/>
-            <a:chOff x="5520183" y="3260035"/>
-            <a:chExt cx="2982154" cy="1785534"/>
-          </a:xfrm>
-        </p:grpSpPr>
-        <p:grpSp>
-          <p:nvGrpSpPr>
-            <p:cNvPr id="12" name="组合 11">
-              <a:extLst>
-                <a:ext uri="{FF2B5EF4-FFF2-40B4-BE49-F238E27FC236}">
-                  <a16:creationId xmlns:a16="http://schemas.microsoft.com/office/drawing/2014/main" id="{8202DACA-3E6F-4753-9066-56AA6F4188F0}"/>
-                </a:ext>
-              </a:extLst>
-            </p:cNvPr>
-            <p:cNvGrpSpPr/>
-            <p:nvPr/>
-          </p:nvGrpSpPr>
-          <p:grpSpPr>
-            <a:xfrm>
-              <a:off x="5520184" y="3260035"/>
-              <a:ext cx="2982153" cy="347721"/>
-              <a:chOff x="105603" y="5640773"/>
-              <a:chExt cx="3139069" cy="366018"/>
-            </a:xfrm>
-          </p:grpSpPr>
-          <p:sp>
-            <p:nvSpPr>
-              <p:cNvPr id="13" name="矩形 12">
-                <a:extLst>
-                  <a:ext uri="{FF2B5EF4-FFF2-40B4-BE49-F238E27FC236}">
-                    <a16:creationId xmlns:a16="http://schemas.microsoft.com/office/drawing/2014/main" id="{8C3F0919-8D0E-4008-9CE0-709837489D8E}"/>
-                  </a:ext>
-                </a:extLst>
-              </p:cNvPr>
-              <p:cNvSpPr/>
-              <p:nvPr/>
-            </p:nvSpPr>
-            <p:spPr>
-              <a:xfrm>
-                <a:off x="105603" y="5640773"/>
-                <a:ext cx="3139069" cy="366018"/>
-              </a:xfrm>
-              <a:prstGeom prst="rect">
-                <a:avLst/>
-              </a:prstGeom>
-              <a:ln>
-                <a:solidFill>
-                  <a:srgbClr val="DBDBDB"/>
-                </a:solidFill>
-              </a:ln>
-            </p:spPr>
-            <p:style>
-              <a:lnRef idx="1">
-                <a:schemeClr val="accent1"/>
-              </a:lnRef>
-              <a:fillRef idx="0">
-                <a:schemeClr val="accent1"/>
-              </a:fillRef>
-              <a:effectRef idx="0">
-                <a:schemeClr val="accent1"/>
-              </a:effectRef>
-              <a:fontRef idx="minor">
-                <a:schemeClr val="tx1"/>
-              </a:fontRef>
-            </p:style>
-            <p:txBody>
-              <a:bodyPr rtlCol="0" anchor="ctr"/>
-              <a:lstStyle/>
-              <a:p>
-                <a:pPr algn="ctr"/>
-                <a:endParaRPr lang="zh-CN" altLang="en-US" sz="900"/>
-              </a:p>
-            </p:txBody>
-          </p:sp>
-          <p:sp>
-            <p:nvSpPr>
-              <p:cNvPr id="14" name="文本框 13">
-                <a:extLst>
-                  <a:ext uri="{FF2B5EF4-FFF2-40B4-BE49-F238E27FC236}">
-                    <a16:creationId xmlns:a16="http://schemas.microsoft.com/office/drawing/2014/main" id="{E3409F7E-3798-4487-A3D8-9489E003068D}"/>
-                  </a:ext>
-                </a:extLst>
-              </p:cNvPr>
-              <p:cNvSpPr txBox="1"/>
-              <p:nvPr/>
-            </p:nvSpPr>
-            <p:spPr>
-              <a:xfrm>
-                <a:off x="552269" y="5691452"/>
-                <a:ext cx="2524903" cy="267277"/>
-              </a:xfrm>
-              <a:prstGeom prst="rect">
-                <a:avLst/>
-              </a:prstGeom>
-              <a:noFill/>
-            </p:spPr>
-            <p:txBody>
-              <a:bodyPr wrap="square" rtlCol="0">
-                <a:spAutoFit/>
-              </a:bodyPr>
-              <a:lstStyle/>
-              <a:p>
-                <a:r>
-                  <a:rPr lang="zh-CN" altLang="en-US" sz="1050" dirty="0">
-                    <a:solidFill>
-                      <a:srgbClr val="EFEFF4"/>
-                    </a:solidFill>
-                    <a:latin typeface="微软雅黑" panose="020B0503020204020204" pitchFamily="34" charset="-122"/>
-                    <a:ea typeface="微软雅黑" panose="020B0503020204020204" pitchFamily="34" charset="-122"/>
-                  </a:rPr>
-                  <a:t>实体码</a:t>
-                </a:r>
-                <a:r>
-                  <a:rPr lang="en-US" altLang="zh-CN" sz="1050" dirty="0">
-                    <a:solidFill>
-                      <a:srgbClr val="EFEFF4"/>
-                    </a:solidFill>
-                    <a:latin typeface="微软雅黑" panose="020B0503020204020204" pitchFamily="34" charset="-122"/>
-                    <a:ea typeface="微软雅黑" panose="020B0503020204020204" pitchFamily="34" charset="-122"/>
-                  </a:rPr>
-                  <a:t>ID</a:t>
-                </a:r>
-                <a:endParaRPr lang="zh-CN" altLang="en-US" sz="1050" dirty="0">
-                  <a:solidFill>
-                    <a:srgbClr val="EFEFF4"/>
-                  </a:solidFill>
-                  <a:latin typeface="微软雅黑" panose="020B0503020204020204" pitchFamily="34" charset="-122"/>
-                  <a:ea typeface="微软雅黑" panose="020B0503020204020204" pitchFamily="34" charset="-122"/>
-                </a:endParaRPr>
-              </a:p>
-            </p:txBody>
-          </p:sp>
-          <p:sp>
-            <p:nvSpPr>
-              <p:cNvPr id="15" name="矩形 14">
-                <a:extLst>
-                  <a:ext uri="{FF2B5EF4-FFF2-40B4-BE49-F238E27FC236}">
-                    <a16:creationId xmlns:a16="http://schemas.microsoft.com/office/drawing/2014/main" id="{6CFD9B7F-0E2E-4314-A8B2-CC9FB86AB86A}"/>
-                  </a:ext>
-                </a:extLst>
-              </p:cNvPr>
-              <p:cNvSpPr/>
-              <p:nvPr/>
-            </p:nvSpPr>
-            <p:spPr>
-              <a:xfrm>
-                <a:off x="158334" y="5721987"/>
-                <a:ext cx="203589" cy="203589"/>
-              </a:xfrm>
-              <a:prstGeom prst="rect">
-                <a:avLst/>
-              </a:prstGeom>
-              <a:solidFill>
-                <a:schemeClr val="bg1">
-                  <a:lumMod val="85000"/>
-                </a:schemeClr>
-              </a:solidFill>
-              <a:ln>
-                <a:noFill/>
-              </a:ln>
-            </p:spPr>
-            <p:style>
-              <a:lnRef idx="2">
-                <a:schemeClr val="accent1">
-                  <a:shade val="50000"/>
-                </a:schemeClr>
-              </a:lnRef>
-              <a:fillRef idx="1">
-                <a:schemeClr val="accent1"/>
-              </a:fillRef>
-              <a:effectRef idx="0">
-                <a:schemeClr val="accent1"/>
-              </a:effectRef>
-              <a:fontRef idx="minor">
-                <a:schemeClr val="lt1"/>
-              </a:fontRef>
-            </p:style>
-            <p:txBody>
-              <a:bodyPr rtlCol="0" anchor="ctr"/>
-              <a:lstStyle/>
-              <a:p>
-                <a:pPr algn="ctr"/>
-                <a:endParaRPr lang="zh-CN" altLang="en-US" sz="900"/>
-              </a:p>
-            </p:txBody>
-          </p:sp>
-          <p:cxnSp>
-            <p:nvCxnSpPr>
-              <p:cNvPr id="16" name="直接连接符 15">
-                <a:extLst>
-                  <a:ext uri="{FF2B5EF4-FFF2-40B4-BE49-F238E27FC236}">
-                    <a16:creationId xmlns:a16="http://schemas.microsoft.com/office/drawing/2014/main" id="{1BF7087C-6566-4C72-9949-69438DE8627C}"/>
-                  </a:ext>
-                </a:extLst>
-              </p:cNvPr>
-              <p:cNvCxnSpPr/>
-              <p:nvPr/>
-            </p:nvCxnSpPr>
-            <p:spPr>
-              <a:xfrm>
-                <a:off x="459213" y="5683263"/>
-                <a:ext cx="0" cy="269861"/>
-              </a:xfrm>
-              <a:prstGeom prst="line">
-                <a:avLst/>
-              </a:prstGeom>
-              <a:ln>
-                <a:solidFill>
-                  <a:srgbClr val="DBDBDB"/>
-                </a:solidFill>
-              </a:ln>
-            </p:spPr>
-            <p:style>
-              <a:lnRef idx="1">
-                <a:schemeClr val="accent1"/>
-              </a:lnRef>
-              <a:fillRef idx="0">
-                <a:schemeClr val="accent1"/>
-              </a:fillRef>
-              <a:effectRef idx="0">
-                <a:schemeClr val="accent1"/>
-              </a:effectRef>
-              <a:fontRef idx="minor">
-                <a:schemeClr val="tx1"/>
-              </a:fontRef>
-            </p:style>
-          </p:cxnSp>
-        </p:grpSp>
-        <p:grpSp>
-          <p:nvGrpSpPr>
-            <p:cNvPr id="17" name="组合 16">
-              <a:extLst>
-                <a:ext uri="{FF2B5EF4-FFF2-40B4-BE49-F238E27FC236}">
-                  <a16:creationId xmlns:a16="http://schemas.microsoft.com/office/drawing/2014/main" id="{1A0F8DA4-09FB-45E4-AA01-726BC0A5504D}"/>
-                </a:ext>
-              </a:extLst>
-            </p:cNvPr>
-            <p:cNvGrpSpPr/>
-            <p:nvPr/>
-          </p:nvGrpSpPr>
-          <p:grpSpPr>
-            <a:xfrm>
-              <a:off x="5520183" y="3709790"/>
-              <a:ext cx="2982153" cy="347721"/>
-              <a:chOff x="105603" y="5640773"/>
-              <a:chExt cx="3139069" cy="366018"/>
-            </a:xfrm>
-          </p:grpSpPr>
-          <p:sp>
-            <p:nvSpPr>
-              <p:cNvPr id="18" name="矩形 17">
-                <a:extLst>
-                  <a:ext uri="{FF2B5EF4-FFF2-40B4-BE49-F238E27FC236}">
-                    <a16:creationId xmlns:a16="http://schemas.microsoft.com/office/drawing/2014/main" id="{6F673BF2-9242-4E1F-B6C8-46D42A5FC6B4}"/>
-                  </a:ext>
-                </a:extLst>
-              </p:cNvPr>
-              <p:cNvSpPr/>
-              <p:nvPr/>
-            </p:nvSpPr>
-            <p:spPr>
-              <a:xfrm>
-                <a:off x="105603" y="5640773"/>
-                <a:ext cx="3139069" cy="366018"/>
-              </a:xfrm>
-              <a:prstGeom prst="rect">
-                <a:avLst/>
-              </a:prstGeom>
-              <a:ln>
-                <a:solidFill>
-                  <a:srgbClr val="DBDBDB"/>
-                </a:solidFill>
-              </a:ln>
-            </p:spPr>
-            <p:style>
-              <a:lnRef idx="1">
-                <a:schemeClr val="accent1"/>
-              </a:lnRef>
-              <a:fillRef idx="0">
-                <a:schemeClr val="accent1"/>
-              </a:fillRef>
-              <a:effectRef idx="0">
-                <a:schemeClr val="accent1"/>
-              </a:effectRef>
-              <a:fontRef idx="minor">
-                <a:schemeClr val="tx1"/>
-              </a:fontRef>
-            </p:style>
-            <p:txBody>
-              <a:bodyPr rtlCol="0" anchor="ctr"/>
-              <a:lstStyle/>
-              <a:p>
-                <a:pPr algn="ctr"/>
-                <a:endParaRPr lang="zh-CN" altLang="en-US" sz="900"/>
-              </a:p>
-            </p:txBody>
-          </p:sp>
-          <p:sp>
-            <p:nvSpPr>
-              <p:cNvPr id="19" name="文本框 18">
-                <a:extLst>
-                  <a:ext uri="{FF2B5EF4-FFF2-40B4-BE49-F238E27FC236}">
-                    <a16:creationId xmlns:a16="http://schemas.microsoft.com/office/drawing/2014/main" id="{2507EFBE-0F9B-4F20-AC10-1263408D80A2}"/>
-                  </a:ext>
-                </a:extLst>
-              </p:cNvPr>
-              <p:cNvSpPr txBox="1"/>
-              <p:nvPr/>
-            </p:nvSpPr>
-            <p:spPr>
-              <a:xfrm>
-                <a:off x="552269" y="5691452"/>
-                <a:ext cx="2524903" cy="267277"/>
-              </a:xfrm>
-              <a:prstGeom prst="rect">
-                <a:avLst/>
-              </a:prstGeom>
-              <a:noFill/>
-            </p:spPr>
-            <p:txBody>
-              <a:bodyPr wrap="square" rtlCol="0">
-                <a:spAutoFit/>
-              </a:bodyPr>
-              <a:lstStyle/>
-              <a:p>
-                <a:r>
-                  <a:rPr lang="zh-CN" altLang="en-US" sz="1050" dirty="0">
-                    <a:solidFill>
-                      <a:srgbClr val="EFEFF4"/>
-                    </a:solidFill>
-                    <a:latin typeface="微软雅黑" panose="020B0503020204020204" pitchFamily="34" charset="-122"/>
-                    <a:ea typeface="微软雅黑" panose="020B0503020204020204" pitchFamily="34" charset="-122"/>
-                  </a:rPr>
-                  <a:t>物流公司</a:t>
-                </a:r>
-              </a:p>
-            </p:txBody>
-          </p:sp>
-          <p:sp>
-            <p:nvSpPr>
-              <p:cNvPr id="20" name="矩形 19">
-                <a:extLst>
-                  <a:ext uri="{FF2B5EF4-FFF2-40B4-BE49-F238E27FC236}">
-                    <a16:creationId xmlns:a16="http://schemas.microsoft.com/office/drawing/2014/main" id="{0EDFC433-ADC3-4200-9C66-A2490C97836B}"/>
-                  </a:ext>
-                </a:extLst>
-              </p:cNvPr>
-              <p:cNvSpPr/>
-              <p:nvPr/>
-            </p:nvSpPr>
-            <p:spPr>
-              <a:xfrm>
-                <a:off x="158334" y="5721987"/>
-                <a:ext cx="203589" cy="203589"/>
-              </a:xfrm>
-              <a:prstGeom prst="rect">
-                <a:avLst/>
-              </a:prstGeom>
-              <a:solidFill>
-                <a:schemeClr val="bg1">
-                  <a:lumMod val="85000"/>
-                </a:schemeClr>
-              </a:solidFill>
-              <a:ln>
-                <a:noFill/>
-              </a:ln>
-            </p:spPr>
-            <p:style>
-              <a:lnRef idx="2">
-                <a:schemeClr val="accent1">
-                  <a:shade val="50000"/>
-                </a:schemeClr>
-              </a:lnRef>
-              <a:fillRef idx="1">
-                <a:schemeClr val="accent1"/>
-              </a:fillRef>
-              <a:effectRef idx="0">
-                <a:schemeClr val="accent1"/>
-              </a:effectRef>
-              <a:fontRef idx="minor">
-                <a:schemeClr val="lt1"/>
-              </a:fontRef>
-            </p:style>
-            <p:txBody>
-              <a:bodyPr rtlCol="0" anchor="ctr"/>
-              <a:lstStyle/>
-              <a:p>
-                <a:pPr algn="ctr"/>
-                <a:endParaRPr lang="zh-CN" altLang="en-US" sz="900"/>
-              </a:p>
-            </p:txBody>
-          </p:sp>
-          <p:cxnSp>
-            <p:nvCxnSpPr>
-              <p:cNvPr id="21" name="直接连接符 20">
-                <a:extLst>
-                  <a:ext uri="{FF2B5EF4-FFF2-40B4-BE49-F238E27FC236}">
-                    <a16:creationId xmlns:a16="http://schemas.microsoft.com/office/drawing/2014/main" id="{62CA357D-46CF-467E-96D9-FB76CAB5534A}"/>
-                  </a:ext>
-                </a:extLst>
-              </p:cNvPr>
-              <p:cNvCxnSpPr/>
-              <p:nvPr/>
-            </p:nvCxnSpPr>
-            <p:spPr>
-              <a:xfrm>
-                <a:off x="459213" y="5683263"/>
-                <a:ext cx="0" cy="269861"/>
-              </a:xfrm>
-              <a:prstGeom prst="line">
-                <a:avLst/>
-              </a:prstGeom>
-              <a:ln>
-                <a:solidFill>
-                  <a:srgbClr val="DBDBDB"/>
-                </a:solidFill>
-              </a:ln>
-            </p:spPr>
-            <p:style>
-              <a:lnRef idx="1">
-                <a:schemeClr val="accent1"/>
-              </a:lnRef>
-              <a:fillRef idx="0">
-                <a:schemeClr val="accent1"/>
-              </a:fillRef>
-              <a:effectRef idx="0">
-                <a:schemeClr val="accent1"/>
-              </a:effectRef>
-              <a:fontRef idx="minor">
-                <a:schemeClr val="tx1"/>
-              </a:fontRef>
-            </p:style>
-          </p:cxnSp>
-        </p:grpSp>
-        <p:grpSp>
-          <p:nvGrpSpPr>
-            <p:cNvPr id="23" name="组合 22">
-              <a:extLst>
-                <a:ext uri="{FF2B5EF4-FFF2-40B4-BE49-F238E27FC236}">
-                  <a16:creationId xmlns:a16="http://schemas.microsoft.com/office/drawing/2014/main" id="{20ADDAB2-ABC7-40A1-99B4-1BEDDC9A6868}"/>
-                </a:ext>
-              </a:extLst>
-            </p:cNvPr>
-            <p:cNvGrpSpPr/>
-            <p:nvPr/>
-          </p:nvGrpSpPr>
-          <p:grpSpPr>
-            <a:xfrm>
-              <a:off x="5520183" y="4159545"/>
-              <a:ext cx="2982153" cy="347721"/>
-              <a:chOff x="105603" y="5640773"/>
-              <a:chExt cx="3139069" cy="366018"/>
-            </a:xfrm>
-          </p:grpSpPr>
-          <p:sp>
-            <p:nvSpPr>
-              <p:cNvPr id="24" name="矩形 23">
-                <a:extLst>
-                  <a:ext uri="{FF2B5EF4-FFF2-40B4-BE49-F238E27FC236}">
-                    <a16:creationId xmlns:a16="http://schemas.microsoft.com/office/drawing/2014/main" id="{B3EEE5FC-3E01-4EAD-BA39-D1BFD0A6424C}"/>
-                  </a:ext>
-                </a:extLst>
-              </p:cNvPr>
-              <p:cNvSpPr/>
-              <p:nvPr/>
-            </p:nvSpPr>
-            <p:spPr>
-              <a:xfrm>
-                <a:off x="105603" y="5640773"/>
-                <a:ext cx="3139069" cy="366018"/>
-              </a:xfrm>
-              <a:prstGeom prst="rect">
-                <a:avLst/>
-              </a:prstGeom>
-              <a:ln>
-                <a:solidFill>
-                  <a:srgbClr val="DBDBDB"/>
-                </a:solidFill>
-              </a:ln>
-            </p:spPr>
-            <p:style>
-              <a:lnRef idx="1">
-                <a:schemeClr val="accent1"/>
-              </a:lnRef>
-              <a:fillRef idx="0">
-                <a:schemeClr val="accent1"/>
-              </a:fillRef>
-              <a:effectRef idx="0">
-                <a:schemeClr val="accent1"/>
-              </a:effectRef>
-              <a:fontRef idx="minor">
-                <a:schemeClr val="tx1"/>
-              </a:fontRef>
-            </p:style>
-            <p:txBody>
-              <a:bodyPr rtlCol="0" anchor="ctr"/>
-              <a:lstStyle/>
-              <a:p>
-                <a:pPr algn="ctr"/>
-                <a:endParaRPr lang="zh-CN" altLang="en-US" sz="900"/>
-              </a:p>
-            </p:txBody>
-          </p:sp>
-          <p:sp>
-            <p:nvSpPr>
-              <p:cNvPr id="25" name="文本框 24">
-                <a:extLst>
-                  <a:ext uri="{FF2B5EF4-FFF2-40B4-BE49-F238E27FC236}">
-                    <a16:creationId xmlns:a16="http://schemas.microsoft.com/office/drawing/2014/main" id="{C9DB1B5B-C732-44A1-9543-1E5D39DD7D79}"/>
-                  </a:ext>
-                </a:extLst>
-              </p:cNvPr>
-              <p:cNvSpPr txBox="1"/>
-              <p:nvPr/>
-            </p:nvSpPr>
-            <p:spPr>
-              <a:xfrm>
-                <a:off x="552269" y="5691452"/>
-                <a:ext cx="2524903" cy="267277"/>
-              </a:xfrm>
-              <a:prstGeom prst="rect">
-                <a:avLst/>
-              </a:prstGeom>
-              <a:noFill/>
-            </p:spPr>
-            <p:txBody>
-              <a:bodyPr wrap="square" rtlCol="0">
-                <a:spAutoFit/>
-              </a:bodyPr>
-              <a:lstStyle/>
-              <a:p>
-                <a:r>
-                  <a:rPr lang="zh-CN" altLang="en-US" sz="1050" dirty="0">
-                    <a:solidFill>
-                      <a:srgbClr val="EFEFF4"/>
-                    </a:solidFill>
-                    <a:latin typeface="微软雅黑" panose="020B0503020204020204" pitchFamily="34" charset="-122"/>
-                    <a:ea typeface="微软雅黑" panose="020B0503020204020204" pitchFamily="34" charset="-122"/>
-                  </a:rPr>
-                  <a:t>物流单号</a:t>
-                </a:r>
-              </a:p>
-            </p:txBody>
-          </p:sp>
-          <p:sp>
-            <p:nvSpPr>
-              <p:cNvPr id="26" name="矩形 25">
-                <a:extLst>
-                  <a:ext uri="{FF2B5EF4-FFF2-40B4-BE49-F238E27FC236}">
-                    <a16:creationId xmlns:a16="http://schemas.microsoft.com/office/drawing/2014/main" id="{BBD0A9D8-8E99-4EA2-AD12-CF57E4BCD6E3}"/>
-                  </a:ext>
-                </a:extLst>
-              </p:cNvPr>
-              <p:cNvSpPr/>
-              <p:nvPr/>
-            </p:nvSpPr>
-            <p:spPr>
-              <a:xfrm>
-                <a:off x="158334" y="5721987"/>
-                <a:ext cx="203589" cy="203589"/>
-              </a:xfrm>
-              <a:prstGeom prst="rect">
-                <a:avLst/>
-              </a:prstGeom>
-              <a:solidFill>
-                <a:schemeClr val="bg1">
-                  <a:lumMod val="85000"/>
-                </a:schemeClr>
-              </a:solidFill>
-              <a:ln>
-                <a:noFill/>
-              </a:ln>
-            </p:spPr>
-            <p:style>
-              <a:lnRef idx="2">
-                <a:schemeClr val="accent1">
-                  <a:shade val="50000"/>
-                </a:schemeClr>
-              </a:lnRef>
-              <a:fillRef idx="1">
-                <a:schemeClr val="accent1"/>
-              </a:fillRef>
-              <a:effectRef idx="0">
-                <a:schemeClr val="accent1"/>
-              </a:effectRef>
-              <a:fontRef idx="minor">
-                <a:schemeClr val="lt1"/>
-              </a:fontRef>
-            </p:style>
-            <p:txBody>
-              <a:bodyPr rtlCol="0" anchor="ctr"/>
-              <a:lstStyle/>
-              <a:p>
-                <a:pPr algn="ctr"/>
-                <a:endParaRPr lang="zh-CN" altLang="en-US" sz="900"/>
-              </a:p>
-            </p:txBody>
-          </p:sp>
-          <p:cxnSp>
-            <p:nvCxnSpPr>
-              <p:cNvPr id="27" name="直接连接符 26">
-                <a:extLst>
-                  <a:ext uri="{FF2B5EF4-FFF2-40B4-BE49-F238E27FC236}">
-                    <a16:creationId xmlns:a16="http://schemas.microsoft.com/office/drawing/2014/main" id="{DEC3C022-0485-47D6-B709-D4A060A51C5F}"/>
-                  </a:ext>
-                </a:extLst>
-              </p:cNvPr>
-              <p:cNvCxnSpPr/>
-              <p:nvPr/>
-            </p:nvCxnSpPr>
-            <p:spPr>
-              <a:xfrm>
-                <a:off x="459213" y="5683263"/>
-                <a:ext cx="0" cy="269861"/>
-              </a:xfrm>
-              <a:prstGeom prst="line">
-                <a:avLst/>
-              </a:prstGeom>
-              <a:ln>
-                <a:solidFill>
-                  <a:srgbClr val="DBDBDB"/>
-                </a:solidFill>
-              </a:ln>
-            </p:spPr>
-            <p:style>
-              <a:lnRef idx="1">
-                <a:schemeClr val="accent1"/>
-              </a:lnRef>
-              <a:fillRef idx="0">
-                <a:schemeClr val="accent1"/>
-              </a:fillRef>
-              <a:effectRef idx="0">
-                <a:schemeClr val="accent1"/>
-              </a:effectRef>
-              <a:fontRef idx="minor">
-                <a:schemeClr val="tx1"/>
-              </a:fontRef>
-            </p:style>
-          </p:cxnSp>
-        </p:grpSp>
-        <p:sp>
-          <p:nvSpPr>
-            <p:cNvPr id="29" name="矩形: 圆角 28">
-              <a:hlinkClick r:id="rId5" action="ppaction://hlinksldjump"/>
-              <a:extLst>
-                <a:ext uri="{FF2B5EF4-FFF2-40B4-BE49-F238E27FC236}">
-                  <a16:creationId xmlns:a16="http://schemas.microsoft.com/office/drawing/2014/main" id="{D6D98B0A-1C2C-4714-8034-ED2989A7B766}"/>
-                </a:ext>
-              </a:extLst>
-            </p:cNvPr>
-            <p:cNvSpPr/>
-            <p:nvPr/>
-          </p:nvSpPr>
-          <p:spPr>
-            <a:xfrm>
-              <a:off x="5520183" y="4677683"/>
-              <a:ext cx="2982153" cy="367886"/>
-            </a:xfrm>
-            <a:prstGeom prst="roundRect">
-              <a:avLst>
-                <a:gd name="adj" fmla="val 6455"/>
-              </a:avLst>
-            </a:prstGeom>
-            <a:solidFill>
-              <a:srgbClr val="09BB07"/>
-            </a:solidFill>
-            <a:ln>
-              <a:noFill/>
-            </a:ln>
-          </p:spPr>
-          <p:style>
-            <a:lnRef idx="2">
-              <a:schemeClr val="accent1">
-                <a:shade val="50000"/>
-              </a:schemeClr>
-            </a:lnRef>
-            <a:fillRef idx="1">
-              <a:schemeClr val="accent1"/>
-            </a:fillRef>
-            <a:effectRef idx="0">
-              <a:schemeClr val="accent1"/>
-            </a:effectRef>
-            <a:fontRef idx="minor">
-              <a:schemeClr val="lt1"/>
-            </a:fontRef>
-          </p:style>
-          <p:txBody>
-            <a:bodyPr rtlCol="0" anchor="ctr"/>
-            <a:lstStyle/>
-            <a:p>
-              <a:pPr algn="ctr"/>
-              <a:r>
-                <a:rPr lang="zh-CN" altLang="en-US" sz="1050" dirty="0">
-                  <a:latin typeface="微软雅黑" panose="020B0503020204020204" pitchFamily="34" charset="-122"/>
-                  <a:ea typeface="微软雅黑" panose="020B0503020204020204" pitchFamily="34" charset="-122"/>
-                </a:rPr>
-                <a:t>确认发货</a:t>
-              </a:r>
-            </a:p>
-          </p:txBody>
-        </p:sp>
-      </p:grpSp>
     </p:spTree>
     <p:extLst>
       <p:ext uri="{BB962C8B-B14F-4D97-AF65-F5344CB8AC3E}">
-        <p14:creationId xmlns:p14="http://schemas.microsoft.com/office/powerpoint/2010/main" val="3142110697"/>
+        <p14:creationId xmlns:p14="http://schemas.microsoft.com/office/powerpoint/2010/main" val="952031707"/>
       </p:ext>
     </p:extLst>
   </p:cSld>

--- a/product/扫码挪车/挪车产品设计-admin-陆陆畅版本.pptx
+++ b/product/扫码挪车/挪车产品设计-admin-陆陆畅版本.pptx
@@ -6,11 +6,13 @@
   </p:sldMasterIdLst>
   <p:sldIdLst>
     <p:sldId id="273" r:id="rId2"/>
-    <p:sldId id="274" r:id="rId3"/>
-    <p:sldId id="275" r:id="rId4"/>
-    <p:sldId id="276" r:id="rId5"/>
-    <p:sldId id="277" r:id="rId6"/>
-    <p:sldId id="278" r:id="rId7"/>
+    <p:sldId id="280" r:id="rId3"/>
+    <p:sldId id="282" r:id="rId4"/>
+    <p:sldId id="281" r:id="rId5"/>
+    <p:sldId id="283" r:id="rId6"/>
+    <p:sldId id="284" r:id="rId7"/>
+    <p:sldId id="285" r:id="rId8"/>
+    <p:sldId id="286" r:id="rId9"/>
   </p:sldIdLst>
   <p:sldSz cx="12192000" cy="6858000"/>
   <p:notesSz cx="6858000" cy="9144000"/>
@@ -682,7 +684,7 @@
           <p:cNvPr id="2" name="标题 1">
             <a:extLst>
               <a:ext uri="{FF2B5EF4-FFF2-40B4-BE49-F238E27FC236}">
-                <a16:creationId xmlns:a16="http://schemas.microsoft.com/office/drawing/2014/main" id="{0FCC0F3E-D257-459D-AF1A-AC21999A8372}"/>
+                <a16:creationId xmlns:a16="http://schemas.microsoft.com/office/drawing/2014/main" id="{46A76045-C935-40B1-ACF2-D70DEDA33BD8}"/>
               </a:ext>
             </a:extLst>
           </p:cNvPr>
@@ -700,17 +702,304 @@
           <a:p>
             <a:r>
               <a:rPr lang="zh-CN" altLang="en-US" dirty="0"/>
-              <a:t>用户信息</a:t>
-            </a:r>
-          </a:p>
-        </p:txBody>
-      </p:sp>
-      <p:sp>
-        <p:nvSpPr>
-          <p:cNvPr id="65" name="文本框 64">
-            <a:extLst>
-              <a:ext uri="{FF2B5EF4-FFF2-40B4-BE49-F238E27FC236}">
-                <a16:creationId xmlns:a16="http://schemas.microsoft.com/office/drawing/2014/main" id="{F698A09B-50CC-4411-AACA-346B9B20A291}"/>
+              <a:t>空码管理</a:t>
+            </a:r>
+          </a:p>
+        </p:txBody>
+      </p:sp>
+      <p:sp>
+        <p:nvSpPr>
+          <p:cNvPr id="3" name="同侧圆角矩形 116">
+            <a:extLst>
+              <a:ext uri="{FF2B5EF4-FFF2-40B4-BE49-F238E27FC236}">
+                <a16:creationId xmlns:a16="http://schemas.microsoft.com/office/drawing/2014/main" id="{4C77A536-A4DB-4B9B-BEAA-6152DC8E144B}"/>
+              </a:ext>
+            </a:extLst>
+          </p:cNvPr>
+          <p:cNvSpPr/>
+          <p:nvPr/>
+        </p:nvSpPr>
+        <p:spPr>
+          <a:xfrm rot="10800000">
+            <a:off x="1011024" y="751401"/>
+            <a:ext cx="10169951" cy="5722285"/>
+          </a:xfrm>
+          <a:prstGeom prst="round2SameRect">
+            <a:avLst>
+              <a:gd name="adj1" fmla="val 750"/>
+              <a:gd name="adj2" fmla="val 0"/>
+            </a:avLst>
+          </a:prstGeom>
+          <a:solidFill>
+            <a:schemeClr val="bg1">
+              <a:lumMod val="95000"/>
+            </a:schemeClr>
+          </a:solidFill>
+          <a:ln>
+            <a:solidFill>
+              <a:srgbClr val="F0F0F0"/>
+            </a:solidFill>
+          </a:ln>
+          <a:effectLst/>
+        </p:spPr>
+        <p:style>
+          <a:lnRef idx="1">
+            <a:schemeClr val="accent1"/>
+          </a:lnRef>
+          <a:fillRef idx="3">
+            <a:schemeClr val="accent1"/>
+          </a:fillRef>
+          <a:effectRef idx="2">
+            <a:schemeClr val="accent1"/>
+          </a:effectRef>
+          <a:fontRef idx="minor">
+            <a:schemeClr val="lt1"/>
+          </a:fontRef>
+        </p:style>
+        <p:txBody>
+          <a:bodyPr rtlCol="0" anchor="ctr"/>
+          <a:lstStyle/>
+          <a:p>
+            <a:endParaRPr lang="zh-CN" altLang="en-US" sz="1400">
+              <a:latin typeface="微软雅黑" panose="020B0503020204020204" pitchFamily="34" charset="-122"/>
+              <a:ea typeface="微软雅黑" panose="020B0503020204020204" pitchFamily="34" charset="-122"/>
+            </a:endParaRPr>
+          </a:p>
+        </p:txBody>
+      </p:sp>
+      <p:sp>
+        <p:nvSpPr>
+          <p:cNvPr id="4" name="同侧圆角矩形 130">
+            <a:extLst>
+              <a:ext uri="{FF2B5EF4-FFF2-40B4-BE49-F238E27FC236}">
+                <a16:creationId xmlns:a16="http://schemas.microsoft.com/office/drawing/2014/main" id="{6AC93531-2C49-41B0-A9ED-A8A423FC165C}"/>
+              </a:ext>
+            </a:extLst>
+          </p:cNvPr>
+          <p:cNvSpPr/>
+          <p:nvPr/>
+        </p:nvSpPr>
+        <p:spPr>
+          <a:xfrm rot="10800000">
+            <a:off x="1011067" y="748747"/>
+            <a:ext cx="1967658" cy="3101216"/>
+          </a:xfrm>
+          <a:prstGeom prst="round2SameRect">
+            <a:avLst>
+              <a:gd name="adj1" fmla="val 0"/>
+              <a:gd name="adj2" fmla="val 0"/>
+            </a:avLst>
+          </a:prstGeom>
+          <a:solidFill>
+            <a:schemeClr val="bg1"/>
+          </a:solidFill>
+          <a:ln>
+            <a:solidFill>
+              <a:srgbClr val="F0F0F0"/>
+            </a:solidFill>
+          </a:ln>
+          <a:effectLst/>
+        </p:spPr>
+        <p:style>
+          <a:lnRef idx="1">
+            <a:schemeClr val="accent1"/>
+          </a:lnRef>
+          <a:fillRef idx="3">
+            <a:schemeClr val="accent1"/>
+          </a:fillRef>
+          <a:effectRef idx="2">
+            <a:schemeClr val="accent1"/>
+          </a:effectRef>
+          <a:fontRef idx="minor">
+            <a:schemeClr val="lt1"/>
+          </a:fontRef>
+        </p:style>
+        <p:txBody>
+          <a:bodyPr rtlCol="0" anchor="ctr"/>
+          <a:lstStyle/>
+          <a:p>
+            <a:pPr algn="ctr"/>
+            <a:endParaRPr lang="zh-CN" altLang="en-US" sz="1400">
+              <a:latin typeface="微软雅黑" panose="020B0503020204020204" pitchFamily="34" charset="-122"/>
+              <a:ea typeface="微软雅黑" panose="020B0503020204020204" pitchFamily="34" charset="-122"/>
+            </a:endParaRPr>
+          </a:p>
+        </p:txBody>
+      </p:sp>
+      <p:cxnSp>
+        <p:nvCxnSpPr>
+          <p:cNvPr id="5" name="直接连接符 4">
+            <a:extLst>
+              <a:ext uri="{FF2B5EF4-FFF2-40B4-BE49-F238E27FC236}">
+                <a16:creationId xmlns:a16="http://schemas.microsoft.com/office/drawing/2014/main" id="{EA8C03F6-319A-4BBE-B16E-A9962CCB00C7}"/>
+              </a:ext>
+            </a:extLst>
+          </p:cNvPr>
+          <p:cNvCxnSpPr/>
+          <p:nvPr/>
+        </p:nvCxnSpPr>
+        <p:spPr>
+          <a:xfrm>
+            <a:off x="1011067" y="1259515"/>
+            <a:ext cx="1967658" cy="0"/>
+          </a:xfrm>
+          <a:prstGeom prst="line">
+            <a:avLst/>
+          </a:prstGeom>
+          <a:ln w="3175">
+            <a:solidFill>
+              <a:srgbClr val="C4C4C7"/>
+            </a:solidFill>
+          </a:ln>
+          <a:effectLst/>
+        </p:spPr>
+        <p:style>
+          <a:lnRef idx="2">
+            <a:schemeClr val="accent1"/>
+          </a:lnRef>
+          <a:fillRef idx="0">
+            <a:schemeClr val="accent1"/>
+          </a:fillRef>
+          <a:effectRef idx="1">
+            <a:schemeClr val="accent1"/>
+          </a:effectRef>
+          <a:fontRef idx="minor">
+            <a:schemeClr val="tx1"/>
+          </a:fontRef>
+        </p:style>
+      </p:cxnSp>
+      <p:cxnSp>
+        <p:nvCxnSpPr>
+          <p:cNvPr id="6" name="直接连接符 5">
+            <a:extLst>
+              <a:ext uri="{FF2B5EF4-FFF2-40B4-BE49-F238E27FC236}">
+                <a16:creationId xmlns:a16="http://schemas.microsoft.com/office/drawing/2014/main" id="{7054F658-4F70-4F4E-936C-FB4C1D1AEE8F}"/>
+              </a:ext>
+            </a:extLst>
+          </p:cNvPr>
+          <p:cNvCxnSpPr/>
+          <p:nvPr/>
+        </p:nvCxnSpPr>
+        <p:spPr>
+          <a:xfrm>
+            <a:off x="1011067" y="1748043"/>
+            <a:ext cx="1967658" cy="0"/>
+          </a:xfrm>
+          <a:prstGeom prst="line">
+            <a:avLst/>
+          </a:prstGeom>
+          <a:ln w="3175">
+            <a:solidFill>
+              <a:srgbClr val="C4C4C7"/>
+            </a:solidFill>
+          </a:ln>
+          <a:effectLst/>
+        </p:spPr>
+        <p:style>
+          <a:lnRef idx="2">
+            <a:schemeClr val="accent1"/>
+          </a:lnRef>
+          <a:fillRef idx="0">
+            <a:schemeClr val="accent1"/>
+          </a:fillRef>
+          <a:effectRef idx="1">
+            <a:schemeClr val="accent1"/>
+          </a:effectRef>
+          <a:fontRef idx="minor">
+            <a:schemeClr val="tx1"/>
+          </a:fontRef>
+        </p:style>
+      </p:cxnSp>
+      <p:cxnSp>
+        <p:nvCxnSpPr>
+          <p:cNvPr id="7" name="直接连接符 6">
+            <a:extLst>
+              <a:ext uri="{FF2B5EF4-FFF2-40B4-BE49-F238E27FC236}">
+                <a16:creationId xmlns:a16="http://schemas.microsoft.com/office/drawing/2014/main" id="{DD1E5016-B066-4A4A-91EB-777BE9F66F9E}"/>
+              </a:ext>
+            </a:extLst>
+          </p:cNvPr>
+          <p:cNvCxnSpPr/>
+          <p:nvPr/>
+        </p:nvCxnSpPr>
+        <p:spPr>
+          <a:xfrm>
+            <a:off x="1011067" y="2236570"/>
+            <a:ext cx="1967659" cy="0"/>
+          </a:xfrm>
+          <a:prstGeom prst="line">
+            <a:avLst/>
+          </a:prstGeom>
+          <a:ln w="3175">
+            <a:solidFill>
+              <a:srgbClr val="C4C4C7"/>
+            </a:solidFill>
+          </a:ln>
+          <a:effectLst/>
+        </p:spPr>
+        <p:style>
+          <a:lnRef idx="2">
+            <a:schemeClr val="accent1"/>
+          </a:lnRef>
+          <a:fillRef idx="0">
+            <a:schemeClr val="accent1"/>
+          </a:fillRef>
+          <a:effectRef idx="1">
+            <a:schemeClr val="accent1"/>
+          </a:effectRef>
+          <a:fontRef idx="minor">
+            <a:schemeClr val="tx1"/>
+          </a:fontRef>
+        </p:style>
+      </p:cxnSp>
+      <p:cxnSp>
+        <p:nvCxnSpPr>
+          <p:cNvPr id="8" name="直接连接符 7">
+            <a:extLst>
+              <a:ext uri="{FF2B5EF4-FFF2-40B4-BE49-F238E27FC236}">
+                <a16:creationId xmlns:a16="http://schemas.microsoft.com/office/drawing/2014/main" id="{971AD9F4-0995-49D6-875C-409B2803DC4E}"/>
+              </a:ext>
+            </a:extLst>
+          </p:cNvPr>
+          <p:cNvCxnSpPr/>
+          <p:nvPr/>
+        </p:nvCxnSpPr>
+        <p:spPr>
+          <a:xfrm flipV="1">
+            <a:off x="2978725" y="773976"/>
+            <a:ext cx="1" cy="5651093"/>
+          </a:xfrm>
+          <a:prstGeom prst="line">
+            <a:avLst/>
+          </a:prstGeom>
+          <a:ln w="3175">
+            <a:solidFill>
+              <a:srgbClr val="C4C4C7"/>
+            </a:solidFill>
+          </a:ln>
+          <a:effectLst/>
+        </p:spPr>
+        <p:style>
+          <a:lnRef idx="2">
+            <a:schemeClr val="accent1"/>
+          </a:lnRef>
+          <a:fillRef idx="0">
+            <a:schemeClr val="accent1"/>
+          </a:fillRef>
+          <a:effectRef idx="1">
+            <a:schemeClr val="accent1"/>
+          </a:effectRef>
+          <a:fontRef idx="minor">
+            <a:schemeClr val="tx1"/>
+          </a:fontRef>
+        </p:style>
+      </p:cxnSp>
+      <p:sp>
+        <p:nvSpPr>
+          <p:cNvPr id="9" name="文本框 8">
+            <a:extLst>
+              <a:ext uri="{FF2B5EF4-FFF2-40B4-BE49-F238E27FC236}">
+                <a16:creationId xmlns:a16="http://schemas.microsoft.com/office/drawing/2014/main" id="{DBA15883-F84D-4058-B75A-263E05B80820}"/>
               </a:ext>
             </a:extLst>
           </p:cNvPr>
@@ -719,8 +1008,8 @@
         </p:nvSpPr>
         <p:spPr>
           <a:xfrm>
-            <a:off x="144367" y="456006"/>
-            <a:ext cx="9568069" cy="461665"/>
+            <a:off x="1411135" y="1914332"/>
+            <a:ext cx="1167517" cy="227755"/>
           </a:xfrm>
           <a:prstGeom prst="rect">
             <a:avLst/>
@@ -733,32 +1022,1104 @@
           </a:bodyPr>
           <a:lstStyle/>
           <a:p>
-            <a:r>
-              <a:rPr lang="zh-CN" altLang="en-US" sz="1200" dirty="0">
+            <a:pPr algn="ctr">
+              <a:lnSpc>
+                <a:spcPct val="80000"/>
+              </a:lnSpc>
+            </a:pPr>
+            <a:r>
+              <a:rPr kumimoji="1" lang="zh-CN" altLang="en-US" sz="1100" dirty="0">
+                <a:solidFill>
+                  <a:schemeClr val="tx1">
+                    <a:lumMod val="85000"/>
+                    <a:lumOff val="15000"/>
+                  </a:schemeClr>
+                </a:solidFill>
                 <a:latin typeface="微软雅黑" panose="020B0503020204020204" pitchFamily="34" charset="-122"/>
                 <a:ea typeface="微软雅黑" panose="020B0503020204020204" pitchFamily="34" charset="-122"/>
-              </a:rPr>
-              <a:t>记录和展示用户的的基本，不能修改，不可删除</a:t>
-            </a:r>
-            <a:endParaRPr lang="en-US" altLang="zh-CN" sz="1200" dirty="0">
+                <a:cs typeface="微软雅黑"/>
+              </a:rPr>
+              <a:t>挪车码</a:t>
+            </a:r>
+          </a:p>
+        </p:txBody>
+      </p:sp>
+      <p:cxnSp>
+        <p:nvCxnSpPr>
+          <p:cNvPr id="10" name="直接连接符 9">
+            <a:extLst>
+              <a:ext uri="{FF2B5EF4-FFF2-40B4-BE49-F238E27FC236}">
+                <a16:creationId xmlns:a16="http://schemas.microsoft.com/office/drawing/2014/main" id="{7C2205C9-6068-4472-B5E7-36851BDF83D6}"/>
+              </a:ext>
+            </a:extLst>
+          </p:cNvPr>
+          <p:cNvCxnSpPr/>
+          <p:nvPr/>
+        </p:nvCxnSpPr>
+        <p:spPr>
+          <a:xfrm>
+            <a:off x="1011067" y="2764003"/>
+            <a:ext cx="1967659" cy="0"/>
+          </a:xfrm>
+          <a:prstGeom prst="line">
+            <a:avLst/>
+          </a:prstGeom>
+          <a:ln w="3175">
+            <a:solidFill>
+              <a:srgbClr val="C4C4C7"/>
+            </a:solidFill>
+          </a:ln>
+          <a:effectLst/>
+        </p:spPr>
+        <p:style>
+          <a:lnRef idx="2">
+            <a:schemeClr val="accent1"/>
+          </a:lnRef>
+          <a:fillRef idx="0">
+            <a:schemeClr val="accent1"/>
+          </a:fillRef>
+          <a:effectRef idx="1">
+            <a:schemeClr val="accent1"/>
+          </a:effectRef>
+          <a:fontRef idx="minor">
+            <a:schemeClr val="tx1"/>
+          </a:fontRef>
+        </p:style>
+      </p:cxnSp>
+      <p:cxnSp>
+        <p:nvCxnSpPr>
+          <p:cNvPr id="11" name="直接连接符 10">
+            <a:extLst>
+              <a:ext uri="{FF2B5EF4-FFF2-40B4-BE49-F238E27FC236}">
+                <a16:creationId xmlns:a16="http://schemas.microsoft.com/office/drawing/2014/main" id="{E347BA25-AE77-4F7E-B01B-38697FF003AF}"/>
+              </a:ext>
+            </a:extLst>
+          </p:cNvPr>
+          <p:cNvCxnSpPr/>
+          <p:nvPr/>
+        </p:nvCxnSpPr>
+        <p:spPr>
+          <a:xfrm>
+            <a:off x="1011067" y="3306989"/>
+            <a:ext cx="1967659" cy="0"/>
+          </a:xfrm>
+          <a:prstGeom prst="line">
+            <a:avLst/>
+          </a:prstGeom>
+          <a:ln w="3175">
+            <a:solidFill>
+              <a:srgbClr val="C4C4C7"/>
+            </a:solidFill>
+          </a:ln>
+          <a:effectLst/>
+        </p:spPr>
+        <p:style>
+          <a:lnRef idx="2">
+            <a:schemeClr val="accent1"/>
+          </a:lnRef>
+          <a:fillRef idx="0">
+            <a:schemeClr val="accent1"/>
+          </a:fillRef>
+          <a:effectRef idx="1">
+            <a:schemeClr val="accent1"/>
+          </a:effectRef>
+          <a:fontRef idx="minor">
+            <a:schemeClr val="tx1"/>
+          </a:fontRef>
+        </p:style>
+      </p:cxnSp>
+      <p:sp>
+        <p:nvSpPr>
+          <p:cNvPr id="12" name="文本框 11">
+            <a:extLst>
+              <a:ext uri="{FF2B5EF4-FFF2-40B4-BE49-F238E27FC236}">
+                <a16:creationId xmlns:a16="http://schemas.microsoft.com/office/drawing/2014/main" id="{8D3E4B36-1182-4B86-970B-1754067656AC}"/>
+              </a:ext>
+            </a:extLst>
+          </p:cNvPr>
+          <p:cNvSpPr txBox="1"/>
+          <p:nvPr/>
+        </p:nvSpPr>
+        <p:spPr>
+          <a:xfrm>
+            <a:off x="1411135" y="2391307"/>
+            <a:ext cx="1167517" cy="227755"/>
+          </a:xfrm>
+          <a:prstGeom prst="rect">
+            <a:avLst/>
+          </a:prstGeom>
+          <a:noFill/>
+        </p:spPr>
+        <p:txBody>
+          <a:bodyPr wrap="square" rtlCol="0">
+            <a:spAutoFit/>
+          </a:bodyPr>
+          <a:lstStyle/>
+          <a:p>
+            <a:pPr algn="ctr">
+              <a:lnSpc>
+                <a:spcPct val="80000"/>
+              </a:lnSpc>
+            </a:pPr>
+            <a:r>
+              <a:rPr kumimoji="1" lang="zh-CN" altLang="en-US" sz="1100" dirty="0">
+                <a:solidFill>
+                  <a:schemeClr val="tx1">
+                    <a:lumMod val="85000"/>
+                    <a:lumOff val="15000"/>
+                  </a:schemeClr>
+                </a:solidFill>
+                <a:latin typeface="微软雅黑" panose="020B0503020204020204" pitchFamily="34" charset="-122"/>
+                <a:ea typeface="微软雅黑" panose="020B0503020204020204" pitchFamily="34" charset="-122"/>
+                <a:cs typeface="微软雅黑"/>
+              </a:rPr>
+              <a:t>挪车记录</a:t>
+            </a:r>
+          </a:p>
+        </p:txBody>
+      </p:sp>
+      <p:sp>
+        <p:nvSpPr>
+          <p:cNvPr id="13" name="文本框 12">
+            <a:extLst>
+              <a:ext uri="{FF2B5EF4-FFF2-40B4-BE49-F238E27FC236}">
+                <a16:creationId xmlns:a16="http://schemas.microsoft.com/office/drawing/2014/main" id="{3F4AFD05-5531-4C8C-A191-2F08EA35F7FD}"/>
+              </a:ext>
+            </a:extLst>
+          </p:cNvPr>
+          <p:cNvSpPr txBox="1"/>
+          <p:nvPr/>
+        </p:nvSpPr>
+        <p:spPr>
+          <a:xfrm>
+            <a:off x="1411135" y="2944597"/>
+            <a:ext cx="1167517" cy="227755"/>
+          </a:xfrm>
+          <a:prstGeom prst="rect">
+            <a:avLst/>
+          </a:prstGeom>
+          <a:noFill/>
+        </p:spPr>
+        <p:txBody>
+          <a:bodyPr wrap="square" rtlCol="0">
+            <a:spAutoFit/>
+          </a:bodyPr>
+          <a:lstStyle/>
+          <a:p>
+            <a:pPr algn="ctr">
+              <a:lnSpc>
+                <a:spcPct val="80000"/>
+              </a:lnSpc>
+            </a:pPr>
+            <a:r>
+              <a:rPr kumimoji="1" lang="zh-CN" altLang="en-US" sz="1100" dirty="0">
+                <a:solidFill>
+                  <a:schemeClr val="tx1">
+                    <a:lumMod val="85000"/>
+                    <a:lumOff val="15000"/>
+                  </a:schemeClr>
+                </a:solidFill>
+                <a:latin typeface="微软雅黑" panose="020B0503020204020204" pitchFamily="34" charset="-122"/>
+                <a:ea typeface="微软雅黑" panose="020B0503020204020204" pitchFamily="34" charset="-122"/>
+                <a:cs typeface="微软雅黑"/>
+              </a:rPr>
+              <a:t>用户管理</a:t>
+            </a:r>
+          </a:p>
+        </p:txBody>
+      </p:sp>
+      <p:sp>
+        <p:nvSpPr>
+          <p:cNvPr id="14" name="文本框 13">
+            <a:extLst>
+              <a:ext uri="{FF2B5EF4-FFF2-40B4-BE49-F238E27FC236}">
+                <a16:creationId xmlns:a16="http://schemas.microsoft.com/office/drawing/2014/main" id="{A5564607-4606-4BDD-89F2-A792F585B828}"/>
+              </a:ext>
+            </a:extLst>
+          </p:cNvPr>
+          <p:cNvSpPr txBox="1"/>
+          <p:nvPr/>
+        </p:nvSpPr>
+        <p:spPr>
+          <a:xfrm>
+            <a:off x="1411135" y="1438191"/>
+            <a:ext cx="1167517" cy="227755"/>
+          </a:xfrm>
+          <a:prstGeom prst="rect">
+            <a:avLst/>
+          </a:prstGeom>
+          <a:noFill/>
+        </p:spPr>
+        <p:txBody>
+          <a:bodyPr wrap="square" rtlCol="0">
+            <a:spAutoFit/>
+          </a:bodyPr>
+          <a:lstStyle/>
+          <a:p>
+            <a:pPr algn="ctr">
+              <a:lnSpc>
+                <a:spcPct val="80000"/>
+              </a:lnSpc>
+            </a:pPr>
+            <a:r>
+              <a:rPr kumimoji="1" lang="zh-CN" altLang="en-US" sz="1100" dirty="0">
+                <a:latin typeface="微软雅黑" panose="020B0503020204020204" pitchFamily="34" charset="-122"/>
+                <a:ea typeface="微软雅黑" panose="020B0503020204020204" pitchFamily="34" charset="-122"/>
+                <a:cs typeface="微软雅黑"/>
+              </a:rPr>
+              <a:t>订单管理</a:t>
+            </a:r>
+          </a:p>
+        </p:txBody>
+      </p:sp>
+      <p:sp>
+        <p:nvSpPr>
+          <p:cNvPr id="15" name="圆角矩形 137">
+            <a:extLst>
+              <a:ext uri="{FF2B5EF4-FFF2-40B4-BE49-F238E27FC236}">
+                <a16:creationId xmlns:a16="http://schemas.microsoft.com/office/drawing/2014/main" id="{80042BF9-E284-43D5-BDB5-52985557AE58}"/>
+              </a:ext>
+            </a:extLst>
+          </p:cNvPr>
+          <p:cNvSpPr/>
+          <p:nvPr/>
+        </p:nvSpPr>
+        <p:spPr>
+          <a:xfrm>
+            <a:off x="1011024" y="777281"/>
+            <a:ext cx="1967701" cy="478930"/>
+          </a:xfrm>
+          <a:prstGeom prst="roundRect">
+            <a:avLst>
+              <a:gd name="adj" fmla="val 0"/>
+            </a:avLst>
+          </a:prstGeom>
+          <a:solidFill>
+            <a:srgbClr val="157EFB"/>
+          </a:solidFill>
+          <a:ln>
+            <a:noFill/>
+          </a:ln>
+          <a:effectLst/>
+        </p:spPr>
+        <p:style>
+          <a:lnRef idx="1">
+            <a:schemeClr val="accent1"/>
+          </a:lnRef>
+          <a:fillRef idx="3">
+            <a:schemeClr val="accent1"/>
+          </a:fillRef>
+          <a:effectRef idx="2">
+            <a:schemeClr val="accent1"/>
+          </a:effectRef>
+          <a:fontRef idx="minor">
+            <a:schemeClr val="lt1"/>
+          </a:fontRef>
+        </p:style>
+        <p:txBody>
+          <a:bodyPr rtlCol="0" anchor="ctr"/>
+          <a:lstStyle/>
+          <a:p>
+            <a:pPr algn="ctr"/>
+            <a:endParaRPr kumimoji="1" lang="zh-CN" altLang="en-US" sz="1400">
+              <a:ln>
+                <a:solidFill>
+                  <a:prstClr val="white">
+                    <a:lumMod val="65000"/>
+                  </a:prstClr>
+                </a:solidFill>
+              </a:ln>
+              <a:solidFill>
+                <a:schemeClr val="bg1"/>
+              </a:solidFill>
               <a:latin typeface="微软雅黑" panose="020B0503020204020204" pitchFamily="34" charset="-122"/>
               <a:ea typeface="微软雅黑" panose="020B0503020204020204" pitchFamily="34" charset="-122"/>
             </a:endParaRPr>
           </a:p>
-          <a:p>
-            <a:endParaRPr lang="zh-CN" altLang="en-US" sz="1200" dirty="0">
-              <a:latin typeface="微软雅黑" panose="020B0503020204020204" pitchFamily="34" charset="-122"/>
-              <a:ea typeface="微软雅黑" panose="020B0503020204020204" pitchFamily="34" charset="-122"/>
-            </a:endParaRPr>
+        </p:txBody>
+      </p:sp>
+      <p:sp>
+        <p:nvSpPr>
+          <p:cNvPr id="16" name="文本框 15">
+            <a:extLst>
+              <a:ext uri="{FF2B5EF4-FFF2-40B4-BE49-F238E27FC236}">
+                <a16:creationId xmlns:a16="http://schemas.microsoft.com/office/drawing/2014/main" id="{E960D885-39F3-4893-9DCF-100FF8F6940C}"/>
+              </a:ext>
+            </a:extLst>
+          </p:cNvPr>
+          <p:cNvSpPr txBox="1"/>
+          <p:nvPr/>
+        </p:nvSpPr>
+        <p:spPr>
+          <a:xfrm>
+            <a:off x="1411135" y="946970"/>
+            <a:ext cx="1167517" cy="227755"/>
+          </a:xfrm>
+          <a:prstGeom prst="rect">
+            <a:avLst/>
+          </a:prstGeom>
+          <a:noFill/>
+        </p:spPr>
+        <p:txBody>
+          <a:bodyPr wrap="square" rtlCol="0">
+            <a:spAutoFit/>
+          </a:bodyPr>
+          <a:lstStyle/>
+          <a:p>
+            <a:pPr algn="ctr">
+              <a:lnSpc>
+                <a:spcPct val="80000"/>
+              </a:lnSpc>
+            </a:pPr>
+            <a:r>
+              <a:rPr kumimoji="1" lang="zh-CN" altLang="en-US" sz="1100" dirty="0">
+                <a:solidFill>
+                  <a:schemeClr val="bg1"/>
+                </a:solidFill>
+                <a:latin typeface="微软雅黑" panose="020B0503020204020204" pitchFamily="34" charset="-122"/>
+                <a:ea typeface="微软雅黑" panose="020B0503020204020204" pitchFamily="34" charset="-122"/>
+                <a:cs typeface="微软雅黑"/>
+              </a:rPr>
+              <a:t>空码管理</a:t>
+            </a:r>
+          </a:p>
+        </p:txBody>
+      </p:sp>
+      <p:cxnSp>
+        <p:nvCxnSpPr>
+          <p:cNvPr id="29" name="直接连接符 28">
+            <a:extLst>
+              <a:ext uri="{FF2B5EF4-FFF2-40B4-BE49-F238E27FC236}">
+                <a16:creationId xmlns:a16="http://schemas.microsoft.com/office/drawing/2014/main" id="{53D28872-5951-4D86-A84D-BFDDBD52C60A}"/>
+              </a:ext>
+            </a:extLst>
+          </p:cNvPr>
+          <p:cNvCxnSpPr/>
+          <p:nvPr/>
+        </p:nvCxnSpPr>
+        <p:spPr>
+          <a:xfrm>
+            <a:off x="1012171" y="3849969"/>
+            <a:ext cx="1967659" cy="0"/>
+          </a:xfrm>
+          <a:prstGeom prst="line">
+            <a:avLst/>
+          </a:prstGeom>
+          <a:ln w="3175">
+            <a:solidFill>
+              <a:srgbClr val="C4C4C7"/>
+            </a:solidFill>
+          </a:ln>
+          <a:effectLst/>
+        </p:spPr>
+        <p:style>
+          <a:lnRef idx="2">
+            <a:schemeClr val="accent1"/>
+          </a:lnRef>
+          <a:fillRef idx="0">
+            <a:schemeClr val="accent1"/>
+          </a:fillRef>
+          <a:effectRef idx="1">
+            <a:schemeClr val="accent1"/>
+          </a:effectRef>
+          <a:fontRef idx="minor">
+            <a:schemeClr val="tx1"/>
+          </a:fontRef>
+        </p:style>
+      </p:cxnSp>
+      <p:sp>
+        <p:nvSpPr>
+          <p:cNvPr id="30" name="文本框 29">
+            <a:extLst>
+              <a:ext uri="{FF2B5EF4-FFF2-40B4-BE49-F238E27FC236}">
+                <a16:creationId xmlns:a16="http://schemas.microsoft.com/office/drawing/2014/main" id="{28BA1430-9BD0-4021-A01E-5E11810B1658}"/>
+              </a:ext>
+            </a:extLst>
+          </p:cNvPr>
+          <p:cNvSpPr txBox="1"/>
+          <p:nvPr/>
+        </p:nvSpPr>
+        <p:spPr>
+          <a:xfrm>
+            <a:off x="1412239" y="3487577"/>
+            <a:ext cx="1167517" cy="227755"/>
+          </a:xfrm>
+          <a:prstGeom prst="rect">
+            <a:avLst/>
+          </a:prstGeom>
+          <a:noFill/>
+        </p:spPr>
+        <p:txBody>
+          <a:bodyPr wrap="square" rtlCol="0">
+            <a:spAutoFit/>
+          </a:bodyPr>
+          <a:lstStyle/>
+          <a:p>
+            <a:pPr algn="ctr">
+              <a:lnSpc>
+                <a:spcPct val="80000"/>
+              </a:lnSpc>
+            </a:pPr>
+            <a:r>
+              <a:rPr kumimoji="1" lang="zh-CN" altLang="en-US" sz="1100" dirty="0">
+                <a:solidFill>
+                  <a:schemeClr val="tx1">
+                    <a:lumMod val="85000"/>
+                    <a:lumOff val="15000"/>
+                  </a:schemeClr>
+                </a:solidFill>
+                <a:latin typeface="微软雅黑" panose="020B0503020204020204" pitchFamily="34" charset="-122"/>
+                <a:ea typeface="微软雅黑" panose="020B0503020204020204" pitchFamily="34" charset="-122"/>
+                <a:cs typeface="微软雅黑"/>
+              </a:rPr>
+              <a:t>定价管理</a:t>
+            </a:r>
+          </a:p>
+        </p:txBody>
+      </p:sp>
+      <p:sp>
+        <p:nvSpPr>
+          <p:cNvPr id="33" name="圆角矩形 220">
+            <a:extLst>
+              <a:ext uri="{FF2B5EF4-FFF2-40B4-BE49-F238E27FC236}">
+                <a16:creationId xmlns:a16="http://schemas.microsoft.com/office/drawing/2014/main" id="{F64E5EA8-9737-4D54-9022-7F1C652D0054}"/>
+              </a:ext>
+            </a:extLst>
+          </p:cNvPr>
+          <p:cNvSpPr/>
+          <p:nvPr/>
+        </p:nvSpPr>
+        <p:spPr>
+          <a:xfrm>
+            <a:off x="3093531" y="1448177"/>
+            <a:ext cx="1087524" cy="227755"/>
+          </a:xfrm>
+          <a:prstGeom prst="roundRect">
+            <a:avLst>
+              <a:gd name="adj" fmla="val 7169"/>
+            </a:avLst>
+          </a:prstGeom>
+          <a:solidFill>
+            <a:srgbClr val="157EFB"/>
+          </a:solidFill>
+          <a:ln>
+            <a:solidFill>
+              <a:srgbClr val="157EFB"/>
+            </a:solidFill>
+          </a:ln>
+          <a:effectLst/>
+        </p:spPr>
+        <p:style>
+          <a:lnRef idx="1">
+            <a:schemeClr val="accent1"/>
+          </a:lnRef>
+          <a:fillRef idx="3">
+            <a:schemeClr val="accent1"/>
+          </a:fillRef>
+          <a:effectRef idx="2">
+            <a:schemeClr val="accent1"/>
+          </a:effectRef>
+          <a:fontRef idx="minor">
+            <a:schemeClr val="lt1"/>
+          </a:fontRef>
+        </p:style>
+        <p:txBody>
+          <a:bodyPr rtlCol="0" anchor="ctr"/>
+          <a:lstStyle/>
+          <a:p>
+            <a:pPr algn="ctr"/>
+            <a:r>
+              <a:rPr lang="zh-CN" altLang="en-US" sz="1050" dirty="0">
+                <a:latin typeface="微软雅黑" panose="020B0503020204020204" pitchFamily="34" charset="-122"/>
+                <a:ea typeface="微软雅黑" panose="020B0503020204020204" pitchFamily="34" charset="-122"/>
+              </a:rPr>
+              <a:t>批量生成</a:t>
+            </a:r>
+          </a:p>
+        </p:txBody>
+      </p:sp>
+      <p:sp>
+        <p:nvSpPr>
+          <p:cNvPr id="34" name="圆角矩形 220">
+            <a:extLst>
+              <a:ext uri="{FF2B5EF4-FFF2-40B4-BE49-F238E27FC236}">
+                <a16:creationId xmlns:a16="http://schemas.microsoft.com/office/drawing/2014/main" id="{83D834AF-D534-439B-90E7-ABF27E2CD094}"/>
+              </a:ext>
+            </a:extLst>
+          </p:cNvPr>
+          <p:cNvSpPr/>
+          <p:nvPr/>
+        </p:nvSpPr>
+        <p:spPr>
+          <a:xfrm>
+            <a:off x="4246470" y="1453698"/>
+            <a:ext cx="1087524" cy="227755"/>
+          </a:xfrm>
+          <a:prstGeom prst="roundRect">
+            <a:avLst>
+              <a:gd name="adj" fmla="val 7169"/>
+            </a:avLst>
+          </a:prstGeom>
+          <a:solidFill>
+            <a:srgbClr val="157EFB"/>
+          </a:solidFill>
+          <a:ln>
+            <a:solidFill>
+              <a:srgbClr val="157EFB"/>
+            </a:solidFill>
+          </a:ln>
+          <a:effectLst/>
+        </p:spPr>
+        <p:style>
+          <a:lnRef idx="1">
+            <a:schemeClr val="accent1"/>
+          </a:lnRef>
+          <a:fillRef idx="3">
+            <a:schemeClr val="accent1"/>
+          </a:fillRef>
+          <a:effectRef idx="2">
+            <a:schemeClr val="accent1"/>
+          </a:effectRef>
+          <a:fontRef idx="minor">
+            <a:schemeClr val="lt1"/>
+          </a:fontRef>
+        </p:style>
+        <p:txBody>
+          <a:bodyPr rtlCol="0" anchor="ctr"/>
+          <a:lstStyle/>
+          <a:p>
+            <a:pPr algn="ctr"/>
+            <a:r>
+              <a:rPr lang="zh-CN" altLang="en-US" sz="1050" dirty="0">
+                <a:latin typeface="微软雅黑" panose="020B0503020204020204" pitchFamily="34" charset="-122"/>
+                <a:ea typeface="微软雅黑" panose="020B0503020204020204" pitchFamily="34" charset="-122"/>
+              </a:rPr>
+              <a:t>删除</a:t>
+            </a:r>
+          </a:p>
+        </p:txBody>
+      </p:sp>
+      <p:sp>
+        <p:nvSpPr>
+          <p:cNvPr id="35" name="圆角矩形 220">
+            <a:extLst>
+              <a:ext uri="{FF2B5EF4-FFF2-40B4-BE49-F238E27FC236}">
+                <a16:creationId xmlns:a16="http://schemas.microsoft.com/office/drawing/2014/main" id="{3A3AFCA3-A47E-4951-B043-FFA2E6EB986A}"/>
+              </a:ext>
+            </a:extLst>
+          </p:cNvPr>
+          <p:cNvSpPr/>
+          <p:nvPr/>
+        </p:nvSpPr>
+        <p:spPr>
+          <a:xfrm>
+            <a:off x="5399409" y="1448176"/>
+            <a:ext cx="1087524" cy="227755"/>
+          </a:xfrm>
+          <a:prstGeom prst="roundRect">
+            <a:avLst>
+              <a:gd name="adj" fmla="val 7169"/>
+            </a:avLst>
+          </a:prstGeom>
+          <a:solidFill>
+            <a:srgbClr val="157EFB"/>
+          </a:solidFill>
+          <a:ln>
+            <a:solidFill>
+              <a:srgbClr val="157EFB"/>
+            </a:solidFill>
+          </a:ln>
+          <a:effectLst/>
+        </p:spPr>
+        <p:style>
+          <a:lnRef idx="1">
+            <a:schemeClr val="accent1"/>
+          </a:lnRef>
+          <a:fillRef idx="3">
+            <a:schemeClr val="accent1"/>
+          </a:fillRef>
+          <a:effectRef idx="2">
+            <a:schemeClr val="accent1"/>
+          </a:effectRef>
+          <a:fontRef idx="minor">
+            <a:schemeClr val="lt1"/>
+          </a:fontRef>
+        </p:style>
+        <p:txBody>
+          <a:bodyPr rtlCol="0" anchor="ctr"/>
+          <a:lstStyle/>
+          <a:p>
+            <a:pPr algn="ctr"/>
+            <a:r>
+              <a:rPr lang="zh-CN" altLang="en-US" sz="1050" dirty="0">
+                <a:latin typeface="微软雅黑" panose="020B0503020204020204" pitchFamily="34" charset="-122"/>
+                <a:ea typeface="微软雅黑" panose="020B0503020204020204" pitchFamily="34" charset="-122"/>
+              </a:rPr>
+              <a:t>标记为已生产</a:t>
+            </a:r>
+          </a:p>
+        </p:txBody>
+      </p:sp>
+      <p:sp>
+        <p:nvSpPr>
+          <p:cNvPr id="36" name="圆角矩形 220">
+            <a:extLst>
+              <a:ext uri="{FF2B5EF4-FFF2-40B4-BE49-F238E27FC236}">
+                <a16:creationId xmlns:a16="http://schemas.microsoft.com/office/drawing/2014/main" id="{06A42B6E-7953-4E26-8509-FC55BB163F99}"/>
+              </a:ext>
+            </a:extLst>
+          </p:cNvPr>
+          <p:cNvSpPr/>
+          <p:nvPr/>
+        </p:nvSpPr>
+        <p:spPr>
+          <a:xfrm>
+            <a:off x="6552348" y="1448176"/>
+            <a:ext cx="1087524" cy="227755"/>
+          </a:xfrm>
+          <a:prstGeom prst="roundRect">
+            <a:avLst>
+              <a:gd name="adj" fmla="val 7169"/>
+            </a:avLst>
+          </a:prstGeom>
+          <a:solidFill>
+            <a:srgbClr val="157EFB"/>
+          </a:solidFill>
+          <a:ln>
+            <a:solidFill>
+              <a:srgbClr val="157EFB"/>
+            </a:solidFill>
+          </a:ln>
+          <a:effectLst/>
+        </p:spPr>
+        <p:style>
+          <a:lnRef idx="1">
+            <a:schemeClr val="accent1"/>
+          </a:lnRef>
+          <a:fillRef idx="3">
+            <a:schemeClr val="accent1"/>
+          </a:fillRef>
+          <a:effectRef idx="2">
+            <a:schemeClr val="accent1"/>
+          </a:effectRef>
+          <a:fontRef idx="minor">
+            <a:schemeClr val="lt1"/>
+          </a:fontRef>
+        </p:style>
+        <p:txBody>
+          <a:bodyPr rtlCol="0" anchor="ctr"/>
+          <a:lstStyle/>
+          <a:p>
+            <a:pPr algn="ctr"/>
+            <a:r>
+              <a:rPr lang="zh-CN" altLang="en-US" sz="1050" dirty="0">
+                <a:latin typeface="微软雅黑" panose="020B0503020204020204" pitchFamily="34" charset="-122"/>
+                <a:ea typeface="微软雅黑" panose="020B0503020204020204" pitchFamily="34" charset="-122"/>
+              </a:rPr>
+              <a:t>导出</a:t>
+            </a:r>
+          </a:p>
+        </p:txBody>
+      </p:sp>
+      <p:sp>
+        <p:nvSpPr>
+          <p:cNvPr id="37" name="圆角矩形 218">
+            <a:extLst>
+              <a:ext uri="{FF2B5EF4-FFF2-40B4-BE49-F238E27FC236}">
+                <a16:creationId xmlns:a16="http://schemas.microsoft.com/office/drawing/2014/main" id="{804CC02F-2431-46BE-87E6-DDE6A526BA7F}"/>
+              </a:ext>
+            </a:extLst>
+          </p:cNvPr>
+          <p:cNvSpPr/>
+          <p:nvPr/>
+        </p:nvSpPr>
+        <p:spPr>
+          <a:xfrm>
+            <a:off x="7853002" y="1448310"/>
+            <a:ext cx="3213165" cy="227755"/>
+          </a:xfrm>
+          <a:prstGeom prst="roundRect">
+            <a:avLst>
+              <a:gd name="adj" fmla="val 15413"/>
+            </a:avLst>
+          </a:prstGeom>
+          <a:solidFill>
+            <a:schemeClr val="bg1"/>
+          </a:solidFill>
+          <a:ln>
+            <a:solidFill>
+              <a:srgbClr val="D9D9D9"/>
+            </a:solidFill>
+          </a:ln>
+          <a:effectLst/>
+        </p:spPr>
+        <p:style>
+          <a:lnRef idx="1">
+            <a:schemeClr val="accent1"/>
+          </a:lnRef>
+          <a:fillRef idx="3">
+            <a:schemeClr val="accent1"/>
+          </a:fillRef>
+          <a:effectRef idx="2">
+            <a:schemeClr val="accent1"/>
+          </a:effectRef>
+          <a:fontRef idx="minor">
+            <a:schemeClr val="lt1"/>
+          </a:fontRef>
+        </p:style>
+        <p:txBody>
+          <a:bodyPr rtlCol="0" anchor="ctr"/>
+          <a:lstStyle/>
+          <a:p>
+            <a:pPr algn="ctr"/>
+            <a:r>
+              <a:rPr kumimoji="1" lang="zh-CN" altLang="en-US" sz="1000" dirty="0">
+                <a:solidFill>
+                  <a:schemeClr val="tx1">
+                    <a:lumMod val="50000"/>
+                    <a:lumOff val="50000"/>
+                  </a:schemeClr>
+                </a:solidFill>
+                <a:latin typeface="微软雅黑"/>
+                <a:ea typeface="微软雅黑"/>
+                <a:cs typeface="微软雅黑"/>
+              </a:rPr>
+              <a:t>过滤</a:t>
+            </a:r>
+          </a:p>
+        </p:txBody>
+      </p:sp>
+      <p:sp>
+        <p:nvSpPr>
+          <p:cNvPr id="39" name="圆角矩形 218">
+            <a:extLst>
+              <a:ext uri="{FF2B5EF4-FFF2-40B4-BE49-F238E27FC236}">
+                <a16:creationId xmlns:a16="http://schemas.microsoft.com/office/drawing/2014/main" id="{4EDAE850-D033-4B27-BBAF-B55BA4C09B53}"/>
+              </a:ext>
+            </a:extLst>
+          </p:cNvPr>
+          <p:cNvSpPr/>
+          <p:nvPr/>
+        </p:nvSpPr>
+        <p:spPr>
+          <a:xfrm>
+            <a:off x="3094621" y="1104748"/>
+            <a:ext cx="715377" cy="227755"/>
+          </a:xfrm>
+          <a:prstGeom prst="roundRect">
+            <a:avLst>
+              <a:gd name="adj" fmla="val 15413"/>
+            </a:avLst>
+          </a:prstGeom>
+          <a:solidFill>
+            <a:schemeClr val="bg1"/>
+          </a:solidFill>
+          <a:ln>
+            <a:solidFill>
+              <a:srgbClr val="D9D9D9"/>
+            </a:solidFill>
+          </a:ln>
+          <a:effectLst/>
+        </p:spPr>
+        <p:style>
+          <a:lnRef idx="1">
+            <a:schemeClr val="accent1"/>
+          </a:lnRef>
+          <a:fillRef idx="3">
+            <a:schemeClr val="accent1"/>
+          </a:fillRef>
+          <a:effectRef idx="2">
+            <a:schemeClr val="accent1"/>
+          </a:effectRef>
+          <a:fontRef idx="minor">
+            <a:schemeClr val="lt1"/>
+          </a:fontRef>
+        </p:style>
+        <p:txBody>
+          <a:bodyPr rtlCol="0" anchor="ctr"/>
+          <a:lstStyle/>
+          <a:p>
+            <a:pPr algn="ctr"/>
+            <a:r>
+              <a:rPr kumimoji="1" lang="zh-CN" altLang="en-US" sz="1000" dirty="0">
+                <a:solidFill>
+                  <a:schemeClr val="tx1">
+                    <a:lumMod val="50000"/>
+                    <a:lumOff val="50000"/>
+                  </a:schemeClr>
+                </a:solidFill>
+                <a:latin typeface="微软雅黑"/>
+                <a:ea typeface="微软雅黑"/>
+                <a:cs typeface="微软雅黑"/>
+              </a:rPr>
+              <a:t>全部</a:t>
+            </a:r>
+          </a:p>
+        </p:txBody>
+      </p:sp>
+      <p:sp>
+        <p:nvSpPr>
+          <p:cNvPr id="40" name="圆角矩形 218">
+            <a:extLst>
+              <a:ext uri="{FF2B5EF4-FFF2-40B4-BE49-F238E27FC236}">
+                <a16:creationId xmlns:a16="http://schemas.microsoft.com/office/drawing/2014/main" id="{7F2DAE89-8619-443C-9FB5-87C8EB3F5DD7}"/>
+              </a:ext>
+            </a:extLst>
+          </p:cNvPr>
+          <p:cNvSpPr/>
+          <p:nvPr/>
+        </p:nvSpPr>
+        <p:spPr>
+          <a:xfrm>
+            <a:off x="3863940" y="1104748"/>
+            <a:ext cx="715377" cy="227755"/>
+          </a:xfrm>
+          <a:prstGeom prst="roundRect">
+            <a:avLst>
+              <a:gd name="adj" fmla="val 15413"/>
+            </a:avLst>
+          </a:prstGeom>
+          <a:solidFill>
+            <a:schemeClr val="bg1"/>
+          </a:solidFill>
+          <a:ln>
+            <a:solidFill>
+              <a:srgbClr val="D9D9D9"/>
+            </a:solidFill>
+          </a:ln>
+          <a:effectLst/>
+        </p:spPr>
+        <p:style>
+          <a:lnRef idx="1">
+            <a:schemeClr val="accent1"/>
+          </a:lnRef>
+          <a:fillRef idx="3">
+            <a:schemeClr val="accent1"/>
+          </a:fillRef>
+          <a:effectRef idx="2">
+            <a:schemeClr val="accent1"/>
+          </a:effectRef>
+          <a:fontRef idx="minor">
+            <a:schemeClr val="lt1"/>
+          </a:fontRef>
+        </p:style>
+        <p:txBody>
+          <a:bodyPr rtlCol="0" anchor="ctr"/>
+          <a:lstStyle/>
+          <a:p>
+            <a:pPr algn="ctr"/>
+            <a:r>
+              <a:rPr kumimoji="1" lang="zh-CN" altLang="en-US" sz="1000" dirty="0">
+                <a:solidFill>
+                  <a:schemeClr val="tx1">
+                    <a:lumMod val="50000"/>
+                    <a:lumOff val="50000"/>
+                  </a:schemeClr>
+                </a:solidFill>
+                <a:latin typeface="微软雅黑"/>
+                <a:ea typeface="微软雅黑"/>
+                <a:cs typeface="微软雅黑"/>
+              </a:rPr>
+              <a:t>已生成</a:t>
+            </a:r>
+          </a:p>
+        </p:txBody>
+      </p:sp>
+      <p:sp>
+        <p:nvSpPr>
+          <p:cNvPr id="41" name="圆角矩形 218">
+            <a:extLst>
+              <a:ext uri="{FF2B5EF4-FFF2-40B4-BE49-F238E27FC236}">
+                <a16:creationId xmlns:a16="http://schemas.microsoft.com/office/drawing/2014/main" id="{E2CBB2AF-4D0B-4877-960B-43A31912627D}"/>
+              </a:ext>
+            </a:extLst>
+          </p:cNvPr>
+          <p:cNvSpPr/>
+          <p:nvPr/>
+        </p:nvSpPr>
+        <p:spPr>
+          <a:xfrm>
+            <a:off x="4631442" y="1104748"/>
+            <a:ext cx="715377" cy="227755"/>
+          </a:xfrm>
+          <a:prstGeom prst="roundRect">
+            <a:avLst>
+              <a:gd name="adj" fmla="val 15413"/>
+            </a:avLst>
+          </a:prstGeom>
+          <a:solidFill>
+            <a:schemeClr val="bg1"/>
+          </a:solidFill>
+          <a:ln>
+            <a:solidFill>
+              <a:srgbClr val="D9D9D9"/>
+            </a:solidFill>
+          </a:ln>
+          <a:effectLst/>
+        </p:spPr>
+        <p:style>
+          <a:lnRef idx="1">
+            <a:schemeClr val="accent1"/>
+          </a:lnRef>
+          <a:fillRef idx="3">
+            <a:schemeClr val="accent1"/>
+          </a:fillRef>
+          <a:effectRef idx="2">
+            <a:schemeClr val="accent1"/>
+          </a:effectRef>
+          <a:fontRef idx="minor">
+            <a:schemeClr val="lt1"/>
+          </a:fontRef>
+        </p:style>
+        <p:txBody>
+          <a:bodyPr rtlCol="0" anchor="ctr"/>
+          <a:lstStyle/>
+          <a:p>
+            <a:pPr algn="ctr"/>
+            <a:r>
+              <a:rPr kumimoji="1" lang="zh-CN" altLang="en-US" sz="1000" dirty="0">
+                <a:solidFill>
+                  <a:schemeClr val="tx1">
+                    <a:lumMod val="50000"/>
+                    <a:lumOff val="50000"/>
+                  </a:schemeClr>
+                </a:solidFill>
+                <a:latin typeface="微软雅黑"/>
+                <a:ea typeface="微软雅黑"/>
+                <a:cs typeface="微软雅黑"/>
+              </a:rPr>
+              <a:t>已制作</a:t>
+            </a:r>
+          </a:p>
+        </p:txBody>
+      </p:sp>
+      <p:sp>
+        <p:nvSpPr>
+          <p:cNvPr id="42" name="文本框 41">
+            <a:extLst>
+              <a:ext uri="{FF2B5EF4-FFF2-40B4-BE49-F238E27FC236}">
+                <a16:creationId xmlns:a16="http://schemas.microsoft.com/office/drawing/2014/main" id="{422BACAE-D9D5-458B-9C08-6F24BB8A70BB}"/>
+              </a:ext>
+            </a:extLst>
+          </p:cNvPr>
+          <p:cNvSpPr txBox="1"/>
+          <p:nvPr/>
+        </p:nvSpPr>
+        <p:spPr>
+          <a:xfrm>
+            <a:off x="3093531" y="1729918"/>
+            <a:ext cx="1991027" cy="246221"/>
+          </a:xfrm>
+          <a:prstGeom prst="rect">
+            <a:avLst/>
+          </a:prstGeom>
+          <a:noFill/>
+        </p:spPr>
+        <p:txBody>
+          <a:bodyPr wrap="square" rtlCol="0">
+            <a:spAutoFit/>
+          </a:bodyPr>
+          <a:lstStyle/>
+          <a:p>
+            <a:pPr algn="l"/>
+            <a:r>
+              <a:rPr lang="zh-CN" altLang="en-US" sz="1000" dirty="0">
+                <a:latin typeface="微软雅黑" panose="020B0503020204020204" pitchFamily="34" charset="-122"/>
+                <a:ea typeface="微软雅黑" panose="020B0503020204020204" pitchFamily="34" charset="-122"/>
+              </a:rPr>
+              <a:t>共</a:t>
+            </a:r>
+            <a:r>
+              <a:rPr lang="en-US" altLang="zh-CN" sz="1000" dirty="0">
+                <a:latin typeface="微软雅黑" panose="020B0503020204020204" pitchFamily="34" charset="-122"/>
+                <a:ea typeface="微软雅黑" panose="020B0503020204020204" pitchFamily="34" charset="-122"/>
+              </a:rPr>
+              <a:t>10000</a:t>
+            </a:r>
+            <a:r>
+              <a:rPr lang="zh-CN" altLang="en-US" sz="1000" dirty="0">
+                <a:latin typeface="微软雅黑" panose="020B0503020204020204" pitchFamily="34" charset="-122"/>
+                <a:ea typeface="微软雅黑" panose="020B0503020204020204" pitchFamily="34" charset="-122"/>
+              </a:rPr>
+              <a:t>条数据</a:t>
+            </a:r>
+          </a:p>
+        </p:txBody>
+      </p:sp>
+      <p:sp>
+        <p:nvSpPr>
+          <p:cNvPr id="54" name="圆角矩形 218">
+            <a:extLst>
+              <a:ext uri="{FF2B5EF4-FFF2-40B4-BE49-F238E27FC236}">
+                <a16:creationId xmlns:a16="http://schemas.microsoft.com/office/drawing/2014/main" id="{E69530BF-B6F5-47AA-B730-4D8C2B7E65C0}"/>
+              </a:ext>
+            </a:extLst>
+          </p:cNvPr>
+          <p:cNvSpPr/>
+          <p:nvPr/>
+        </p:nvSpPr>
+        <p:spPr>
+          <a:xfrm>
+            <a:off x="5398944" y="1104747"/>
+            <a:ext cx="715377" cy="227755"/>
+          </a:xfrm>
+          <a:prstGeom prst="roundRect">
+            <a:avLst>
+              <a:gd name="adj" fmla="val 15413"/>
+            </a:avLst>
+          </a:prstGeom>
+          <a:solidFill>
+            <a:schemeClr val="bg1"/>
+          </a:solidFill>
+          <a:ln>
+            <a:solidFill>
+              <a:srgbClr val="D9D9D9"/>
+            </a:solidFill>
+          </a:ln>
+          <a:effectLst/>
+        </p:spPr>
+        <p:style>
+          <a:lnRef idx="1">
+            <a:schemeClr val="accent1"/>
+          </a:lnRef>
+          <a:fillRef idx="3">
+            <a:schemeClr val="accent1"/>
+          </a:fillRef>
+          <a:effectRef idx="2">
+            <a:schemeClr val="accent1"/>
+          </a:effectRef>
+          <a:fontRef idx="minor">
+            <a:schemeClr val="lt1"/>
+          </a:fontRef>
+        </p:style>
+        <p:txBody>
+          <a:bodyPr rtlCol="0" anchor="ctr"/>
+          <a:lstStyle/>
+          <a:p>
+            <a:pPr algn="ctr"/>
+            <a:r>
+              <a:rPr kumimoji="1" lang="zh-CN" altLang="en-US" sz="1000" dirty="0">
+                <a:solidFill>
+                  <a:schemeClr val="tx1">
+                    <a:lumMod val="50000"/>
+                    <a:lumOff val="50000"/>
+                  </a:schemeClr>
+                </a:solidFill>
+                <a:latin typeface="微软雅黑"/>
+                <a:ea typeface="微软雅黑"/>
+                <a:cs typeface="微软雅黑"/>
+              </a:rPr>
+              <a:t>已发货</a:t>
+            </a:r>
           </a:p>
         </p:txBody>
       </p:sp>
       <p:graphicFrame>
         <p:nvGraphicFramePr>
-          <p:cNvPr id="4" name="对象 3">
-            <a:extLst>
-              <a:ext uri="{FF2B5EF4-FFF2-40B4-BE49-F238E27FC236}">
-                <a16:creationId xmlns:a16="http://schemas.microsoft.com/office/drawing/2014/main" id="{AE51FF6E-4CEA-4B64-8C6E-67B794348198}"/>
+          <p:cNvPr id="21" name="对象 20">
+            <a:extLst>
+              <a:ext uri="{FF2B5EF4-FFF2-40B4-BE49-F238E27FC236}">
+                <a16:creationId xmlns:a16="http://schemas.microsoft.com/office/drawing/2014/main" id="{50DF3F49-72B8-4FBD-B995-422F2A2A3549}"/>
               </a:ext>
             </a:extLst>
           </p:cNvPr>
@@ -768,25 +2129,25 @@
           <p:nvPr>
             <p:extLst>
               <p:ext uri="{D42A27DB-BD31-4B8C-83A1-F6EECF244321}">
-                <p14:modId xmlns:p14="http://schemas.microsoft.com/office/powerpoint/2010/main" val="42348423"/>
+                <p14:modId xmlns:p14="http://schemas.microsoft.com/office/powerpoint/2010/main" val="4254722025"/>
               </p:ext>
             </p:extLst>
           </p:nvPr>
         </p:nvGraphicFramePr>
         <p:xfrm>
-          <a:off x="2133600" y="1528349"/>
-          <a:ext cx="7924800" cy="2103437"/>
+          <a:off x="3117449" y="2032955"/>
+          <a:ext cx="7924800" cy="579437"/>
         </p:xfrm>
         <a:graphic>
           <a:graphicData uri="http://schemas.openxmlformats.org/presentationml/2006/ole">
             <mc:AlternateContent xmlns:mc="http://schemas.openxmlformats.org/markup-compatibility/2006">
               <mc:Choice xmlns:v="urn:schemas-microsoft-com:vml" Requires="v">
-                <p:oleObj spid="_x0000_s1119" name="Worksheet" r:id="rId3" imgW="7924620" imgH="2103300" progId="Excel.Sheet.12">
+                <p:oleObj spid="_x0000_s7249" name="Worksheet" r:id="rId3" imgW="7924620" imgH="579056" progId="Excel.Sheet.12">
                   <p:embed/>
                 </p:oleObj>
               </mc:Choice>
               <mc:Fallback>
-                <p:oleObj name="Worksheet" r:id="rId3" imgW="7924620" imgH="2103300" progId="Excel.Sheet.12">
+                <p:oleObj name="Worksheet" r:id="rId3" imgW="7924620" imgH="579056" progId="Excel.Sheet.12">
                   <p:embed/>
                   <p:pic>
                     <p:nvPicPr>
@@ -802,8 +2163,8 @@
                     </p:blipFill>
                     <p:spPr>
                       <a:xfrm>
-                        <a:off x="2133600" y="1528349"/>
-                        <a:ext cx="7924800" cy="2103437"/>
+                        <a:off x="3117449" y="2032955"/>
+                        <a:ext cx="7924800" cy="579437"/>
                       </a:xfrm>
                       <a:prstGeom prst="rect">
                         <a:avLst/>
@@ -816,10 +2177,91 @@
           </a:graphicData>
         </a:graphic>
       </p:graphicFrame>
+      <p:sp>
+        <p:nvSpPr>
+          <p:cNvPr id="22" name="文本框 21">
+            <a:extLst>
+              <a:ext uri="{FF2B5EF4-FFF2-40B4-BE49-F238E27FC236}">
+                <a16:creationId xmlns:a16="http://schemas.microsoft.com/office/drawing/2014/main" id="{D2AE6E09-078F-4472-96A5-C93D22F03F7F}"/>
+              </a:ext>
+            </a:extLst>
+          </p:cNvPr>
+          <p:cNvSpPr txBox="1"/>
+          <p:nvPr/>
+        </p:nvSpPr>
+        <p:spPr>
+          <a:xfrm>
+            <a:off x="3160391" y="2822065"/>
+            <a:ext cx="7881855" cy="400110"/>
+          </a:xfrm>
+          <a:prstGeom prst="rect">
+            <a:avLst/>
+          </a:prstGeom>
+          <a:noFill/>
+        </p:spPr>
+        <p:txBody>
+          <a:bodyPr wrap="square" rtlCol="0">
+            <a:spAutoFit/>
+          </a:bodyPr>
+          <a:lstStyle/>
+          <a:p>
+            <a:pPr algn="l"/>
+            <a:r>
+              <a:rPr lang="zh-CN" altLang="en-US" sz="1000" dirty="0">
+                <a:latin typeface="微软雅黑" panose="020B0503020204020204" pitchFamily="34" charset="-122"/>
+                <a:ea typeface="微软雅黑" panose="020B0503020204020204" pitchFamily="34" charset="-122"/>
+              </a:rPr>
+              <a:t>物料</a:t>
+            </a:r>
+            <a:r>
+              <a:rPr lang="en-US" altLang="zh-CN" sz="1000" dirty="0">
+                <a:latin typeface="微软雅黑" panose="020B0503020204020204" pitchFamily="34" charset="-122"/>
+                <a:ea typeface="微软雅黑" panose="020B0503020204020204" pitchFamily="34" charset="-122"/>
+              </a:rPr>
+              <a:t>ID</a:t>
+            </a:r>
+            <a:r>
+              <a:rPr lang="zh-CN" altLang="en-US" sz="1000" dirty="0">
+                <a:latin typeface="微软雅黑" panose="020B0503020204020204" pitchFamily="34" charset="-122"/>
+                <a:ea typeface="微软雅黑" panose="020B0503020204020204" pitchFamily="34" charset="-122"/>
+              </a:rPr>
+              <a:t>的编码规则：自增序列编码</a:t>
+            </a:r>
+            <a:endParaRPr lang="en-US" altLang="zh-CN" sz="1000" dirty="0">
+              <a:latin typeface="微软雅黑" panose="020B0503020204020204" pitchFamily="34" charset="-122"/>
+              <a:ea typeface="微软雅黑" panose="020B0503020204020204" pitchFamily="34" charset="-122"/>
+            </a:endParaRPr>
+          </a:p>
+          <a:p>
+            <a:pPr algn="l"/>
+            <a:r>
+              <a:rPr lang="zh-CN" altLang="en-US" sz="1000" dirty="0">
+                <a:latin typeface="微软雅黑" panose="020B0503020204020204" pitchFamily="34" charset="-122"/>
+                <a:ea typeface="微软雅黑" panose="020B0503020204020204" pitchFamily="34" charset="-122"/>
+              </a:rPr>
+              <a:t>批次的编码规则：操作的日期</a:t>
+            </a:r>
+            <a:r>
+              <a:rPr lang="en-US" altLang="zh-CN" sz="1000" dirty="0">
+                <a:latin typeface="微软雅黑" panose="020B0503020204020204" pitchFamily="34" charset="-122"/>
+                <a:ea typeface="微软雅黑" panose="020B0503020204020204" pitchFamily="34" charset="-122"/>
+              </a:rPr>
+              <a:t>+</a:t>
+            </a:r>
+            <a:r>
+              <a:rPr lang="zh-CN" altLang="en-US" sz="1000" dirty="0">
+                <a:latin typeface="微软雅黑" panose="020B0503020204020204" pitchFamily="34" charset="-122"/>
+                <a:ea typeface="微软雅黑" panose="020B0503020204020204" pitchFamily="34" charset="-122"/>
+              </a:rPr>
+              <a:t>小时</a:t>
+            </a:r>
+          </a:p>
+        </p:txBody>
+      </p:sp>
     </p:spTree>
     <p:extLst>
       <p:ext uri="{BB962C8B-B14F-4D97-AF65-F5344CB8AC3E}">
-        <p14:creationId xmlns:p14="http://schemas.microsoft.com/office/powerpoint/2010/main" val="2733550910"/>
+        <p14:creationId xmlns:p14="http://schemas.microsoft.com/office/powerpoint/2010/main" val="3362283425"/>
       </p:ext>
     </p:extLst>
   </p:cSld>
@@ -851,7 +2293,7 @@
           <p:cNvPr id="2" name="标题 1">
             <a:extLst>
               <a:ext uri="{FF2B5EF4-FFF2-40B4-BE49-F238E27FC236}">
-                <a16:creationId xmlns:a16="http://schemas.microsoft.com/office/drawing/2014/main" id="{EA587033-D78E-475B-BC4E-8D1F768828C3}"/>
+                <a16:creationId xmlns:a16="http://schemas.microsoft.com/office/drawing/2014/main" id="{46A76045-C935-40B1-ACF2-D70DEDA33BD8}"/>
               </a:ext>
             </a:extLst>
           </p:cNvPr>
@@ -869,49 +2311,1273 @@
           <a:p>
             <a:r>
               <a:rPr lang="zh-CN" altLang="en-US" dirty="0"/>
+              <a:t>订单管理</a:t>
+            </a:r>
+          </a:p>
+        </p:txBody>
+      </p:sp>
+      <p:sp>
+        <p:nvSpPr>
+          <p:cNvPr id="3" name="同侧圆角矩形 116">
+            <a:extLst>
+              <a:ext uri="{FF2B5EF4-FFF2-40B4-BE49-F238E27FC236}">
+                <a16:creationId xmlns:a16="http://schemas.microsoft.com/office/drawing/2014/main" id="{4C77A536-A4DB-4B9B-BEAA-6152DC8E144B}"/>
+              </a:ext>
+            </a:extLst>
+          </p:cNvPr>
+          <p:cNvSpPr/>
+          <p:nvPr/>
+        </p:nvSpPr>
+        <p:spPr>
+          <a:xfrm rot="10800000">
+            <a:off x="1011024" y="751401"/>
+            <a:ext cx="10169951" cy="5722285"/>
+          </a:xfrm>
+          <a:prstGeom prst="round2SameRect">
+            <a:avLst>
+              <a:gd name="adj1" fmla="val 750"/>
+              <a:gd name="adj2" fmla="val 0"/>
+            </a:avLst>
+          </a:prstGeom>
+          <a:solidFill>
+            <a:schemeClr val="bg1">
+              <a:lumMod val="95000"/>
+            </a:schemeClr>
+          </a:solidFill>
+          <a:ln>
+            <a:solidFill>
+              <a:srgbClr val="F0F0F0"/>
+            </a:solidFill>
+          </a:ln>
+          <a:effectLst/>
+        </p:spPr>
+        <p:style>
+          <a:lnRef idx="1">
+            <a:schemeClr val="accent1"/>
+          </a:lnRef>
+          <a:fillRef idx="3">
+            <a:schemeClr val="accent1"/>
+          </a:fillRef>
+          <a:effectRef idx="2">
+            <a:schemeClr val="accent1"/>
+          </a:effectRef>
+          <a:fontRef idx="minor">
+            <a:schemeClr val="lt1"/>
+          </a:fontRef>
+        </p:style>
+        <p:txBody>
+          <a:bodyPr rtlCol="0" anchor="ctr"/>
+          <a:lstStyle/>
+          <a:p>
+            <a:endParaRPr lang="zh-CN" altLang="en-US" sz="1400">
+              <a:latin typeface="微软雅黑" panose="020B0503020204020204" pitchFamily="34" charset="-122"/>
+              <a:ea typeface="微软雅黑" panose="020B0503020204020204" pitchFamily="34" charset="-122"/>
+            </a:endParaRPr>
+          </a:p>
+        </p:txBody>
+      </p:sp>
+      <p:sp>
+        <p:nvSpPr>
+          <p:cNvPr id="4" name="同侧圆角矩形 130">
+            <a:extLst>
+              <a:ext uri="{FF2B5EF4-FFF2-40B4-BE49-F238E27FC236}">
+                <a16:creationId xmlns:a16="http://schemas.microsoft.com/office/drawing/2014/main" id="{6AC93531-2C49-41B0-A9ED-A8A423FC165C}"/>
+              </a:ext>
+            </a:extLst>
+          </p:cNvPr>
+          <p:cNvSpPr/>
+          <p:nvPr/>
+        </p:nvSpPr>
+        <p:spPr>
+          <a:xfrm rot="10800000">
+            <a:off x="1011067" y="748747"/>
+            <a:ext cx="1967658" cy="3101216"/>
+          </a:xfrm>
+          <a:prstGeom prst="round2SameRect">
+            <a:avLst>
+              <a:gd name="adj1" fmla="val 0"/>
+              <a:gd name="adj2" fmla="val 0"/>
+            </a:avLst>
+          </a:prstGeom>
+          <a:solidFill>
+            <a:schemeClr val="bg1"/>
+          </a:solidFill>
+          <a:ln>
+            <a:solidFill>
+              <a:srgbClr val="F0F0F0"/>
+            </a:solidFill>
+          </a:ln>
+          <a:effectLst/>
+        </p:spPr>
+        <p:style>
+          <a:lnRef idx="1">
+            <a:schemeClr val="accent1"/>
+          </a:lnRef>
+          <a:fillRef idx="3">
+            <a:schemeClr val="accent1"/>
+          </a:fillRef>
+          <a:effectRef idx="2">
+            <a:schemeClr val="accent1"/>
+          </a:effectRef>
+          <a:fontRef idx="minor">
+            <a:schemeClr val="lt1"/>
+          </a:fontRef>
+        </p:style>
+        <p:txBody>
+          <a:bodyPr rtlCol="0" anchor="ctr"/>
+          <a:lstStyle/>
+          <a:p>
+            <a:pPr algn="ctr"/>
+            <a:endParaRPr lang="zh-CN" altLang="en-US" sz="1400">
+              <a:latin typeface="微软雅黑" panose="020B0503020204020204" pitchFamily="34" charset="-122"/>
+              <a:ea typeface="微软雅黑" panose="020B0503020204020204" pitchFamily="34" charset="-122"/>
+            </a:endParaRPr>
+          </a:p>
+        </p:txBody>
+      </p:sp>
+      <p:cxnSp>
+        <p:nvCxnSpPr>
+          <p:cNvPr id="5" name="直接连接符 4">
+            <a:extLst>
+              <a:ext uri="{FF2B5EF4-FFF2-40B4-BE49-F238E27FC236}">
+                <a16:creationId xmlns:a16="http://schemas.microsoft.com/office/drawing/2014/main" id="{EA8C03F6-319A-4BBE-B16E-A9962CCB00C7}"/>
+              </a:ext>
+            </a:extLst>
+          </p:cNvPr>
+          <p:cNvCxnSpPr/>
+          <p:nvPr/>
+        </p:nvCxnSpPr>
+        <p:spPr>
+          <a:xfrm>
+            <a:off x="1011067" y="1259515"/>
+            <a:ext cx="1967658" cy="0"/>
+          </a:xfrm>
+          <a:prstGeom prst="line">
+            <a:avLst/>
+          </a:prstGeom>
+          <a:ln w="3175">
+            <a:solidFill>
+              <a:srgbClr val="C4C4C7"/>
+            </a:solidFill>
+          </a:ln>
+          <a:effectLst/>
+        </p:spPr>
+        <p:style>
+          <a:lnRef idx="2">
+            <a:schemeClr val="accent1"/>
+          </a:lnRef>
+          <a:fillRef idx="0">
+            <a:schemeClr val="accent1"/>
+          </a:fillRef>
+          <a:effectRef idx="1">
+            <a:schemeClr val="accent1"/>
+          </a:effectRef>
+          <a:fontRef idx="minor">
+            <a:schemeClr val="tx1"/>
+          </a:fontRef>
+        </p:style>
+      </p:cxnSp>
+      <p:cxnSp>
+        <p:nvCxnSpPr>
+          <p:cNvPr id="6" name="直接连接符 5">
+            <a:extLst>
+              <a:ext uri="{FF2B5EF4-FFF2-40B4-BE49-F238E27FC236}">
+                <a16:creationId xmlns:a16="http://schemas.microsoft.com/office/drawing/2014/main" id="{7054F658-4F70-4F4E-936C-FB4C1D1AEE8F}"/>
+              </a:ext>
+            </a:extLst>
+          </p:cNvPr>
+          <p:cNvCxnSpPr/>
+          <p:nvPr/>
+        </p:nvCxnSpPr>
+        <p:spPr>
+          <a:xfrm>
+            <a:off x="1011067" y="1748043"/>
+            <a:ext cx="1967658" cy="0"/>
+          </a:xfrm>
+          <a:prstGeom prst="line">
+            <a:avLst/>
+          </a:prstGeom>
+          <a:ln w="3175">
+            <a:solidFill>
+              <a:srgbClr val="C4C4C7"/>
+            </a:solidFill>
+          </a:ln>
+          <a:effectLst/>
+        </p:spPr>
+        <p:style>
+          <a:lnRef idx="2">
+            <a:schemeClr val="accent1"/>
+          </a:lnRef>
+          <a:fillRef idx="0">
+            <a:schemeClr val="accent1"/>
+          </a:fillRef>
+          <a:effectRef idx="1">
+            <a:schemeClr val="accent1"/>
+          </a:effectRef>
+          <a:fontRef idx="minor">
+            <a:schemeClr val="tx1"/>
+          </a:fontRef>
+        </p:style>
+      </p:cxnSp>
+      <p:cxnSp>
+        <p:nvCxnSpPr>
+          <p:cNvPr id="7" name="直接连接符 6">
+            <a:extLst>
+              <a:ext uri="{FF2B5EF4-FFF2-40B4-BE49-F238E27FC236}">
+                <a16:creationId xmlns:a16="http://schemas.microsoft.com/office/drawing/2014/main" id="{DD1E5016-B066-4A4A-91EB-777BE9F66F9E}"/>
+              </a:ext>
+            </a:extLst>
+          </p:cNvPr>
+          <p:cNvCxnSpPr/>
+          <p:nvPr/>
+        </p:nvCxnSpPr>
+        <p:spPr>
+          <a:xfrm>
+            <a:off x="1011067" y="2236570"/>
+            <a:ext cx="1967659" cy="0"/>
+          </a:xfrm>
+          <a:prstGeom prst="line">
+            <a:avLst/>
+          </a:prstGeom>
+          <a:ln w="3175">
+            <a:solidFill>
+              <a:srgbClr val="C4C4C7"/>
+            </a:solidFill>
+          </a:ln>
+          <a:effectLst/>
+        </p:spPr>
+        <p:style>
+          <a:lnRef idx="2">
+            <a:schemeClr val="accent1"/>
+          </a:lnRef>
+          <a:fillRef idx="0">
+            <a:schemeClr val="accent1"/>
+          </a:fillRef>
+          <a:effectRef idx="1">
+            <a:schemeClr val="accent1"/>
+          </a:effectRef>
+          <a:fontRef idx="minor">
+            <a:schemeClr val="tx1"/>
+          </a:fontRef>
+        </p:style>
+      </p:cxnSp>
+      <p:cxnSp>
+        <p:nvCxnSpPr>
+          <p:cNvPr id="8" name="直接连接符 7">
+            <a:extLst>
+              <a:ext uri="{FF2B5EF4-FFF2-40B4-BE49-F238E27FC236}">
+                <a16:creationId xmlns:a16="http://schemas.microsoft.com/office/drawing/2014/main" id="{971AD9F4-0995-49D6-875C-409B2803DC4E}"/>
+              </a:ext>
+            </a:extLst>
+          </p:cNvPr>
+          <p:cNvCxnSpPr/>
+          <p:nvPr/>
+        </p:nvCxnSpPr>
+        <p:spPr>
+          <a:xfrm flipV="1">
+            <a:off x="2978725" y="773976"/>
+            <a:ext cx="1" cy="5651093"/>
+          </a:xfrm>
+          <a:prstGeom prst="line">
+            <a:avLst/>
+          </a:prstGeom>
+          <a:ln w="3175">
+            <a:solidFill>
+              <a:srgbClr val="C4C4C7"/>
+            </a:solidFill>
+          </a:ln>
+          <a:effectLst/>
+        </p:spPr>
+        <p:style>
+          <a:lnRef idx="2">
+            <a:schemeClr val="accent1"/>
+          </a:lnRef>
+          <a:fillRef idx="0">
+            <a:schemeClr val="accent1"/>
+          </a:fillRef>
+          <a:effectRef idx="1">
+            <a:schemeClr val="accent1"/>
+          </a:effectRef>
+          <a:fontRef idx="minor">
+            <a:schemeClr val="tx1"/>
+          </a:fontRef>
+        </p:style>
+      </p:cxnSp>
+      <p:sp>
+        <p:nvSpPr>
+          <p:cNvPr id="9" name="文本框 8">
+            <a:extLst>
+              <a:ext uri="{FF2B5EF4-FFF2-40B4-BE49-F238E27FC236}">
+                <a16:creationId xmlns:a16="http://schemas.microsoft.com/office/drawing/2014/main" id="{DBA15883-F84D-4058-B75A-263E05B80820}"/>
+              </a:ext>
+            </a:extLst>
+          </p:cNvPr>
+          <p:cNvSpPr txBox="1"/>
+          <p:nvPr/>
+        </p:nvSpPr>
+        <p:spPr>
+          <a:xfrm>
+            <a:off x="1411135" y="1914332"/>
+            <a:ext cx="1167517" cy="227755"/>
+          </a:xfrm>
+          <a:prstGeom prst="rect">
+            <a:avLst/>
+          </a:prstGeom>
+          <a:noFill/>
+        </p:spPr>
+        <p:txBody>
+          <a:bodyPr wrap="square" rtlCol="0">
+            <a:spAutoFit/>
+          </a:bodyPr>
+          <a:lstStyle/>
+          <a:p>
+            <a:pPr algn="ctr">
+              <a:lnSpc>
+                <a:spcPct val="80000"/>
+              </a:lnSpc>
+            </a:pPr>
+            <a:r>
+              <a:rPr kumimoji="1" lang="zh-CN" altLang="en-US" sz="1100" dirty="0">
+                <a:solidFill>
+                  <a:schemeClr val="tx1">
+                    <a:lumMod val="85000"/>
+                    <a:lumOff val="15000"/>
+                  </a:schemeClr>
+                </a:solidFill>
+                <a:latin typeface="微软雅黑" panose="020B0503020204020204" pitchFamily="34" charset="-122"/>
+                <a:ea typeface="微软雅黑" panose="020B0503020204020204" pitchFamily="34" charset="-122"/>
+                <a:cs typeface="微软雅黑"/>
+              </a:rPr>
               <a:t>挪车码</a:t>
+            </a:r>
+          </a:p>
+        </p:txBody>
+      </p:sp>
+      <p:cxnSp>
+        <p:nvCxnSpPr>
+          <p:cNvPr id="10" name="直接连接符 9">
+            <a:extLst>
+              <a:ext uri="{FF2B5EF4-FFF2-40B4-BE49-F238E27FC236}">
+                <a16:creationId xmlns:a16="http://schemas.microsoft.com/office/drawing/2014/main" id="{7C2205C9-6068-4472-B5E7-36851BDF83D6}"/>
+              </a:ext>
+            </a:extLst>
+          </p:cNvPr>
+          <p:cNvCxnSpPr/>
+          <p:nvPr/>
+        </p:nvCxnSpPr>
+        <p:spPr>
+          <a:xfrm>
+            <a:off x="1011067" y="2764003"/>
+            <a:ext cx="1967659" cy="0"/>
+          </a:xfrm>
+          <a:prstGeom prst="line">
+            <a:avLst/>
+          </a:prstGeom>
+          <a:ln w="3175">
+            <a:solidFill>
+              <a:srgbClr val="C4C4C7"/>
+            </a:solidFill>
+          </a:ln>
+          <a:effectLst/>
+        </p:spPr>
+        <p:style>
+          <a:lnRef idx="2">
+            <a:schemeClr val="accent1"/>
+          </a:lnRef>
+          <a:fillRef idx="0">
+            <a:schemeClr val="accent1"/>
+          </a:fillRef>
+          <a:effectRef idx="1">
+            <a:schemeClr val="accent1"/>
+          </a:effectRef>
+          <a:fontRef idx="minor">
+            <a:schemeClr val="tx1"/>
+          </a:fontRef>
+        </p:style>
+      </p:cxnSp>
+      <p:cxnSp>
+        <p:nvCxnSpPr>
+          <p:cNvPr id="11" name="直接连接符 10">
+            <a:extLst>
+              <a:ext uri="{FF2B5EF4-FFF2-40B4-BE49-F238E27FC236}">
+                <a16:creationId xmlns:a16="http://schemas.microsoft.com/office/drawing/2014/main" id="{E347BA25-AE77-4F7E-B01B-38697FF003AF}"/>
+              </a:ext>
+            </a:extLst>
+          </p:cNvPr>
+          <p:cNvCxnSpPr/>
+          <p:nvPr/>
+        </p:nvCxnSpPr>
+        <p:spPr>
+          <a:xfrm>
+            <a:off x="1011067" y="3306989"/>
+            <a:ext cx="1967659" cy="0"/>
+          </a:xfrm>
+          <a:prstGeom prst="line">
+            <a:avLst/>
+          </a:prstGeom>
+          <a:ln w="3175">
+            <a:solidFill>
+              <a:srgbClr val="C4C4C7"/>
+            </a:solidFill>
+          </a:ln>
+          <a:effectLst/>
+        </p:spPr>
+        <p:style>
+          <a:lnRef idx="2">
+            <a:schemeClr val="accent1"/>
+          </a:lnRef>
+          <a:fillRef idx="0">
+            <a:schemeClr val="accent1"/>
+          </a:fillRef>
+          <a:effectRef idx="1">
+            <a:schemeClr val="accent1"/>
+          </a:effectRef>
+          <a:fontRef idx="minor">
+            <a:schemeClr val="tx1"/>
+          </a:fontRef>
+        </p:style>
+      </p:cxnSp>
+      <p:sp>
+        <p:nvSpPr>
+          <p:cNvPr id="12" name="文本框 11">
+            <a:extLst>
+              <a:ext uri="{FF2B5EF4-FFF2-40B4-BE49-F238E27FC236}">
+                <a16:creationId xmlns:a16="http://schemas.microsoft.com/office/drawing/2014/main" id="{8D3E4B36-1182-4B86-970B-1754067656AC}"/>
+              </a:ext>
+            </a:extLst>
+          </p:cNvPr>
+          <p:cNvSpPr txBox="1"/>
+          <p:nvPr/>
+        </p:nvSpPr>
+        <p:spPr>
+          <a:xfrm>
+            <a:off x="1411135" y="2391307"/>
+            <a:ext cx="1167517" cy="227755"/>
+          </a:xfrm>
+          <a:prstGeom prst="rect">
+            <a:avLst/>
+          </a:prstGeom>
+          <a:noFill/>
+        </p:spPr>
+        <p:txBody>
+          <a:bodyPr wrap="square" rtlCol="0">
+            <a:spAutoFit/>
+          </a:bodyPr>
+          <a:lstStyle/>
+          <a:p>
+            <a:pPr algn="ctr">
+              <a:lnSpc>
+                <a:spcPct val="80000"/>
+              </a:lnSpc>
+            </a:pPr>
+            <a:r>
+              <a:rPr kumimoji="1" lang="zh-CN" altLang="en-US" sz="1100" dirty="0">
+                <a:solidFill>
+                  <a:schemeClr val="tx1">
+                    <a:lumMod val="85000"/>
+                    <a:lumOff val="15000"/>
+                  </a:schemeClr>
+                </a:solidFill>
+                <a:latin typeface="微软雅黑" panose="020B0503020204020204" pitchFamily="34" charset="-122"/>
+                <a:ea typeface="微软雅黑" panose="020B0503020204020204" pitchFamily="34" charset="-122"/>
+                <a:cs typeface="微软雅黑"/>
+              </a:rPr>
+              <a:t>挪车记录</a:t>
+            </a:r>
+          </a:p>
+        </p:txBody>
+      </p:sp>
+      <p:sp>
+        <p:nvSpPr>
+          <p:cNvPr id="13" name="文本框 12">
+            <a:extLst>
+              <a:ext uri="{FF2B5EF4-FFF2-40B4-BE49-F238E27FC236}">
+                <a16:creationId xmlns:a16="http://schemas.microsoft.com/office/drawing/2014/main" id="{3F4AFD05-5531-4C8C-A191-2F08EA35F7FD}"/>
+              </a:ext>
+            </a:extLst>
+          </p:cNvPr>
+          <p:cNvSpPr txBox="1"/>
+          <p:nvPr/>
+        </p:nvSpPr>
+        <p:spPr>
+          <a:xfrm>
+            <a:off x="1411135" y="2944597"/>
+            <a:ext cx="1167517" cy="227755"/>
+          </a:xfrm>
+          <a:prstGeom prst="rect">
+            <a:avLst/>
+          </a:prstGeom>
+          <a:noFill/>
+        </p:spPr>
+        <p:txBody>
+          <a:bodyPr wrap="square" rtlCol="0">
+            <a:spAutoFit/>
+          </a:bodyPr>
+          <a:lstStyle/>
+          <a:p>
+            <a:pPr algn="ctr">
+              <a:lnSpc>
+                <a:spcPct val="80000"/>
+              </a:lnSpc>
+            </a:pPr>
+            <a:r>
+              <a:rPr kumimoji="1" lang="zh-CN" altLang="en-US" sz="1100" dirty="0">
+                <a:solidFill>
+                  <a:schemeClr val="tx1">
+                    <a:lumMod val="85000"/>
+                    <a:lumOff val="15000"/>
+                  </a:schemeClr>
+                </a:solidFill>
+                <a:latin typeface="微软雅黑" panose="020B0503020204020204" pitchFamily="34" charset="-122"/>
+                <a:ea typeface="微软雅黑" panose="020B0503020204020204" pitchFamily="34" charset="-122"/>
+                <a:cs typeface="微软雅黑"/>
+              </a:rPr>
+              <a:t>用户管理</a:t>
+            </a:r>
+          </a:p>
+        </p:txBody>
+      </p:sp>
+      <p:sp>
+        <p:nvSpPr>
+          <p:cNvPr id="15" name="圆角矩形 137">
+            <a:extLst>
+              <a:ext uri="{FF2B5EF4-FFF2-40B4-BE49-F238E27FC236}">
+                <a16:creationId xmlns:a16="http://schemas.microsoft.com/office/drawing/2014/main" id="{80042BF9-E284-43D5-BDB5-52985557AE58}"/>
+              </a:ext>
+            </a:extLst>
+          </p:cNvPr>
+          <p:cNvSpPr/>
+          <p:nvPr/>
+        </p:nvSpPr>
+        <p:spPr>
+          <a:xfrm>
+            <a:off x="1011042" y="1266125"/>
+            <a:ext cx="1967701" cy="478930"/>
+          </a:xfrm>
+          <a:prstGeom prst="roundRect">
+            <a:avLst>
+              <a:gd name="adj" fmla="val 0"/>
+            </a:avLst>
+          </a:prstGeom>
+          <a:solidFill>
+            <a:srgbClr val="157EFB"/>
+          </a:solidFill>
+          <a:ln>
+            <a:noFill/>
+          </a:ln>
+          <a:effectLst/>
+        </p:spPr>
+        <p:style>
+          <a:lnRef idx="1">
+            <a:schemeClr val="accent1"/>
+          </a:lnRef>
+          <a:fillRef idx="3">
+            <a:schemeClr val="accent1"/>
+          </a:fillRef>
+          <a:effectRef idx="2">
+            <a:schemeClr val="accent1"/>
+          </a:effectRef>
+          <a:fontRef idx="minor">
+            <a:schemeClr val="lt1"/>
+          </a:fontRef>
+        </p:style>
+        <p:txBody>
+          <a:bodyPr rtlCol="0" anchor="ctr"/>
+          <a:lstStyle/>
+          <a:p>
+            <a:pPr algn="ctr"/>
+            <a:endParaRPr kumimoji="1" lang="zh-CN" altLang="en-US" sz="1400">
+              <a:ln>
+                <a:solidFill>
+                  <a:prstClr val="white">
+                    <a:lumMod val="65000"/>
+                  </a:prstClr>
+                </a:solidFill>
+              </a:ln>
+              <a:solidFill>
+                <a:schemeClr val="bg1"/>
+              </a:solidFill>
+              <a:latin typeface="微软雅黑" panose="020B0503020204020204" pitchFamily="34" charset="-122"/>
+              <a:ea typeface="微软雅黑" panose="020B0503020204020204" pitchFamily="34" charset="-122"/>
+            </a:endParaRPr>
+          </a:p>
+        </p:txBody>
+      </p:sp>
+      <p:sp>
+        <p:nvSpPr>
+          <p:cNvPr id="16" name="文本框 15">
+            <a:extLst>
+              <a:ext uri="{FF2B5EF4-FFF2-40B4-BE49-F238E27FC236}">
+                <a16:creationId xmlns:a16="http://schemas.microsoft.com/office/drawing/2014/main" id="{E960D885-39F3-4893-9DCF-100FF8F6940C}"/>
+              </a:ext>
+            </a:extLst>
+          </p:cNvPr>
+          <p:cNvSpPr txBox="1"/>
+          <p:nvPr/>
+        </p:nvSpPr>
+        <p:spPr>
+          <a:xfrm>
+            <a:off x="1411135" y="946970"/>
+            <a:ext cx="1167517" cy="227755"/>
+          </a:xfrm>
+          <a:prstGeom prst="rect">
+            <a:avLst/>
+          </a:prstGeom>
+          <a:noFill/>
+        </p:spPr>
+        <p:txBody>
+          <a:bodyPr wrap="square" rtlCol="0">
+            <a:spAutoFit/>
+          </a:bodyPr>
+          <a:lstStyle/>
+          <a:p>
+            <a:pPr algn="ctr">
+              <a:lnSpc>
+                <a:spcPct val="80000"/>
+              </a:lnSpc>
+            </a:pPr>
+            <a:r>
+              <a:rPr kumimoji="1" lang="zh-CN" altLang="en-US" sz="1100" dirty="0">
+                <a:latin typeface="微软雅黑" panose="020B0503020204020204" pitchFamily="34" charset="-122"/>
+                <a:ea typeface="微软雅黑" panose="020B0503020204020204" pitchFamily="34" charset="-122"/>
+                <a:cs typeface="微软雅黑"/>
+              </a:rPr>
+              <a:t>空码管理</a:t>
+            </a:r>
+          </a:p>
+        </p:txBody>
+      </p:sp>
+      <p:cxnSp>
+        <p:nvCxnSpPr>
+          <p:cNvPr id="29" name="直接连接符 28">
+            <a:extLst>
+              <a:ext uri="{FF2B5EF4-FFF2-40B4-BE49-F238E27FC236}">
+                <a16:creationId xmlns:a16="http://schemas.microsoft.com/office/drawing/2014/main" id="{53D28872-5951-4D86-A84D-BFDDBD52C60A}"/>
+              </a:ext>
+            </a:extLst>
+          </p:cNvPr>
+          <p:cNvCxnSpPr/>
+          <p:nvPr/>
+        </p:nvCxnSpPr>
+        <p:spPr>
+          <a:xfrm>
+            <a:off x="1012171" y="3849969"/>
+            <a:ext cx="1967659" cy="0"/>
+          </a:xfrm>
+          <a:prstGeom prst="line">
+            <a:avLst/>
+          </a:prstGeom>
+          <a:ln w="3175">
+            <a:solidFill>
+              <a:srgbClr val="C4C4C7"/>
+            </a:solidFill>
+          </a:ln>
+          <a:effectLst/>
+        </p:spPr>
+        <p:style>
+          <a:lnRef idx="2">
+            <a:schemeClr val="accent1"/>
+          </a:lnRef>
+          <a:fillRef idx="0">
+            <a:schemeClr val="accent1"/>
+          </a:fillRef>
+          <a:effectRef idx="1">
+            <a:schemeClr val="accent1"/>
+          </a:effectRef>
+          <a:fontRef idx="minor">
+            <a:schemeClr val="tx1"/>
+          </a:fontRef>
+        </p:style>
+      </p:cxnSp>
+      <p:sp>
+        <p:nvSpPr>
+          <p:cNvPr id="30" name="文本框 29">
+            <a:extLst>
+              <a:ext uri="{FF2B5EF4-FFF2-40B4-BE49-F238E27FC236}">
+                <a16:creationId xmlns:a16="http://schemas.microsoft.com/office/drawing/2014/main" id="{28BA1430-9BD0-4021-A01E-5E11810B1658}"/>
+              </a:ext>
+            </a:extLst>
+          </p:cNvPr>
+          <p:cNvSpPr txBox="1"/>
+          <p:nvPr/>
+        </p:nvSpPr>
+        <p:spPr>
+          <a:xfrm>
+            <a:off x="1412239" y="3487577"/>
+            <a:ext cx="1167517" cy="227755"/>
+          </a:xfrm>
+          <a:prstGeom prst="rect">
+            <a:avLst/>
+          </a:prstGeom>
+          <a:noFill/>
+        </p:spPr>
+        <p:txBody>
+          <a:bodyPr wrap="square" rtlCol="0">
+            <a:spAutoFit/>
+          </a:bodyPr>
+          <a:lstStyle/>
+          <a:p>
+            <a:pPr algn="ctr">
+              <a:lnSpc>
+                <a:spcPct val="80000"/>
+              </a:lnSpc>
+            </a:pPr>
+            <a:r>
+              <a:rPr kumimoji="1" lang="zh-CN" altLang="en-US" sz="1100" dirty="0">
+                <a:solidFill>
+                  <a:schemeClr val="tx1">
+                    <a:lumMod val="85000"/>
+                    <a:lumOff val="15000"/>
+                  </a:schemeClr>
+                </a:solidFill>
+                <a:latin typeface="微软雅黑" panose="020B0503020204020204" pitchFamily="34" charset="-122"/>
+                <a:ea typeface="微软雅黑" panose="020B0503020204020204" pitchFamily="34" charset="-122"/>
+                <a:cs typeface="微软雅黑"/>
+              </a:rPr>
+              <a:t>定价管理</a:t>
+            </a:r>
+          </a:p>
+        </p:txBody>
+      </p:sp>
+      <p:sp>
+        <p:nvSpPr>
+          <p:cNvPr id="33" name="圆角矩形 220">
+            <a:extLst>
+              <a:ext uri="{FF2B5EF4-FFF2-40B4-BE49-F238E27FC236}">
+                <a16:creationId xmlns:a16="http://schemas.microsoft.com/office/drawing/2014/main" id="{F64E5EA8-9737-4D54-9022-7F1C652D0054}"/>
+              </a:ext>
+            </a:extLst>
+          </p:cNvPr>
+          <p:cNvSpPr/>
+          <p:nvPr/>
+        </p:nvSpPr>
+        <p:spPr>
+          <a:xfrm>
+            <a:off x="3093531" y="1448177"/>
+            <a:ext cx="1087524" cy="227755"/>
+          </a:xfrm>
+          <a:prstGeom prst="roundRect">
+            <a:avLst>
+              <a:gd name="adj" fmla="val 7169"/>
+            </a:avLst>
+          </a:prstGeom>
+          <a:solidFill>
+            <a:srgbClr val="157EFB"/>
+          </a:solidFill>
+          <a:ln>
+            <a:solidFill>
+              <a:srgbClr val="157EFB"/>
+            </a:solidFill>
+          </a:ln>
+          <a:effectLst/>
+        </p:spPr>
+        <p:style>
+          <a:lnRef idx="1">
+            <a:schemeClr val="accent1"/>
+          </a:lnRef>
+          <a:fillRef idx="3">
+            <a:schemeClr val="accent1"/>
+          </a:fillRef>
+          <a:effectRef idx="2">
+            <a:schemeClr val="accent1"/>
+          </a:effectRef>
+          <a:fontRef idx="minor">
+            <a:schemeClr val="lt1"/>
+          </a:fontRef>
+        </p:style>
+        <p:txBody>
+          <a:bodyPr rtlCol="0" anchor="ctr"/>
+          <a:lstStyle/>
+          <a:p>
+            <a:pPr algn="ctr"/>
+            <a:r>
+              <a:rPr lang="zh-CN" altLang="en-US" sz="1050" dirty="0">
+                <a:latin typeface="微软雅黑" panose="020B0503020204020204" pitchFamily="34" charset="-122"/>
+                <a:ea typeface="微软雅黑" panose="020B0503020204020204" pitchFamily="34" charset="-122"/>
+              </a:rPr>
+              <a:t>发货</a:t>
+            </a:r>
+          </a:p>
+        </p:txBody>
+      </p:sp>
+      <p:sp>
+        <p:nvSpPr>
+          <p:cNvPr id="37" name="圆角矩形 218">
+            <a:extLst>
+              <a:ext uri="{FF2B5EF4-FFF2-40B4-BE49-F238E27FC236}">
+                <a16:creationId xmlns:a16="http://schemas.microsoft.com/office/drawing/2014/main" id="{804CC02F-2431-46BE-87E6-DDE6A526BA7F}"/>
+              </a:ext>
+            </a:extLst>
+          </p:cNvPr>
+          <p:cNvSpPr/>
+          <p:nvPr/>
+        </p:nvSpPr>
+        <p:spPr>
+          <a:xfrm>
+            <a:off x="7853002" y="1448310"/>
+            <a:ext cx="3213165" cy="227755"/>
+          </a:xfrm>
+          <a:prstGeom prst="roundRect">
+            <a:avLst>
+              <a:gd name="adj" fmla="val 15413"/>
+            </a:avLst>
+          </a:prstGeom>
+          <a:solidFill>
+            <a:schemeClr val="bg1"/>
+          </a:solidFill>
+          <a:ln>
+            <a:solidFill>
+              <a:srgbClr val="D9D9D9"/>
+            </a:solidFill>
+          </a:ln>
+          <a:effectLst/>
+        </p:spPr>
+        <p:style>
+          <a:lnRef idx="1">
+            <a:schemeClr val="accent1"/>
+          </a:lnRef>
+          <a:fillRef idx="3">
+            <a:schemeClr val="accent1"/>
+          </a:fillRef>
+          <a:effectRef idx="2">
+            <a:schemeClr val="accent1"/>
+          </a:effectRef>
+          <a:fontRef idx="minor">
+            <a:schemeClr val="lt1"/>
+          </a:fontRef>
+        </p:style>
+        <p:txBody>
+          <a:bodyPr rtlCol="0" anchor="ctr"/>
+          <a:lstStyle/>
+          <a:p>
+            <a:pPr algn="ctr"/>
+            <a:r>
+              <a:rPr kumimoji="1" lang="zh-CN" altLang="en-US" sz="1000" dirty="0">
+                <a:solidFill>
+                  <a:schemeClr val="tx1">
+                    <a:lumMod val="50000"/>
+                    <a:lumOff val="50000"/>
+                  </a:schemeClr>
+                </a:solidFill>
+                <a:latin typeface="微软雅黑"/>
+                <a:ea typeface="微软雅黑"/>
+                <a:cs typeface="微软雅黑"/>
+              </a:rPr>
+              <a:t>过滤</a:t>
+            </a:r>
+          </a:p>
+        </p:txBody>
+      </p:sp>
+      <p:sp>
+        <p:nvSpPr>
+          <p:cNvPr id="39" name="圆角矩形 218">
+            <a:extLst>
+              <a:ext uri="{FF2B5EF4-FFF2-40B4-BE49-F238E27FC236}">
+                <a16:creationId xmlns:a16="http://schemas.microsoft.com/office/drawing/2014/main" id="{4EDAE850-D033-4B27-BBAF-B55BA4C09B53}"/>
+              </a:ext>
+            </a:extLst>
+          </p:cNvPr>
+          <p:cNvSpPr/>
+          <p:nvPr/>
+        </p:nvSpPr>
+        <p:spPr>
+          <a:xfrm>
+            <a:off x="3094621" y="1104748"/>
+            <a:ext cx="715377" cy="227755"/>
+          </a:xfrm>
+          <a:prstGeom prst="roundRect">
+            <a:avLst>
+              <a:gd name="adj" fmla="val 15413"/>
+            </a:avLst>
+          </a:prstGeom>
+          <a:solidFill>
+            <a:schemeClr val="bg1"/>
+          </a:solidFill>
+          <a:ln>
+            <a:solidFill>
+              <a:srgbClr val="D9D9D9"/>
+            </a:solidFill>
+          </a:ln>
+          <a:effectLst/>
+        </p:spPr>
+        <p:style>
+          <a:lnRef idx="1">
+            <a:schemeClr val="accent1"/>
+          </a:lnRef>
+          <a:fillRef idx="3">
+            <a:schemeClr val="accent1"/>
+          </a:fillRef>
+          <a:effectRef idx="2">
+            <a:schemeClr val="accent1"/>
+          </a:effectRef>
+          <a:fontRef idx="minor">
+            <a:schemeClr val="lt1"/>
+          </a:fontRef>
+        </p:style>
+        <p:txBody>
+          <a:bodyPr rtlCol="0" anchor="ctr"/>
+          <a:lstStyle/>
+          <a:p>
+            <a:pPr algn="ctr"/>
+            <a:r>
+              <a:rPr kumimoji="1" lang="zh-CN" altLang="en-US" sz="1000" dirty="0">
+                <a:solidFill>
+                  <a:schemeClr val="tx1">
+                    <a:lumMod val="50000"/>
+                    <a:lumOff val="50000"/>
+                  </a:schemeClr>
+                </a:solidFill>
+                <a:latin typeface="微软雅黑"/>
+                <a:ea typeface="微软雅黑"/>
+                <a:cs typeface="微软雅黑"/>
+              </a:rPr>
+              <a:t>全部</a:t>
+            </a:r>
+          </a:p>
+        </p:txBody>
+      </p:sp>
+      <p:sp>
+        <p:nvSpPr>
+          <p:cNvPr id="40" name="圆角矩形 218">
+            <a:extLst>
+              <a:ext uri="{FF2B5EF4-FFF2-40B4-BE49-F238E27FC236}">
+                <a16:creationId xmlns:a16="http://schemas.microsoft.com/office/drawing/2014/main" id="{7F2DAE89-8619-443C-9FB5-87C8EB3F5DD7}"/>
+              </a:ext>
+            </a:extLst>
+          </p:cNvPr>
+          <p:cNvSpPr/>
+          <p:nvPr/>
+        </p:nvSpPr>
+        <p:spPr>
+          <a:xfrm>
+            <a:off x="3863940" y="1104748"/>
+            <a:ext cx="715377" cy="227755"/>
+          </a:xfrm>
+          <a:prstGeom prst="roundRect">
+            <a:avLst>
+              <a:gd name="adj" fmla="val 15413"/>
+            </a:avLst>
+          </a:prstGeom>
+          <a:solidFill>
+            <a:schemeClr val="bg1"/>
+          </a:solidFill>
+          <a:ln>
+            <a:solidFill>
+              <a:srgbClr val="D9D9D9"/>
+            </a:solidFill>
+          </a:ln>
+          <a:effectLst/>
+        </p:spPr>
+        <p:style>
+          <a:lnRef idx="1">
+            <a:schemeClr val="accent1"/>
+          </a:lnRef>
+          <a:fillRef idx="3">
+            <a:schemeClr val="accent1"/>
+          </a:fillRef>
+          <a:effectRef idx="2">
+            <a:schemeClr val="accent1"/>
+          </a:effectRef>
+          <a:fontRef idx="minor">
+            <a:schemeClr val="lt1"/>
+          </a:fontRef>
+        </p:style>
+        <p:txBody>
+          <a:bodyPr rtlCol="0" anchor="ctr"/>
+          <a:lstStyle/>
+          <a:p>
+            <a:pPr algn="ctr"/>
+            <a:r>
+              <a:rPr kumimoji="1" lang="zh-CN" altLang="en-US" sz="1000" dirty="0">
+                <a:solidFill>
+                  <a:schemeClr val="tx1">
+                    <a:lumMod val="50000"/>
+                    <a:lumOff val="50000"/>
+                  </a:schemeClr>
+                </a:solidFill>
+                <a:latin typeface="微软雅黑"/>
+                <a:ea typeface="微软雅黑"/>
+                <a:cs typeface="微软雅黑"/>
+              </a:rPr>
+              <a:t>已付款</a:t>
+            </a:r>
+          </a:p>
+        </p:txBody>
+      </p:sp>
+      <p:sp>
+        <p:nvSpPr>
+          <p:cNvPr id="41" name="圆角矩形 218">
+            <a:extLst>
+              <a:ext uri="{FF2B5EF4-FFF2-40B4-BE49-F238E27FC236}">
+                <a16:creationId xmlns:a16="http://schemas.microsoft.com/office/drawing/2014/main" id="{E2CBB2AF-4D0B-4877-960B-43A31912627D}"/>
+              </a:ext>
+            </a:extLst>
+          </p:cNvPr>
+          <p:cNvSpPr/>
+          <p:nvPr/>
+        </p:nvSpPr>
+        <p:spPr>
+          <a:xfrm>
+            <a:off x="4631442" y="1104748"/>
+            <a:ext cx="715377" cy="227755"/>
+          </a:xfrm>
+          <a:prstGeom prst="roundRect">
+            <a:avLst>
+              <a:gd name="adj" fmla="val 15413"/>
+            </a:avLst>
+          </a:prstGeom>
+          <a:solidFill>
+            <a:schemeClr val="bg1"/>
+          </a:solidFill>
+          <a:ln>
+            <a:solidFill>
+              <a:srgbClr val="D9D9D9"/>
+            </a:solidFill>
+          </a:ln>
+          <a:effectLst/>
+        </p:spPr>
+        <p:style>
+          <a:lnRef idx="1">
+            <a:schemeClr val="accent1"/>
+          </a:lnRef>
+          <a:fillRef idx="3">
+            <a:schemeClr val="accent1"/>
+          </a:fillRef>
+          <a:effectRef idx="2">
+            <a:schemeClr val="accent1"/>
+          </a:effectRef>
+          <a:fontRef idx="minor">
+            <a:schemeClr val="lt1"/>
+          </a:fontRef>
+        </p:style>
+        <p:txBody>
+          <a:bodyPr rtlCol="0" anchor="ctr"/>
+          <a:lstStyle/>
+          <a:p>
+            <a:pPr algn="ctr"/>
+            <a:r>
+              <a:rPr kumimoji="1" lang="zh-CN" altLang="en-US" sz="1000" dirty="0">
+                <a:solidFill>
+                  <a:schemeClr val="tx1">
+                    <a:lumMod val="50000"/>
+                    <a:lumOff val="50000"/>
+                  </a:schemeClr>
+                </a:solidFill>
+                <a:latin typeface="微软雅黑"/>
+                <a:ea typeface="微软雅黑"/>
+                <a:cs typeface="微软雅黑"/>
+              </a:rPr>
+              <a:t>已发货</a:t>
+            </a:r>
+          </a:p>
+        </p:txBody>
+      </p:sp>
+      <p:sp>
+        <p:nvSpPr>
+          <p:cNvPr id="42" name="文本框 41">
+            <a:extLst>
+              <a:ext uri="{FF2B5EF4-FFF2-40B4-BE49-F238E27FC236}">
+                <a16:creationId xmlns:a16="http://schemas.microsoft.com/office/drawing/2014/main" id="{422BACAE-D9D5-458B-9C08-6F24BB8A70BB}"/>
+              </a:ext>
+            </a:extLst>
+          </p:cNvPr>
+          <p:cNvSpPr txBox="1"/>
+          <p:nvPr/>
+        </p:nvSpPr>
+        <p:spPr>
+          <a:xfrm>
+            <a:off x="3093531" y="1729918"/>
+            <a:ext cx="1991027" cy="246221"/>
+          </a:xfrm>
+          <a:prstGeom prst="rect">
+            <a:avLst/>
+          </a:prstGeom>
+          <a:noFill/>
+        </p:spPr>
+        <p:txBody>
+          <a:bodyPr wrap="square" rtlCol="0">
+            <a:spAutoFit/>
+          </a:bodyPr>
+          <a:lstStyle/>
+          <a:p>
+            <a:pPr algn="l"/>
+            <a:r>
+              <a:rPr lang="zh-CN" altLang="en-US" sz="1000" dirty="0">
+                <a:latin typeface="微软雅黑" panose="020B0503020204020204" pitchFamily="34" charset="-122"/>
+                <a:ea typeface="微软雅黑" panose="020B0503020204020204" pitchFamily="34" charset="-122"/>
+              </a:rPr>
+              <a:t>共</a:t>
+            </a:r>
+            <a:r>
+              <a:rPr lang="en-US" altLang="zh-CN" sz="1000" dirty="0">
+                <a:latin typeface="微软雅黑" panose="020B0503020204020204" pitchFamily="34" charset="-122"/>
+                <a:ea typeface="微软雅黑" panose="020B0503020204020204" pitchFamily="34" charset="-122"/>
+              </a:rPr>
+              <a:t>10000</a:t>
+            </a:r>
+            <a:r>
+              <a:rPr lang="zh-CN" altLang="en-US" sz="1000" dirty="0">
+                <a:latin typeface="微软雅黑" panose="020B0503020204020204" pitchFamily="34" charset="-122"/>
+                <a:ea typeface="微软雅黑" panose="020B0503020204020204" pitchFamily="34" charset="-122"/>
+              </a:rPr>
+              <a:t>条数据</a:t>
+            </a:r>
+          </a:p>
+        </p:txBody>
+      </p:sp>
+      <p:sp>
+        <p:nvSpPr>
+          <p:cNvPr id="54" name="圆角矩形 218">
+            <a:extLst>
+              <a:ext uri="{FF2B5EF4-FFF2-40B4-BE49-F238E27FC236}">
+                <a16:creationId xmlns:a16="http://schemas.microsoft.com/office/drawing/2014/main" id="{E69530BF-B6F5-47AA-B730-4D8C2B7E65C0}"/>
+              </a:ext>
+            </a:extLst>
+          </p:cNvPr>
+          <p:cNvSpPr/>
+          <p:nvPr/>
+        </p:nvSpPr>
+        <p:spPr>
+          <a:xfrm>
+            <a:off x="5398944" y="1104747"/>
+            <a:ext cx="715377" cy="227755"/>
+          </a:xfrm>
+          <a:prstGeom prst="roundRect">
+            <a:avLst>
+              <a:gd name="adj" fmla="val 15413"/>
+            </a:avLst>
+          </a:prstGeom>
+          <a:solidFill>
+            <a:schemeClr val="bg1"/>
+          </a:solidFill>
+          <a:ln>
+            <a:solidFill>
+              <a:srgbClr val="D9D9D9"/>
+            </a:solidFill>
+          </a:ln>
+          <a:effectLst/>
+        </p:spPr>
+        <p:style>
+          <a:lnRef idx="1">
+            <a:schemeClr val="accent1"/>
+          </a:lnRef>
+          <a:fillRef idx="3">
+            <a:schemeClr val="accent1"/>
+          </a:fillRef>
+          <a:effectRef idx="2">
+            <a:schemeClr val="accent1"/>
+          </a:effectRef>
+          <a:fontRef idx="minor">
+            <a:schemeClr val="lt1"/>
+          </a:fontRef>
+        </p:style>
+        <p:txBody>
+          <a:bodyPr rtlCol="0" anchor="ctr"/>
+          <a:lstStyle/>
+          <a:p>
+            <a:pPr algn="ctr"/>
+            <a:r>
+              <a:rPr kumimoji="1" lang="zh-CN" altLang="en-US" sz="1000" dirty="0">
+                <a:solidFill>
+                  <a:schemeClr val="tx1">
+                    <a:lumMod val="50000"/>
+                    <a:lumOff val="50000"/>
+                  </a:schemeClr>
+                </a:solidFill>
+                <a:latin typeface="微软雅黑"/>
+                <a:ea typeface="微软雅黑"/>
+                <a:cs typeface="微软雅黑"/>
+              </a:rPr>
+              <a:t>已签收</a:t>
+            </a:r>
+          </a:p>
+        </p:txBody>
+      </p:sp>
+      <p:sp>
+        <p:nvSpPr>
+          <p:cNvPr id="14" name="文本框 13">
+            <a:extLst>
+              <a:ext uri="{FF2B5EF4-FFF2-40B4-BE49-F238E27FC236}">
+                <a16:creationId xmlns:a16="http://schemas.microsoft.com/office/drawing/2014/main" id="{A5564607-4606-4BDD-89F2-A792F585B828}"/>
+              </a:ext>
+            </a:extLst>
+          </p:cNvPr>
+          <p:cNvSpPr txBox="1"/>
+          <p:nvPr/>
+        </p:nvSpPr>
+        <p:spPr>
+          <a:xfrm>
+            <a:off x="1411135" y="1438191"/>
+            <a:ext cx="1167517" cy="227755"/>
+          </a:xfrm>
+          <a:prstGeom prst="rect">
+            <a:avLst/>
+          </a:prstGeom>
+          <a:noFill/>
+        </p:spPr>
+        <p:txBody>
+          <a:bodyPr wrap="square" rtlCol="0">
+            <a:spAutoFit/>
+          </a:bodyPr>
+          <a:lstStyle/>
+          <a:p>
+            <a:pPr algn="ctr">
+              <a:lnSpc>
+                <a:spcPct val="80000"/>
+              </a:lnSpc>
+            </a:pPr>
+            <a:r>
+              <a:rPr kumimoji="1" lang="zh-CN" altLang="en-US" sz="1100" dirty="0">
+                <a:solidFill>
+                  <a:schemeClr val="bg1"/>
+                </a:solidFill>
+                <a:latin typeface="微软雅黑" panose="020B0503020204020204" pitchFamily="34" charset="-122"/>
+                <a:ea typeface="微软雅黑" panose="020B0503020204020204" pitchFamily="34" charset="-122"/>
+                <a:cs typeface="微软雅黑"/>
+              </a:rPr>
+              <a:t>订单管理</a:t>
             </a:r>
           </a:p>
         </p:txBody>
       </p:sp>
       <p:graphicFrame>
         <p:nvGraphicFramePr>
-          <p:cNvPr id="4" name="对象 3">
-            <a:extLst>
-              <a:ext uri="{FF2B5EF4-FFF2-40B4-BE49-F238E27FC236}">
-                <a16:creationId xmlns:a16="http://schemas.microsoft.com/office/drawing/2014/main" id="{7F56EEA4-8E6B-45C5-9CA2-A6376CCBECE5}"/>
+          <p:cNvPr id="18" name="对象 17">
+            <a:extLst>
+              <a:ext uri="{FF2B5EF4-FFF2-40B4-BE49-F238E27FC236}">
+                <a16:creationId xmlns:a16="http://schemas.microsoft.com/office/drawing/2014/main" id="{AD23968C-B1A9-4C5B-8C5F-DC57A9C47890}"/>
               </a:ext>
             </a:extLst>
           </p:cNvPr>
           <p:cNvGraphicFramePr>
             <a:graphicFrameLocks noChangeAspect="1"/>
           </p:cNvGraphicFramePr>
-          <p:nvPr>
-            <p:extLst>
-              <p:ext uri="{D42A27DB-BD31-4B8C-83A1-F6EECF244321}">
-                <p14:modId xmlns:p14="http://schemas.microsoft.com/office/powerpoint/2010/main" val="4276575811"/>
-              </p:ext>
-            </p:extLst>
-          </p:nvPr>
+          <p:nvPr/>
         </p:nvGraphicFramePr>
         <p:xfrm>
-          <a:off x="1624219" y="1580530"/>
-          <a:ext cx="7962900" cy="1150937"/>
+          <a:off x="3093531" y="2152269"/>
+          <a:ext cx="7972634" cy="611731"/>
         </p:xfrm>
         <a:graphic>
           <a:graphicData uri="http://schemas.openxmlformats.org/presentationml/2006/ole">
             <mc:AlternateContent xmlns:mc="http://schemas.openxmlformats.org/markup-compatibility/2006">
               <mc:Choice xmlns:v="urn:schemas-microsoft-com:vml" Requires="v">
-                <p:oleObj spid="_x0000_s2179" name="Worksheet" r:id="rId3" imgW="7962621" imgH="1150873" progId="Excel.Sheet.12">
+                <p:oleObj spid="_x0000_s9270" name="Worksheet" r:id="rId3" imgW="14980657" imgH="579056" progId="Excel.Sheet.12">
                   <p:embed/>
                 </p:oleObj>
               </mc:Choice>
               <mc:Fallback>
-                <p:oleObj name="Worksheet" r:id="rId3" imgW="7962621" imgH="1150873" progId="Excel.Sheet.12">
+                <p:oleObj name="Worksheet" r:id="rId3" imgW="14980657" imgH="579056" progId="Excel.Sheet.12">
                   <p:embed/>
                   <p:pic>
                     <p:nvPicPr>
-                      <p:cNvPr id="0" name=""/>
+                      <p:cNvPr id="18" name="对象 17">
+                        <a:extLst>
+                          <a:ext uri="{FF2B5EF4-FFF2-40B4-BE49-F238E27FC236}">
+                            <a16:creationId xmlns:a16="http://schemas.microsoft.com/office/drawing/2014/main" id="{AD23968C-B1A9-4C5B-8C5F-DC57A9C47890}"/>
+                          </a:ext>
+                        </a:extLst>
+                      </p:cNvPr>
                       <p:cNvPicPr/>
                       <p:nvPr/>
                     </p:nvPicPr>
@@ -923,8 +3589,8 @@
                     </p:blipFill>
                     <p:spPr>
                       <a:xfrm>
-                        <a:off x="1624219" y="1580530"/>
-                        <a:ext cx="7962900" cy="1150937"/>
+                        <a:off x="3093531" y="2152269"/>
+                        <a:ext cx="7972634" cy="611731"/>
                       </a:xfrm>
                       <a:prstGeom prst="rect">
                         <a:avLst/>
@@ -937,48 +3603,10 @@
           </a:graphicData>
         </a:graphic>
       </p:graphicFrame>
-      <p:sp>
-        <p:nvSpPr>
-          <p:cNvPr id="17" name="文本框 16">
-            <a:extLst>
-              <a:ext uri="{FF2B5EF4-FFF2-40B4-BE49-F238E27FC236}">
-                <a16:creationId xmlns:a16="http://schemas.microsoft.com/office/drawing/2014/main" id="{96030E50-A0FF-454E-ADB7-143A0B501755}"/>
-              </a:ext>
-            </a:extLst>
-          </p:cNvPr>
-          <p:cNvSpPr txBox="1"/>
-          <p:nvPr/>
-        </p:nvSpPr>
-        <p:spPr>
-          <a:xfrm>
-            <a:off x="144367" y="456006"/>
-            <a:ext cx="9568069" cy="276999"/>
-          </a:xfrm>
-          <a:prstGeom prst="rect">
-            <a:avLst/>
-          </a:prstGeom>
-          <a:noFill/>
-        </p:spPr>
-        <p:txBody>
-          <a:bodyPr wrap="square" rtlCol="0">
-            <a:spAutoFit/>
-          </a:bodyPr>
-          <a:lstStyle/>
-          <a:p>
-            <a:r>
-              <a:rPr lang="zh-CN" altLang="en-US" sz="1200" dirty="0">
-                <a:latin typeface="微软雅黑" panose="020B0503020204020204" pitchFamily="34" charset="-122"/>
-                <a:ea typeface="微软雅黑" panose="020B0503020204020204" pitchFamily="34" charset="-122"/>
-              </a:rPr>
-              <a:t>只有绑定了车牌、手机的，才叫做挪车码</a:t>
-            </a:r>
-          </a:p>
-        </p:txBody>
-      </p:sp>
     </p:spTree>
     <p:extLst>
       <p:ext uri="{BB962C8B-B14F-4D97-AF65-F5344CB8AC3E}">
-        <p14:creationId xmlns:p14="http://schemas.microsoft.com/office/powerpoint/2010/main" val="2561518975"/>
+        <p14:creationId xmlns:p14="http://schemas.microsoft.com/office/powerpoint/2010/main" val="3355303719"/>
       </p:ext>
     </p:extLst>
   </p:cSld>
@@ -1010,7 +3638,7 @@
           <p:cNvPr id="2" name="标题 1">
             <a:extLst>
               <a:ext uri="{FF2B5EF4-FFF2-40B4-BE49-F238E27FC236}">
-                <a16:creationId xmlns:a16="http://schemas.microsoft.com/office/drawing/2014/main" id="{8CF18FA3-B402-4E71-ACE2-3161B7FCC38B}"/>
+                <a16:creationId xmlns:a16="http://schemas.microsoft.com/office/drawing/2014/main" id="{46A76045-C935-40B1-ACF2-D70DEDA33BD8}"/>
               </a:ext>
             </a:extLst>
           </p:cNvPr>
@@ -1028,17 +3656,304 @@
           <a:p>
             <a:r>
               <a:rPr lang="zh-CN" altLang="en-US" dirty="0"/>
-              <a:t>挪车信息</a:t>
-            </a:r>
-          </a:p>
-        </p:txBody>
-      </p:sp>
-      <p:sp>
-        <p:nvSpPr>
-          <p:cNvPr id="7" name="文本框 6">
-            <a:extLst>
-              <a:ext uri="{FF2B5EF4-FFF2-40B4-BE49-F238E27FC236}">
-                <a16:creationId xmlns:a16="http://schemas.microsoft.com/office/drawing/2014/main" id="{EB308F5F-8FF3-445D-8F19-349269484CD8}"/>
+              <a:t>订单管理</a:t>
+            </a:r>
+          </a:p>
+        </p:txBody>
+      </p:sp>
+      <p:sp>
+        <p:nvSpPr>
+          <p:cNvPr id="3" name="同侧圆角矩形 116">
+            <a:extLst>
+              <a:ext uri="{FF2B5EF4-FFF2-40B4-BE49-F238E27FC236}">
+                <a16:creationId xmlns:a16="http://schemas.microsoft.com/office/drawing/2014/main" id="{4C77A536-A4DB-4B9B-BEAA-6152DC8E144B}"/>
+              </a:ext>
+            </a:extLst>
+          </p:cNvPr>
+          <p:cNvSpPr/>
+          <p:nvPr/>
+        </p:nvSpPr>
+        <p:spPr>
+          <a:xfrm rot="10800000">
+            <a:off x="1011024" y="751401"/>
+            <a:ext cx="10169951" cy="5722285"/>
+          </a:xfrm>
+          <a:prstGeom prst="round2SameRect">
+            <a:avLst>
+              <a:gd name="adj1" fmla="val 750"/>
+              <a:gd name="adj2" fmla="val 0"/>
+            </a:avLst>
+          </a:prstGeom>
+          <a:solidFill>
+            <a:schemeClr val="bg1">
+              <a:lumMod val="95000"/>
+            </a:schemeClr>
+          </a:solidFill>
+          <a:ln>
+            <a:solidFill>
+              <a:srgbClr val="F0F0F0"/>
+            </a:solidFill>
+          </a:ln>
+          <a:effectLst/>
+        </p:spPr>
+        <p:style>
+          <a:lnRef idx="1">
+            <a:schemeClr val="accent1"/>
+          </a:lnRef>
+          <a:fillRef idx="3">
+            <a:schemeClr val="accent1"/>
+          </a:fillRef>
+          <a:effectRef idx="2">
+            <a:schemeClr val="accent1"/>
+          </a:effectRef>
+          <a:fontRef idx="minor">
+            <a:schemeClr val="lt1"/>
+          </a:fontRef>
+        </p:style>
+        <p:txBody>
+          <a:bodyPr rtlCol="0" anchor="ctr"/>
+          <a:lstStyle/>
+          <a:p>
+            <a:endParaRPr lang="zh-CN" altLang="en-US" sz="1400">
+              <a:latin typeface="微软雅黑" panose="020B0503020204020204" pitchFamily="34" charset="-122"/>
+              <a:ea typeface="微软雅黑" panose="020B0503020204020204" pitchFamily="34" charset="-122"/>
+            </a:endParaRPr>
+          </a:p>
+        </p:txBody>
+      </p:sp>
+      <p:sp>
+        <p:nvSpPr>
+          <p:cNvPr id="4" name="同侧圆角矩形 130">
+            <a:extLst>
+              <a:ext uri="{FF2B5EF4-FFF2-40B4-BE49-F238E27FC236}">
+                <a16:creationId xmlns:a16="http://schemas.microsoft.com/office/drawing/2014/main" id="{6AC93531-2C49-41B0-A9ED-A8A423FC165C}"/>
+              </a:ext>
+            </a:extLst>
+          </p:cNvPr>
+          <p:cNvSpPr/>
+          <p:nvPr/>
+        </p:nvSpPr>
+        <p:spPr>
+          <a:xfrm rot="10800000">
+            <a:off x="1011067" y="748747"/>
+            <a:ext cx="1967658" cy="3101216"/>
+          </a:xfrm>
+          <a:prstGeom prst="round2SameRect">
+            <a:avLst>
+              <a:gd name="adj1" fmla="val 0"/>
+              <a:gd name="adj2" fmla="val 0"/>
+            </a:avLst>
+          </a:prstGeom>
+          <a:solidFill>
+            <a:schemeClr val="bg1"/>
+          </a:solidFill>
+          <a:ln>
+            <a:solidFill>
+              <a:srgbClr val="F0F0F0"/>
+            </a:solidFill>
+          </a:ln>
+          <a:effectLst/>
+        </p:spPr>
+        <p:style>
+          <a:lnRef idx="1">
+            <a:schemeClr val="accent1"/>
+          </a:lnRef>
+          <a:fillRef idx="3">
+            <a:schemeClr val="accent1"/>
+          </a:fillRef>
+          <a:effectRef idx="2">
+            <a:schemeClr val="accent1"/>
+          </a:effectRef>
+          <a:fontRef idx="minor">
+            <a:schemeClr val="lt1"/>
+          </a:fontRef>
+        </p:style>
+        <p:txBody>
+          <a:bodyPr rtlCol="0" anchor="ctr"/>
+          <a:lstStyle/>
+          <a:p>
+            <a:pPr algn="ctr"/>
+            <a:endParaRPr lang="zh-CN" altLang="en-US" sz="1400">
+              <a:latin typeface="微软雅黑" panose="020B0503020204020204" pitchFamily="34" charset="-122"/>
+              <a:ea typeface="微软雅黑" panose="020B0503020204020204" pitchFamily="34" charset="-122"/>
+            </a:endParaRPr>
+          </a:p>
+        </p:txBody>
+      </p:sp>
+      <p:cxnSp>
+        <p:nvCxnSpPr>
+          <p:cNvPr id="5" name="直接连接符 4">
+            <a:extLst>
+              <a:ext uri="{FF2B5EF4-FFF2-40B4-BE49-F238E27FC236}">
+                <a16:creationId xmlns:a16="http://schemas.microsoft.com/office/drawing/2014/main" id="{EA8C03F6-319A-4BBE-B16E-A9962CCB00C7}"/>
+              </a:ext>
+            </a:extLst>
+          </p:cNvPr>
+          <p:cNvCxnSpPr/>
+          <p:nvPr/>
+        </p:nvCxnSpPr>
+        <p:spPr>
+          <a:xfrm>
+            <a:off x="1011067" y="1259515"/>
+            <a:ext cx="1967658" cy="0"/>
+          </a:xfrm>
+          <a:prstGeom prst="line">
+            <a:avLst/>
+          </a:prstGeom>
+          <a:ln w="3175">
+            <a:solidFill>
+              <a:srgbClr val="C4C4C7"/>
+            </a:solidFill>
+          </a:ln>
+          <a:effectLst/>
+        </p:spPr>
+        <p:style>
+          <a:lnRef idx="2">
+            <a:schemeClr val="accent1"/>
+          </a:lnRef>
+          <a:fillRef idx="0">
+            <a:schemeClr val="accent1"/>
+          </a:fillRef>
+          <a:effectRef idx="1">
+            <a:schemeClr val="accent1"/>
+          </a:effectRef>
+          <a:fontRef idx="minor">
+            <a:schemeClr val="tx1"/>
+          </a:fontRef>
+        </p:style>
+      </p:cxnSp>
+      <p:cxnSp>
+        <p:nvCxnSpPr>
+          <p:cNvPr id="6" name="直接连接符 5">
+            <a:extLst>
+              <a:ext uri="{FF2B5EF4-FFF2-40B4-BE49-F238E27FC236}">
+                <a16:creationId xmlns:a16="http://schemas.microsoft.com/office/drawing/2014/main" id="{7054F658-4F70-4F4E-936C-FB4C1D1AEE8F}"/>
+              </a:ext>
+            </a:extLst>
+          </p:cNvPr>
+          <p:cNvCxnSpPr/>
+          <p:nvPr/>
+        </p:nvCxnSpPr>
+        <p:spPr>
+          <a:xfrm>
+            <a:off x="1011067" y="1748043"/>
+            <a:ext cx="1967658" cy="0"/>
+          </a:xfrm>
+          <a:prstGeom prst="line">
+            <a:avLst/>
+          </a:prstGeom>
+          <a:ln w="3175">
+            <a:solidFill>
+              <a:srgbClr val="C4C4C7"/>
+            </a:solidFill>
+          </a:ln>
+          <a:effectLst/>
+        </p:spPr>
+        <p:style>
+          <a:lnRef idx="2">
+            <a:schemeClr val="accent1"/>
+          </a:lnRef>
+          <a:fillRef idx="0">
+            <a:schemeClr val="accent1"/>
+          </a:fillRef>
+          <a:effectRef idx="1">
+            <a:schemeClr val="accent1"/>
+          </a:effectRef>
+          <a:fontRef idx="minor">
+            <a:schemeClr val="tx1"/>
+          </a:fontRef>
+        </p:style>
+      </p:cxnSp>
+      <p:cxnSp>
+        <p:nvCxnSpPr>
+          <p:cNvPr id="7" name="直接连接符 6">
+            <a:extLst>
+              <a:ext uri="{FF2B5EF4-FFF2-40B4-BE49-F238E27FC236}">
+                <a16:creationId xmlns:a16="http://schemas.microsoft.com/office/drawing/2014/main" id="{DD1E5016-B066-4A4A-91EB-777BE9F66F9E}"/>
+              </a:ext>
+            </a:extLst>
+          </p:cNvPr>
+          <p:cNvCxnSpPr/>
+          <p:nvPr/>
+        </p:nvCxnSpPr>
+        <p:spPr>
+          <a:xfrm>
+            <a:off x="1011067" y="2236570"/>
+            <a:ext cx="1967659" cy="0"/>
+          </a:xfrm>
+          <a:prstGeom prst="line">
+            <a:avLst/>
+          </a:prstGeom>
+          <a:ln w="3175">
+            <a:solidFill>
+              <a:srgbClr val="C4C4C7"/>
+            </a:solidFill>
+          </a:ln>
+          <a:effectLst/>
+        </p:spPr>
+        <p:style>
+          <a:lnRef idx="2">
+            <a:schemeClr val="accent1"/>
+          </a:lnRef>
+          <a:fillRef idx="0">
+            <a:schemeClr val="accent1"/>
+          </a:fillRef>
+          <a:effectRef idx="1">
+            <a:schemeClr val="accent1"/>
+          </a:effectRef>
+          <a:fontRef idx="minor">
+            <a:schemeClr val="tx1"/>
+          </a:fontRef>
+        </p:style>
+      </p:cxnSp>
+      <p:cxnSp>
+        <p:nvCxnSpPr>
+          <p:cNvPr id="8" name="直接连接符 7">
+            <a:extLst>
+              <a:ext uri="{FF2B5EF4-FFF2-40B4-BE49-F238E27FC236}">
+                <a16:creationId xmlns:a16="http://schemas.microsoft.com/office/drawing/2014/main" id="{971AD9F4-0995-49D6-875C-409B2803DC4E}"/>
+              </a:ext>
+            </a:extLst>
+          </p:cNvPr>
+          <p:cNvCxnSpPr/>
+          <p:nvPr/>
+        </p:nvCxnSpPr>
+        <p:spPr>
+          <a:xfrm flipV="1">
+            <a:off x="2978725" y="773976"/>
+            <a:ext cx="1" cy="5651093"/>
+          </a:xfrm>
+          <a:prstGeom prst="line">
+            <a:avLst/>
+          </a:prstGeom>
+          <a:ln w="3175">
+            <a:solidFill>
+              <a:srgbClr val="C4C4C7"/>
+            </a:solidFill>
+          </a:ln>
+          <a:effectLst/>
+        </p:spPr>
+        <p:style>
+          <a:lnRef idx="2">
+            <a:schemeClr val="accent1"/>
+          </a:lnRef>
+          <a:fillRef idx="0">
+            <a:schemeClr val="accent1"/>
+          </a:fillRef>
+          <a:effectRef idx="1">
+            <a:schemeClr val="accent1"/>
+          </a:effectRef>
+          <a:fontRef idx="minor">
+            <a:schemeClr val="tx1"/>
+          </a:fontRef>
+        </p:style>
+      </p:cxnSp>
+      <p:sp>
+        <p:nvSpPr>
+          <p:cNvPr id="9" name="文本框 8">
+            <a:extLst>
+              <a:ext uri="{FF2B5EF4-FFF2-40B4-BE49-F238E27FC236}">
+                <a16:creationId xmlns:a16="http://schemas.microsoft.com/office/drawing/2014/main" id="{DBA15883-F84D-4058-B75A-263E05B80820}"/>
               </a:ext>
             </a:extLst>
           </p:cNvPr>
@@ -1047,8 +3962,8 @@
         </p:nvSpPr>
         <p:spPr>
           <a:xfrm>
-            <a:off x="144367" y="456006"/>
-            <a:ext cx="9568069" cy="276999"/>
+            <a:off x="1411135" y="1914332"/>
+            <a:ext cx="1167517" cy="227755"/>
           </a:xfrm>
           <a:prstGeom prst="rect">
             <a:avLst/>
@@ -1061,22 +3976,921 @@
           </a:bodyPr>
           <a:lstStyle/>
           <a:p>
-            <a:r>
-              <a:rPr lang="zh-CN" altLang="en-US" sz="1200" dirty="0">
+            <a:pPr algn="ctr">
+              <a:lnSpc>
+                <a:spcPct val="80000"/>
+              </a:lnSpc>
+            </a:pPr>
+            <a:r>
+              <a:rPr kumimoji="1" lang="zh-CN" altLang="en-US" sz="1100" dirty="0">
+                <a:solidFill>
+                  <a:schemeClr val="tx1">
+                    <a:lumMod val="85000"/>
+                    <a:lumOff val="15000"/>
+                  </a:schemeClr>
+                </a:solidFill>
                 <a:latin typeface="微软雅黑" panose="020B0503020204020204" pitchFamily="34" charset="-122"/>
                 <a:ea typeface="微软雅黑" panose="020B0503020204020204" pitchFamily="34" charset="-122"/>
-              </a:rPr>
-              <a:t>挪车记录，不可修改，不可删除</a:t>
+                <a:cs typeface="微软雅黑"/>
+              </a:rPr>
+              <a:t>挪车码</a:t>
+            </a:r>
+          </a:p>
+        </p:txBody>
+      </p:sp>
+      <p:cxnSp>
+        <p:nvCxnSpPr>
+          <p:cNvPr id="10" name="直接连接符 9">
+            <a:extLst>
+              <a:ext uri="{FF2B5EF4-FFF2-40B4-BE49-F238E27FC236}">
+                <a16:creationId xmlns:a16="http://schemas.microsoft.com/office/drawing/2014/main" id="{7C2205C9-6068-4472-B5E7-36851BDF83D6}"/>
+              </a:ext>
+            </a:extLst>
+          </p:cNvPr>
+          <p:cNvCxnSpPr/>
+          <p:nvPr/>
+        </p:nvCxnSpPr>
+        <p:spPr>
+          <a:xfrm>
+            <a:off x="1011067" y="2764003"/>
+            <a:ext cx="1967659" cy="0"/>
+          </a:xfrm>
+          <a:prstGeom prst="line">
+            <a:avLst/>
+          </a:prstGeom>
+          <a:ln w="3175">
+            <a:solidFill>
+              <a:srgbClr val="C4C4C7"/>
+            </a:solidFill>
+          </a:ln>
+          <a:effectLst/>
+        </p:spPr>
+        <p:style>
+          <a:lnRef idx="2">
+            <a:schemeClr val="accent1"/>
+          </a:lnRef>
+          <a:fillRef idx="0">
+            <a:schemeClr val="accent1"/>
+          </a:fillRef>
+          <a:effectRef idx="1">
+            <a:schemeClr val="accent1"/>
+          </a:effectRef>
+          <a:fontRef idx="minor">
+            <a:schemeClr val="tx1"/>
+          </a:fontRef>
+        </p:style>
+      </p:cxnSp>
+      <p:cxnSp>
+        <p:nvCxnSpPr>
+          <p:cNvPr id="11" name="直接连接符 10">
+            <a:extLst>
+              <a:ext uri="{FF2B5EF4-FFF2-40B4-BE49-F238E27FC236}">
+                <a16:creationId xmlns:a16="http://schemas.microsoft.com/office/drawing/2014/main" id="{E347BA25-AE77-4F7E-B01B-38697FF003AF}"/>
+              </a:ext>
+            </a:extLst>
+          </p:cNvPr>
+          <p:cNvCxnSpPr/>
+          <p:nvPr/>
+        </p:nvCxnSpPr>
+        <p:spPr>
+          <a:xfrm>
+            <a:off x="1011067" y="3306989"/>
+            <a:ext cx="1967659" cy="0"/>
+          </a:xfrm>
+          <a:prstGeom prst="line">
+            <a:avLst/>
+          </a:prstGeom>
+          <a:ln w="3175">
+            <a:solidFill>
+              <a:srgbClr val="C4C4C7"/>
+            </a:solidFill>
+          </a:ln>
+          <a:effectLst/>
+        </p:spPr>
+        <p:style>
+          <a:lnRef idx="2">
+            <a:schemeClr val="accent1"/>
+          </a:lnRef>
+          <a:fillRef idx="0">
+            <a:schemeClr val="accent1"/>
+          </a:fillRef>
+          <a:effectRef idx="1">
+            <a:schemeClr val="accent1"/>
+          </a:effectRef>
+          <a:fontRef idx="minor">
+            <a:schemeClr val="tx1"/>
+          </a:fontRef>
+        </p:style>
+      </p:cxnSp>
+      <p:sp>
+        <p:nvSpPr>
+          <p:cNvPr id="12" name="文本框 11">
+            <a:extLst>
+              <a:ext uri="{FF2B5EF4-FFF2-40B4-BE49-F238E27FC236}">
+                <a16:creationId xmlns:a16="http://schemas.microsoft.com/office/drawing/2014/main" id="{8D3E4B36-1182-4B86-970B-1754067656AC}"/>
+              </a:ext>
+            </a:extLst>
+          </p:cNvPr>
+          <p:cNvSpPr txBox="1"/>
+          <p:nvPr/>
+        </p:nvSpPr>
+        <p:spPr>
+          <a:xfrm>
+            <a:off x="1411135" y="2391307"/>
+            <a:ext cx="1167517" cy="227755"/>
+          </a:xfrm>
+          <a:prstGeom prst="rect">
+            <a:avLst/>
+          </a:prstGeom>
+          <a:noFill/>
+        </p:spPr>
+        <p:txBody>
+          <a:bodyPr wrap="square" rtlCol="0">
+            <a:spAutoFit/>
+          </a:bodyPr>
+          <a:lstStyle/>
+          <a:p>
+            <a:pPr algn="ctr">
+              <a:lnSpc>
+                <a:spcPct val="80000"/>
+              </a:lnSpc>
+            </a:pPr>
+            <a:r>
+              <a:rPr kumimoji="1" lang="zh-CN" altLang="en-US" sz="1100" dirty="0">
+                <a:solidFill>
+                  <a:schemeClr val="tx1">
+                    <a:lumMod val="85000"/>
+                    <a:lumOff val="15000"/>
+                  </a:schemeClr>
+                </a:solidFill>
+                <a:latin typeface="微软雅黑" panose="020B0503020204020204" pitchFamily="34" charset="-122"/>
+                <a:ea typeface="微软雅黑" panose="020B0503020204020204" pitchFamily="34" charset="-122"/>
+                <a:cs typeface="微软雅黑"/>
+              </a:rPr>
+              <a:t>挪车记录</a:t>
+            </a:r>
+          </a:p>
+        </p:txBody>
+      </p:sp>
+      <p:sp>
+        <p:nvSpPr>
+          <p:cNvPr id="13" name="文本框 12">
+            <a:extLst>
+              <a:ext uri="{FF2B5EF4-FFF2-40B4-BE49-F238E27FC236}">
+                <a16:creationId xmlns:a16="http://schemas.microsoft.com/office/drawing/2014/main" id="{3F4AFD05-5531-4C8C-A191-2F08EA35F7FD}"/>
+              </a:ext>
+            </a:extLst>
+          </p:cNvPr>
+          <p:cNvSpPr txBox="1"/>
+          <p:nvPr/>
+        </p:nvSpPr>
+        <p:spPr>
+          <a:xfrm>
+            <a:off x="1411135" y="2944597"/>
+            <a:ext cx="1167517" cy="227755"/>
+          </a:xfrm>
+          <a:prstGeom prst="rect">
+            <a:avLst/>
+          </a:prstGeom>
+          <a:noFill/>
+        </p:spPr>
+        <p:txBody>
+          <a:bodyPr wrap="square" rtlCol="0">
+            <a:spAutoFit/>
+          </a:bodyPr>
+          <a:lstStyle/>
+          <a:p>
+            <a:pPr algn="ctr">
+              <a:lnSpc>
+                <a:spcPct val="80000"/>
+              </a:lnSpc>
+            </a:pPr>
+            <a:r>
+              <a:rPr kumimoji="1" lang="zh-CN" altLang="en-US" sz="1100" dirty="0">
+                <a:solidFill>
+                  <a:schemeClr val="tx1">
+                    <a:lumMod val="85000"/>
+                    <a:lumOff val="15000"/>
+                  </a:schemeClr>
+                </a:solidFill>
+                <a:latin typeface="微软雅黑" panose="020B0503020204020204" pitchFamily="34" charset="-122"/>
+                <a:ea typeface="微软雅黑" panose="020B0503020204020204" pitchFamily="34" charset="-122"/>
+                <a:cs typeface="微软雅黑"/>
+              </a:rPr>
+              <a:t>用户管理</a:t>
+            </a:r>
+          </a:p>
+        </p:txBody>
+      </p:sp>
+      <p:sp>
+        <p:nvSpPr>
+          <p:cNvPr id="15" name="圆角矩形 137">
+            <a:extLst>
+              <a:ext uri="{FF2B5EF4-FFF2-40B4-BE49-F238E27FC236}">
+                <a16:creationId xmlns:a16="http://schemas.microsoft.com/office/drawing/2014/main" id="{80042BF9-E284-43D5-BDB5-52985557AE58}"/>
+              </a:ext>
+            </a:extLst>
+          </p:cNvPr>
+          <p:cNvSpPr/>
+          <p:nvPr/>
+        </p:nvSpPr>
+        <p:spPr>
+          <a:xfrm>
+            <a:off x="1011042" y="1266125"/>
+            <a:ext cx="1967701" cy="478930"/>
+          </a:xfrm>
+          <a:prstGeom prst="roundRect">
+            <a:avLst>
+              <a:gd name="adj" fmla="val 0"/>
+            </a:avLst>
+          </a:prstGeom>
+          <a:solidFill>
+            <a:srgbClr val="157EFB"/>
+          </a:solidFill>
+          <a:ln>
+            <a:noFill/>
+          </a:ln>
+          <a:effectLst/>
+        </p:spPr>
+        <p:style>
+          <a:lnRef idx="1">
+            <a:schemeClr val="accent1"/>
+          </a:lnRef>
+          <a:fillRef idx="3">
+            <a:schemeClr val="accent1"/>
+          </a:fillRef>
+          <a:effectRef idx="2">
+            <a:schemeClr val="accent1"/>
+          </a:effectRef>
+          <a:fontRef idx="minor">
+            <a:schemeClr val="lt1"/>
+          </a:fontRef>
+        </p:style>
+        <p:txBody>
+          <a:bodyPr rtlCol="0" anchor="ctr"/>
+          <a:lstStyle/>
+          <a:p>
+            <a:pPr algn="ctr"/>
+            <a:endParaRPr kumimoji="1" lang="zh-CN" altLang="en-US" sz="1400">
+              <a:ln>
+                <a:solidFill>
+                  <a:prstClr val="white">
+                    <a:lumMod val="65000"/>
+                  </a:prstClr>
+                </a:solidFill>
+              </a:ln>
+              <a:solidFill>
+                <a:schemeClr val="bg1"/>
+              </a:solidFill>
+              <a:latin typeface="微软雅黑" panose="020B0503020204020204" pitchFamily="34" charset="-122"/>
+              <a:ea typeface="微软雅黑" panose="020B0503020204020204" pitchFamily="34" charset="-122"/>
+            </a:endParaRPr>
+          </a:p>
+        </p:txBody>
+      </p:sp>
+      <p:sp>
+        <p:nvSpPr>
+          <p:cNvPr id="16" name="文本框 15">
+            <a:extLst>
+              <a:ext uri="{FF2B5EF4-FFF2-40B4-BE49-F238E27FC236}">
+                <a16:creationId xmlns:a16="http://schemas.microsoft.com/office/drawing/2014/main" id="{E960D885-39F3-4893-9DCF-100FF8F6940C}"/>
+              </a:ext>
+            </a:extLst>
+          </p:cNvPr>
+          <p:cNvSpPr txBox="1"/>
+          <p:nvPr/>
+        </p:nvSpPr>
+        <p:spPr>
+          <a:xfrm>
+            <a:off x="1411135" y="946970"/>
+            <a:ext cx="1167517" cy="227755"/>
+          </a:xfrm>
+          <a:prstGeom prst="rect">
+            <a:avLst/>
+          </a:prstGeom>
+          <a:noFill/>
+        </p:spPr>
+        <p:txBody>
+          <a:bodyPr wrap="square" rtlCol="0">
+            <a:spAutoFit/>
+          </a:bodyPr>
+          <a:lstStyle/>
+          <a:p>
+            <a:pPr algn="ctr">
+              <a:lnSpc>
+                <a:spcPct val="80000"/>
+              </a:lnSpc>
+            </a:pPr>
+            <a:r>
+              <a:rPr kumimoji="1" lang="zh-CN" altLang="en-US" sz="1100" dirty="0">
+                <a:latin typeface="微软雅黑" panose="020B0503020204020204" pitchFamily="34" charset="-122"/>
+                <a:ea typeface="微软雅黑" panose="020B0503020204020204" pitchFamily="34" charset="-122"/>
+                <a:cs typeface="微软雅黑"/>
+              </a:rPr>
+              <a:t>空码管理</a:t>
+            </a:r>
+          </a:p>
+        </p:txBody>
+      </p:sp>
+      <p:cxnSp>
+        <p:nvCxnSpPr>
+          <p:cNvPr id="29" name="直接连接符 28">
+            <a:extLst>
+              <a:ext uri="{FF2B5EF4-FFF2-40B4-BE49-F238E27FC236}">
+                <a16:creationId xmlns:a16="http://schemas.microsoft.com/office/drawing/2014/main" id="{53D28872-5951-4D86-A84D-BFDDBD52C60A}"/>
+              </a:ext>
+            </a:extLst>
+          </p:cNvPr>
+          <p:cNvCxnSpPr/>
+          <p:nvPr/>
+        </p:nvCxnSpPr>
+        <p:spPr>
+          <a:xfrm>
+            <a:off x="1012171" y="3849969"/>
+            <a:ext cx="1967659" cy="0"/>
+          </a:xfrm>
+          <a:prstGeom prst="line">
+            <a:avLst/>
+          </a:prstGeom>
+          <a:ln w="3175">
+            <a:solidFill>
+              <a:srgbClr val="C4C4C7"/>
+            </a:solidFill>
+          </a:ln>
+          <a:effectLst/>
+        </p:spPr>
+        <p:style>
+          <a:lnRef idx="2">
+            <a:schemeClr val="accent1"/>
+          </a:lnRef>
+          <a:fillRef idx="0">
+            <a:schemeClr val="accent1"/>
+          </a:fillRef>
+          <a:effectRef idx="1">
+            <a:schemeClr val="accent1"/>
+          </a:effectRef>
+          <a:fontRef idx="minor">
+            <a:schemeClr val="tx1"/>
+          </a:fontRef>
+        </p:style>
+      </p:cxnSp>
+      <p:sp>
+        <p:nvSpPr>
+          <p:cNvPr id="30" name="文本框 29">
+            <a:extLst>
+              <a:ext uri="{FF2B5EF4-FFF2-40B4-BE49-F238E27FC236}">
+                <a16:creationId xmlns:a16="http://schemas.microsoft.com/office/drawing/2014/main" id="{28BA1430-9BD0-4021-A01E-5E11810B1658}"/>
+              </a:ext>
+            </a:extLst>
+          </p:cNvPr>
+          <p:cNvSpPr txBox="1"/>
+          <p:nvPr/>
+        </p:nvSpPr>
+        <p:spPr>
+          <a:xfrm>
+            <a:off x="1412239" y="3487577"/>
+            <a:ext cx="1167517" cy="227755"/>
+          </a:xfrm>
+          <a:prstGeom prst="rect">
+            <a:avLst/>
+          </a:prstGeom>
+          <a:noFill/>
+        </p:spPr>
+        <p:txBody>
+          <a:bodyPr wrap="square" rtlCol="0">
+            <a:spAutoFit/>
+          </a:bodyPr>
+          <a:lstStyle/>
+          <a:p>
+            <a:pPr algn="ctr">
+              <a:lnSpc>
+                <a:spcPct val="80000"/>
+              </a:lnSpc>
+            </a:pPr>
+            <a:r>
+              <a:rPr kumimoji="1" lang="zh-CN" altLang="en-US" sz="1100" dirty="0">
+                <a:solidFill>
+                  <a:schemeClr val="tx1">
+                    <a:lumMod val="85000"/>
+                    <a:lumOff val="15000"/>
+                  </a:schemeClr>
+                </a:solidFill>
+                <a:latin typeface="微软雅黑" panose="020B0503020204020204" pitchFamily="34" charset="-122"/>
+                <a:ea typeface="微软雅黑" panose="020B0503020204020204" pitchFamily="34" charset="-122"/>
+                <a:cs typeface="微软雅黑"/>
+              </a:rPr>
+              <a:t>定价管理</a:t>
+            </a:r>
+          </a:p>
+        </p:txBody>
+      </p:sp>
+      <p:sp>
+        <p:nvSpPr>
+          <p:cNvPr id="33" name="圆角矩形 220">
+            <a:extLst>
+              <a:ext uri="{FF2B5EF4-FFF2-40B4-BE49-F238E27FC236}">
+                <a16:creationId xmlns:a16="http://schemas.microsoft.com/office/drawing/2014/main" id="{F64E5EA8-9737-4D54-9022-7F1C652D0054}"/>
+              </a:ext>
+            </a:extLst>
+          </p:cNvPr>
+          <p:cNvSpPr/>
+          <p:nvPr/>
+        </p:nvSpPr>
+        <p:spPr>
+          <a:xfrm>
+            <a:off x="3093531" y="1448177"/>
+            <a:ext cx="1087524" cy="227755"/>
+          </a:xfrm>
+          <a:prstGeom prst="roundRect">
+            <a:avLst>
+              <a:gd name="adj" fmla="val 7169"/>
+            </a:avLst>
+          </a:prstGeom>
+          <a:solidFill>
+            <a:srgbClr val="157EFB"/>
+          </a:solidFill>
+          <a:ln>
+            <a:solidFill>
+              <a:srgbClr val="157EFB"/>
+            </a:solidFill>
+          </a:ln>
+          <a:effectLst/>
+        </p:spPr>
+        <p:style>
+          <a:lnRef idx="1">
+            <a:schemeClr val="accent1"/>
+          </a:lnRef>
+          <a:fillRef idx="3">
+            <a:schemeClr val="accent1"/>
+          </a:fillRef>
+          <a:effectRef idx="2">
+            <a:schemeClr val="accent1"/>
+          </a:effectRef>
+          <a:fontRef idx="minor">
+            <a:schemeClr val="lt1"/>
+          </a:fontRef>
+        </p:style>
+        <p:txBody>
+          <a:bodyPr rtlCol="0" anchor="ctr"/>
+          <a:lstStyle/>
+          <a:p>
+            <a:pPr algn="ctr"/>
+            <a:r>
+              <a:rPr lang="zh-CN" altLang="en-US" sz="1050" dirty="0">
+                <a:latin typeface="微软雅黑" panose="020B0503020204020204" pitchFamily="34" charset="-122"/>
+                <a:ea typeface="微软雅黑" panose="020B0503020204020204" pitchFamily="34" charset="-122"/>
+              </a:rPr>
+              <a:t>发货</a:t>
+            </a:r>
+          </a:p>
+        </p:txBody>
+      </p:sp>
+      <p:sp>
+        <p:nvSpPr>
+          <p:cNvPr id="37" name="圆角矩形 218">
+            <a:extLst>
+              <a:ext uri="{FF2B5EF4-FFF2-40B4-BE49-F238E27FC236}">
+                <a16:creationId xmlns:a16="http://schemas.microsoft.com/office/drawing/2014/main" id="{804CC02F-2431-46BE-87E6-DDE6A526BA7F}"/>
+              </a:ext>
+            </a:extLst>
+          </p:cNvPr>
+          <p:cNvSpPr/>
+          <p:nvPr/>
+        </p:nvSpPr>
+        <p:spPr>
+          <a:xfrm>
+            <a:off x="7853002" y="1448310"/>
+            <a:ext cx="3213165" cy="227755"/>
+          </a:xfrm>
+          <a:prstGeom prst="roundRect">
+            <a:avLst>
+              <a:gd name="adj" fmla="val 15413"/>
+            </a:avLst>
+          </a:prstGeom>
+          <a:solidFill>
+            <a:schemeClr val="bg1"/>
+          </a:solidFill>
+          <a:ln>
+            <a:solidFill>
+              <a:srgbClr val="D9D9D9"/>
+            </a:solidFill>
+          </a:ln>
+          <a:effectLst/>
+        </p:spPr>
+        <p:style>
+          <a:lnRef idx="1">
+            <a:schemeClr val="accent1"/>
+          </a:lnRef>
+          <a:fillRef idx="3">
+            <a:schemeClr val="accent1"/>
+          </a:fillRef>
+          <a:effectRef idx="2">
+            <a:schemeClr val="accent1"/>
+          </a:effectRef>
+          <a:fontRef idx="minor">
+            <a:schemeClr val="lt1"/>
+          </a:fontRef>
+        </p:style>
+        <p:txBody>
+          <a:bodyPr rtlCol="0" anchor="ctr"/>
+          <a:lstStyle/>
+          <a:p>
+            <a:pPr algn="ctr"/>
+            <a:r>
+              <a:rPr kumimoji="1" lang="zh-CN" altLang="en-US" sz="1000" dirty="0">
+                <a:solidFill>
+                  <a:schemeClr val="tx1">
+                    <a:lumMod val="50000"/>
+                    <a:lumOff val="50000"/>
+                  </a:schemeClr>
+                </a:solidFill>
+                <a:latin typeface="微软雅黑"/>
+                <a:ea typeface="微软雅黑"/>
+                <a:cs typeface="微软雅黑"/>
+              </a:rPr>
+              <a:t>过滤</a:t>
+            </a:r>
+          </a:p>
+        </p:txBody>
+      </p:sp>
+      <p:sp>
+        <p:nvSpPr>
+          <p:cNvPr id="39" name="圆角矩形 218">
+            <a:extLst>
+              <a:ext uri="{FF2B5EF4-FFF2-40B4-BE49-F238E27FC236}">
+                <a16:creationId xmlns:a16="http://schemas.microsoft.com/office/drawing/2014/main" id="{4EDAE850-D033-4B27-BBAF-B55BA4C09B53}"/>
+              </a:ext>
+            </a:extLst>
+          </p:cNvPr>
+          <p:cNvSpPr/>
+          <p:nvPr/>
+        </p:nvSpPr>
+        <p:spPr>
+          <a:xfrm>
+            <a:off x="3094621" y="1104748"/>
+            <a:ext cx="715377" cy="227755"/>
+          </a:xfrm>
+          <a:prstGeom prst="roundRect">
+            <a:avLst>
+              <a:gd name="adj" fmla="val 15413"/>
+            </a:avLst>
+          </a:prstGeom>
+          <a:solidFill>
+            <a:schemeClr val="bg1"/>
+          </a:solidFill>
+          <a:ln>
+            <a:solidFill>
+              <a:srgbClr val="D9D9D9"/>
+            </a:solidFill>
+          </a:ln>
+          <a:effectLst/>
+        </p:spPr>
+        <p:style>
+          <a:lnRef idx="1">
+            <a:schemeClr val="accent1"/>
+          </a:lnRef>
+          <a:fillRef idx="3">
+            <a:schemeClr val="accent1"/>
+          </a:fillRef>
+          <a:effectRef idx="2">
+            <a:schemeClr val="accent1"/>
+          </a:effectRef>
+          <a:fontRef idx="minor">
+            <a:schemeClr val="lt1"/>
+          </a:fontRef>
+        </p:style>
+        <p:txBody>
+          <a:bodyPr rtlCol="0" anchor="ctr"/>
+          <a:lstStyle/>
+          <a:p>
+            <a:pPr algn="ctr"/>
+            <a:r>
+              <a:rPr kumimoji="1" lang="zh-CN" altLang="en-US" sz="1000" dirty="0">
+                <a:solidFill>
+                  <a:schemeClr val="tx1">
+                    <a:lumMod val="50000"/>
+                    <a:lumOff val="50000"/>
+                  </a:schemeClr>
+                </a:solidFill>
+                <a:latin typeface="微软雅黑"/>
+                <a:ea typeface="微软雅黑"/>
+                <a:cs typeface="微软雅黑"/>
+              </a:rPr>
+              <a:t>全部</a:t>
+            </a:r>
+          </a:p>
+        </p:txBody>
+      </p:sp>
+      <p:sp>
+        <p:nvSpPr>
+          <p:cNvPr id="40" name="圆角矩形 218">
+            <a:extLst>
+              <a:ext uri="{FF2B5EF4-FFF2-40B4-BE49-F238E27FC236}">
+                <a16:creationId xmlns:a16="http://schemas.microsoft.com/office/drawing/2014/main" id="{7F2DAE89-8619-443C-9FB5-87C8EB3F5DD7}"/>
+              </a:ext>
+            </a:extLst>
+          </p:cNvPr>
+          <p:cNvSpPr/>
+          <p:nvPr/>
+        </p:nvSpPr>
+        <p:spPr>
+          <a:xfrm>
+            <a:off x="3863940" y="1104748"/>
+            <a:ext cx="715377" cy="227755"/>
+          </a:xfrm>
+          <a:prstGeom prst="roundRect">
+            <a:avLst>
+              <a:gd name="adj" fmla="val 15413"/>
+            </a:avLst>
+          </a:prstGeom>
+          <a:solidFill>
+            <a:schemeClr val="bg1"/>
+          </a:solidFill>
+          <a:ln>
+            <a:solidFill>
+              <a:srgbClr val="D9D9D9"/>
+            </a:solidFill>
+          </a:ln>
+          <a:effectLst/>
+        </p:spPr>
+        <p:style>
+          <a:lnRef idx="1">
+            <a:schemeClr val="accent1"/>
+          </a:lnRef>
+          <a:fillRef idx="3">
+            <a:schemeClr val="accent1"/>
+          </a:fillRef>
+          <a:effectRef idx="2">
+            <a:schemeClr val="accent1"/>
+          </a:effectRef>
+          <a:fontRef idx="minor">
+            <a:schemeClr val="lt1"/>
+          </a:fontRef>
+        </p:style>
+        <p:txBody>
+          <a:bodyPr rtlCol="0" anchor="ctr"/>
+          <a:lstStyle/>
+          <a:p>
+            <a:pPr algn="ctr"/>
+            <a:r>
+              <a:rPr kumimoji="1" lang="zh-CN" altLang="en-US" sz="1000" dirty="0">
+                <a:solidFill>
+                  <a:schemeClr val="tx1">
+                    <a:lumMod val="50000"/>
+                    <a:lumOff val="50000"/>
+                  </a:schemeClr>
+                </a:solidFill>
+                <a:latin typeface="微软雅黑"/>
+                <a:ea typeface="微软雅黑"/>
+                <a:cs typeface="微软雅黑"/>
+              </a:rPr>
+              <a:t>已付款</a:t>
+            </a:r>
+          </a:p>
+        </p:txBody>
+      </p:sp>
+      <p:sp>
+        <p:nvSpPr>
+          <p:cNvPr id="41" name="圆角矩形 218">
+            <a:extLst>
+              <a:ext uri="{FF2B5EF4-FFF2-40B4-BE49-F238E27FC236}">
+                <a16:creationId xmlns:a16="http://schemas.microsoft.com/office/drawing/2014/main" id="{E2CBB2AF-4D0B-4877-960B-43A31912627D}"/>
+              </a:ext>
+            </a:extLst>
+          </p:cNvPr>
+          <p:cNvSpPr/>
+          <p:nvPr/>
+        </p:nvSpPr>
+        <p:spPr>
+          <a:xfrm>
+            <a:off x="4631442" y="1104748"/>
+            <a:ext cx="715377" cy="227755"/>
+          </a:xfrm>
+          <a:prstGeom prst="roundRect">
+            <a:avLst>
+              <a:gd name="adj" fmla="val 15413"/>
+            </a:avLst>
+          </a:prstGeom>
+          <a:solidFill>
+            <a:schemeClr val="bg1"/>
+          </a:solidFill>
+          <a:ln>
+            <a:solidFill>
+              <a:srgbClr val="D9D9D9"/>
+            </a:solidFill>
+          </a:ln>
+          <a:effectLst/>
+        </p:spPr>
+        <p:style>
+          <a:lnRef idx="1">
+            <a:schemeClr val="accent1"/>
+          </a:lnRef>
+          <a:fillRef idx="3">
+            <a:schemeClr val="accent1"/>
+          </a:fillRef>
+          <a:effectRef idx="2">
+            <a:schemeClr val="accent1"/>
+          </a:effectRef>
+          <a:fontRef idx="minor">
+            <a:schemeClr val="lt1"/>
+          </a:fontRef>
+        </p:style>
+        <p:txBody>
+          <a:bodyPr rtlCol="0" anchor="ctr"/>
+          <a:lstStyle/>
+          <a:p>
+            <a:pPr algn="ctr"/>
+            <a:r>
+              <a:rPr kumimoji="1" lang="zh-CN" altLang="en-US" sz="1000" dirty="0">
+                <a:solidFill>
+                  <a:schemeClr val="tx1">
+                    <a:lumMod val="50000"/>
+                    <a:lumOff val="50000"/>
+                  </a:schemeClr>
+                </a:solidFill>
+                <a:latin typeface="微软雅黑"/>
+                <a:ea typeface="微软雅黑"/>
+                <a:cs typeface="微软雅黑"/>
+              </a:rPr>
+              <a:t>已发货</a:t>
+            </a:r>
+          </a:p>
+        </p:txBody>
+      </p:sp>
+      <p:sp>
+        <p:nvSpPr>
+          <p:cNvPr id="42" name="文本框 41">
+            <a:extLst>
+              <a:ext uri="{FF2B5EF4-FFF2-40B4-BE49-F238E27FC236}">
+                <a16:creationId xmlns:a16="http://schemas.microsoft.com/office/drawing/2014/main" id="{422BACAE-D9D5-458B-9C08-6F24BB8A70BB}"/>
+              </a:ext>
+            </a:extLst>
+          </p:cNvPr>
+          <p:cNvSpPr txBox="1"/>
+          <p:nvPr/>
+        </p:nvSpPr>
+        <p:spPr>
+          <a:xfrm>
+            <a:off x="3093531" y="1729918"/>
+            <a:ext cx="1991027" cy="246221"/>
+          </a:xfrm>
+          <a:prstGeom prst="rect">
+            <a:avLst/>
+          </a:prstGeom>
+          <a:noFill/>
+        </p:spPr>
+        <p:txBody>
+          <a:bodyPr wrap="square" rtlCol="0">
+            <a:spAutoFit/>
+          </a:bodyPr>
+          <a:lstStyle/>
+          <a:p>
+            <a:pPr algn="l"/>
+            <a:r>
+              <a:rPr lang="zh-CN" altLang="en-US" sz="1000" dirty="0">
+                <a:latin typeface="微软雅黑" panose="020B0503020204020204" pitchFamily="34" charset="-122"/>
+                <a:ea typeface="微软雅黑" panose="020B0503020204020204" pitchFamily="34" charset="-122"/>
+              </a:rPr>
+              <a:t>共</a:t>
+            </a:r>
+            <a:r>
+              <a:rPr lang="en-US" altLang="zh-CN" sz="1000" dirty="0">
+                <a:latin typeface="微软雅黑" panose="020B0503020204020204" pitchFamily="34" charset="-122"/>
+                <a:ea typeface="微软雅黑" panose="020B0503020204020204" pitchFamily="34" charset="-122"/>
+              </a:rPr>
+              <a:t>10000</a:t>
+            </a:r>
+            <a:r>
+              <a:rPr lang="zh-CN" altLang="en-US" sz="1000" dirty="0">
+                <a:latin typeface="微软雅黑" panose="020B0503020204020204" pitchFamily="34" charset="-122"/>
+                <a:ea typeface="微软雅黑" panose="020B0503020204020204" pitchFamily="34" charset="-122"/>
+              </a:rPr>
+              <a:t>条数据</a:t>
+            </a:r>
+          </a:p>
+        </p:txBody>
+      </p:sp>
+      <p:sp>
+        <p:nvSpPr>
+          <p:cNvPr id="54" name="圆角矩形 218">
+            <a:extLst>
+              <a:ext uri="{FF2B5EF4-FFF2-40B4-BE49-F238E27FC236}">
+                <a16:creationId xmlns:a16="http://schemas.microsoft.com/office/drawing/2014/main" id="{E69530BF-B6F5-47AA-B730-4D8C2B7E65C0}"/>
+              </a:ext>
+            </a:extLst>
+          </p:cNvPr>
+          <p:cNvSpPr/>
+          <p:nvPr/>
+        </p:nvSpPr>
+        <p:spPr>
+          <a:xfrm>
+            <a:off x="5398944" y="1104747"/>
+            <a:ext cx="715377" cy="227755"/>
+          </a:xfrm>
+          <a:prstGeom prst="roundRect">
+            <a:avLst>
+              <a:gd name="adj" fmla="val 15413"/>
+            </a:avLst>
+          </a:prstGeom>
+          <a:solidFill>
+            <a:schemeClr val="bg1"/>
+          </a:solidFill>
+          <a:ln>
+            <a:solidFill>
+              <a:srgbClr val="D9D9D9"/>
+            </a:solidFill>
+          </a:ln>
+          <a:effectLst/>
+        </p:spPr>
+        <p:style>
+          <a:lnRef idx="1">
+            <a:schemeClr val="accent1"/>
+          </a:lnRef>
+          <a:fillRef idx="3">
+            <a:schemeClr val="accent1"/>
+          </a:fillRef>
+          <a:effectRef idx="2">
+            <a:schemeClr val="accent1"/>
+          </a:effectRef>
+          <a:fontRef idx="minor">
+            <a:schemeClr val="lt1"/>
+          </a:fontRef>
+        </p:style>
+        <p:txBody>
+          <a:bodyPr rtlCol="0" anchor="ctr"/>
+          <a:lstStyle/>
+          <a:p>
+            <a:pPr algn="ctr"/>
+            <a:r>
+              <a:rPr kumimoji="1" lang="zh-CN" altLang="en-US" sz="1000" dirty="0">
+                <a:solidFill>
+                  <a:schemeClr val="tx1">
+                    <a:lumMod val="50000"/>
+                    <a:lumOff val="50000"/>
+                  </a:schemeClr>
+                </a:solidFill>
+                <a:latin typeface="微软雅黑"/>
+                <a:ea typeface="微软雅黑"/>
+                <a:cs typeface="微软雅黑"/>
+              </a:rPr>
+              <a:t>已完成</a:t>
+            </a:r>
+          </a:p>
+        </p:txBody>
+      </p:sp>
+      <p:sp>
+        <p:nvSpPr>
+          <p:cNvPr id="14" name="文本框 13">
+            <a:extLst>
+              <a:ext uri="{FF2B5EF4-FFF2-40B4-BE49-F238E27FC236}">
+                <a16:creationId xmlns:a16="http://schemas.microsoft.com/office/drawing/2014/main" id="{A5564607-4606-4BDD-89F2-A792F585B828}"/>
+              </a:ext>
+            </a:extLst>
+          </p:cNvPr>
+          <p:cNvSpPr txBox="1"/>
+          <p:nvPr/>
+        </p:nvSpPr>
+        <p:spPr>
+          <a:xfrm>
+            <a:off x="1411135" y="1438191"/>
+            <a:ext cx="1167517" cy="227755"/>
+          </a:xfrm>
+          <a:prstGeom prst="rect">
+            <a:avLst/>
+          </a:prstGeom>
+          <a:noFill/>
+        </p:spPr>
+        <p:txBody>
+          <a:bodyPr wrap="square" rtlCol="0">
+            <a:spAutoFit/>
+          </a:bodyPr>
+          <a:lstStyle/>
+          <a:p>
+            <a:pPr algn="ctr">
+              <a:lnSpc>
+                <a:spcPct val="80000"/>
+              </a:lnSpc>
+            </a:pPr>
+            <a:r>
+              <a:rPr kumimoji="1" lang="zh-CN" altLang="en-US" sz="1100" dirty="0">
+                <a:solidFill>
+                  <a:schemeClr val="bg1"/>
+                </a:solidFill>
+                <a:latin typeface="微软雅黑" panose="020B0503020204020204" pitchFamily="34" charset="-122"/>
+                <a:ea typeface="微软雅黑" panose="020B0503020204020204" pitchFamily="34" charset="-122"/>
+                <a:cs typeface="微软雅黑"/>
+              </a:rPr>
+              <a:t>订单管理</a:t>
             </a:r>
           </a:p>
         </p:txBody>
       </p:sp>
       <p:graphicFrame>
         <p:nvGraphicFramePr>
-          <p:cNvPr id="4" name="对象 3">
-            <a:extLst>
-              <a:ext uri="{FF2B5EF4-FFF2-40B4-BE49-F238E27FC236}">
-                <a16:creationId xmlns:a16="http://schemas.microsoft.com/office/drawing/2014/main" id="{F1BCF34E-D635-4B23-ACBF-57D9D63ED95F}"/>
+          <p:cNvPr id="18" name="对象 17">
+            <a:extLst>
+              <a:ext uri="{FF2B5EF4-FFF2-40B4-BE49-F238E27FC236}">
+                <a16:creationId xmlns:a16="http://schemas.microsoft.com/office/drawing/2014/main" id="{AD23968C-B1A9-4C5B-8C5F-DC57A9C47890}"/>
               </a:ext>
             </a:extLst>
           </p:cNvPr>
@@ -1086,25 +4900,25 @@
           <p:nvPr>
             <p:extLst>
               <p:ext uri="{D42A27DB-BD31-4B8C-83A1-F6EECF244321}">
-                <p14:modId xmlns:p14="http://schemas.microsoft.com/office/powerpoint/2010/main" val="4001215036"/>
+                <p14:modId xmlns:p14="http://schemas.microsoft.com/office/powerpoint/2010/main" val="2994249690"/>
               </p:ext>
             </p:extLst>
           </p:nvPr>
         </p:nvGraphicFramePr>
         <p:xfrm>
-          <a:off x="1842052" y="1698142"/>
-          <a:ext cx="7924800" cy="769937"/>
+          <a:off x="3093531" y="2152269"/>
+          <a:ext cx="7972634" cy="611731"/>
         </p:xfrm>
         <a:graphic>
           <a:graphicData uri="http://schemas.openxmlformats.org/presentationml/2006/ole">
             <mc:AlternateContent xmlns:mc="http://schemas.openxmlformats.org/markup-compatibility/2006">
               <mc:Choice xmlns:v="urn:schemas-microsoft-com:vml" Requires="v">
-                <p:oleObj spid="_x0000_s3154" name="Worksheet" r:id="rId3" imgW="7924620" imgH="769662" progId="Excel.Sheet.12">
+                <p:oleObj spid="_x0000_s8257" name="Worksheet" r:id="rId3" imgW="14980657" imgH="579056" progId="Excel.Sheet.12">
                   <p:embed/>
                 </p:oleObj>
               </mc:Choice>
               <mc:Fallback>
-                <p:oleObj name="Worksheet" r:id="rId3" imgW="7924620" imgH="769662" progId="Excel.Sheet.12">
+                <p:oleObj name="Worksheet" r:id="rId3" imgW="14980657" imgH="579056" progId="Excel.Sheet.12">
                   <p:embed/>
                   <p:pic>
                     <p:nvPicPr>
@@ -1120,8 +4934,8 @@
                     </p:blipFill>
                     <p:spPr>
                       <a:xfrm>
-                        <a:off x="1842052" y="1698142"/>
-                        <a:ext cx="7924800" cy="769937"/>
+                        <a:off x="3093531" y="2152269"/>
+                        <a:ext cx="7972634" cy="611731"/>
                       </a:xfrm>
                       <a:prstGeom prst="rect">
                         <a:avLst/>
@@ -1134,10 +4948,841 @@
           </a:graphicData>
         </a:graphic>
       </p:graphicFrame>
+      <p:grpSp>
+        <p:nvGrpSpPr>
+          <p:cNvPr id="44" name="组合 43">
+            <a:extLst>
+              <a:ext uri="{FF2B5EF4-FFF2-40B4-BE49-F238E27FC236}">
+                <a16:creationId xmlns:a16="http://schemas.microsoft.com/office/drawing/2014/main" id="{5C476A9E-EFED-4536-8C4C-4721AD47A0E2}"/>
+              </a:ext>
+            </a:extLst>
+          </p:cNvPr>
+          <p:cNvGrpSpPr/>
+          <p:nvPr/>
+        </p:nvGrpSpPr>
+        <p:grpSpPr>
+          <a:xfrm>
+            <a:off x="4945279" y="3727983"/>
+            <a:ext cx="3139069" cy="366018"/>
+            <a:chOff x="102501" y="4488090"/>
+            <a:chExt cx="3139069" cy="366018"/>
+          </a:xfrm>
+        </p:grpSpPr>
+        <p:sp>
+          <p:nvSpPr>
+            <p:cNvPr id="46" name="矩形 45">
+              <a:extLst>
+                <a:ext uri="{FF2B5EF4-FFF2-40B4-BE49-F238E27FC236}">
+                  <a16:creationId xmlns:a16="http://schemas.microsoft.com/office/drawing/2014/main" id="{65CB1C96-87FF-4C9E-A0C1-84CD6F93B59C}"/>
+                </a:ext>
+              </a:extLst>
+            </p:cNvPr>
+            <p:cNvSpPr/>
+            <p:nvPr/>
+          </p:nvSpPr>
+          <p:spPr>
+            <a:xfrm>
+              <a:off x="102501" y="4488090"/>
+              <a:ext cx="3139069" cy="366018"/>
+            </a:xfrm>
+            <a:prstGeom prst="rect">
+              <a:avLst/>
+            </a:prstGeom>
+            <a:ln>
+              <a:solidFill>
+                <a:srgbClr val="DBDBDB"/>
+              </a:solidFill>
+            </a:ln>
+          </p:spPr>
+          <p:style>
+            <a:lnRef idx="1">
+              <a:schemeClr val="accent1"/>
+            </a:lnRef>
+            <a:fillRef idx="0">
+              <a:schemeClr val="accent1"/>
+            </a:fillRef>
+            <a:effectRef idx="0">
+              <a:schemeClr val="accent1"/>
+            </a:effectRef>
+            <a:fontRef idx="minor">
+              <a:schemeClr val="tx1"/>
+            </a:fontRef>
+          </p:style>
+          <p:txBody>
+            <a:bodyPr rtlCol="0" anchor="ctr"/>
+            <a:lstStyle/>
+            <a:p>
+              <a:pPr algn="ctr"/>
+              <a:endParaRPr lang="zh-CN" altLang="en-US" sz="700">
+                <a:solidFill>
+                  <a:schemeClr val="tx1"/>
+                </a:solidFill>
+              </a:endParaRPr>
+            </a:p>
+          </p:txBody>
+        </p:sp>
+        <p:sp>
+          <p:nvSpPr>
+            <p:cNvPr id="47" name="文本框 46">
+              <a:extLst>
+                <a:ext uri="{FF2B5EF4-FFF2-40B4-BE49-F238E27FC236}">
+                  <a16:creationId xmlns:a16="http://schemas.microsoft.com/office/drawing/2014/main" id="{72A13225-C6EB-4BD3-86E6-926BC78ED9C5}"/>
+                </a:ext>
+              </a:extLst>
+            </p:cNvPr>
+            <p:cNvSpPr txBox="1"/>
+            <p:nvPr/>
+          </p:nvSpPr>
+          <p:spPr>
+            <a:xfrm>
+              <a:off x="577084" y="4545465"/>
+              <a:ext cx="2524903" cy="230832"/>
+            </a:xfrm>
+            <a:prstGeom prst="rect">
+              <a:avLst/>
+            </a:prstGeom>
+            <a:noFill/>
+          </p:spPr>
+          <p:txBody>
+            <a:bodyPr wrap="square" rtlCol="0">
+              <a:spAutoFit/>
+            </a:bodyPr>
+            <a:lstStyle/>
+            <a:p>
+              <a:r>
+                <a:rPr lang="zh-CN" altLang="en-US" sz="900" dirty="0">
+                  <a:latin typeface="微软雅黑" panose="020B0503020204020204" pitchFamily="34" charset="-122"/>
+                  <a:ea typeface="微软雅黑" panose="020B0503020204020204" pitchFamily="34" charset="-122"/>
+                </a:rPr>
+                <a:t>物流公司</a:t>
+              </a:r>
+            </a:p>
+          </p:txBody>
+        </p:sp>
+        <p:sp>
+          <p:nvSpPr>
+            <p:cNvPr id="48" name="矩形 47">
+              <a:extLst>
+                <a:ext uri="{FF2B5EF4-FFF2-40B4-BE49-F238E27FC236}">
+                  <a16:creationId xmlns:a16="http://schemas.microsoft.com/office/drawing/2014/main" id="{F662EC2D-CC0B-4007-A159-A6AA2EF8AB78}"/>
+                </a:ext>
+              </a:extLst>
+            </p:cNvPr>
+            <p:cNvSpPr/>
+            <p:nvPr/>
+          </p:nvSpPr>
+          <p:spPr>
+            <a:xfrm>
+              <a:off x="220371" y="4527637"/>
+              <a:ext cx="286921" cy="286921"/>
+            </a:xfrm>
+            <a:prstGeom prst="rect">
+              <a:avLst/>
+            </a:prstGeom>
+            <a:solidFill>
+              <a:schemeClr val="bg1">
+                <a:lumMod val="85000"/>
+              </a:schemeClr>
+            </a:solidFill>
+            <a:ln>
+              <a:noFill/>
+            </a:ln>
+          </p:spPr>
+          <p:style>
+            <a:lnRef idx="2">
+              <a:schemeClr val="accent1">
+                <a:shade val="50000"/>
+              </a:schemeClr>
+            </a:lnRef>
+            <a:fillRef idx="1">
+              <a:schemeClr val="accent1"/>
+            </a:fillRef>
+            <a:effectRef idx="0">
+              <a:schemeClr val="accent1"/>
+            </a:effectRef>
+            <a:fontRef idx="minor">
+              <a:schemeClr val="lt1"/>
+            </a:fontRef>
+          </p:style>
+          <p:txBody>
+            <a:bodyPr rtlCol="0" anchor="ctr"/>
+            <a:lstStyle/>
+            <a:p>
+              <a:pPr algn="ctr"/>
+              <a:endParaRPr lang="zh-CN" altLang="en-US" sz="700"/>
+            </a:p>
+          </p:txBody>
+        </p:sp>
+      </p:grpSp>
+      <p:grpSp>
+        <p:nvGrpSpPr>
+          <p:cNvPr id="50" name="组合 49">
+            <a:extLst>
+              <a:ext uri="{FF2B5EF4-FFF2-40B4-BE49-F238E27FC236}">
+                <a16:creationId xmlns:a16="http://schemas.microsoft.com/office/drawing/2014/main" id="{FEBCA86E-28A4-4972-8C90-20D582FD6FEF}"/>
+              </a:ext>
+            </a:extLst>
+          </p:cNvPr>
+          <p:cNvGrpSpPr/>
+          <p:nvPr/>
+        </p:nvGrpSpPr>
+        <p:grpSpPr>
+          <a:xfrm>
+            <a:off x="4945278" y="4104343"/>
+            <a:ext cx="3139069" cy="366018"/>
+            <a:chOff x="102501" y="4488090"/>
+            <a:chExt cx="3139069" cy="366018"/>
+          </a:xfrm>
+        </p:grpSpPr>
+        <p:sp>
+          <p:nvSpPr>
+            <p:cNvPr id="51" name="矩形 50">
+              <a:extLst>
+                <a:ext uri="{FF2B5EF4-FFF2-40B4-BE49-F238E27FC236}">
+                  <a16:creationId xmlns:a16="http://schemas.microsoft.com/office/drawing/2014/main" id="{EB833479-CFFE-4AAD-83C3-E70234D89567}"/>
+                </a:ext>
+              </a:extLst>
+            </p:cNvPr>
+            <p:cNvSpPr/>
+            <p:nvPr/>
+          </p:nvSpPr>
+          <p:spPr>
+            <a:xfrm>
+              <a:off x="102501" y="4488090"/>
+              <a:ext cx="3139069" cy="366018"/>
+            </a:xfrm>
+            <a:prstGeom prst="rect">
+              <a:avLst/>
+            </a:prstGeom>
+            <a:ln>
+              <a:solidFill>
+                <a:srgbClr val="DBDBDB"/>
+              </a:solidFill>
+            </a:ln>
+          </p:spPr>
+          <p:style>
+            <a:lnRef idx="1">
+              <a:schemeClr val="accent1"/>
+            </a:lnRef>
+            <a:fillRef idx="0">
+              <a:schemeClr val="accent1"/>
+            </a:fillRef>
+            <a:effectRef idx="0">
+              <a:schemeClr val="accent1"/>
+            </a:effectRef>
+            <a:fontRef idx="minor">
+              <a:schemeClr val="tx1"/>
+            </a:fontRef>
+          </p:style>
+          <p:txBody>
+            <a:bodyPr rtlCol="0" anchor="ctr"/>
+            <a:lstStyle/>
+            <a:p>
+              <a:pPr algn="ctr"/>
+              <a:endParaRPr lang="zh-CN" altLang="en-US" sz="700">
+                <a:solidFill>
+                  <a:schemeClr val="tx1"/>
+                </a:solidFill>
+              </a:endParaRPr>
+            </a:p>
+          </p:txBody>
+        </p:sp>
+        <p:sp>
+          <p:nvSpPr>
+            <p:cNvPr id="52" name="文本框 51">
+              <a:extLst>
+                <a:ext uri="{FF2B5EF4-FFF2-40B4-BE49-F238E27FC236}">
+                  <a16:creationId xmlns:a16="http://schemas.microsoft.com/office/drawing/2014/main" id="{C71D291C-0883-46A5-AFCD-A857A7C58D62}"/>
+                </a:ext>
+              </a:extLst>
+            </p:cNvPr>
+            <p:cNvSpPr txBox="1"/>
+            <p:nvPr/>
+          </p:nvSpPr>
+          <p:spPr>
+            <a:xfrm>
+              <a:off x="577084" y="4545465"/>
+              <a:ext cx="2524903" cy="230832"/>
+            </a:xfrm>
+            <a:prstGeom prst="rect">
+              <a:avLst/>
+            </a:prstGeom>
+            <a:noFill/>
+          </p:spPr>
+          <p:txBody>
+            <a:bodyPr wrap="square" rtlCol="0">
+              <a:spAutoFit/>
+            </a:bodyPr>
+            <a:lstStyle/>
+            <a:p>
+              <a:r>
+                <a:rPr lang="zh-CN" altLang="en-US" sz="900" dirty="0">
+                  <a:latin typeface="微软雅黑" panose="020B0503020204020204" pitchFamily="34" charset="-122"/>
+                  <a:ea typeface="微软雅黑" panose="020B0503020204020204" pitchFamily="34" charset="-122"/>
+                </a:rPr>
+                <a:t>快递单号</a:t>
+              </a:r>
+            </a:p>
+          </p:txBody>
+        </p:sp>
+        <p:sp>
+          <p:nvSpPr>
+            <p:cNvPr id="53" name="矩形 52">
+              <a:extLst>
+                <a:ext uri="{FF2B5EF4-FFF2-40B4-BE49-F238E27FC236}">
+                  <a16:creationId xmlns:a16="http://schemas.microsoft.com/office/drawing/2014/main" id="{F86EA521-2B26-4DC8-A697-1FBA8C142191}"/>
+                </a:ext>
+              </a:extLst>
+            </p:cNvPr>
+            <p:cNvSpPr/>
+            <p:nvPr/>
+          </p:nvSpPr>
+          <p:spPr>
+            <a:xfrm>
+              <a:off x="220371" y="4527637"/>
+              <a:ext cx="286921" cy="286921"/>
+            </a:xfrm>
+            <a:prstGeom prst="rect">
+              <a:avLst/>
+            </a:prstGeom>
+            <a:solidFill>
+              <a:schemeClr val="bg1">
+                <a:lumMod val="85000"/>
+              </a:schemeClr>
+            </a:solidFill>
+            <a:ln>
+              <a:noFill/>
+            </a:ln>
+          </p:spPr>
+          <p:style>
+            <a:lnRef idx="2">
+              <a:schemeClr val="accent1">
+                <a:shade val="50000"/>
+              </a:schemeClr>
+            </a:lnRef>
+            <a:fillRef idx="1">
+              <a:schemeClr val="accent1"/>
+            </a:fillRef>
+            <a:effectRef idx="0">
+              <a:schemeClr val="accent1"/>
+            </a:effectRef>
+            <a:fontRef idx="minor">
+              <a:schemeClr val="lt1"/>
+            </a:fontRef>
+          </p:style>
+          <p:txBody>
+            <a:bodyPr rtlCol="0" anchor="ctr"/>
+            <a:lstStyle/>
+            <a:p>
+              <a:pPr algn="ctr"/>
+              <a:endParaRPr lang="zh-CN" altLang="en-US" sz="700"/>
+            </a:p>
+          </p:txBody>
+        </p:sp>
+      </p:grpSp>
+      <p:grpSp>
+        <p:nvGrpSpPr>
+          <p:cNvPr id="56" name="组合 55">
+            <a:extLst>
+              <a:ext uri="{FF2B5EF4-FFF2-40B4-BE49-F238E27FC236}">
+                <a16:creationId xmlns:a16="http://schemas.microsoft.com/office/drawing/2014/main" id="{6AAEAFEF-370B-4F5A-ACB2-5D67FA0F17AC}"/>
+              </a:ext>
+            </a:extLst>
+          </p:cNvPr>
+          <p:cNvGrpSpPr/>
+          <p:nvPr/>
+        </p:nvGrpSpPr>
+        <p:grpSpPr>
+          <a:xfrm>
+            <a:off x="4945277" y="4480703"/>
+            <a:ext cx="3139069" cy="366018"/>
+            <a:chOff x="102501" y="4488090"/>
+            <a:chExt cx="3139069" cy="366018"/>
+          </a:xfrm>
+        </p:grpSpPr>
+        <p:sp>
+          <p:nvSpPr>
+            <p:cNvPr id="57" name="矩形 56">
+              <a:extLst>
+                <a:ext uri="{FF2B5EF4-FFF2-40B4-BE49-F238E27FC236}">
+                  <a16:creationId xmlns:a16="http://schemas.microsoft.com/office/drawing/2014/main" id="{3C8B7B5B-0957-4791-A50E-342E93CCDD2C}"/>
+                </a:ext>
+              </a:extLst>
+            </p:cNvPr>
+            <p:cNvSpPr/>
+            <p:nvPr/>
+          </p:nvSpPr>
+          <p:spPr>
+            <a:xfrm>
+              <a:off x="102501" y="4488090"/>
+              <a:ext cx="3139069" cy="366018"/>
+            </a:xfrm>
+            <a:prstGeom prst="rect">
+              <a:avLst/>
+            </a:prstGeom>
+            <a:ln>
+              <a:solidFill>
+                <a:srgbClr val="DBDBDB"/>
+              </a:solidFill>
+            </a:ln>
+          </p:spPr>
+          <p:style>
+            <a:lnRef idx="1">
+              <a:schemeClr val="accent1"/>
+            </a:lnRef>
+            <a:fillRef idx="0">
+              <a:schemeClr val="accent1"/>
+            </a:fillRef>
+            <a:effectRef idx="0">
+              <a:schemeClr val="accent1"/>
+            </a:effectRef>
+            <a:fontRef idx="minor">
+              <a:schemeClr val="tx1"/>
+            </a:fontRef>
+          </p:style>
+          <p:txBody>
+            <a:bodyPr rtlCol="0" anchor="ctr"/>
+            <a:lstStyle/>
+            <a:p>
+              <a:pPr algn="ctr"/>
+              <a:endParaRPr lang="zh-CN" altLang="en-US" sz="700">
+                <a:solidFill>
+                  <a:schemeClr val="tx1"/>
+                </a:solidFill>
+              </a:endParaRPr>
+            </a:p>
+          </p:txBody>
+        </p:sp>
+        <p:sp>
+          <p:nvSpPr>
+            <p:cNvPr id="58" name="文本框 57">
+              <a:extLst>
+                <a:ext uri="{FF2B5EF4-FFF2-40B4-BE49-F238E27FC236}">
+                  <a16:creationId xmlns:a16="http://schemas.microsoft.com/office/drawing/2014/main" id="{620C1892-DE82-4DBF-A47B-18627DF27BD8}"/>
+                </a:ext>
+              </a:extLst>
+            </p:cNvPr>
+            <p:cNvSpPr txBox="1"/>
+            <p:nvPr/>
+          </p:nvSpPr>
+          <p:spPr>
+            <a:xfrm>
+              <a:off x="577084" y="4545465"/>
+              <a:ext cx="2524903" cy="230832"/>
+            </a:xfrm>
+            <a:prstGeom prst="rect">
+              <a:avLst/>
+            </a:prstGeom>
+            <a:noFill/>
+          </p:spPr>
+          <p:txBody>
+            <a:bodyPr wrap="square" rtlCol="0">
+              <a:spAutoFit/>
+            </a:bodyPr>
+            <a:lstStyle/>
+            <a:p>
+              <a:r>
+                <a:rPr lang="zh-CN" altLang="en-US" sz="900" dirty="0">
+                  <a:latin typeface="微软雅黑" panose="020B0503020204020204" pitchFamily="34" charset="-122"/>
+                  <a:ea typeface="微软雅黑" panose="020B0503020204020204" pitchFamily="34" charset="-122"/>
+                </a:rPr>
+                <a:t>空码</a:t>
+              </a:r>
+              <a:r>
+                <a:rPr lang="en-US" altLang="zh-CN" sz="900" dirty="0">
+                  <a:latin typeface="微软雅黑" panose="020B0503020204020204" pitchFamily="34" charset="-122"/>
+                  <a:ea typeface="微软雅黑" panose="020B0503020204020204" pitchFamily="34" charset="-122"/>
+                </a:rPr>
+                <a:t>ID</a:t>
+              </a:r>
+              <a:endParaRPr lang="zh-CN" altLang="en-US" sz="900" dirty="0">
+                <a:latin typeface="微软雅黑" panose="020B0503020204020204" pitchFamily="34" charset="-122"/>
+                <a:ea typeface="微软雅黑" panose="020B0503020204020204" pitchFamily="34" charset="-122"/>
+              </a:endParaRPr>
+            </a:p>
+          </p:txBody>
+        </p:sp>
+        <p:sp>
+          <p:nvSpPr>
+            <p:cNvPr id="59" name="矩形 58">
+              <a:extLst>
+                <a:ext uri="{FF2B5EF4-FFF2-40B4-BE49-F238E27FC236}">
+                  <a16:creationId xmlns:a16="http://schemas.microsoft.com/office/drawing/2014/main" id="{2C4A045B-F9FD-4E34-95B8-FCAC72C7916D}"/>
+                </a:ext>
+              </a:extLst>
+            </p:cNvPr>
+            <p:cNvSpPr/>
+            <p:nvPr/>
+          </p:nvSpPr>
+          <p:spPr>
+            <a:xfrm>
+              <a:off x="220371" y="4527637"/>
+              <a:ext cx="286921" cy="286921"/>
+            </a:xfrm>
+            <a:prstGeom prst="rect">
+              <a:avLst/>
+            </a:prstGeom>
+            <a:solidFill>
+              <a:schemeClr val="bg1">
+                <a:lumMod val="85000"/>
+              </a:schemeClr>
+            </a:solidFill>
+            <a:ln>
+              <a:noFill/>
+            </a:ln>
+          </p:spPr>
+          <p:style>
+            <a:lnRef idx="2">
+              <a:schemeClr val="accent1">
+                <a:shade val="50000"/>
+              </a:schemeClr>
+            </a:lnRef>
+            <a:fillRef idx="1">
+              <a:schemeClr val="accent1"/>
+            </a:fillRef>
+            <a:effectRef idx="0">
+              <a:schemeClr val="accent1"/>
+            </a:effectRef>
+            <a:fontRef idx="minor">
+              <a:schemeClr val="lt1"/>
+            </a:fontRef>
+          </p:style>
+          <p:txBody>
+            <a:bodyPr rtlCol="0" anchor="ctr"/>
+            <a:lstStyle/>
+            <a:p>
+              <a:pPr algn="ctr"/>
+              <a:endParaRPr lang="zh-CN" altLang="en-US" sz="700"/>
+            </a:p>
+          </p:txBody>
+        </p:sp>
+      </p:grpSp>
+      <p:sp>
+        <p:nvSpPr>
+          <p:cNvPr id="23" name="文本框 22">
+            <a:extLst>
+              <a:ext uri="{FF2B5EF4-FFF2-40B4-BE49-F238E27FC236}">
+                <a16:creationId xmlns:a16="http://schemas.microsoft.com/office/drawing/2014/main" id="{9C1FD5EB-673E-44EA-B14C-B7C64EC31505}"/>
+              </a:ext>
+            </a:extLst>
+          </p:cNvPr>
+          <p:cNvSpPr txBox="1"/>
+          <p:nvPr/>
+        </p:nvSpPr>
+        <p:spPr>
+          <a:xfrm>
+            <a:off x="4903788" y="3373612"/>
+            <a:ext cx="3428996" cy="246221"/>
+          </a:xfrm>
+          <a:prstGeom prst="rect">
+            <a:avLst/>
+          </a:prstGeom>
+          <a:noFill/>
+        </p:spPr>
+        <p:txBody>
+          <a:bodyPr wrap="square" rtlCol="0">
+            <a:spAutoFit/>
+          </a:bodyPr>
+          <a:lstStyle/>
+          <a:p>
+            <a:pPr algn="l"/>
+            <a:r>
+              <a:rPr lang="zh-CN" altLang="en-US" sz="1000" dirty="0">
+                <a:latin typeface="微软雅黑" panose="020B0503020204020204" pitchFamily="34" charset="-122"/>
+                <a:ea typeface="微软雅黑" panose="020B0503020204020204" pitchFamily="34" charset="-122"/>
+              </a:rPr>
+              <a:t>其他信息展示，不可修改。需要更改如下的信息</a:t>
+            </a:r>
+          </a:p>
+        </p:txBody>
+      </p:sp>
+      <p:sp>
+        <p:nvSpPr>
+          <p:cNvPr id="24" name="右大括号 23">
+            <a:extLst>
+              <a:ext uri="{FF2B5EF4-FFF2-40B4-BE49-F238E27FC236}">
+                <a16:creationId xmlns:a16="http://schemas.microsoft.com/office/drawing/2014/main" id="{8CAC9D20-893F-4696-826A-B09D2080195C}"/>
+              </a:ext>
+            </a:extLst>
+          </p:cNvPr>
+          <p:cNvSpPr/>
+          <p:nvPr/>
+        </p:nvSpPr>
+        <p:spPr>
+          <a:xfrm>
+            <a:off x="8155858" y="4161718"/>
+            <a:ext cx="117986" cy="685003"/>
+          </a:xfrm>
+          <a:prstGeom prst="rightBrace">
+            <a:avLst/>
+          </a:prstGeom>
+          <a:ln>
+            <a:solidFill>
+              <a:schemeClr val="bg1">
+                <a:lumMod val="75000"/>
+              </a:schemeClr>
+            </a:solidFill>
+          </a:ln>
+        </p:spPr>
+        <p:style>
+          <a:lnRef idx="1">
+            <a:schemeClr val="accent1"/>
+          </a:lnRef>
+          <a:fillRef idx="0">
+            <a:schemeClr val="accent1"/>
+          </a:fillRef>
+          <a:effectRef idx="0">
+            <a:schemeClr val="accent1"/>
+          </a:effectRef>
+          <a:fontRef idx="minor">
+            <a:schemeClr val="tx1"/>
+          </a:fontRef>
+        </p:style>
+        <p:txBody>
+          <a:bodyPr rtlCol="0" anchor="ctr"/>
+          <a:lstStyle/>
+          <a:p>
+            <a:pPr algn="ctr"/>
+            <a:endParaRPr lang="zh-CN" altLang="en-US"/>
+          </a:p>
+        </p:txBody>
+      </p:sp>
+      <p:sp>
+        <p:nvSpPr>
+          <p:cNvPr id="60" name="文本框 59">
+            <a:extLst>
+              <a:ext uri="{FF2B5EF4-FFF2-40B4-BE49-F238E27FC236}">
+                <a16:creationId xmlns:a16="http://schemas.microsoft.com/office/drawing/2014/main" id="{11C9A470-AA44-4303-A58A-847A9F0AFD54}"/>
+              </a:ext>
+            </a:extLst>
+          </p:cNvPr>
+          <p:cNvSpPr txBox="1"/>
+          <p:nvPr/>
+        </p:nvSpPr>
+        <p:spPr>
+          <a:xfrm>
+            <a:off x="8332784" y="4381144"/>
+            <a:ext cx="2263932" cy="246221"/>
+          </a:xfrm>
+          <a:prstGeom prst="rect">
+            <a:avLst/>
+          </a:prstGeom>
+          <a:noFill/>
+        </p:spPr>
+        <p:txBody>
+          <a:bodyPr wrap="square" rtlCol="0">
+            <a:spAutoFit/>
+          </a:bodyPr>
+          <a:lstStyle/>
+          <a:p>
+            <a:pPr algn="l"/>
+            <a:r>
+              <a:rPr lang="zh-CN" altLang="en-US" sz="1000" dirty="0">
+                <a:latin typeface="微软雅黑" panose="020B0503020204020204" pitchFamily="34" charset="-122"/>
+                <a:ea typeface="微软雅黑" panose="020B0503020204020204" pitchFamily="34" charset="-122"/>
+              </a:rPr>
+              <a:t>通过扫码枪获取</a:t>
+            </a:r>
+          </a:p>
+        </p:txBody>
+      </p:sp>
+      <p:sp>
+        <p:nvSpPr>
+          <p:cNvPr id="61" name="圆角矩形 220">
+            <a:extLst>
+              <a:ext uri="{FF2B5EF4-FFF2-40B4-BE49-F238E27FC236}">
+                <a16:creationId xmlns:a16="http://schemas.microsoft.com/office/drawing/2014/main" id="{078D0FB3-C78E-4B3A-BD72-DB3F0AD17DB4}"/>
+              </a:ext>
+            </a:extLst>
+          </p:cNvPr>
+          <p:cNvSpPr/>
+          <p:nvPr/>
+        </p:nvSpPr>
+        <p:spPr>
+          <a:xfrm>
+            <a:off x="4945277" y="4968715"/>
+            <a:ext cx="1087524" cy="227755"/>
+          </a:xfrm>
+          <a:prstGeom prst="roundRect">
+            <a:avLst>
+              <a:gd name="adj" fmla="val 7169"/>
+            </a:avLst>
+          </a:prstGeom>
+          <a:solidFill>
+            <a:srgbClr val="157EFB"/>
+          </a:solidFill>
+          <a:ln>
+            <a:solidFill>
+              <a:srgbClr val="157EFB"/>
+            </a:solidFill>
+          </a:ln>
+          <a:effectLst/>
+        </p:spPr>
+        <p:style>
+          <a:lnRef idx="1">
+            <a:schemeClr val="accent1"/>
+          </a:lnRef>
+          <a:fillRef idx="3">
+            <a:schemeClr val="accent1"/>
+          </a:fillRef>
+          <a:effectRef idx="2">
+            <a:schemeClr val="accent1"/>
+          </a:effectRef>
+          <a:fontRef idx="minor">
+            <a:schemeClr val="lt1"/>
+          </a:fontRef>
+        </p:style>
+        <p:txBody>
+          <a:bodyPr rtlCol="0" anchor="ctr"/>
+          <a:lstStyle/>
+          <a:p>
+            <a:pPr algn="ctr"/>
+            <a:r>
+              <a:rPr lang="zh-CN" altLang="en-US" sz="1050" dirty="0">
+                <a:latin typeface="微软雅黑" panose="020B0503020204020204" pitchFamily="34" charset="-122"/>
+                <a:ea typeface="微软雅黑" panose="020B0503020204020204" pitchFamily="34" charset="-122"/>
+              </a:rPr>
+              <a:t>打印快递单</a:t>
+            </a:r>
+          </a:p>
+        </p:txBody>
+      </p:sp>
+      <p:sp>
+        <p:nvSpPr>
+          <p:cNvPr id="62" name="圆角矩形 220">
+            <a:extLst>
+              <a:ext uri="{FF2B5EF4-FFF2-40B4-BE49-F238E27FC236}">
+                <a16:creationId xmlns:a16="http://schemas.microsoft.com/office/drawing/2014/main" id="{E7369784-890C-422F-B6CB-D8441D3EB20F}"/>
+              </a:ext>
+            </a:extLst>
+          </p:cNvPr>
+          <p:cNvSpPr/>
+          <p:nvPr/>
+        </p:nvSpPr>
+        <p:spPr>
+          <a:xfrm>
+            <a:off x="6996822" y="4954871"/>
+            <a:ext cx="1087524" cy="227755"/>
+          </a:xfrm>
+          <a:prstGeom prst="roundRect">
+            <a:avLst>
+              <a:gd name="adj" fmla="val 7169"/>
+            </a:avLst>
+          </a:prstGeom>
+          <a:solidFill>
+            <a:srgbClr val="157EFB"/>
+          </a:solidFill>
+          <a:ln>
+            <a:solidFill>
+              <a:srgbClr val="157EFB"/>
+            </a:solidFill>
+          </a:ln>
+          <a:effectLst/>
+        </p:spPr>
+        <p:style>
+          <a:lnRef idx="1">
+            <a:schemeClr val="accent1"/>
+          </a:lnRef>
+          <a:fillRef idx="3">
+            <a:schemeClr val="accent1"/>
+          </a:fillRef>
+          <a:effectRef idx="2">
+            <a:schemeClr val="accent1"/>
+          </a:effectRef>
+          <a:fontRef idx="minor">
+            <a:schemeClr val="lt1"/>
+          </a:fontRef>
+        </p:style>
+        <p:txBody>
+          <a:bodyPr rtlCol="0" anchor="ctr"/>
+          <a:lstStyle/>
+          <a:p>
+            <a:pPr algn="ctr"/>
+            <a:r>
+              <a:rPr lang="zh-CN" altLang="en-US" sz="1050" dirty="0">
+                <a:latin typeface="微软雅黑" panose="020B0503020204020204" pitchFamily="34" charset="-122"/>
+                <a:ea typeface="微软雅黑" panose="020B0503020204020204" pitchFamily="34" charset="-122"/>
+              </a:rPr>
+              <a:t>确认发货</a:t>
+            </a:r>
+          </a:p>
+        </p:txBody>
+      </p:sp>
+      <p:sp>
+        <p:nvSpPr>
+          <p:cNvPr id="63" name="文本框 62">
+            <a:extLst>
+              <a:ext uri="{FF2B5EF4-FFF2-40B4-BE49-F238E27FC236}">
+                <a16:creationId xmlns:a16="http://schemas.microsoft.com/office/drawing/2014/main" id="{965FB130-3400-4EA6-975B-EDA6158FBADD}"/>
+              </a:ext>
+            </a:extLst>
+          </p:cNvPr>
+          <p:cNvSpPr txBox="1"/>
+          <p:nvPr/>
+        </p:nvSpPr>
+        <p:spPr>
+          <a:xfrm>
+            <a:off x="4945276" y="5381695"/>
+            <a:ext cx="3837379" cy="400110"/>
+          </a:xfrm>
+          <a:prstGeom prst="rect">
+            <a:avLst/>
+          </a:prstGeom>
+          <a:noFill/>
+        </p:spPr>
+        <p:txBody>
+          <a:bodyPr wrap="square" rtlCol="0">
+            <a:spAutoFit/>
+          </a:bodyPr>
+          <a:lstStyle/>
+          <a:p>
+            <a:pPr algn="l"/>
+            <a:r>
+              <a:rPr lang="zh-CN" altLang="en-US" sz="1000" dirty="0">
+                <a:latin typeface="微软雅黑" panose="020B0503020204020204" pitchFamily="34" charset="-122"/>
+                <a:ea typeface="微软雅黑" panose="020B0503020204020204" pitchFamily="34" charset="-122"/>
+              </a:rPr>
+              <a:t>单号与空码</a:t>
+            </a:r>
+            <a:r>
+              <a:rPr lang="en-US" altLang="zh-CN" sz="1000" dirty="0">
+                <a:latin typeface="微软雅黑" panose="020B0503020204020204" pitchFamily="34" charset="-122"/>
+                <a:ea typeface="微软雅黑" panose="020B0503020204020204" pitchFamily="34" charset="-122"/>
+              </a:rPr>
+              <a:t>ID</a:t>
+            </a:r>
+            <a:r>
+              <a:rPr lang="zh-CN" altLang="en-US" sz="1000" dirty="0">
+                <a:latin typeface="微软雅黑" panose="020B0503020204020204" pitchFamily="34" charset="-122"/>
+                <a:ea typeface="微软雅黑" panose="020B0503020204020204" pitchFamily="34" charset="-122"/>
+              </a:rPr>
+              <a:t>未录入之前，不可确认发货</a:t>
+            </a:r>
+            <a:endParaRPr lang="en-US" altLang="zh-CN" sz="1000" dirty="0">
+              <a:latin typeface="微软雅黑" panose="020B0503020204020204" pitchFamily="34" charset="-122"/>
+              <a:ea typeface="微软雅黑" panose="020B0503020204020204" pitchFamily="34" charset="-122"/>
+            </a:endParaRPr>
+          </a:p>
+          <a:p>
+            <a:pPr algn="l"/>
+            <a:r>
+              <a:rPr lang="zh-CN" altLang="en-US" sz="1000" dirty="0">
+                <a:latin typeface="微软雅黑" panose="020B0503020204020204" pitchFamily="34" charset="-122"/>
+                <a:ea typeface="微软雅黑" panose="020B0503020204020204" pitchFamily="34" charset="-122"/>
+              </a:rPr>
+              <a:t>发货后，同步更新空码状态</a:t>
+            </a:r>
+            <a:endParaRPr lang="en-US" altLang="zh-CN" sz="1000" dirty="0">
+              <a:latin typeface="微软雅黑" panose="020B0503020204020204" pitchFamily="34" charset="-122"/>
+              <a:ea typeface="微软雅黑" panose="020B0503020204020204" pitchFamily="34" charset="-122"/>
+            </a:endParaRPr>
+          </a:p>
+        </p:txBody>
+      </p:sp>
     </p:spTree>
     <p:extLst>
       <p:ext uri="{BB962C8B-B14F-4D97-AF65-F5344CB8AC3E}">
-        <p14:creationId xmlns:p14="http://schemas.microsoft.com/office/powerpoint/2010/main" val="2087339311"/>
+        <p14:creationId xmlns:p14="http://schemas.microsoft.com/office/powerpoint/2010/main" val="4230840701"/>
       </p:ext>
     </p:extLst>
   </p:cSld>
@@ -1169,7 +5814,7 @@
           <p:cNvPr id="2" name="标题 1">
             <a:extLst>
               <a:ext uri="{FF2B5EF4-FFF2-40B4-BE49-F238E27FC236}">
-                <a16:creationId xmlns:a16="http://schemas.microsoft.com/office/drawing/2014/main" id="{27DC1B55-747D-40D2-A24C-227D2D24C6FC}"/>
+                <a16:creationId xmlns:a16="http://schemas.microsoft.com/office/drawing/2014/main" id="{46A76045-C935-40B1-ACF2-D70DEDA33BD8}"/>
               </a:ext>
             </a:extLst>
           </p:cNvPr>
@@ -1187,17 +5832,388 @@
           <a:p>
             <a:r>
               <a:rPr lang="zh-CN" altLang="en-US" dirty="0"/>
-              <a:t>订单信息</a:t>
-            </a:r>
-          </a:p>
-        </p:txBody>
-      </p:sp>
-      <p:sp>
-        <p:nvSpPr>
-          <p:cNvPr id="7" name="文本框 6">
-            <a:extLst>
-              <a:ext uri="{FF2B5EF4-FFF2-40B4-BE49-F238E27FC236}">
-                <a16:creationId xmlns:a16="http://schemas.microsoft.com/office/drawing/2014/main" id="{04F73CBD-3315-4D9B-9E14-04850DD94C86}"/>
+              <a:t>挪车码</a:t>
+            </a:r>
+          </a:p>
+        </p:txBody>
+      </p:sp>
+      <p:sp>
+        <p:nvSpPr>
+          <p:cNvPr id="3" name="同侧圆角矩形 116">
+            <a:extLst>
+              <a:ext uri="{FF2B5EF4-FFF2-40B4-BE49-F238E27FC236}">
+                <a16:creationId xmlns:a16="http://schemas.microsoft.com/office/drawing/2014/main" id="{4C77A536-A4DB-4B9B-BEAA-6152DC8E144B}"/>
+              </a:ext>
+            </a:extLst>
+          </p:cNvPr>
+          <p:cNvSpPr/>
+          <p:nvPr/>
+        </p:nvSpPr>
+        <p:spPr>
+          <a:xfrm rot="10800000">
+            <a:off x="1011024" y="751401"/>
+            <a:ext cx="10169951" cy="5722285"/>
+          </a:xfrm>
+          <a:prstGeom prst="round2SameRect">
+            <a:avLst>
+              <a:gd name="adj1" fmla="val 750"/>
+              <a:gd name="adj2" fmla="val 0"/>
+            </a:avLst>
+          </a:prstGeom>
+          <a:solidFill>
+            <a:schemeClr val="bg1">
+              <a:lumMod val="95000"/>
+            </a:schemeClr>
+          </a:solidFill>
+          <a:ln>
+            <a:solidFill>
+              <a:srgbClr val="F0F0F0"/>
+            </a:solidFill>
+          </a:ln>
+          <a:effectLst/>
+        </p:spPr>
+        <p:style>
+          <a:lnRef idx="1">
+            <a:schemeClr val="accent1"/>
+          </a:lnRef>
+          <a:fillRef idx="3">
+            <a:schemeClr val="accent1"/>
+          </a:fillRef>
+          <a:effectRef idx="2">
+            <a:schemeClr val="accent1"/>
+          </a:effectRef>
+          <a:fontRef idx="minor">
+            <a:schemeClr val="lt1"/>
+          </a:fontRef>
+        </p:style>
+        <p:txBody>
+          <a:bodyPr rtlCol="0" anchor="ctr"/>
+          <a:lstStyle/>
+          <a:p>
+            <a:endParaRPr lang="zh-CN" altLang="en-US" sz="1400">
+              <a:latin typeface="微软雅黑" panose="020B0503020204020204" pitchFamily="34" charset="-122"/>
+              <a:ea typeface="微软雅黑" panose="020B0503020204020204" pitchFamily="34" charset="-122"/>
+            </a:endParaRPr>
+          </a:p>
+        </p:txBody>
+      </p:sp>
+      <p:sp>
+        <p:nvSpPr>
+          <p:cNvPr id="4" name="同侧圆角矩形 130">
+            <a:extLst>
+              <a:ext uri="{FF2B5EF4-FFF2-40B4-BE49-F238E27FC236}">
+                <a16:creationId xmlns:a16="http://schemas.microsoft.com/office/drawing/2014/main" id="{6AC93531-2C49-41B0-A9ED-A8A423FC165C}"/>
+              </a:ext>
+            </a:extLst>
+          </p:cNvPr>
+          <p:cNvSpPr/>
+          <p:nvPr/>
+        </p:nvSpPr>
+        <p:spPr>
+          <a:xfrm rot="10800000">
+            <a:off x="1011067" y="748747"/>
+            <a:ext cx="1967658" cy="3101216"/>
+          </a:xfrm>
+          <a:prstGeom prst="round2SameRect">
+            <a:avLst>
+              <a:gd name="adj1" fmla="val 0"/>
+              <a:gd name="adj2" fmla="val 0"/>
+            </a:avLst>
+          </a:prstGeom>
+          <a:solidFill>
+            <a:schemeClr val="bg1"/>
+          </a:solidFill>
+          <a:ln>
+            <a:solidFill>
+              <a:srgbClr val="F0F0F0"/>
+            </a:solidFill>
+          </a:ln>
+          <a:effectLst/>
+        </p:spPr>
+        <p:style>
+          <a:lnRef idx="1">
+            <a:schemeClr val="accent1"/>
+          </a:lnRef>
+          <a:fillRef idx="3">
+            <a:schemeClr val="accent1"/>
+          </a:fillRef>
+          <a:effectRef idx="2">
+            <a:schemeClr val="accent1"/>
+          </a:effectRef>
+          <a:fontRef idx="minor">
+            <a:schemeClr val="lt1"/>
+          </a:fontRef>
+        </p:style>
+        <p:txBody>
+          <a:bodyPr rtlCol="0" anchor="ctr"/>
+          <a:lstStyle/>
+          <a:p>
+            <a:pPr algn="ctr"/>
+            <a:endParaRPr lang="zh-CN" altLang="en-US" sz="1400">
+              <a:latin typeface="微软雅黑" panose="020B0503020204020204" pitchFamily="34" charset="-122"/>
+              <a:ea typeface="微软雅黑" panose="020B0503020204020204" pitchFamily="34" charset="-122"/>
+            </a:endParaRPr>
+          </a:p>
+        </p:txBody>
+      </p:sp>
+      <p:cxnSp>
+        <p:nvCxnSpPr>
+          <p:cNvPr id="5" name="直接连接符 4">
+            <a:extLst>
+              <a:ext uri="{FF2B5EF4-FFF2-40B4-BE49-F238E27FC236}">
+                <a16:creationId xmlns:a16="http://schemas.microsoft.com/office/drawing/2014/main" id="{EA8C03F6-319A-4BBE-B16E-A9962CCB00C7}"/>
+              </a:ext>
+            </a:extLst>
+          </p:cNvPr>
+          <p:cNvCxnSpPr/>
+          <p:nvPr/>
+        </p:nvCxnSpPr>
+        <p:spPr>
+          <a:xfrm>
+            <a:off x="1011067" y="1259515"/>
+            <a:ext cx="1967658" cy="0"/>
+          </a:xfrm>
+          <a:prstGeom prst="line">
+            <a:avLst/>
+          </a:prstGeom>
+          <a:ln w="3175">
+            <a:solidFill>
+              <a:srgbClr val="C4C4C7"/>
+            </a:solidFill>
+          </a:ln>
+          <a:effectLst/>
+        </p:spPr>
+        <p:style>
+          <a:lnRef idx="2">
+            <a:schemeClr val="accent1"/>
+          </a:lnRef>
+          <a:fillRef idx="0">
+            <a:schemeClr val="accent1"/>
+          </a:fillRef>
+          <a:effectRef idx="1">
+            <a:schemeClr val="accent1"/>
+          </a:effectRef>
+          <a:fontRef idx="minor">
+            <a:schemeClr val="tx1"/>
+          </a:fontRef>
+        </p:style>
+      </p:cxnSp>
+      <p:cxnSp>
+        <p:nvCxnSpPr>
+          <p:cNvPr id="6" name="直接连接符 5">
+            <a:extLst>
+              <a:ext uri="{FF2B5EF4-FFF2-40B4-BE49-F238E27FC236}">
+                <a16:creationId xmlns:a16="http://schemas.microsoft.com/office/drawing/2014/main" id="{7054F658-4F70-4F4E-936C-FB4C1D1AEE8F}"/>
+              </a:ext>
+            </a:extLst>
+          </p:cNvPr>
+          <p:cNvCxnSpPr/>
+          <p:nvPr/>
+        </p:nvCxnSpPr>
+        <p:spPr>
+          <a:xfrm>
+            <a:off x="1011067" y="1748043"/>
+            <a:ext cx="1967658" cy="0"/>
+          </a:xfrm>
+          <a:prstGeom prst="line">
+            <a:avLst/>
+          </a:prstGeom>
+          <a:ln w="3175">
+            <a:solidFill>
+              <a:srgbClr val="C4C4C7"/>
+            </a:solidFill>
+          </a:ln>
+          <a:effectLst/>
+        </p:spPr>
+        <p:style>
+          <a:lnRef idx="2">
+            <a:schemeClr val="accent1"/>
+          </a:lnRef>
+          <a:fillRef idx="0">
+            <a:schemeClr val="accent1"/>
+          </a:fillRef>
+          <a:effectRef idx="1">
+            <a:schemeClr val="accent1"/>
+          </a:effectRef>
+          <a:fontRef idx="minor">
+            <a:schemeClr val="tx1"/>
+          </a:fontRef>
+        </p:style>
+      </p:cxnSp>
+      <p:cxnSp>
+        <p:nvCxnSpPr>
+          <p:cNvPr id="7" name="直接连接符 6">
+            <a:extLst>
+              <a:ext uri="{FF2B5EF4-FFF2-40B4-BE49-F238E27FC236}">
+                <a16:creationId xmlns:a16="http://schemas.microsoft.com/office/drawing/2014/main" id="{DD1E5016-B066-4A4A-91EB-777BE9F66F9E}"/>
+              </a:ext>
+            </a:extLst>
+          </p:cNvPr>
+          <p:cNvCxnSpPr/>
+          <p:nvPr/>
+        </p:nvCxnSpPr>
+        <p:spPr>
+          <a:xfrm>
+            <a:off x="1011067" y="2236570"/>
+            <a:ext cx="1967659" cy="0"/>
+          </a:xfrm>
+          <a:prstGeom prst="line">
+            <a:avLst/>
+          </a:prstGeom>
+          <a:ln w="3175">
+            <a:solidFill>
+              <a:srgbClr val="C4C4C7"/>
+            </a:solidFill>
+          </a:ln>
+          <a:effectLst/>
+        </p:spPr>
+        <p:style>
+          <a:lnRef idx="2">
+            <a:schemeClr val="accent1"/>
+          </a:lnRef>
+          <a:fillRef idx="0">
+            <a:schemeClr val="accent1"/>
+          </a:fillRef>
+          <a:effectRef idx="1">
+            <a:schemeClr val="accent1"/>
+          </a:effectRef>
+          <a:fontRef idx="minor">
+            <a:schemeClr val="tx1"/>
+          </a:fontRef>
+        </p:style>
+      </p:cxnSp>
+      <p:cxnSp>
+        <p:nvCxnSpPr>
+          <p:cNvPr id="8" name="直接连接符 7">
+            <a:extLst>
+              <a:ext uri="{FF2B5EF4-FFF2-40B4-BE49-F238E27FC236}">
+                <a16:creationId xmlns:a16="http://schemas.microsoft.com/office/drawing/2014/main" id="{971AD9F4-0995-49D6-875C-409B2803DC4E}"/>
+              </a:ext>
+            </a:extLst>
+          </p:cNvPr>
+          <p:cNvCxnSpPr/>
+          <p:nvPr/>
+        </p:nvCxnSpPr>
+        <p:spPr>
+          <a:xfrm flipV="1">
+            <a:off x="2978725" y="773976"/>
+            <a:ext cx="1" cy="5651093"/>
+          </a:xfrm>
+          <a:prstGeom prst="line">
+            <a:avLst/>
+          </a:prstGeom>
+          <a:ln w="3175">
+            <a:solidFill>
+              <a:srgbClr val="C4C4C7"/>
+            </a:solidFill>
+          </a:ln>
+          <a:effectLst/>
+        </p:spPr>
+        <p:style>
+          <a:lnRef idx="2">
+            <a:schemeClr val="accent1"/>
+          </a:lnRef>
+          <a:fillRef idx="0">
+            <a:schemeClr val="accent1"/>
+          </a:fillRef>
+          <a:effectRef idx="1">
+            <a:schemeClr val="accent1"/>
+          </a:effectRef>
+          <a:fontRef idx="minor">
+            <a:schemeClr val="tx1"/>
+          </a:fontRef>
+        </p:style>
+      </p:cxnSp>
+      <p:cxnSp>
+        <p:nvCxnSpPr>
+          <p:cNvPr id="10" name="直接连接符 9">
+            <a:extLst>
+              <a:ext uri="{FF2B5EF4-FFF2-40B4-BE49-F238E27FC236}">
+                <a16:creationId xmlns:a16="http://schemas.microsoft.com/office/drawing/2014/main" id="{7C2205C9-6068-4472-B5E7-36851BDF83D6}"/>
+              </a:ext>
+            </a:extLst>
+          </p:cNvPr>
+          <p:cNvCxnSpPr/>
+          <p:nvPr/>
+        </p:nvCxnSpPr>
+        <p:spPr>
+          <a:xfrm>
+            <a:off x="1011067" y="2764003"/>
+            <a:ext cx="1967659" cy="0"/>
+          </a:xfrm>
+          <a:prstGeom prst="line">
+            <a:avLst/>
+          </a:prstGeom>
+          <a:ln w="3175">
+            <a:solidFill>
+              <a:srgbClr val="C4C4C7"/>
+            </a:solidFill>
+          </a:ln>
+          <a:effectLst/>
+        </p:spPr>
+        <p:style>
+          <a:lnRef idx="2">
+            <a:schemeClr val="accent1"/>
+          </a:lnRef>
+          <a:fillRef idx="0">
+            <a:schemeClr val="accent1"/>
+          </a:fillRef>
+          <a:effectRef idx="1">
+            <a:schemeClr val="accent1"/>
+          </a:effectRef>
+          <a:fontRef idx="minor">
+            <a:schemeClr val="tx1"/>
+          </a:fontRef>
+        </p:style>
+      </p:cxnSp>
+      <p:cxnSp>
+        <p:nvCxnSpPr>
+          <p:cNvPr id="11" name="直接连接符 10">
+            <a:extLst>
+              <a:ext uri="{FF2B5EF4-FFF2-40B4-BE49-F238E27FC236}">
+                <a16:creationId xmlns:a16="http://schemas.microsoft.com/office/drawing/2014/main" id="{E347BA25-AE77-4F7E-B01B-38697FF003AF}"/>
+              </a:ext>
+            </a:extLst>
+          </p:cNvPr>
+          <p:cNvCxnSpPr/>
+          <p:nvPr/>
+        </p:nvCxnSpPr>
+        <p:spPr>
+          <a:xfrm>
+            <a:off x="1011067" y="3306989"/>
+            <a:ext cx="1967659" cy="0"/>
+          </a:xfrm>
+          <a:prstGeom prst="line">
+            <a:avLst/>
+          </a:prstGeom>
+          <a:ln w="3175">
+            <a:solidFill>
+              <a:srgbClr val="C4C4C7"/>
+            </a:solidFill>
+          </a:ln>
+          <a:effectLst/>
+        </p:spPr>
+        <p:style>
+          <a:lnRef idx="2">
+            <a:schemeClr val="accent1"/>
+          </a:lnRef>
+          <a:fillRef idx="0">
+            <a:schemeClr val="accent1"/>
+          </a:fillRef>
+          <a:effectRef idx="1">
+            <a:schemeClr val="accent1"/>
+          </a:effectRef>
+          <a:fontRef idx="minor">
+            <a:schemeClr val="tx1"/>
+          </a:fontRef>
+        </p:style>
+      </p:cxnSp>
+      <p:sp>
+        <p:nvSpPr>
+          <p:cNvPr id="12" name="文本框 11">
+            <a:extLst>
+              <a:ext uri="{FF2B5EF4-FFF2-40B4-BE49-F238E27FC236}">
+                <a16:creationId xmlns:a16="http://schemas.microsoft.com/office/drawing/2014/main" id="{8D3E4B36-1182-4B86-970B-1754067656AC}"/>
               </a:ext>
             </a:extLst>
           </p:cNvPr>
@@ -1206,8 +6222,8 @@
         </p:nvSpPr>
         <p:spPr>
           <a:xfrm>
-            <a:off x="144367" y="456006"/>
-            <a:ext cx="9568069" cy="830997"/>
+            <a:off x="1411135" y="2391307"/>
+            <a:ext cx="1167517" cy="227755"/>
           </a:xfrm>
           <a:prstGeom prst="rect">
             <a:avLst/>
@@ -1220,79 +6236,150 @@
           </a:bodyPr>
           <a:lstStyle/>
           <a:p>
-            <a:r>
-              <a:rPr lang="zh-CN" altLang="en-US" sz="1200" dirty="0">
+            <a:pPr algn="ctr">
+              <a:lnSpc>
+                <a:spcPct val="80000"/>
+              </a:lnSpc>
+            </a:pPr>
+            <a:r>
+              <a:rPr kumimoji="1" lang="zh-CN" altLang="en-US" sz="1100" dirty="0">
+                <a:solidFill>
+                  <a:schemeClr val="tx1">
+                    <a:lumMod val="85000"/>
+                    <a:lumOff val="15000"/>
+                  </a:schemeClr>
+                </a:solidFill>
                 <a:latin typeface="微软雅黑" panose="020B0503020204020204" pitchFamily="34" charset="-122"/>
                 <a:ea typeface="微软雅黑" panose="020B0503020204020204" pitchFamily="34" charset="-122"/>
-              </a:rPr>
-              <a:t>订单与物流信息一并展示，方便操作与查询</a:t>
-            </a:r>
-            <a:endParaRPr lang="en-US" altLang="zh-CN" sz="1200" dirty="0">
+                <a:cs typeface="微软雅黑"/>
+              </a:rPr>
+              <a:t>挪车记录</a:t>
+            </a:r>
+          </a:p>
+        </p:txBody>
+      </p:sp>
+      <p:sp>
+        <p:nvSpPr>
+          <p:cNvPr id="13" name="文本框 12">
+            <a:extLst>
+              <a:ext uri="{FF2B5EF4-FFF2-40B4-BE49-F238E27FC236}">
+                <a16:creationId xmlns:a16="http://schemas.microsoft.com/office/drawing/2014/main" id="{3F4AFD05-5531-4C8C-A191-2F08EA35F7FD}"/>
+              </a:ext>
+            </a:extLst>
+          </p:cNvPr>
+          <p:cNvSpPr txBox="1"/>
+          <p:nvPr/>
+        </p:nvSpPr>
+        <p:spPr>
+          <a:xfrm>
+            <a:off x="1411135" y="2944597"/>
+            <a:ext cx="1167517" cy="227755"/>
+          </a:xfrm>
+          <a:prstGeom prst="rect">
+            <a:avLst/>
+          </a:prstGeom>
+          <a:noFill/>
+        </p:spPr>
+        <p:txBody>
+          <a:bodyPr wrap="square" rtlCol="0">
+            <a:spAutoFit/>
+          </a:bodyPr>
+          <a:lstStyle/>
+          <a:p>
+            <a:pPr algn="ctr">
+              <a:lnSpc>
+                <a:spcPct val="80000"/>
+              </a:lnSpc>
+            </a:pPr>
+            <a:r>
+              <a:rPr kumimoji="1" lang="zh-CN" altLang="en-US" sz="1100" dirty="0">
+                <a:solidFill>
+                  <a:schemeClr val="tx1">
+                    <a:lumMod val="85000"/>
+                    <a:lumOff val="15000"/>
+                  </a:schemeClr>
+                </a:solidFill>
+                <a:latin typeface="微软雅黑" panose="020B0503020204020204" pitchFamily="34" charset="-122"/>
+                <a:ea typeface="微软雅黑" panose="020B0503020204020204" pitchFamily="34" charset="-122"/>
+                <a:cs typeface="微软雅黑"/>
+              </a:rPr>
+              <a:t>用户管理</a:t>
+            </a:r>
+          </a:p>
+        </p:txBody>
+      </p:sp>
+      <p:sp>
+        <p:nvSpPr>
+          <p:cNvPr id="15" name="圆角矩形 137">
+            <a:extLst>
+              <a:ext uri="{FF2B5EF4-FFF2-40B4-BE49-F238E27FC236}">
+                <a16:creationId xmlns:a16="http://schemas.microsoft.com/office/drawing/2014/main" id="{80042BF9-E284-43D5-BDB5-52985557AE58}"/>
+              </a:ext>
+            </a:extLst>
+          </p:cNvPr>
+          <p:cNvSpPr/>
+          <p:nvPr/>
+        </p:nvSpPr>
+        <p:spPr>
+          <a:xfrm>
+            <a:off x="1011023" y="1760429"/>
+            <a:ext cx="1967701" cy="478930"/>
+          </a:xfrm>
+          <a:prstGeom prst="roundRect">
+            <a:avLst>
+              <a:gd name="adj" fmla="val 0"/>
+            </a:avLst>
+          </a:prstGeom>
+          <a:solidFill>
+            <a:srgbClr val="157EFB"/>
+          </a:solidFill>
+          <a:ln>
+            <a:noFill/>
+          </a:ln>
+          <a:effectLst/>
+        </p:spPr>
+        <p:style>
+          <a:lnRef idx="1">
+            <a:schemeClr val="accent1"/>
+          </a:lnRef>
+          <a:fillRef idx="3">
+            <a:schemeClr val="accent1"/>
+          </a:fillRef>
+          <a:effectRef idx="2">
+            <a:schemeClr val="accent1"/>
+          </a:effectRef>
+          <a:fontRef idx="minor">
+            <a:schemeClr val="lt1"/>
+          </a:fontRef>
+        </p:style>
+        <p:txBody>
+          <a:bodyPr rtlCol="0" anchor="ctr"/>
+          <a:lstStyle/>
+          <a:p>
+            <a:pPr algn="ctr"/>
+            <a:endParaRPr kumimoji="1" lang="zh-CN" altLang="en-US" sz="1400">
+              <a:ln>
+                <a:solidFill>
+                  <a:prstClr val="white">
+                    <a:lumMod val="65000"/>
+                  </a:prstClr>
+                </a:solidFill>
+              </a:ln>
+              <a:solidFill>
+                <a:schemeClr val="bg1"/>
+              </a:solidFill>
               <a:latin typeface="微软雅黑" panose="020B0503020204020204" pitchFamily="34" charset="-122"/>
               <a:ea typeface="微软雅黑" panose="020B0503020204020204" pitchFamily="34" charset="-122"/>
             </a:endParaRPr>
           </a:p>
-          <a:p>
-            <a:r>
-              <a:rPr lang="zh-CN" altLang="en-US" sz="1200" dirty="0">
-                <a:latin typeface="微软雅黑" panose="020B0503020204020204" pitchFamily="34" charset="-122"/>
-                <a:ea typeface="微软雅黑" panose="020B0503020204020204" pitchFamily="34" charset="-122"/>
-              </a:rPr>
-              <a:t>对于每一个订单，需要人工操作“发货”。</a:t>
-            </a:r>
-            <a:endParaRPr lang="en-US" altLang="zh-CN" sz="1200" dirty="0">
-              <a:latin typeface="微软雅黑" panose="020B0503020204020204" pitchFamily="34" charset="-122"/>
-              <a:ea typeface="微软雅黑" panose="020B0503020204020204" pitchFamily="34" charset="-122"/>
-            </a:endParaRPr>
-          </a:p>
-          <a:p>
-            <a:r>
-              <a:rPr lang="zh-CN" altLang="en-US" sz="1200" dirty="0">
-                <a:latin typeface="微软雅黑" panose="020B0503020204020204" pitchFamily="34" charset="-122"/>
-                <a:ea typeface="微软雅黑" panose="020B0503020204020204" pitchFamily="34" charset="-122"/>
-              </a:rPr>
-              <a:t>未来发货记录绑定实体码</a:t>
-            </a:r>
-            <a:r>
-              <a:rPr lang="en-US" altLang="zh-CN" sz="1200" dirty="0">
-                <a:latin typeface="微软雅黑" panose="020B0503020204020204" pitchFamily="34" charset="-122"/>
-                <a:ea typeface="微软雅黑" panose="020B0503020204020204" pitchFamily="34" charset="-122"/>
-              </a:rPr>
-              <a:t>ID</a:t>
-            </a:r>
-            <a:r>
-              <a:rPr lang="zh-CN" altLang="en-US" sz="1200" dirty="0">
-                <a:latin typeface="微软雅黑" panose="020B0503020204020204" pitchFamily="34" charset="-122"/>
-                <a:ea typeface="微软雅黑" panose="020B0503020204020204" pitchFamily="34" charset="-122"/>
-              </a:rPr>
-              <a:t>与物流企业、单号</a:t>
-            </a:r>
-            <a:endParaRPr lang="en-US" altLang="zh-CN" sz="1200" dirty="0">
-              <a:latin typeface="微软雅黑" panose="020B0503020204020204" pitchFamily="34" charset="-122"/>
-              <a:ea typeface="微软雅黑" panose="020B0503020204020204" pitchFamily="34" charset="-122"/>
-            </a:endParaRPr>
-          </a:p>
-          <a:p>
-            <a:r>
-              <a:rPr lang="zh-CN" altLang="en-US" sz="1200" dirty="0">
-                <a:latin typeface="微软雅黑" panose="020B0503020204020204" pitchFamily="34" charset="-122"/>
-                <a:ea typeface="微软雅黑" panose="020B0503020204020204" pitchFamily="34" charset="-122"/>
-              </a:rPr>
-              <a:t>本期只记录快递单号即可</a:t>
-            </a:r>
-            <a:endParaRPr lang="en-US" altLang="zh-CN" sz="1200" dirty="0">
-              <a:latin typeface="微软雅黑" panose="020B0503020204020204" pitchFamily="34" charset="-122"/>
-              <a:ea typeface="微软雅黑" panose="020B0503020204020204" pitchFamily="34" charset="-122"/>
-            </a:endParaRPr>
-          </a:p>
-        </p:txBody>
-      </p:sp>
-      <p:sp>
-        <p:nvSpPr>
-          <p:cNvPr id="3" name="文本框 2">
-            <a:extLst>
-              <a:ext uri="{FF2B5EF4-FFF2-40B4-BE49-F238E27FC236}">
-                <a16:creationId xmlns:a16="http://schemas.microsoft.com/office/drawing/2014/main" id="{A1C7AA23-5649-4800-B1B6-7A46488F01CB}"/>
+        </p:txBody>
+      </p:sp>
+      <p:sp>
+        <p:nvSpPr>
+          <p:cNvPr id="16" name="文本框 15">
+            <a:extLst>
+              <a:ext uri="{FF2B5EF4-FFF2-40B4-BE49-F238E27FC236}">
+                <a16:creationId xmlns:a16="http://schemas.microsoft.com/office/drawing/2014/main" id="{E960D885-39F3-4893-9DCF-100FF8F6940C}"/>
               </a:ext>
             </a:extLst>
           </p:cNvPr>
@@ -1301,8 +6388,8 @@
         </p:nvSpPr>
         <p:spPr>
           <a:xfrm>
-            <a:off x="222250" y="3524458"/>
-            <a:ext cx="8895246" cy="646331"/>
+            <a:off x="1411135" y="946970"/>
+            <a:ext cx="1167517" cy="227755"/>
           </a:xfrm>
           <a:prstGeom prst="rect">
             <a:avLst/>
@@ -1315,62 +6402,332 @@
           </a:bodyPr>
           <a:lstStyle/>
           <a:p>
-            <a:pPr algn="l"/>
-            <a:r>
-              <a:rPr lang="zh-CN" altLang="en-US" sz="1200" dirty="0">
+            <a:pPr algn="ctr">
+              <a:lnSpc>
+                <a:spcPct val="80000"/>
+              </a:lnSpc>
+            </a:pPr>
+            <a:r>
+              <a:rPr kumimoji="1" lang="zh-CN" altLang="en-US" sz="1100" dirty="0">
                 <a:latin typeface="微软雅黑" panose="020B0503020204020204" pitchFamily="34" charset="-122"/>
                 <a:ea typeface="微软雅黑" panose="020B0503020204020204" pitchFamily="34" charset="-122"/>
-              </a:rPr>
-              <a:t>引入快递套打组件与设备</a:t>
-            </a:r>
-            <a:endParaRPr lang="en-US" altLang="zh-CN" sz="1200" dirty="0">
-              <a:latin typeface="微软雅黑" panose="020B0503020204020204" pitchFamily="34" charset="-122"/>
-              <a:ea typeface="微软雅黑" panose="020B0503020204020204" pitchFamily="34" charset="-122"/>
-            </a:endParaRPr>
-          </a:p>
-          <a:p>
-            <a:pPr algn="l"/>
-            <a:endParaRPr lang="en-US" altLang="zh-CN" sz="1200" dirty="0">
-              <a:latin typeface="微软雅黑" panose="020B0503020204020204" pitchFamily="34" charset="-122"/>
-              <a:ea typeface="微软雅黑" panose="020B0503020204020204" pitchFamily="34" charset="-122"/>
-            </a:endParaRPr>
-          </a:p>
-          <a:p>
-            <a:pPr algn="l"/>
-            <a:r>
-              <a:rPr lang="zh-CN" altLang="en-US" sz="1200" dirty="0">
+                <a:cs typeface="微软雅黑"/>
+              </a:rPr>
+              <a:t>空码管理</a:t>
+            </a:r>
+          </a:p>
+        </p:txBody>
+      </p:sp>
+      <p:cxnSp>
+        <p:nvCxnSpPr>
+          <p:cNvPr id="29" name="直接连接符 28">
+            <a:extLst>
+              <a:ext uri="{FF2B5EF4-FFF2-40B4-BE49-F238E27FC236}">
+                <a16:creationId xmlns:a16="http://schemas.microsoft.com/office/drawing/2014/main" id="{53D28872-5951-4D86-A84D-BFDDBD52C60A}"/>
+              </a:ext>
+            </a:extLst>
+          </p:cNvPr>
+          <p:cNvCxnSpPr/>
+          <p:nvPr/>
+        </p:nvCxnSpPr>
+        <p:spPr>
+          <a:xfrm>
+            <a:off x="1012171" y="3849969"/>
+            <a:ext cx="1967659" cy="0"/>
+          </a:xfrm>
+          <a:prstGeom prst="line">
+            <a:avLst/>
+          </a:prstGeom>
+          <a:ln w="3175">
+            <a:solidFill>
+              <a:srgbClr val="C4C4C7"/>
+            </a:solidFill>
+          </a:ln>
+          <a:effectLst/>
+        </p:spPr>
+        <p:style>
+          <a:lnRef idx="2">
+            <a:schemeClr val="accent1"/>
+          </a:lnRef>
+          <a:fillRef idx="0">
+            <a:schemeClr val="accent1"/>
+          </a:fillRef>
+          <a:effectRef idx="1">
+            <a:schemeClr val="accent1"/>
+          </a:effectRef>
+          <a:fontRef idx="minor">
+            <a:schemeClr val="tx1"/>
+          </a:fontRef>
+        </p:style>
+      </p:cxnSp>
+      <p:sp>
+        <p:nvSpPr>
+          <p:cNvPr id="30" name="文本框 29">
+            <a:extLst>
+              <a:ext uri="{FF2B5EF4-FFF2-40B4-BE49-F238E27FC236}">
+                <a16:creationId xmlns:a16="http://schemas.microsoft.com/office/drawing/2014/main" id="{28BA1430-9BD0-4021-A01E-5E11810B1658}"/>
+              </a:ext>
+            </a:extLst>
+          </p:cNvPr>
+          <p:cNvSpPr txBox="1"/>
+          <p:nvPr/>
+        </p:nvSpPr>
+        <p:spPr>
+          <a:xfrm>
+            <a:off x="1412239" y="3487577"/>
+            <a:ext cx="1167517" cy="227755"/>
+          </a:xfrm>
+          <a:prstGeom prst="rect">
+            <a:avLst/>
+          </a:prstGeom>
+          <a:noFill/>
+        </p:spPr>
+        <p:txBody>
+          <a:bodyPr wrap="square" rtlCol="0">
+            <a:spAutoFit/>
+          </a:bodyPr>
+          <a:lstStyle/>
+          <a:p>
+            <a:pPr algn="ctr">
+              <a:lnSpc>
+                <a:spcPct val="80000"/>
+              </a:lnSpc>
+            </a:pPr>
+            <a:r>
+              <a:rPr kumimoji="1" lang="zh-CN" altLang="en-US" sz="1100" dirty="0">
+                <a:solidFill>
+                  <a:schemeClr val="tx1">
+                    <a:lumMod val="85000"/>
+                    <a:lumOff val="15000"/>
+                  </a:schemeClr>
+                </a:solidFill>
                 <a:latin typeface="微软雅黑" panose="020B0503020204020204" pitchFamily="34" charset="-122"/>
                 <a:ea typeface="微软雅黑" panose="020B0503020204020204" pitchFamily="34" charset="-122"/>
-              </a:rPr>
-              <a:t>每次发货前，需要记录实体物料</a:t>
-            </a:r>
-            <a:r>
-              <a:rPr lang="en-US" altLang="zh-CN" sz="1200" dirty="0">
+                <a:cs typeface="微软雅黑"/>
+              </a:rPr>
+              <a:t>定价管理</a:t>
+            </a:r>
+          </a:p>
+        </p:txBody>
+      </p:sp>
+      <p:sp>
+        <p:nvSpPr>
+          <p:cNvPr id="37" name="圆角矩形 218">
+            <a:extLst>
+              <a:ext uri="{FF2B5EF4-FFF2-40B4-BE49-F238E27FC236}">
+                <a16:creationId xmlns:a16="http://schemas.microsoft.com/office/drawing/2014/main" id="{804CC02F-2431-46BE-87E6-DDE6A526BA7F}"/>
+              </a:ext>
+            </a:extLst>
+          </p:cNvPr>
+          <p:cNvSpPr/>
+          <p:nvPr/>
+        </p:nvSpPr>
+        <p:spPr>
+          <a:xfrm>
+            <a:off x="7853002" y="1448310"/>
+            <a:ext cx="3213165" cy="227755"/>
+          </a:xfrm>
+          <a:prstGeom prst="roundRect">
+            <a:avLst>
+              <a:gd name="adj" fmla="val 15413"/>
+            </a:avLst>
+          </a:prstGeom>
+          <a:solidFill>
+            <a:schemeClr val="bg1"/>
+          </a:solidFill>
+          <a:ln>
+            <a:solidFill>
+              <a:srgbClr val="D9D9D9"/>
+            </a:solidFill>
+          </a:ln>
+          <a:effectLst/>
+        </p:spPr>
+        <p:style>
+          <a:lnRef idx="1">
+            <a:schemeClr val="accent1"/>
+          </a:lnRef>
+          <a:fillRef idx="3">
+            <a:schemeClr val="accent1"/>
+          </a:fillRef>
+          <a:effectRef idx="2">
+            <a:schemeClr val="accent1"/>
+          </a:effectRef>
+          <a:fontRef idx="minor">
+            <a:schemeClr val="lt1"/>
+          </a:fontRef>
+        </p:style>
+        <p:txBody>
+          <a:bodyPr rtlCol="0" anchor="ctr"/>
+          <a:lstStyle/>
+          <a:p>
+            <a:pPr algn="ctr"/>
+            <a:r>
+              <a:rPr kumimoji="1" lang="zh-CN" altLang="en-US" sz="1000" dirty="0">
+                <a:solidFill>
+                  <a:schemeClr val="tx1">
+                    <a:lumMod val="50000"/>
+                    <a:lumOff val="50000"/>
+                  </a:schemeClr>
+                </a:solidFill>
+                <a:latin typeface="微软雅黑"/>
+                <a:ea typeface="微软雅黑"/>
+                <a:cs typeface="微软雅黑"/>
+              </a:rPr>
+              <a:t>过滤</a:t>
+            </a:r>
+          </a:p>
+        </p:txBody>
+      </p:sp>
+      <p:sp>
+        <p:nvSpPr>
+          <p:cNvPr id="42" name="文本框 41">
+            <a:extLst>
+              <a:ext uri="{FF2B5EF4-FFF2-40B4-BE49-F238E27FC236}">
+                <a16:creationId xmlns:a16="http://schemas.microsoft.com/office/drawing/2014/main" id="{422BACAE-D9D5-458B-9C08-6F24BB8A70BB}"/>
+              </a:ext>
+            </a:extLst>
+          </p:cNvPr>
+          <p:cNvSpPr txBox="1"/>
+          <p:nvPr/>
+        </p:nvSpPr>
+        <p:spPr>
+          <a:xfrm>
+            <a:off x="3093531" y="1729918"/>
+            <a:ext cx="1991027" cy="246221"/>
+          </a:xfrm>
+          <a:prstGeom prst="rect">
+            <a:avLst/>
+          </a:prstGeom>
+          <a:noFill/>
+        </p:spPr>
+        <p:txBody>
+          <a:bodyPr wrap="square" rtlCol="0">
+            <a:spAutoFit/>
+          </a:bodyPr>
+          <a:lstStyle/>
+          <a:p>
+            <a:pPr algn="l"/>
+            <a:r>
+              <a:rPr lang="zh-CN" altLang="en-US" sz="1000" dirty="0">
                 <a:latin typeface="微软雅黑" panose="020B0503020204020204" pitchFamily="34" charset="-122"/>
                 <a:ea typeface="微软雅黑" panose="020B0503020204020204" pitchFamily="34" charset="-122"/>
               </a:rPr>
-              <a:t>ID</a:t>
-            </a:r>
-            <a:r>
-              <a:rPr lang="zh-CN" altLang="en-US" sz="1200" dirty="0">
+              <a:t>共</a:t>
+            </a:r>
+            <a:r>
+              <a:rPr lang="en-US" altLang="zh-CN" sz="1000" dirty="0">
                 <a:latin typeface="微软雅黑" panose="020B0503020204020204" pitchFamily="34" charset="-122"/>
                 <a:ea typeface="微软雅黑" panose="020B0503020204020204" pitchFamily="34" charset="-122"/>
               </a:rPr>
-              <a:t>以及物流单号，需要支持扫码枪扫码录入</a:t>
-            </a:r>
-            <a:endParaRPr lang="en-US" altLang="zh-CN" sz="1200" dirty="0">
-              <a:latin typeface="微软雅黑" panose="020B0503020204020204" pitchFamily="34" charset="-122"/>
-              <a:ea typeface="微软雅黑" panose="020B0503020204020204" pitchFamily="34" charset="-122"/>
-            </a:endParaRPr>
+              <a:t>10000</a:t>
+            </a:r>
+            <a:r>
+              <a:rPr lang="zh-CN" altLang="en-US" sz="1000" dirty="0">
+                <a:latin typeface="微软雅黑" panose="020B0503020204020204" pitchFamily="34" charset="-122"/>
+                <a:ea typeface="微软雅黑" panose="020B0503020204020204" pitchFamily="34" charset="-122"/>
+              </a:rPr>
+              <a:t>条数据</a:t>
+            </a:r>
+          </a:p>
+        </p:txBody>
+      </p:sp>
+      <p:sp>
+        <p:nvSpPr>
+          <p:cNvPr id="14" name="文本框 13">
+            <a:extLst>
+              <a:ext uri="{FF2B5EF4-FFF2-40B4-BE49-F238E27FC236}">
+                <a16:creationId xmlns:a16="http://schemas.microsoft.com/office/drawing/2014/main" id="{A5564607-4606-4BDD-89F2-A792F585B828}"/>
+              </a:ext>
+            </a:extLst>
+          </p:cNvPr>
+          <p:cNvSpPr txBox="1"/>
+          <p:nvPr/>
+        </p:nvSpPr>
+        <p:spPr>
+          <a:xfrm>
+            <a:off x="1411135" y="1438191"/>
+            <a:ext cx="1167517" cy="227755"/>
+          </a:xfrm>
+          <a:prstGeom prst="rect">
+            <a:avLst/>
+          </a:prstGeom>
+          <a:noFill/>
+        </p:spPr>
+        <p:txBody>
+          <a:bodyPr wrap="square" rtlCol="0">
+            <a:spAutoFit/>
+          </a:bodyPr>
+          <a:lstStyle/>
+          <a:p>
+            <a:pPr algn="ctr">
+              <a:lnSpc>
+                <a:spcPct val="80000"/>
+              </a:lnSpc>
+            </a:pPr>
+            <a:r>
+              <a:rPr kumimoji="1" lang="zh-CN" altLang="en-US" sz="1100" dirty="0">
+                <a:latin typeface="微软雅黑" panose="020B0503020204020204" pitchFamily="34" charset="-122"/>
+                <a:ea typeface="微软雅黑" panose="020B0503020204020204" pitchFamily="34" charset="-122"/>
+                <a:cs typeface="微软雅黑"/>
+              </a:rPr>
+              <a:t>订单管理</a:t>
+            </a:r>
+          </a:p>
+        </p:txBody>
+      </p:sp>
+      <p:sp>
+        <p:nvSpPr>
+          <p:cNvPr id="9" name="文本框 8">
+            <a:extLst>
+              <a:ext uri="{FF2B5EF4-FFF2-40B4-BE49-F238E27FC236}">
+                <a16:creationId xmlns:a16="http://schemas.microsoft.com/office/drawing/2014/main" id="{DBA15883-F84D-4058-B75A-263E05B80820}"/>
+              </a:ext>
+            </a:extLst>
+          </p:cNvPr>
+          <p:cNvSpPr txBox="1"/>
+          <p:nvPr/>
+        </p:nvSpPr>
+        <p:spPr>
+          <a:xfrm>
+            <a:off x="1411135" y="1914332"/>
+            <a:ext cx="1167517" cy="227755"/>
+          </a:xfrm>
+          <a:prstGeom prst="rect">
+            <a:avLst/>
+          </a:prstGeom>
+          <a:noFill/>
+        </p:spPr>
+        <p:txBody>
+          <a:bodyPr wrap="square" rtlCol="0">
+            <a:spAutoFit/>
+          </a:bodyPr>
+          <a:lstStyle/>
+          <a:p>
+            <a:pPr algn="ctr">
+              <a:lnSpc>
+                <a:spcPct val="80000"/>
+              </a:lnSpc>
+            </a:pPr>
+            <a:r>
+              <a:rPr kumimoji="1" lang="zh-CN" altLang="en-US" sz="1100" dirty="0">
+                <a:solidFill>
+                  <a:schemeClr val="bg1"/>
+                </a:solidFill>
+                <a:latin typeface="微软雅黑" panose="020B0503020204020204" pitchFamily="34" charset="-122"/>
+                <a:ea typeface="微软雅黑" panose="020B0503020204020204" pitchFamily="34" charset="-122"/>
+                <a:cs typeface="微软雅黑"/>
+              </a:rPr>
+              <a:t>挪车码</a:t>
+            </a:r>
           </a:p>
         </p:txBody>
       </p:sp>
       <p:graphicFrame>
         <p:nvGraphicFramePr>
-          <p:cNvPr id="8" name="对象 7">
-            <a:extLst>
-              <a:ext uri="{FF2B5EF4-FFF2-40B4-BE49-F238E27FC236}">
-                <a16:creationId xmlns:a16="http://schemas.microsoft.com/office/drawing/2014/main" id="{99160567-D2A2-4E72-9E20-C418E24BD5D0}"/>
+          <p:cNvPr id="22" name="对象 21">
+            <a:extLst>
+              <a:ext uri="{FF2B5EF4-FFF2-40B4-BE49-F238E27FC236}">
+                <a16:creationId xmlns:a16="http://schemas.microsoft.com/office/drawing/2014/main" id="{A0B1E1C8-E216-4583-8CEA-EEBF0A8123B6}"/>
               </a:ext>
             </a:extLst>
           </p:cNvPr>
@@ -1380,25 +6737,25 @@
           <p:nvPr>
             <p:extLst>
               <p:ext uri="{D42A27DB-BD31-4B8C-83A1-F6EECF244321}">
-                <p14:modId xmlns:p14="http://schemas.microsoft.com/office/powerpoint/2010/main" val="1207102387"/>
+                <p14:modId xmlns:p14="http://schemas.microsoft.com/office/powerpoint/2010/main" val="3666092006"/>
               </p:ext>
             </p:extLst>
           </p:nvPr>
         </p:nvGraphicFramePr>
         <p:xfrm>
-          <a:off x="222250" y="2368343"/>
-          <a:ext cx="11747500" cy="965200"/>
+          <a:off x="3093531" y="2029523"/>
+          <a:ext cx="7972634" cy="960437"/>
         </p:xfrm>
         <a:graphic>
           <a:graphicData uri="http://schemas.openxmlformats.org/presentationml/2006/ole">
             <mc:AlternateContent xmlns:mc="http://schemas.openxmlformats.org/markup-compatibility/2006">
               <mc:Choice xmlns:v="urn:schemas-microsoft-com:vml" Requires="v">
-                <p:oleObj spid="_x0000_s4168" name="Worksheet" r:id="rId3" imgW="14089152" imgH="1150873" progId="Excel.Sheet.12">
+                <p:oleObj spid="_x0000_s10281" name="Worksheet" r:id="rId3" imgW="9875315" imgH="960268" progId="Excel.Sheet.12">
                   <p:embed/>
                 </p:oleObj>
               </mc:Choice>
               <mc:Fallback>
-                <p:oleObj name="Worksheet" r:id="rId3" imgW="14089152" imgH="1150873" progId="Excel.Sheet.12">
+                <p:oleObj name="Worksheet" r:id="rId3" imgW="9875315" imgH="960268" progId="Excel.Sheet.12">
                   <p:embed/>
                   <p:pic>
                     <p:nvPicPr>
@@ -1414,8 +6771,8 @@
                     </p:blipFill>
                     <p:spPr>
                       <a:xfrm>
-                        <a:off x="222250" y="2368343"/>
-                        <a:ext cx="11747500" cy="965200"/>
+                        <a:off x="3093531" y="2029523"/>
+                        <a:ext cx="7972634" cy="960437"/>
                       </a:xfrm>
                       <a:prstGeom prst="rect">
                         <a:avLst/>
@@ -1428,10 +6785,554 @@
           </a:graphicData>
         </a:graphic>
       </p:graphicFrame>
+      <p:sp>
+        <p:nvSpPr>
+          <p:cNvPr id="55" name="圆角矩形 218">
+            <a:extLst>
+              <a:ext uri="{FF2B5EF4-FFF2-40B4-BE49-F238E27FC236}">
+                <a16:creationId xmlns:a16="http://schemas.microsoft.com/office/drawing/2014/main" id="{253942A8-3E14-4D56-B899-A8908E4321DF}"/>
+              </a:ext>
+            </a:extLst>
+          </p:cNvPr>
+          <p:cNvSpPr/>
+          <p:nvPr/>
+        </p:nvSpPr>
+        <p:spPr>
+          <a:xfrm>
+            <a:off x="3094621" y="1104748"/>
+            <a:ext cx="715377" cy="227755"/>
+          </a:xfrm>
+          <a:prstGeom prst="roundRect">
+            <a:avLst>
+              <a:gd name="adj" fmla="val 15413"/>
+            </a:avLst>
+          </a:prstGeom>
+          <a:solidFill>
+            <a:schemeClr val="bg1"/>
+          </a:solidFill>
+          <a:ln>
+            <a:solidFill>
+              <a:srgbClr val="D9D9D9"/>
+            </a:solidFill>
+          </a:ln>
+          <a:effectLst/>
+        </p:spPr>
+        <p:style>
+          <a:lnRef idx="1">
+            <a:schemeClr val="accent1"/>
+          </a:lnRef>
+          <a:fillRef idx="3">
+            <a:schemeClr val="accent1"/>
+          </a:fillRef>
+          <a:effectRef idx="2">
+            <a:schemeClr val="accent1"/>
+          </a:effectRef>
+          <a:fontRef idx="minor">
+            <a:schemeClr val="lt1"/>
+          </a:fontRef>
+        </p:style>
+        <p:txBody>
+          <a:bodyPr rtlCol="0" anchor="ctr"/>
+          <a:lstStyle/>
+          <a:p>
+            <a:pPr algn="ctr"/>
+            <a:r>
+              <a:rPr kumimoji="1" lang="zh-CN" altLang="en-US" sz="1000" dirty="0">
+                <a:solidFill>
+                  <a:schemeClr val="tx1">
+                    <a:lumMod val="50000"/>
+                    <a:lumOff val="50000"/>
+                  </a:schemeClr>
+                </a:solidFill>
+                <a:latin typeface="微软雅黑"/>
+                <a:ea typeface="微软雅黑"/>
+                <a:cs typeface="微软雅黑"/>
+              </a:rPr>
+              <a:t>全部</a:t>
+            </a:r>
+          </a:p>
+        </p:txBody>
+      </p:sp>
+      <p:sp>
+        <p:nvSpPr>
+          <p:cNvPr id="64" name="圆角矩形 218">
+            <a:extLst>
+              <a:ext uri="{FF2B5EF4-FFF2-40B4-BE49-F238E27FC236}">
+                <a16:creationId xmlns:a16="http://schemas.microsoft.com/office/drawing/2014/main" id="{307B0865-142F-47FB-9F20-9F5B40EBB3AD}"/>
+              </a:ext>
+            </a:extLst>
+          </p:cNvPr>
+          <p:cNvSpPr/>
+          <p:nvPr/>
+        </p:nvSpPr>
+        <p:spPr>
+          <a:xfrm>
+            <a:off x="3863940" y="1104748"/>
+            <a:ext cx="715377" cy="227755"/>
+          </a:xfrm>
+          <a:prstGeom prst="roundRect">
+            <a:avLst>
+              <a:gd name="adj" fmla="val 15413"/>
+            </a:avLst>
+          </a:prstGeom>
+          <a:solidFill>
+            <a:schemeClr val="bg1"/>
+          </a:solidFill>
+          <a:ln>
+            <a:solidFill>
+              <a:srgbClr val="D9D9D9"/>
+            </a:solidFill>
+          </a:ln>
+          <a:effectLst/>
+        </p:spPr>
+        <p:style>
+          <a:lnRef idx="1">
+            <a:schemeClr val="accent1"/>
+          </a:lnRef>
+          <a:fillRef idx="3">
+            <a:schemeClr val="accent1"/>
+          </a:fillRef>
+          <a:effectRef idx="2">
+            <a:schemeClr val="accent1"/>
+          </a:effectRef>
+          <a:fontRef idx="minor">
+            <a:schemeClr val="lt1"/>
+          </a:fontRef>
+        </p:style>
+        <p:txBody>
+          <a:bodyPr rtlCol="0" anchor="ctr"/>
+          <a:lstStyle/>
+          <a:p>
+            <a:pPr algn="ctr"/>
+            <a:r>
+              <a:rPr kumimoji="1" lang="zh-CN" altLang="en-US" sz="1000" dirty="0">
+                <a:solidFill>
+                  <a:schemeClr val="tx1">
+                    <a:lumMod val="50000"/>
+                    <a:lumOff val="50000"/>
+                  </a:schemeClr>
+                </a:solidFill>
+                <a:latin typeface="微软雅黑"/>
+                <a:ea typeface="微软雅黑"/>
+                <a:cs typeface="微软雅黑"/>
+              </a:rPr>
+              <a:t>实体</a:t>
+            </a:r>
+          </a:p>
+        </p:txBody>
+      </p:sp>
+      <p:sp>
+        <p:nvSpPr>
+          <p:cNvPr id="65" name="圆角矩形 218">
+            <a:extLst>
+              <a:ext uri="{FF2B5EF4-FFF2-40B4-BE49-F238E27FC236}">
+                <a16:creationId xmlns:a16="http://schemas.microsoft.com/office/drawing/2014/main" id="{AB77624E-6F48-4429-A6B0-86B73F29762E}"/>
+              </a:ext>
+            </a:extLst>
+          </p:cNvPr>
+          <p:cNvSpPr/>
+          <p:nvPr/>
+        </p:nvSpPr>
+        <p:spPr>
+          <a:xfrm>
+            <a:off x="4631442" y="1104748"/>
+            <a:ext cx="715377" cy="227755"/>
+          </a:xfrm>
+          <a:prstGeom prst="roundRect">
+            <a:avLst>
+              <a:gd name="adj" fmla="val 15413"/>
+            </a:avLst>
+          </a:prstGeom>
+          <a:solidFill>
+            <a:schemeClr val="bg1"/>
+          </a:solidFill>
+          <a:ln>
+            <a:solidFill>
+              <a:srgbClr val="D9D9D9"/>
+            </a:solidFill>
+          </a:ln>
+          <a:effectLst/>
+        </p:spPr>
+        <p:style>
+          <a:lnRef idx="1">
+            <a:schemeClr val="accent1"/>
+          </a:lnRef>
+          <a:fillRef idx="3">
+            <a:schemeClr val="accent1"/>
+          </a:fillRef>
+          <a:effectRef idx="2">
+            <a:schemeClr val="accent1"/>
+          </a:effectRef>
+          <a:fontRef idx="minor">
+            <a:schemeClr val="lt1"/>
+          </a:fontRef>
+        </p:style>
+        <p:txBody>
+          <a:bodyPr rtlCol="0" anchor="ctr"/>
+          <a:lstStyle/>
+          <a:p>
+            <a:pPr algn="ctr"/>
+            <a:r>
+              <a:rPr kumimoji="1" lang="zh-CN" altLang="en-US" sz="1000" dirty="0">
+                <a:solidFill>
+                  <a:schemeClr val="tx1">
+                    <a:lumMod val="50000"/>
+                    <a:lumOff val="50000"/>
+                  </a:schemeClr>
+                </a:solidFill>
+                <a:latin typeface="微软雅黑"/>
+                <a:ea typeface="微软雅黑"/>
+                <a:cs typeface="微软雅黑"/>
+              </a:rPr>
+              <a:t>体验</a:t>
+            </a:r>
+          </a:p>
+        </p:txBody>
+      </p:sp>
+      <p:sp>
+        <p:nvSpPr>
+          <p:cNvPr id="67" name="圆角矩形 218">
+            <a:extLst>
+              <a:ext uri="{FF2B5EF4-FFF2-40B4-BE49-F238E27FC236}">
+                <a16:creationId xmlns:a16="http://schemas.microsoft.com/office/drawing/2014/main" id="{0ADD7C8F-FB28-4E6D-B3F2-C959BE14AF8B}"/>
+              </a:ext>
+            </a:extLst>
+          </p:cNvPr>
+          <p:cNvSpPr/>
+          <p:nvPr/>
+        </p:nvSpPr>
+        <p:spPr>
+          <a:xfrm>
+            <a:off x="3076300" y="1448311"/>
+            <a:ext cx="715377" cy="227755"/>
+          </a:xfrm>
+          <a:prstGeom prst="roundRect">
+            <a:avLst>
+              <a:gd name="adj" fmla="val 15413"/>
+            </a:avLst>
+          </a:prstGeom>
+          <a:solidFill>
+            <a:schemeClr val="bg1"/>
+          </a:solidFill>
+          <a:ln>
+            <a:solidFill>
+              <a:srgbClr val="D9D9D9"/>
+            </a:solidFill>
+          </a:ln>
+          <a:effectLst/>
+        </p:spPr>
+        <p:style>
+          <a:lnRef idx="1">
+            <a:schemeClr val="accent1"/>
+          </a:lnRef>
+          <a:fillRef idx="3">
+            <a:schemeClr val="accent1"/>
+          </a:fillRef>
+          <a:effectRef idx="2">
+            <a:schemeClr val="accent1"/>
+          </a:effectRef>
+          <a:fontRef idx="minor">
+            <a:schemeClr val="lt1"/>
+          </a:fontRef>
+        </p:style>
+        <p:txBody>
+          <a:bodyPr rtlCol="0" anchor="ctr"/>
+          <a:lstStyle/>
+          <a:p>
+            <a:pPr algn="ctr"/>
+            <a:r>
+              <a:rPr kumimoji="1" lang="zh-CN" altLang="en-US" sz="1000" dirty="0">
+                <a:solidFill>
+                  <a:schemeClr val="tx1">
+                    <a:lumMod val="50000"/>
+                    <a:lumOff val="50000"/>
+                  </a:schemeClr>
+                </a:solidFill>
+                <a:latin typeface="微软雅黑"/>
+                <a:ea typeface="微软雅黑"/>
+                <a:cs typeface="微软雅黑"/>
+              </a:rPr>
+              <a:t>全部</a:t>
+            </a:r>
+          </a:p>
+        </p:txBody>
+      </p:sp>
+      <p:sp>
+        <p:nvSpPr>
+          <p:cNvPr id="68" name="圆角矩形 218">
+            <a:extLst>
+              <a:ext uri="{FF2B5EF4-FFF2-40B4-BE49-F238E27FC236}">
+                <a16:creationId xmlns:a16="http://schemas.microsoft.com/office/drawing/2014/main" id="{F69650EB-88E9-4933-A275-03B9E11F5D96}"/>
+              </a:ext>
+            </a:extLst>
+          </p:cNvPr>
+          <p:cNvSpPr/>
+          <p:nvPr/>
+        </p:nvSpPr>
+        <p:spPr>
+          <a:xfrm>
+            <a:off x="3845619" y="1448311"/>
+            <a:ext cx="715377" cy="227755"/>
+          </a:xfrm>
+          <a:prstGeom prst="roundRect">
+            <a:avLst>
+              <a:gd name="adj" fmla="val 15413"/>
+            </a:avLst>
+          </a:prstGeom>
+          <a:solidFill>
+            <a:schemeClr val="bg1"/>
+          </a:solidFill>
+          <a:ln>
+            <a:solidFill>
+              <a:srgbClr val="D9D9D9"/>
+            </a:solidFill>
+          </a:ln>
+          <a:effectLst/>
+        </p:spPr>
+        <p:style>
+          <a:lnRef idx="1">
+            <a:schemeClr val="accent1"/>
+          </a:lnRef>
+          <a:fillRef idx="3">
+            <a:schemeClr val="accent1"/>
+          </a:fillRef>
+          <a:effectRef idx="2">
+            <a:schemeClr val="accent1"/>
+          </a:effectRef>
+          <a:fontRef idx="minor">
+            <a:schemeClr val="lt1"/>
+          </a:fontRef>
+        </p:style>
+        <p:txBody>
+          <a:bodyPr rtlCol="0" anchor="ctr"/>
+          <a:lstStyle/>
+          <a:p>
+            <a:pPr algn="ctr"/>
+            <a:r>
+              <a:rPr kumimoji="1" lang="zh-CN" altLang="en-US" sz="1000" dirty="0">
+                <a:solidFill>
+                  <a:schemeClr val="tx1">
+                    <a:lumMod val="50000"/>
+                    <a:lumOff val="50000"/>
+                  </a:schemeClr>
+                </a:solidFill>
+                <a:latin typeface="微软雅黑"/>
+                <a:ea typeface="微软雅黑"/>
+                <a:cs typeface="微软雅黑"/>
+              </a:rPr>
+              <a:t>生效</a:t>
+            </a:r>
+          </a:p>
+        </p:txBody>
+      </p:sp>
+      <p:sp>
+        <p:nvSpPr>
+          <p:cNvPr id="69" name="圆角矩形 218">
+            <a:extLst>
+              <a:ext uri="{FF2B5EF4-FFF2-40B4-BE49-F238E27FC236}">
+                <a16:creationId xmlns:a16="http://schemas.microsoft.com/office/drawing/2014/main" id="{369C40D3-6511-45CD-830B-A973EBD8B240}"/>
+              </a:ext>
+            </a:extLst>
+          </p:cNvPr>
+          <p:cNvSpPr/>
+          <p:nvPr/>
+        </p:nvSpPr>
+        <p:spPr>
+          <a:xfrm>
+            <a:off x="4613121" y="1448311"/>
+            <a:ext cx="715377" cy="227755"/>
+          </a:xfrm>
+          <a:prstGeom prst="roundRect">
+            <a:avLst>
+              <a:gd name="adj" fmla="val 15413"/>
+            </a:avLst>
+          </a:prstGeom>
+          <a:solidFill>
+            <a:schemeClr val="bg1"/>
+          </a:solidFill>
+          <a:ln>
+            <a:solidFill>
+              <a:srgbClr val="D9D9D9"/>
+            </a:solidFill>
+          </a:ln>
+          <a:effectLst/>
+        </p:spPr>
+        <p:style>
+          <a:lnRef idx="1">
+            <a:schemeClr val="accent1"/>
+          </a:lnRef>
+          <a:fillRef idx="3">
+            <a:schemeClr val="accent1"/>
+          </a:fillRef>
+          <a:effectRef idx="2">
+            <a:schemeClr val="accent1"/>
+          </a:effectRef>
+          <a:fontRef idx="minor">
+            <a:schemeClr val="lt1"/>
+          </a:fontRef>
+        </p:style>
+        <p:txBody>
+          <a:bodyPr rtlCol="0" anchor="ctr"/>
+          <a:lstStyle/>
+          <a:p>
+            <a:pPr algn="ctr"/>
+            <a:r>
+              <a:rPr kumimoji="1" lang="zh-CN" altLang="en-US" sz="1000" dirty="0">
+                <a:solidFill>
+                  <a:schemeClr val="tx1">
+                    <a:lumMod val="50000"/>
+                    <a:lumOff val="50000"/>
+                  </a:schemeClr>
+                </a:solidFill>
+                <a:latin typeface="微软雅黑"/>
+                <a:ea typeface="微软雅黑"/>
+                <a:cs typeface="微软雅黑"/>
+              </a:rPr>
+              <a:t>失效</a:t>
+            </a:r>
+          </a:p>
+        </p:txBody>
+      </p:sp>
+      <p:sp>
+        <p:nvSpPr>
+          <p:cNvPr id="70" name="圆角矩形 218">
+            <a:extLst>
+              <a:ext uri="{FF2B5EF4-FFF2-40B4-BE49-F238E27FC236}">
+                <a16:creationId xmlns:a16="http://schemas.microsoft.com/office/drawing/2014/main" id="{9EFF05AB-1CD8-41A9-BF84-C232534B45EB}"/>
+              </a:ext>
+            </a:extLst>
+          </p:cNvPr>
+          <p:cNvSpPr/>
+          <p:nvPr/>
+        </p:nvSpPr>
+        <p:spPr>
+          <a:xfrm>
+            <a:off x="5380623" y="1448310"/>
+            <a:ext cx="715377" cy="227755"/>
+          </a:xfrm>
+          <a:prstGeom prst="roundRect">
+            <a:avLst>
+              <a:gd name="adj" fmla="val 15413"/>
+            </a:avLst>
+          </a:prstGeom>
+          <a:solidFill>
+            <a:schemeClr val="bg1"/>
+          </a:solidFill>
+          <a:ln>
+            <a:solidFill>
+              <a:srgbClr val="D9D9D9"/>
+            </a:solidFill>
+          </a:ln>
+          <a:effectLst/>
+        </p:spPr>
+        <p:style>
+          <a:lnRef idx="1">
+            <a:schemeClr val="accent1"/>
+          </a:lnRef>
+          <a:fillRef idx="3">
+            <a:schemeClr val="accent1"/>
+          </a:fillRef>
+          <a:effectRef idx="2">
+            <a:schemeClr val="accent1"/>
+          </a:effectRef>
+          <a:fontRef idx="minor">
+            <a:schemeClr val="lt1"/>
+          </a:fontRef>
+        </p:style>
+        <p:txBody>
+          <a:bodyPr rtlCol="0" anchor="ctr"/>
+          <a:lstStyle/>
+          <a:p>
+            <a:pPr algn="ctr"/>
+            <a:r>
+              <a:rPr kumimoji="1" lang="zh-CN" altLang="en-US" sz="1000" dirty="0">
+                <a:solidFill>
+                  <a:schemeClr val="tx1">
+                    <a:lumMod val="50000"/>
+                    <a:lumOff val="50000"/>
+                  </a:schemeClr>
+                </a:solidFill>
+                <a:latin typeface="微软雅黑"/>
+                <a:ea typeface="微软雅黑"/>
+                <a:cs typeface="微软雅黑"/>
+              </a:rPr>
+              <a:t>已绑定</a:t>
+            </a:r>
+          </a:p>
+        </p:txBody>
+      </p:sp>
+      <p:sp>
+        <p:nvSpPr>
+          <p:cNvPr id="71" name="圆角矩形 218">
+            <a:extLst>
+              <a:ext uri="{FF2B5EF4-FFF2-40B4-BE49-F238E27FC236}">
+                <a16:creationId xmlns:a16="http://schemas.microsoft.com/office/drawing/2014/main" id="{5C4D1051-C148-4EB4-88D7-211FA62673C7}"/>
+              </a:ext>
+            </a:extLst>
+          </p:cNvPr>
+          <p:cNvSpPr/>
+          <p:nvPr/>
+        </p:nvSpPr>
+        <p:spPr>
+          <a:xfrm>
+            <a:off x="6148127" y="1448309"/>
+            <a:ext cx="715377" cy="227755"/>
+          </a:xfrm>
+          <a:prstGeom prst="roundRect">
+            <a:avLst>
+              <a:gd name="adj" fmla="val 15413"/>
+            </a:avLst>
+          </a:prstGeom>
+          <a:solidFill>
+            <a:schemeClr val="bg1"/>
+          </a:solidFill>
+          <a:ln>
+            <a:solidFill>
+              <a:srgbClr val="D9D9D9"/>
+            </a:solidFill>
+          </a:ln>
+          <a:effectLst/>
+        </p:spPr>
+        <p:style>
+          <a:lnRef idx="1">
+            <a:schemeClr val="accent1"/>
+          </a:lnRef>
+          <a:fillRef idx="3">
+            <a:schemeClr val="accent1"/>
+          </a:fillRef>
+          <a:effectRef idx="2">
+            <a:schemeClr val="accent1"/>
+          </a:effectRef>
+          <a:fontRef idx="minor">
+            <a:schemeClr val="lt1"/>
+          </a:fontRef>
+        </p:style>
+        <p:txBody>
+          <a:bodyPr rtlCol="0" anchor="ctr"/>
+          <a:lstStyle/>
+          <a:p>
+            <a:pPr algn="ctr"/>
+            <a:r>
+              <a:rPr kumimoji="1" lang="zh-CN" altLang="en-US" sz="1000" dirty="0">
+                <a:solidFill>
+                  <a:schemeClr val="tx1">
+                    <a:lumMod val="50000"/>
+                    <a:lumOff val="50000"/>
+                  </a:schemeClr>
+                </a:solidFill>
+                <a:latin typeface="微软雅黑"/>
+                <a:ea typeface="微软雅黑"/>
+                <a:cs typeface="微软雅黑"/>
+              </a:rPr>
+              <a:t>未绑定</a:t>
+            </a:r>
+          </a:p>
+        </p:txBody>
+      </p:sp>
     </p:spTree>
     <p:extLst>
       <p:ext uri="{BB962C8B-B14F-4D97-AF65-F5344CB8AC3E}">
-        <p14:creationId xmlns:p14="http://schemas.microsoft.com/office/powerpoint/2010/main" val="3142110697"/>
+        <p14:creationId xmlns:p14="http://schemas.microsoft.com/office/powerpoint/2010/main" val="717931778"/>
       </p:ext>
     </p:extLst>
   </p:cSld>
@@ -1463,7 +7364,7 @@
           <p:cNvPr id="2" name="标题 1">
             <a:extLst>
               <a:ext uri="{FF2B5EF4-FFF2-40B4-BE49-F238E27FC236}">
-                <a16:creationId xmlns:a16="http://schemas.microsoft.com/office/drawing/2014/main" id="{0613830C-A7ED-4333-80F9-AA3622A0A690}"/>
+                <a16:creationId xmlns:a16="http://schemas.microsoft.com/office/drawing/2014/main" id="{46A76045-C935-40B1-ACF2-D70DEDA33BD8}"/>
               </a:ext>
             </a:extLst>
           </p:cNvPr>
@@ -1481,17 +7382,828 @@
           <a:p>
             <a:r>
               <a:rPr lang="zh-CN" altLang="en-US" dirty="0"/>
-              <a:t>实体物料管理</a:t>
+              <a:t>挪车记录</a:t>
+            </a:r>
+          </a:p>
+        </p:txBody>
+      </p:sp>
+      <p:sp>
+        <p:nvSpPr>
+          <p:cNvPr id="3" name="同侧圆角矩形 116">
+            <a:extLst>
+              <a:ext uri="{FF2B5EF4-FFF2-40B4-BE49-F238E27FC236}">
+                <a16:creationId xmlns:a16="http://schemas.microsoft.com/office/drawing/2014/main" id="{4C77A536-A4DB-4B9B-BEAA-6152DC8E144B}"/>
+              </a:ext>
+            </a:extLst>
+          </p:cNvPr>
+          <p:cNvSpPr/>
+          <p:nvPr/>
+        </p:nvSpPr>
+        <p:spPr>
+          <a:xfrm rot="10800000">
+            <a:off x="1011024" y="751401"/>
+            <a:ext cx="10169951" cy="5722285"/>
+          </a:xfrm>
+          <a:prstGeom prst="round2SameRect">
+            <a:avLst>
+              <a:gd name="adj1" fmla="val 750"/>
+              <a:gd name="adj2" fmla="val 0"/>
+            </a:avLst>
+          </a:prstGeom>
+          <a:solidFill>
+            <a:schemeClr val="bg1">
+              <a:lumMod val="95000"/>
+            </a:schemeClr>
+          </a:solidFill>
+          <a:ln>
+            <a:solidFill>
+              <a:srgbClr val="F0F0F0"/>
+            </a:solidFill>
+          </a:ln>
+          <a:effectLst/>
+        </p:spPr>
+        <p:style>
+          <a:lnRef idx="1">
+            <a:schemeClr val="accent1"/>
+          </a:lnRef>
+          <a:fillRef idx="3">
+            <a:schemeClr val="accent1"/>
+          </a:fillRef>
+          <a:effectRef idx="2">
+            <a:schemeClr val="accent1"/>
+          </a:effectRef>
+          <a:fontRef idx="minor">
+            <a:schemeClr val="lt1"/>
+          </a:fontRef>
+        </p:style>
+        <p:txBody>
+          <a:bodyPr rtlCol="0" anchor="ctr"/>
+          <a:lstStyle/>
+          <a:p>
+            <a:endParaRPr lang="zh-CN" altLang="en-US" sz="1400">
+              <a:latin typeface="微软雅黑" panose="020B0503020204020204" pitchFamily="34" charset="-122"/>
+              <a:ea typeface="微软雅黑" panose="020B0503020204020204" pitchFamily="34" charset="-122"/>
+            </a:endParaRPr>
+          </a:p>
+        </p:txBody>
+      </p:sp>
+      <p:sp>
+        <p:nvSpPr>
+          <p:cNvPr id="4" name="同侧圆角矩形 130">
+            <a:extLst>
+              <a:ext uri="{FF2B5EF4-FFF2-40B4-BE49-F238E27FC236}">
+                <a16:creationId xmlns:a16="http://schemas.microsoft.com/office/drawing/2014/main" id="{6AC93531-2C49-41B0-A9ED-A8A423FC165C}"/>
+              </a:ext>
+            </a:extLst>
+          </p:cNvPr>
+          <p:cNvSpPr/>
+          <p:nvPr/>
+        </p:nvSpPr>
+        <p:spPr>
+          <a:xfrm rot="10800000">
+            <a:off x="1011067" y="748747"/>
+            <a:ext cx="1967658" cy="3101216"/>
+          </a:xfrm>
+          <a:prstGeom prst="round2SameRect">
+            <a:avLst>
+              <a:gd name="adj1" fmla="val 0"/>
+              <a:gd name="adj2" fmla="val 0"/>
+            </a:avLst>
+          </a:prstGeom>
+          <a:solidFill>
+            <a:schemeClr val="bg1"/>
+          </a:solidFill>
+          <a:ln>
+            <a:solidFill>
+              <a:srgbClr val="F0F0F0"/>
+            </a:solidFill>
+          </a:ln>
+          <a:effectLst/>
+        </p:spPr>
+        <p:style>
+          <a:lnRef idx="1">
+            <a:schemeClr val="accent1"/>
+          </a:lnRef>
+          <a:fillRef idx="3">
+            <a:schemeClr val="accent1"/>
+          </a:fillRef>
+          <a:effectRef idx="2">
+            <a:schemeClr val="accent1"/>
+          </a:effectRef>
+          <a:fontRef idx="minor">
+            <a:schemeClr val="lt1"/>
+          </a:fontRef>
+        </p:style>
+        <p:txBody>
+          <a:bodyPr rtlCol="0" anchor="ctr"/>
+          <a:lstStyle/>
+          <a:p>
+            <a:pPr algn="ctr"/>
+            <a:endParaRPr lang="zh-CN" altLang="en-US" sz="1400">
+              <a:latin typeface="微软雅黑" panose="020B0503020204020204" pitchFamily="34" charset="-122"/>
+              <a:ea typeface="微软雅黑" panose="020B0503020204020204" pitchFamily="34" charset="-122"/>
+            </a:endParaRPr>
+          </a:p>
+        </p:txBody>
+      </p:sp>
+      <p:cxnSp>
+        <p:nvCxnSpPr>
+          <p:cNvPr id="5" name="直接连接符 4">
+            <a:extLst>
+              <a:ext uri="{FF2B5EF4-FFF2-40B4-BE49-F238E27FC236}">
+                <a16:creationId xmlns:a16="http://schemas.microsoft.com/office/drawing/2014/main" id="{EA8C03F6-319A-4BBE-B16E-A9962CCB00C7}"/>
+              </a:ext>
+            </a:extLst>
+          </p:cNvPr>
+          <p:cNvCxnSpPr/>
+          <p:nvPr/>
+        </p:nvCxnSpPr>
+        <p:spPr>
+          <a:xfrm>
+            <a:off x="1011067" y="1259515"/>
+            <a:ext cx="1967658" cy="0"/>
+          </a:xfrm>
+          <a:prstGeom prst="line">
+            <a:avLst/>
+          </a:prstGeom>
+          <a:ln w="3175">
+            <a:solidFill>
+              <a:srgbClr val="C4C4C7"/>
+            </a:solidFill>
+          </a:ln>
+          <a:effectLst/>
+        </p:spPr>
+        <p:style>
+          <a:lnRef idx="2">
+            <a:schemeClr val="accent1"/>
+          </a:lnRef>
+          <a:fillRef idx="0">
+            <a:schemeClr val="accent1"/>
+          </a:fillRef>
+          <a:effectRef idx="1">
+            <a:schemeClr val="accent1"/>
+          </a:effectRef>
+          <a:fontRef idx="minor">
+            <a:schemeClr val="tx1"/>
+          </a:fontRef>
+        </p:style>
+      </p:cxnSp>
+      <p:cxnSp>
+        <p:nvCxnSpPr>
+          <p:cNvPr id="6" name="直接连接符 5">
+            <a:extLst>
+              <a:ext uri="{FF2B5EF4-FFF2-40B4-BE49-F238E27FC236}">
+                <a16:creationId xmlns:a16="http://schemas.microsoft.com/office/drawing/2014/main" id="{7054F658-4F70-4F4E-936C-FB4C1D1AEE8F}"/>
+              </a:ext>
+            </a:extLst>
+          </p:cNvPr>
+          <p:cNvCxnSpPr/>
+          <p:nvPr/>
+        </p:nvCxnSpPr>
+        <p:spPr>
+          <a:xfrm>
+            <a:off x="1011067" y="1748043"/>
+            <a:ext cx="1967658" cy="0"/>
+          </a:xfrm>
+          <a:prstGeom prst="line">
+            <a:avLst/>
+          </a:prstGeom>
+          <a:ln w="3175">
+            <a:solidFill>
+              <a:srgbClr val="C4C4C7"/>
+            </a:solidFill>
+          </a:ln>
+          <a:effectLst/>
+        </p:spPr>
+        <p:style>
+          <a:lnRef idx="2">
+            <a:schemeClr val="accent1"/>
+          </a:lnRef>
+          <a:fillRef idx="0">
+            <a:schemeClr val="accent1"/>
+          </a:fillRef>
+          <a:effectRef idx="1">
+            <a:schemeClr val="accent1"/>
+          </a:effectRef>
+          <a:fontRef idx="minor">
+            <a:schemeClr val="tx1"/>
+          </a:fontRef>
+        </p:style>
+      </p:cxnSp>
+      <p:cxnSp>
+        <p:nvCxnSpPr>
+          <p:cNvPr id="7" name="直接连接符 6">
+            <a:extLst>
+              <a:ext uri="{FF2B5EF4-FFF2-40B4-BE49-F238E27FC236}">
+                <a16:creationId xmlns:a16="http://schemas.microsoft.com/office/drawing/2014/main" id="{DD1E5016-B066-4A4A-91EB-777BE9F66F9E}"/>
+              </a:ext>
+            </a:extLst>
+          </p:cNvPr>
+          <p:cNvCxnSpPr/>
+          <p:nvPr/>
+        </p:nvCxnSpPr>
+        <p:spPr>
+          <a:xfrm>
+            <a:off x="1011067" y="2236570"/>
+            <a:ext cx="1967659" cy="0"/>
+          </a:xfrm>
+          <a:prstGeom prst="line">
+            <a:avLst/>
+          </a:prstGeom>
+          <a:ln w="3175">
+            <a:solidFill>
+              <a:srgbClr val="C4C4C7"/>
+            </a:solidFill>
+          </a:ln>
+          <a:effectLst/>
+        </p:spPr>
+        <p:style>
+          <a:lnRef idx="2">
+            <a:schemeClr val="accent1"/>
+          </a:lnRef>
+          <a:fillRef idx="0">
+            <a:schemeClr val="accent1"/>
+          </a:fillRef>
+          <a:effectRef idx="1">
+            <a:schemeClr val="accent1"/>
+          </a:effectRef>
+          <a:fontRef idx="minor">
+            <a:schemeClr val="tx1"/>
+          </a:fontRef>
+        </p:style>
+      </p:cxnSp>
+      <p:cxnSp>
+        <p:nvCxnSpPr>
+          <p:cNvPr id="8" name="直接连接符 7">
+            <a:extLst>
+              <a:ext uri="{FF2B5EF4-FFF2-40B4-BE49-F238E27FC236}">
+                <a16:creationId xmlns:a16="http://schemas.microsoft.com/office/drawing/2014/main" id="{971AD9F4-0995-49D6-875C-409B2803DC4E}"/>
+              </a:ext>
+            </a:extLst>
+          </p:cNvPr>
+          <p:cNvCxnSpPr/>
+          <p:nvPr/>
+        </p:nvCxnSpPr>
+        <p:spPr>
+          <a:xfrm flipV="1">
+            <a:off x="2978725" y="773976"/>
+            <a:ext cx="1" cy="5651093"/>
+          </a:xfrm>
+          <a:prstGeom prst="line">
+            <a:avLst/>
+          </a:prstGeom>
+          <a:ln w="3175">
+            <a:solidFill>
+              <a:srgbClr val="C4C4C7"/>
+            </a:solidFill>
+          </a:ln>
+          <a:effectLst/>
+        </p:spPr>
+        <p:style>
+          <a:lnRef idx="2">
+            <a:schemeClr val="accent1"/>
+          </a:lnRef>
+          <a:fillRef idx="0">
+            <a:schemeClr val="accent1"/>
+          </a:fillRef>
+          <a:effectRef idx="1">
+            <a:schemeClr val="accent1"/>
+          </a:effectRef>
+          <a:fontRef idx="minor">
+            <a:schemeClr val="tx1"/>
+          </a:fontRef>
+        </p:style>
+      </p:cxnSp>
+      <p:cxnSp>
+        <p:nvCxnSpPr>
+          <p:cNvPr id="10" name="直接连接符 9">
+            <a:extLst>
+              <a:ext uri="{FF2B5EF4-FFF2-40B4-BE49-F238E27FC236}">
+                <a16:creationId xmlns:a16="http://schemas.microsoft.com/office/drawing/2014/main" id="{7C2205C9-6068-4472-B5E7-36851BDF83D6}"/>
+              </a:ext>
+            </a:extLst>
+          </p:cNvPr>
+          <p:cNvCxnSpPr/>
+          <p:nvPr/>
+        </p:nvCxnSpPr>
+        <p:spPr>
+          <a:xfrm>
+            <a:off x="1011067" y="2764003"/>
+            <a:ext cx="1967659" cy="0"/>
+          </a:xfrm>
+          <a:prstGeom prst="line">
+            <a:avLst/>
+          </a:prstGeom>
+          <a:ln w="3175">
+            <a:solidFill>
+              <a:srgbClr val="C4C4C7"/>
+            </a:solidFill>
+          </a:ln>
+          <a:effectLst/>
+        </p:spPr>
+        <p:style>
+          <a:lnRef idx="2">
+            <a:schemeClr val="accent1"/>
+          </a:lnRef>
+          <a:fillRef idx="0">
+            <a:schemeClr val="accent1"/>
+          </a:fillRef>
+          <a:effectRef idx="1">
+            <a:schemeClr val="accent1"/>
+          </a:effectRef>
+          <a:fontRef idx="minor">
+            <a:schemeClr val="tx1"/>
+          </a:fontRef>
+        </p:style>
+      </p:cxnSp>
+      <p:cxnSp>
+        <p:nvCxnSpPr>
+          <p:cNvPr id="11" name="直接连接符 10">
+            <a:extLst>
+              <a:ext uri="{FF2B5EF4-FFF2-40B4-BE49-F238E27FC236}">
+                <a16:creationId xmlns:a16="http://schemas.microsoft.com/office/drawing/2014/main" id="{E347BA25-AE77-4F7E-B01B-38697FF003AF}"/>
+              </a:ext>
+            </a:extLst>
+          </p:cNvPr>
+          <p:cNvCxnSpPr/>
+          <p:nvPr/>
+        </p:nvCxnSpPr>
+        <p:spPr>
+          <a:xfrm>
+            <a:off x="1011067" y="3306989"/>
+            <a:ext cx="1967659" cy="0"/>
+          </a:xfrm>
+          <a:prstGeom prst="line">
+            <a:avLst/>
+          </a:prstGeom>
+          <a:ln w="3175">
+            <a:solidFill>
+              <a:srgbClr val="C4C4C7"/>
+            </a:solidFill>
+          </a:ln>
+          <a:effectLst/>
+        </p:spPr>
+        <p:style>
+          <a:lnRef idx="2">
+            <a:schemeClr val="accent1"/>
+          </a:lnRef>
+          <a:fillRef idx="0">
+            <a:schemeClr val="accent1"/>
+          </a:fillRef>
+          <a:effectRef idx="1">
+            <a:schemeClr val="accent1"/>
+          </a:effectRef>
+          <a:fontRef idx="minor">
+            <a:schemeClr val="tx1"/>
+          </a:fontRef>
+        </p:style>
+      </p:cxnSp>
+      <p:sp>
+        <p:nvSpPr>
+          <p:cNvPr id="13" name="文本框 12">
+            <a:extLst>
+              <a:ext uri="{FF2B5EF4-FFF2-40B4-BE49-F238E27FC236}">
+                <a16:creationId xmlns:a16="http://schemas.microsoft.com/office/drawing/2014/main" id="{3F4AFD05-5531-4C8C-A191-2F08EA35F7FD}"/>
+              </a:ext>
+            </a:extLst>
+          </p:cNvPr>
+          <p:cNvSpPr txBox="1"/>
+          <p:nvPr/>
+        </p:nvSpPr>
+        <p:spPr>
+          <a:xfrm>
+            <a:off x="1411135" y="2944597"/>
+            <a:ext cx="1167517" cy="227755"/>
+          </a:xfrm>
+          <a:prstGeom prst="rect">
+            <a:avLst/>
+          </a:prstGeom>
+          <a:noFill/>
+        </p:spPr>
+        <p:txBody>
+          <a:bodyPr wrap="square" rtlCol="0">
+            <a:spAutoFit/>
+          </a:bodyPr>
+          <a:lstStyle/>
+          <a:p>
+            <a:pPr algn="ctr">
+              <a:lnSpc>
+                <a:spcPct val="80000"/>
+              </a:lnSpc>
+            </a:pPr>
+            <a:r>
+              <a:rPr kumimoji="1" lang="zh-CN" altLang="en-US" sz="1100" dirty="0">
+                <a:solidFill>
+                  <a:schemeClr val="tx1">
+                    <a:lumMod val="85000"/>
+                    <a:lumOff val="15000"/>
+                  </a:schemeClr>
+                </a:solidFill>
+                <a:latin typeface="微软雅黑" panose="020B0503020204020204" pitchFamily="34" charset="-122"/>
+                <a:ea typeface="微软雅黑" panose="020B0503020204020204" pitchFamily="34" charset="-122"/>
+                <a:cs typeface="微软雅黑"/>
+              </a:rPr>
+              <a:t>用户管理</a:t>
+            </a:r>
+          </a:p>
+        </p:txBody>
+      </p:sp>
+      <p:sp>
+        <p:nvSpPr>
+          <p:cNvPr id="15" name="圆角矩形 137">
+            <a:extLst>
+              <a:ext uri="{FF2B5EF4-FFF2-40B4-BE49-F238E27FC236}">
+                <a16:creationId xmlns:a16="http://schemas.microsoft.com/office/drawing/2014/main" id="{80042BF9-E284-43D5-BDB5-52985557AE58}"/>
+              </a:ext>
+            </a:extLst>
+          </p:cNvPr>
+          <p:cNvSpPr/>
+          <p:nvPr/>
+        </p:nvSpPr>
+        <p:spPr>
+          <a:xfrm>
+            <a:off x="1011042" y="2262639"/>
+            <a:ext cx="1967701" cy="478930"/>
+          </a:xfrm>
+          <a:prstGeom prst="roundRect">
+            <a:avLst>
+              <a:gd name="adj" fmla="val 0"/>
+            </a:avLst>
+          </a:prstGeom>
+          <a:solidFill>
+            <a:srgbClr val="157EFB"/>
+          </a:solidFill>
+          <a:ln>
+            <a:noFill/>
+          </a:ln>
+          <a:effectLst/>
+        </p:spPr>
+        <p:style>
+          <a:lnRef idx="1">
+            <a:schemeClr val="accent1"/>
+          </a:lnRef>
+          <a:fillRef idx="3">
+            <a:schemeClr val="accent1"/>
+          </a:fillRef>
+          <a:effectRef idx="2">
+            <a:schemeClr val="accent1"/>
+          </a:effectRef>
+          <a:fontRef idx="minor">
+            <a:schemeClr val="lt1"/>
+          </a:fontRef>
+        </p:style>
+        <p:txBody>
+          <a:bodyPr rtlCol="0" anchor="ctr"/>
+          <a:lstStyle/>
+          <a:p>
+            <a:pPr algn="ctr"/>
+            <a:endParaRPr kumimoji="1" lang="zh-CN" altLang="en-US" sz="1400">
+              <a:ln>
+                <a:solidFill>
+                  <a:prstClr val="white">
+                    <a:lumMod val="65000"/>
+                  </a:prstClr>
+                </a:solidFill>
+              </a:ln>
+              <a:solidFill>
+                <a:schemeClr val="bg1"/>
+              </a:solidFill>
+              <a:latin typeface="微软雅黑" panose="020B0503020204020204" pitchFamily="34" charset="-122"/>
+              <a:ea typeface="微软雅黑" panose="020B0503020204020204" pitchFamily="34" charset="-122"/>
+            </a:endParaRPr>
+          </a:p>
+        </p:txBody>
+      </p:sp>
+      <p:sp>
+        <p:nvSpPr>
+          <p:cNvPr id="16" name="文本框 15">
+            <a:extLst>
+              <a:ext uri="{FF2B5EF4-FFF2-40B4-BE49-F238E27FC236}">
+                <a16:creationId xmlns:a16="http://schemas.microsoft.com/office/drawing/2014/main" id="{E960D885-39F3-4893-9DCF-100FF8F6940C}"/>
+              </a:ext>
+            </a:extLst>
+          </p:cNvPr>
+          <p:cNvSpPr txBox="1"/>
+          <p:nvPr/>
+        </p:nvSpPr>
+        <p:spPr>
+          <a:xfrm>
+            <a:off x="1411135" y="946970"/>
+            <a:ext cx="1167517" cy="227755"/>
+          </a:xfrm>
+          <a:prstGeom prst="rect">
+            <a:avLst/>
+          </a:prstGeom>
+          <a:noFill/>
+        </p:spPr>
+        <p:txBody>
+          <a:bodyPr wrap="square" rtlCol="0">
+            <a:spAutoFit/>
+          </a:bodyPr>
+          <a:lstStyle/>
+          <a:p>
+            <a:pPr algn="ctr">
+              <a:lnSpc>
+                <a:spcPct val="80000"/>
+              </a:lnSpc>
+            </a:pPr>
+            <a:r>
+              <a:rPr kumimoji="1" lang="zh-CN" altLang="en-US" sz="1100" dirty="0">
+                <a:latin typeface="微软雅黑" panose="020B0503020204020204" pitchFamily="34" charset="-122"/>
+                <a:ea typeface="微软雅黑" panose="020B0503020204020204" pitchFamily="34" charset="-122"/>
+                <a:cs typeface="微软雅黑"/>
+              </a:rPr>
+              <a:t>空码管理</a:t>
+            </a:r>
+          </a:p>
+        </p:txBody>
+      </p:sp>
+      <p:cxnSp>
+        <p:nvCxnSpPr>
+          <p:cNvPr id="29" name="直接连接符 28">
+            <a:extLst>
+              <a:ext uri="{FF2B5EF4-FFF2-40B4-BE49-F238E27FC236}">
+                <a16:creationId xmlns:a16="http://schemas.microsoft.com/office/drawing/2014/main" id="{53D28872-5951-4D86-A84D-BFDDBD52C60A}"/>
+              </a:ext>
+            </a:extLst>
+          </p:cNvPr>
+          <p:cNvCxnSpPr/>
+          <p:nvPr/>
+        </p:nvCxnSpPr>
+        <p:spPr>
+          <a:xfrm>
+            <a:off x="1012171" y="3849969"/>
+            <a:ext cx="1967659" cy="0"/>
+          </a:xfrm>
+          <a:prstGeom prst="line">
+            <a:avLst/>
+          </a:prstGeom>
+          <a:ln w="3175">
+            <a:solidFill>
+              <a:srgbClr val="C4C4C7"/>
+            </a:solidFill>
+          </a:ln>
+          <a:effectLst/>
+        </p:spPr>
+        <p:style>
+          <a:lnRef idx="2">
+            <a:schemeClr val="accent1"/>
+          </a:lnRef>
+          <a:fillRef idx="0">
+            <a:schemeClr val="accent1"/>
+          </a:fillRef>
+          <a:effectRef idx="1">
+            <a:schemeClr val="accent1"/>
+          </a:effectRef>
+          <a:fontRef idx="minor">
+            <a:schemeClr val="tx1"/>
+          </a:fontRef>
+        </p:style>
+      </p:cxnSp>
+      <p:sp>
+        <p:nvSpPr>
+          <p:cNvPr id="30" name="文本框 29">
+            <a:extLst>
+              <a:ext uri="{FF2B5EF4-FFF2-40B4-BE49-F238E27FC236}">
+                <a16:creationId xmlns:a16="http://schemas.microsoft.com/office/drawing/2014/main" id="{28BA1430-9BD0-4021-A01E-5E11810B1658}"/>
+              </a:ext>
+            </a:extLst>
+          </p:cNvPr>
+          <p:cNvSpPr txBox="1"/>
+          <p:nvPr/>
+        </p:nvSpPr>
+        <p:spPr>
+          <a:xfrm>
+            <a:off x="1412239" y="3487577"/>
+            <a:ext cx="1167517" cy="227755"/>
+          </a:xfrm>
+          <a:prstGeom prst="rect">
+            <a:avLst/>
+          </a:prstGeom>
+          <a:noFill/>
+        </p:spPr>
+        <p:txBody>
+          <a:bodyPr wrap="square" rtlCol="0">
+            <a:spAutoFit/>
+          </a:bodyPr>
+          <a:lstStyle/>
+          <a:p>
+            <a:pPr algn="ctr">
+              <a:lnSpc>
+                <a:spcPct val="80000"/>
+              </a:lnSpc>
+            </a:pPr>
+            <a:r>
+              <a:rPr kumimoji="1" lang="zh-CN" altLang="en-US" sz="1100" dirty="0">
+                <a:solidFill>
+                  <a:schemeClr val="tx1">
+                    <a:lumMod val="85000"/>
+                    <a:lumOff val="15000"/>
+                  </a:schemeClr>
+                </a:solidFill>
+                <a:latin typeface="微软雅黑" panose="020B0503020204020204" pitchFamily="34" charset="-122"/>
+                <a:ea typeface="微软雅黑" panose="020B0503020204020204" pitchFamily="34" charset="-122"/>
+                <a:cs typeface="微软雅黑"/>
+              </a:rPr>
+              <a:t>定价管理</a:t>
+            </a:r>
+          </a:p>
+        </p:txBody>
+      </p:sp>
+      <p:sp>
+        <p:nvSpPr>
+          <p:cNvPr id="42" name="文本框 41">
+            <a:extLst>
+              <a:ext uri="{FF2B5EF4-FFF2-40B4-BE49-F238E27FC236}">
+                <a16:creationId xmlns:a16="http://schemas.microsoft.com/office/drawing/2014/main" id="{422BACAE-D9D5-458B-9C08-6F24BB8A70BB}"/>
+              </a:ext>
+            </a:extLst>
+          </p:cNvPr>
+          <p:cNvSpPr txBox="1"/>
+          <p:nvPr/>
+        </p:nvSpPr>
+        <p:spPr>
+          <a:xfrm>
+            <a:off x="3093531" y="1729918"/>
+            <a:ext cx="1991027" cy="246221"/>
+          </a:xfrm>
+          <a:prstGeom prst="rect">
+            <a:avLst/>
+          </a:prstGeom>
+          <a:noFill/>
+        </p:spPr>
+        <p:txBody>
+          <a:bodyPr wrap="square" rtlCol="0">
+            <a:spAutoFit/>
+          </a:bodyPr>
+          <a:lstStyle/>
+          <a:p>
+            <a:pPr algn="l"/>
+            <a:r>
+              <a:rPr lang="zh-CN" altLang="en-US" sz="1000" dirty="0">
+                <a:latin typeface="微软雅黑" panose="020B0503020204020204" pitchFamily="34" charset="-122"/>
+                <a:ea typeface="微软雅黑" panose="020B0503020204020204" pitchFamily="34" charset="-122"/>
+              </a:rPr>
+              <a:t>共</a:t>
+            </a:r>
+            <a:r>
+              <a:rPr lang="en-US" altLang="zh-CN" sz="1000" dirty="0">
+                <a:latin typeface="微软雅黑" panose="020B0503020204020204" pitchFamily="34" charset="-122"/>
+                <a:ea typeface="微软雅黑" panose="020B0503020204020204" pitchFamily="34" charset="-122"/>
+              </a:rPr>
+              <a:t>10000</a:t>
+            </a:r>
+            <a:r>
+              <a:rPr lang="zh-CN" altLang="en-US" sz="1000" dirty="0">
+                <a:latin typeface="微软雅黑" panose="020B0503020204020204" pitchFamily="34" charset="-122"/>
+                <a:ea typeface="微软雅黑" panose="020B0503020204020204" pitchFamily="34" charset="-122"/>
+              </a:rPr>
+              <a:t>条数据</a:t>
+            </a:r>
+          </a:p>
+        </p:txBody>
+      </p:sp>
+      <p:sp>
+        <p:nvSpPr>
+          <p:cNvPr id="14" name="文本框 13">
+            <a:extLst>
+              <a:ext uri="{FF2B5EF4-FFF2-40B4-BE49-F238E27FC236}">
+                <a16:creationId xmlns:a16="http://schemas.microsoft.com/office/drawing/2014/main" id="{A5564607-4606-4BDD-89F2-A792F585B828}"/>
+              </a:ext>
+            </a:extLst>
+          </p:cNvPr>
+          <p:cNvSpPr txBox="1"/>
+          <p:nvPr/>
+        </p:nvSpPr>
+        <p:spPr>
+          <a:xfrm>
+            <a:off x="1411135" y="1438191"/>
+            <a:ext cx="1167517" cy="227755"/>
+          </a:xfrm>
+          <a:prstGeom prst="rect">
+            <a:avLst/>
+          </a:prstGeom>
+          <a:noFill/>
+        </p:spPr>
+        <p:txBody>
+          <a:bodyPr wrap="square" rtlCol="0">
+            <a:spAutoFit/>
+          </a:bodyPr>
+          <a:lstStyle/>
+          <a:p>
+            <a:pPr algn="ctr">
+              <a:lnSpc>
+                <a:spcPct val="80000"/>
+              </a:lnSpc>
+            </a:pPr>
+            <a:r>
+              <a:rPr kumimoji="1" lang="zh-CN" altLang="en-US" sz="1100" dirty="0">
+                <a:latin typeface="微软雅黑" panose="020B0503020204020204" pitchFamily="34" charset="-122"/>
+                <a:ea typeface="微软雅黑" panose="020B0503020204020204" pitchFamily="34" charset="-122"/>
+                <a:cs typeface="微软雅黑"/>
+              </a:rPr>
+              <a:t>订单管理</a:t>
+            </a:r>
+          </a:p>
+        </p:txBody>
+      </p:sp>
+      <p:sp>
+        <p:nvSpPr>
+          <p:cNvPr id="9" name="文本框 8">
+            <a:extLst>
+              <a:ext uri="{FF2B5EF4-FFF2-40B4-BE49-F238E27FC236}">
+                <a16:creationId xmlns:a16="http://schemas.microsoft.com/office/drawing/2014/main" id="{DBA15883-F84D-4058-B75A-263E05B80820}"/>
+              </a:ext>
+            </a:extLst>
+          </p:cNvPr>
+          <p:cNvSpPr txBox="1"/>
+          <p:nvPr/>
+        </p:nvSpPr>
+        <p:spPr>
+          <a:xfrm>
+            <a:off x="1411135" y="1914332"/>
+            <a:ext cx="1167517" cy="227755"/>
+          </a:xfrm>
+          <a:prstGeom prst="rect">
+            <a:avLst/>
+          </a:prstGeom>
+          <a:noFill/>
+        </p:spPr>
+        <p:txBody>
+          <a:bodyPr wrap="square" rtlCol="0">
+            <a:spAutoFit/>
+          </a:bodyPr>
+          <a:lstStyle/>
+          <a:p>
+            <a:pPr algn="ctr">
+              <a:lnSpc>
+                <a:spcPct val="80000"/>
+              </a:lnSpc>
+            </a:pPr>
+            <a:r>
+              <a:rPr kumimoji="1" lang="zh-CN" altLang="en-US" sz="1100" dirty="0">
+                <a:latin typeface="微软雅黑" panose="020B0503020204020204" pitchFamily="34" charset="-122"/>
+                <a:ea typeface="微软雅黑" panose="020B0503020204020204" pitchFamily="34" charset="-122"/>
+                <a:cs typeface="微软雅黑"/>
+              </a:rPr>
+              <a:t>挪车码</a:t>
+            </a:r>
+          </a:p>
+        </p:txBody>
+      </p:sp>
+      <p:sp>
+        <p:nvSpPr>
+          <p:cNvPr id="12" name="文本框 11">
+            <a:extLst>
+              <a:ext uri="{FF2B5EF4-FFF2-40B4-BE49-F238E27FC236}">
+                <a16:creationId xmlns:a16="http://schemas.microsoft.com/office/drawing/2014/main" id="{8D3E4B36-1182-4B86-970B-1754067656AC}"/>
+              </a:ext>
+            </a:extLst>
+          </p:cNvPr>
+          <p:cNvSpPr txBox="1"/>
+          <p:nvPr/>
+        </p:nvSpPr>
+        <p:spPr>
+          <a:xfrm>
+            <a:off x="1411135" y="2391307"/>
+            <a:ext cx="1167517" cy="227755"/>
+          </a:xfrm>
+          <a:prstGeom prst="rect">
+            <a:avLst/>
+          </a:prstGeom>
+          <a:noFill/>
+        </p:spPr>
+        <p:txBody>
+          <a:bodyPr wrap="square" rtlCol="0">
+            <a:spAutoFit/>
+          </a:bodyPr>
+          <a:lstStyle/>
+          <a:p>
+            <a:pPr algn="ctr">
+              <a:lnSpc>
+                <a:spcPct val="80000"/>
+              </a:lnSpc>
+            </a:pPr>
+            <a:r>
+              <a:rPr kumimoji="1" lang="zh-CN" altLang="en-US" sz="1100" dirty="0">
+                <a:solidFill>
+                  <a:schemeClr val="bg1"/>
+                </a:solidFill>
+                <a:latin typeface="微软雅黑" panose="020B0503020204020204" pitchFamily="34" charset="-122"/>
+                <a:ea typeface="微软雅黑" panose="020B0503020204020204" pitchFamily="34" charset="-122"/>
+                <a:cs typeface="微软雅黑"/>
+              </a:rPr>
+              <a:t>挪车记录</a:t>
             </a:r>
           </a:p>
         </p:txBody>
       </p:sp>
       <p:graphicFrame>
         <p:nvGraphicFramePr>
-          <p:cNvPr id="4" name="对象 3">
-            <a:extLst>
-              <a:ext uri="{FF2B5EF4-FFF2-40B4-BE49-F238E27FC236}">
-                <a16:creationId xmlns:a16="http://schemas.microsoft.com/office/drawing/2014/main" id="{982E357D-AD75-4C39-BF25-C44BFEAAD620}"/>
+          <p:cNvPr id="18" name="对象 17">
+            <a:extLst>
+              <a:ext uri="{FF2B5EF4-FFF2-40B4-BE49-F238E27FC236}">
+                <a16:creationId xmlns:a16="http://schemas.microsoft.com/office/drawing/2014/main" id="{A800FD33-ABE8-4407-8F6B-E3DB7700F2E8}"/>
               </a:ext>
             </a:extLst>
           </p:cNvPr>
@@ -1501,25 +8213,25 @@
           <p:nvPr>
             <p:extLst>
               <p:ext uri="{D42A27DB-BD31-4B8C-83A1-F6EECF244321}">
-                <p14:modId xmlns:p14="http://schemas.microsoft.com/office/powerpoint/2010/main" val="4242003065"/>
+                <p14:modId xmlns:p14="http://schemas.microsoft.com/office/powerpoint/2010/main" val="4034093228"/>
               </p:ext>
             </p:extLst>
           </p:nvPr>
         </p:nvGraphicFramePr>
         <p:xfrm>
-          <a:off x="4290218" y="2468563"/>
-          <a:ext cx="3611563" cy="960437"/>
+          <a:off x="3118122" y="2101588"/>
+          <a:ext cx="7948042" cy="579437"/>
         </p:xfrm>
         <a:graphic>
           <a:graphicData uri="http://schemas.openxmlformats.org/presentationml/2006/ole">
             <mc:AlternateContent xmlns:mc="http://schemas.openxmlformats.org/markup-compatibility/2006">
               <mc:Choice xmlns:v="urn:schemas-microsoft-com:vml" Requires="v">
-                <p:oleObj spid="_x0000_s5131" name="Worksheet" r:id="rId3" imgW="3611861" imgH="960268" progId="Excel.Sheet.12">
+                <p:oleObj spid="_x0000_s11294" name="Worksheet" r:id="rId3" imgW="8496438" imgH="579056" progId="Excel.Sheet.12">
                   <p:embed/>
                 </p:oleObj>
               </mc:Choice>
               <mc:Fallback>
-                <p:oleObj name="Worksheet" r:id="rId3" imgW="3611861" imgH="960268" progId="Excel.Sheet.12">
+                <p:oleObj name="Worksheet" r:id="rId3" imgW="8496438" imgH="579056" progId="Excel.Sheet.12">
                   <p:embed/>
                   <p:pic>
                     <p:nvPicPr>
@@ -1535,8 +8247,8 @@
                     </p:blipFill>
                     <p:spPr>
                       <a:xfrm>
-                        <a:off x="4290218" y="2468563"/>
-                        <a:ext cx="3611563" cy="960437"/>
+                        <a:off x="3118122" y="2101588"/>
+                        <a:ext cx="7948042" cy="579437"/>
                       </a:xfrm>
                       <a:prstGeom prst="rect">
                         <a:avLst/>
@@ -1551,10 +8263,573 @@
       </p:graphicFrame>
       <p:sp>
         <p:nvSpPr>
-          <p:cNvPr id="5" name="文本框 4">
-            <a:extLst>
-              <a:ext uri="{FF2B5EF4-FFF2-40B4-BE49-F238E27FC236}">
-                <a16:creationId xmlns:a16="http://schemas.microsoft.com/office/drawing/2014/main" id="{D672A23F-A8DA-43A9-89D1-13AC41530B2D}"/>
+          <p:cNvPr id="32" name="圆角矩形 218">
+            <a:extLst>
+              <a:ext uri="{FF2B5EF4-FFF2-40B4-BE49-F238E27FC236}">
+                <a16:creationId xmlns:a16="http://schemas.microsoft.com/office/drawing/2014/main" id="{EEAB6CAC-6AF4-46AB-835A-68002AD35B38}"/>
+              </a:ext>
+            </a:extLst>
+          </p:cNvPr>
+          <p:cNvSpPr/>
+          <p:nvPr/>
+        </p:nvSpPr>
+        <p:spPr>
+          <a:xfrm>
+            <a:off x="7853002" y="1448310"/>
+            <a:ext cx="3213165" cy="227755"/>
+          </a:xfrm>
+          <a:prstGeom prst="roundRect">
+            <a:avLst>
+              <a:gd name="adj" fmla="val 15413"/>
+            </a:avLst>
+          </a:prstGeom>
+          <a:solidFill>
+            <a:schemeClr val="bg1"/>
+          </a:solidFill>
+          <a:ln>
+            <a:solidFill>
+              <a:srgbClr val="D9D9D9"/>
+            </a:solidFill>
+          </a:ln>
+          <a:effectLst/>
+        </p:spPr>
+        <p:style>
+          <a:lnRef idx="1">
+            <a:schemeClr val="accent1"/>
+          </a:lnRef>
+          <a:fillRef idx="3">
+            <a:schemeClr val="accent1"/>
+          </a:fillRef>
+          <a:effectRef idx="2">
+            <a:schemeClr val="accent1"/>
+          </a:effectRef>
+          <a:fontRef idx="minor">
+            <a:schemeClr val="lt1"/>
+          </a:fontRef>
+        </p:style>
+        <p:txBody>
+          <a:bodyPr rtlCol="0" anchor="ctr"/>
+          <a:lstStyle/>
+          <a:p>
+            <a:pPr algn="ctr"/>
+            <a:r>
+              <a:rPr kumimoji="1" lang="zh-CN" altLang="en-US" sz="1000" dirty="0">
+                <a:solidFill>
+                  <a:schemeClr val="tx1">
+                    <a:lumMod val="50000"/>
+                    <a:lumOff val="50000"/>
+                  </a:schemeClr>
+                </a:solidFill>
+                <a:latin typeface="微软雅黑"/>
+                <a:ea typeface="微软雅黑"/>
+                <a:cs typeface="微软雅黑"/>
+              </a:rPr>
+              <a:t>过滤</a:t>
+            </a:r>
+          </a:p>
+        </p:txBody>
+      </p:sp>
+    </p:spTree>
+    <p:extLst>
+      <p:ext uri="{BB962C8B-B14F-4D97-AF65-F5344CB8AC3E}">
+        <p14:creationId xmlns:p14="http://schemas.microsoft.com/office/powerpoint/2010/main" val="108899645"/>
+      </p:ext>
+    </p:extLst>
+  </p:cSld>
+  <p:clrMapOvr>
+    <a:masterClrMapping/>
+  </p:clrMapOvr>
+</p:sld>
+</file>
+
+<file path=ppt/slides/slide7.xml><?xml version="1.0" encoding="utf-8"?>
+<p:sld xmlns:a="http://schemas.openxmlformats.org/drawingml/2006/main" xmlns:r="http://schemas.openxmlformats.org/officeDocument/2006/relationships" xmlns:p="http://schemas.openxmlformats.org/presentationml/2006/main">
+  <p:cSld>
+    <p:spTree>
+      <p:nvGrpSpPr>
+        <p:cNvPr id="1" name=""/>
+        <p:cNvGrpSpPr/>
+        <p:nvPr/>
+      </p:nvGrpSpPr>
+      <p:grpSpPr>
+        <a:xfrm>
+          <a:off x="0" y="0"/>
+          <a:ext cx="0" cy="0"/>
+          <a:chOff x="0" y="0"/>
+          <a:chExt cx="0" cy="0"/>
+        </a:xfrm>
+      </p:grpSpPr>
+      <p:sp>
+        <p:nvSpPr>
+          <p:cNvPr id="2" name="标题 1">
+            <a:extLst>
+              <a:ext uri="{FF2B5EF4-FFF2-40B4-BE49-F238E27FC236}">
+                <a16:creationId xmlns:a16="http://schemas.microsoft.com/office/drawing/2014/main" id="{5C338836-D9F2-42C8-A77D-257216397621}"/>
+              </a:ext>
+            </a:extLst>
+          </p:cNvPr>
+          <p:cNvSpPr>
+            <a:spLocks noGrp="1"/>
+          </p:cNvSpPr>
+          <p:nvPr>
+            <p:ph type="title"/>
+          </p:nvPr>
+        </p:nvSpPr>
+        <p:spPr/>
+        <p:txBody>
+          <a:bodyPr/>
+          <a:lstStyle/>
+          <a:p>
+            <a:r>
+              <a:rPr lang="zh-CN" altLang="en-US" dirty="0"/>
+              <a:t>用户管理</a:t>
+            </a:r>
+          </a:p>
+        </p:txBody>
+      </p:sp>
+      <p:sp>
+        <p:nvSpPr>
+          <p:cNvPr id="3" name="同侧圆角矩形 116">
+            <a:extLst>
+              <a:ext uri="{FF2B5EF4-FFF2-40B4-BE49-F238E27FC236}">
+                <a16:creationId xmlns:a16="http://schemas.microsoft.com/office/drawing/2014/main" id="{3DAF1249-A737-4E6D-AC69-6122261A73E1}"/>
+              </a:ext>
+            </a:extLst>
+          </p:cNvPr>
+          <p:cNvSpPr/>
+          <p:nvPr/>
+        </p:nvSpPr>
+        <p:spPr>
+          <a:xfrm rot="10800000">
+            <a:off x="1011024" y="751401"/>
+            <a:ext cx="10169951" cy="5722285"/>
+          </a:xfrm>
+          <a:prstGeom prst="round2SameRect">
+            <a:avLst>
+              <a:gd name="adj1" fmla="val 750"/>
+              <a:gd name="adj2" fmla="val 0"/>
+            </a:avLst>
+          </a:prstGeom>
+          <a:solidFill>
+            <a:schemeClr val="bg1">
+              <a:lumMod val="95000"/>
+            </a:schemeClr>
+          </a:solidFill>
+          <a:ln>
+            <a:solidFill>
+              <a:srgbClr val="F0F0F0"/>
+            </a:solidFill>
+          </a:ln>
+          <a:effectLst/>
+        </p:spPr>
+        <p:style>
+          <a:lnRef idx="1">
+            <a:schemeClr val="accent1"/>
+          </a:lnRef>
+          <a:fillRef idx="3">
+            <a:schemeClr val="accent1"/>
+          </a:fillRef>
+          <a:effectRef idx="2">
+            <a:schemeClr val="accent1"/>
+          </a:effectRef>
+          <a:fontRef idx="minor">
+            <a:schemeClr val="lt1"/>
+          </a:fontRef>
+        </p:style>
+        <p:txBody>
+          <a:bodyPr rtlCol="0" anchor="ctr"/>
+          <a:lstStyle/>
+          <a:p>
+            <a:endParaRPr lang="zh-CN" altLang="en-US" sz="1400">
+              <a:latin typeface="微软雅黑" panose="020B0503020204020204" pitchFamily="34" charset="-122"/>
+              <a:ea typeface="微软雅黑" panose="020B0503020204020204" pitchFamily="34" charset="-122"/>
+            </a:endParaRPr>
+          </a:p>
+        </p:txBody>
+      </p:sp>
+      <p:sp>
+        <p:nvSpPr>
+          <p:cNvPr id="4" name="同侧圆角矩形 130">
+            <a:extLst>
+              <a:ext uri="{FF2B5EF4-FFF2-40B4-BE49-F238E27FC236}">
+                <a16:creationId xmlns:a16="http://schemas.microsoft.com/office/drawing/2014/main" id="{C8F7F657-2BC5-43AD-A59F-36E846187208}"/>
+              </a:ext>
+            </a:extLst>
+          </p:cNvPr>
+          <p:cNvSpPr/>
+          <p:nvPr/>
+        </p:nvSpPr>
+        <p:spPr>
+          <a:xfrm rot="10800000">
+            <a:off x="1011067" y="748747"/>
+            <a:ext cx="1967658" cy="3101216"/>
+          </a:xfrm>
+          <a:prstGeom prst="round2SameRect">
+            <a:avLst>
+              <a:gd name="adj1" fmla="val 0"/>
+              <a:gd name="adj2" fmla="val 0"/>
+            </a:avLst>
+          </a:prstGeom>
+          <a:solidFill>
+            <a:schemeClr val="bg1"/>
+          </a:solidFill>
+          <a:ln>
+            <a:solidFill>
+              <a:srgbClr val="F0F0F0"/>
+            </a:solidFill>
+          </a:ln>
+          <a:effectLst/>
+        </p:spPr>
+        <p:style>
+          <a:lnRef idx="1">
+            <a:schemeClr val="accent1"/>
+          </a:lnRef>
+          <a:fillRef idx="3">
+            <a:schemeClr val="accent1"/>
+          </a:fillRef>
+          <a:effectRef idx="2">
+            <a:schemeClr val="accent1"/>
+          </a:effectRef>
+          <a:fontRef idx="minor">
+            <a:schemeClr val="lt1"/>
+          </a:fontRef>
+        </p:style>
+        <p:txBody>
+          <a:bodyPr rtlCol="0" anchor="ctr"/>
+          <a:lstStyle/>
+          <a:p>
+            <a:pPr algn="ctr"/>
+            <a:endParaRPr lang="zh-CN" altLang="en-US" sz="1400">
+              <a:latin typeface="微软雅黑" panose="020B0503020204020204" pitchFamily="34" charset="-122"/>
+              <a:ea typeface="微软雅黑" panose="020B0503020204020204" pitchFamily="34" charset="-122"/>
+            </a:endParaRPr>
+          </a:p>
+        </p:txBody>
+      </p:sp>
+      <p:cxnSp>
+        <p:nvCxnSpPr>
+          <p:cNvPr id="5" name="直接连接符 4">
+            <a:extLst>
+              <a:ext uri="{FF2B5EF4-FFF2-40B4-BE49-F238E27FC236}">
+                <a16:creationId xmlns:a16="http://schemas.microsoft.com/office/drawing/2014/main" id="{AEC2D8A1-F0E0-45E4-9922-79D366AFF1B4}"/>
+              </a:ext>
+            </a:extLst>
+          </p:cNvPr>
+          <p:cNvCxnSpPr/>
+          <p:nvPr/>
+        </p:nvCxnSpPr>
+        <p:spPr>
+          <a:xfrm>
+            <a:off x="1011067" y="1259515"/>
+            <a:ext cx="1967658" cy="0"/>
+          </a:xfrm>
+          <a:prstGeom prst="line">
+            <a:avLst/>
+          </a:prstGeom>
+          <a:ln w="3175">
+            <a:solidFill>
+              <a:srgbClr val="C4C4C7"/>
+            </a:solidFill>
+          </a:ln>
+          <a:effectLst/>
+        </p:spPr>
+        <p:style>
+          <a:lnRef idx="2">
+            <a:schemeClr val="accent1"/>
+          </a:lnRef>
+          <a:fillRef idx="0">
+            <a:schemeClr val="accent1"/>
+          </a:fillRef>
+          <a:effectRef idx="1">
+            <a:schemeClr val="accent1"/>
+          </a:effectRef>
+          <a:fontRef idx="minor">
+            <a:schemeClr val="tx1"/>
+          </a:fontRef>
+        </p:style>
+      </p:cxnSp>
+      <p:cxnSp>
+        <p:nvCxnSpPr>
+          <p:cNvPr id="6" name="直接连接符 5">
+            <a:extLst>
+              <a:ext uri="{FF2B5EF4-FFF2-40B4-BE49-F238E27FC236}">
+                <a16:creationId xmlns:a16="http://schemas.microsoft.com/office/drawing/2014/main" id="{2A916FA2-F28F-4FD4-BC04-54F766F4D0B1}"/>
+              </a:ext>
+            </a:extLst>
+          </p:cNvPr>
+          <p:cNvCxnSpPr/>
+          <p:nvPr/>
+        </p:nvCxnSpPr>
+        <p:spPr>
+          <a:xfrm>
+            <a:off x="1011067" y="1748043"/>
+            <a:ext cx="1967658" cy="0"/>
+          </a:xfrm>
+          <a:prstGeom prst="line">
+            <a:avLst/>
+          </a:prstGeom>
+          <a:ln w="3175">
+            <a:solidFill>
+              <a:srgbClr val="C4C4C7"/>
+            </a:solidFill>
+          </a:ln>
+          <a:effectLst/>
+        </p:spPr>
+        <p:style>
+          <a:lnRef idx="2">
+            <a:schemeClr val="accent1"/>
+          </a:lnRef>
+          <a:fillRef idx="0">
+            <a:schemeClr val="accent1"/>
+          </a:fillRef>
+          <a:effectRef idx="1">
+            <a:schemeClr val="accent1"/>
+          </a:effectRef>
+          <a:fontRef idx="minor">
+            <a:schemeClr val="tx1"/>
+          </a:fontRef>
+        </p:style>
+      </p:cxnSp>
+      <p:cxnSp>
+        <p:nvCxnSpPr>
+          <p:cNvPr id="7" name="直接连接符 6">
+            <a:extLst>
+              <a:ext uri="{FF2B5EF4-FFF2-40B4-BE49-F238E27FC236}">
+                <a16:creationId xmlns:a16="http://schemas.microsoft.com/office/drawing/2014/main" id="{F313FABE-BD46-417F-A146-E7302A5FC92C}"/>
+              </a:ext>
+            </a:extLst>
+          </p:cNvPr>
+          <p:cNvCxnSpPr/>
+          <p:nvPr/>
+        </p:nvCxnSpPr>
+        <p:spPr>
+          <a:xfrm>
+            <a:off x="1011067" y="2236570"/>
+            <a:ext cx="1967659" cy="0"/>
+          </a:xfrm>
+          <a:prstGeom prst="line">
+            <a:avLst/>
+          </a:prstGeom>
+          <a:ln w="3175">
+            <a:solidFill>
+              <a:srgbClr val="C4C4C7"/>
+            </a:solidFill>
+          </a:ln>
+          <a:effectLst/>
+        </p:spPr>
+        <p:style>
+          <a:lnRef idx="2">
+            <a:schemeClr val="accent1"/>
+          </a:lnRef>
+          <a:fillRef idx="0">
+            <a:schemeClr val="accent1"/>
+          </a:fillRef>
+          <a:effectRef idx="1">
+            <a:schemeClr val="accent1"/>
+          </a:effectRef>
+          <a:fontRef idx="minor">
+            <a:schemeClr val="tx1"/>
+          </a:fontRef>
+        </p:style>
+      </p:cxnSp>
+      <p:cxnSp>
+        <p:nvCxnSpPr>
+          <p:cNvPr id="8" name="直接连接符 7">
+            <a:extLst>
+              <a:ext uri="{FF2B5EF4-FFF2-40B4-BE49-F238E27FC236}">
+                <a16:creationId xmlns:a16="http://schemas.microsoft.com/office/drawing/2014/main" id="{B36CDB69-B4BF-495F-9B58-B908CF9F3C82}"/>
+              </a:ext>
+            </a:extLst>
+          </p:cNvPr>
+          <p:cNvCxnSpPr/>
+          <p:nvPr/>
+        </p:nvCxnSpPr>
+        <p:spPr>
+          <a:xfrm flipV="1">
+            <a:off x="2978725" y="773976"/>
+            <a:ext cx="1" cy="5651093"/>
+          </a:xfrm>
+          <a:prstGeom prst="line">
+            <a:avLst/>
+          </a:prstGeom>
+          <a:ln w="3175">
+            <a:solidFill>
+              <a:srgbClr val="C4C4C7"/>
+            </a:solidFill>
+          </a:ln>
+          <a:effectLst/>
+        </p:spPr>
+        <p:style>
+          <a:lnRef idx="2">
+            <a:schemeClr val="accent1"/>
+          </a:lnRef>
+          <a:fillRef idx="0">
+            <a:schemeClr val="accent1"/>
+          </a:fillRef>
+          <a:effectRef idx="1">
+            <a:schemeClr val="accent1"/>
+          </a:effectRef>
+          <a:fontRef idx="minor">
+            <a:schemeClr val="tx1"/>
+          </a:fontRef>
+        </p:style>
+      </p:cxnSp>
+      <p:cxnSp>
+        <p:nvCxnSpPr>
+          <p:cNvPr id="9" name="直接连接符 8">
+            <a:extLst>
+              <a:ext uri="{FF2B5EF4-FFF2-40B4-BE49-F238E27FC236}">
+                <a16:creationId xmlns:a16="http://schemas.microsoft.com/office/drawing/2014/main" id="{C0AD05C1-CE36-48F5-8421-4B00B06DE22C}"/>
+              </a:ext>
+            </a:extLst>
+          </p:cNvPr>
+          <p:cNvCxnSpPr/>
+          <p:nvPr/>
+        </p:nvCxnSpPr>
+        <p:spPr>
+          <a:xfrm>
+            <a:off x="1011067" y="2764003"/>
+            <a:ext cx="1967659" cy="0"/>
+          </a:xfrm>
+          <a:prstGeom prst="line">
+            <a:avLst/>
+          </a:prstGeom>
+          <a:ln w="3175">
+            <a:solidFill>
+              <a:srgbClr val="C4C4C7"/>
+            </a:solidFill>
+          </a:ln>
+          <a:effectLst/>
+        </p:spPr>
+        <p:style>
+          <a:lnRef idx="2">
+            <a:schemeClr val="accent1"/>
+          </a:lnRef>
+          <a:fillRef idx="0">
+            <a:schemeClr val="accent1"/>
+          </a:fillRef>
+          <a:effectRef idx="1">
+            <a:schemeClr val="accent1"/>
+          </a:effectRef>
+          <a:fontRef idx="minor">
+            <a:schemeClr val="tx1"/>
+          </a:fontRef>
+        </p:style>
+      </p:cxnSp>
+      <p:cxnSp>
+        <p:nvCxnSpPr>
+          <p:cNvPr id="10" name="直接连接符 9">
+            <a:extLst>
+              <a:ext uri="{FF2B5EF4-FFF2-40B4-BE49-F238E27FC236}">
+                <a16:creationId xmlns:a16="http://schemas.microsoft.com/office/drawing/2014/main" id="{FCAEB84C-B0FC-4790-835A-1D5D3B3A2536}"/>
+              </a:ext>
+            </a:extLst>
+          </p:cNvPr>
+          <p:cNvCxnSpPr/>
+          <p:nvPr/>
+        </p:nvCxnSpPr>
+        <p:spPr>
+          <a:xfrm>
+            <a:off x="1011067" y="3306989"/>
+            <a:ext cx="1967659" cy="0"/>
+          </a:xfrm>
+          <a:prstGeom prst="line">
+            <a:avLst/>
+          </a:prstGeom>
+          <a:ln w="3175">
+            <a:solidFill>
+              <a:srgbClr val="C4C4C7"/>
+            </a:solidFill>
+          </a:ln>
+          <a:effectLst/>
+        </p:spPr>
+        <p:style>
+          <a:lnRef idx="2">
+            <a:schemeClr val="accent1"/>
+          </a:lnRef>
+          <a:fillRef idx="0">
+            <a:schemeClr val="accent1"/>
+          </a:fillRef>
+          <a:effectRef idx="1">
+            <a:schemeClr val="accent1"/>
+          </a:effectRef>
+          <a:fontRef idx="minor">
+            <a:schemeClr val="tx1"/>
+          </a:fontRef>
+        </p:style>
+      </p:cxnSp>
+      <p:sp>
+        <p:nvSpPr>
+          <p:cNvPr id="12" name="圆角矩形 137">
+            <a:extLst>
+              <a:ext uri="{FF2B5EF4-FFF2-40B4-BE49-F238E27FC236}">
+                <a16:creationId xmlns:a16="http://schemas.microsoft.com/office/drawing/2014/main" id="{674EC464-4626-4015-9F9E-A7F36502276A}"/>
+              </a:ext>
+            </a:extLst>
+          </p:cNvPr>
+          <p:cNvSpPr/>
+          <p:nvPr/>
+        </p:nvSpPr>
+        <p:spPr>
+          <a:xfrm>
+            <a:off x="1009920" y="2798275"/>
+            <a:ext cx="1967701" cy="478930"/>
+          </a:xfrm>
+          <a:prstGeom prst="roundRect">
+            <a:avLst>
+              <a:gd name="adj" fmla="val 0"/>
+            </a:avLst>
+          </a:prstGeom>
+          <a:solidFill>
+            <a:srgbClr val="157EFB"/>
+          </a:solidFill>
+          <a:ln>
+            <a:noFill/>
+          </a:ln>
+          <a:effectLst/>
+        </p:spPr>
+        <p:style>
+          <a:lnRef idx="1">
+            <a:schemeClr val="accent1"/>
+          </a:lnRef>
+          <a:fillRef idx="3">
+            <a:schemeClr val="accent1"/>
+          </a:fillRef>
+          <a:effectRef idx="2">
+            <a:schemeClr val="accent1"/>
+          </a:effectRef>
+          <a:fontRef idx="minor">
+            <a:schemeClr val="lt1"/>
+          </a:fontRef>
+        </p:style>
+        <p:txBody>
+          <a:bodyPr rtlCol="0" anchor="ctr"/>
+          <a:lstStyle/>
+          <a:p>
+            <a:pPr algn="ctr"/>
+            <a:endParaRPr kumimoji="1" lang="zh-CN" altLang="en-US" sz="1400">
+              <a:ln>
+                <a:solidFill>
+                  <a:prstClr val="white">
+                    <a:lumMod val="65000"/>
+                  </a:prstClr>
+                </a:solidFill>
+              </a:ln>
+              <a:solidFill>
+                <a:schemeClr val="bg1"/>
+              </a:solidFill>
+              <a:latin typeface="微软雅黑" panose="020B0503020204020204" pitchFamily="34" charset="-122"/>
+              <a:ea typeface="微软雅黑" panose="020B0503020204020204" pitchFamily="34" charset="-122"/>
+            </a:endParaRPr>
+          </a:p>
+        </p:txBody>
+      </p:sp>
+      <p:sp>
+        <p:nvSpPr>
+          <p:cNvPr id="13" name="文本框 12">
+            <a:extLst>
+              <a:ext uri="{FF2B5EF4-FFF2-40B4-BE49-F238E27FC236}">
+                <a16:creationId xmlns:a16="http://schemas.microsoft.com/office/drawing/2014/main" id="{4F8D829F-DF10-45D7-8EC8-C372D278C6A8}"/>
               </a:ext>
             </a:extLst>
           </p:cNvPr>
@@ -1563,8 +8838,8 @@
         </p:nvSpPr>
         <p:spPr>
           <a:xfrm>
-            <a:off x="144367" y="456006"/>
-            <a:ext cx="9568069" cy="276999"/>
+            <a:off x="1411135" y="946970"/>
+            <a:ext cx="1167517" cy="227755"/>
           </a:xfrm>
           <a:prstGeom prst="rect">
             <a:avLst/>
@@ -1577,20 +8852,1522 @@
           </a:bodyPr>
           <a:lstStyle/>
           <a:p>
-            <a:r>
-              <a:rPr lang="zh-CN" altLang="en-US" sz="1200" dirty="0">
+            <a:pPr algn="ctr">
+              <a:lnSpc>
+                <a:spcPct val="80000"/>
+              </a:lnSpc>
+            </a:pPr>
+            <a:r>
+              <a:rPr kumimoji="1" lang="zh-CN" altLang="en-US" sz="1100" dirty="0">
                 <a:latin typeface="微软雅黑" panose="020B0503020204020204" pitchFamily="34" charset="-122"/>
                 <a:ea typeface="微软雅黑" panose="020B0503020204020204" pitchFamily="34" charset="-122"/>
-              </a:rPr>
-              <a:t>实体物料，可批量生成，可以过滤并导出，用于印刷</a:t>
-            </a:r>
-          </a:p>
-        </p:txBody>
-      </p:sp>
+                <a:cs typeface="微软雅黑"/>
+              </a:rPr>
+              <a:t>空码管理</a:t>
+            </a:r>
+          </a:p>
+        </p:txBody>
+      </p:sp>
+      <p:cxnSp>
+        <p:nvCxnSpPr>
+          <p:cNvPr id="14" name="直接连接符 13">
+            <a:extLst>
+              <a:ext uri="{FF2B5EF4-FFF2-40B4-BE49-F238E27FC236}">
+                <a16:creationId xmlns:a16="http://schemas.microsoft.com/office/drawing/2014/main" id="{7D6649DC-10B1-4724-89DE-FD3A760566CA}"/>
+              </a:ext>
+            </a:extLst>
+          </p:cNvPr>
+          <p:cNvCxnSpPr/>
+          <p:nvPr/>
+        </p:nvCxnSpPr>
+        <p:spPr>
+          <a:xfrm>
+            <a:off x="1012171" y="3849969"/>
+            <a:ext cx="1967659" cy="0"/>
+          </a:xfrm>
+          <a:prstGeom prst="line">
+            <a:avLst/>
+          </a:prstGeom>
+          <a:ln w="3175">
+            <a:solidFill>
+              <a:srgbClr val="C4C4C7"/>
+            </a:solidFill>
+          </a:ln>
+          <a:effectLst/>
+        </p:spPr>
+        <p:style>
+          <a:lnRef idx="2">
+            <a:schemeClr val="accent1"/>
+          </a:lnRef>
+          <a:fillRef idx="0">
+            <a:schemeClr val="accent1"/>
+          </a:fillRef>
+          <a:effectRef idx="1">
+            <a:schemeClr val="accent1"/>
+          </a:effectRef>
+          <a:fontRef idx="minor">
+            <a:schemeClr val="tx1"/>
+          </a:fontRef>
+        </p:style>
+      </p:cxnSp>
+      <p:sp>
+        <p:nvSpPr>
+          <p:cNvPr id="15" name="文本框 14">
+            <a:extLst>
+              <a:ext uri="{FF2B5EF4-FFF2-40B4-BE49-F238E27FC236}">
+                <a16:creationId xmlns:a16="http://schemas.microsoft.com/office/drawing/2014/main" id="{5BD3DD2B-00ED-4E13-91FA-7F7DC2521A3D}"/>
+              </a:ext>
+            </a:extLst>
+          </p:cNvPr>
+          <p:cNvSpPr txBox="1"/>
+          <p:nvPr/>
+        </p:nvSpPr>
+        <p:spPr>
+          <a:xfrm>
+            <a:off x="1412239" y="3487577"/>
+            <a:ext cx="1167517" cy="227755"/>
+          </a:xfrm>
+          <a:prstGeom prst="rect">
+            <a:avLst/>
+          </a:prstGeom>
+          <a:noFill/>
+        </p:spPr>
+        <p:txBody>
+          <a:bodyPr wrap="square" rtlCol="0">
+            <a:spAutoFit/>
+          </a:bodyPr>
+          <a:lstStyle/>
+          <a:p>
+            <a:pPr algn="ctr">
+              <a:lnSpc>
+                <a:spcPct val="80000"/>
+              </a:lnSpc>
+            </a:pPr>
+            <a:r>
+              <a:rPr kumimoji="1" lang="zh-CN" altLang="en-US" sz="1100" dirty="0">
+                <a:solidFill>
+                  <a:schemeClr val="tx1">
+                    <a:lumMod val="85000"/>
+                    <a:lumOff val="15000"/>
+                  </a:schemeClr>
+                </a:solidFill>
+                <a:latin typeface="微软雅黑" panose="020B0503020204020204" pitchFamily="34" charset="-122"/>
+                <a:ea typeface="微软雅黑" panose="020B0503020204020204" pitchFamily="34" charset="-122"/>
+                <a:cs typeface="微软雅黑"/>
+              </a:rPr>
+              <a:t>定价管理</a:t>
+            </a:r>
+          </a:p>
+        </p:txBody>
+      </p:sp>
+      <p:sp>
+        <p:nvSpPr>
+          <p:cNvPr id="16" name="文本框 15">
+            <a:extLst>
+              <a:ext uri="{FF2B5EF4-FFF2-40B4-BE49-F238E27FC236}">
+                <a16:creationId xmlns:a16="http://schemas.microsoft.com/office/drawing/2014/main" id="{22E000F6-9184-4DC0-A09A-6EC936930A4D}"/>
+              </a:ext>
+            </a:extLst>
+          </p:cNvPr>
+          <p:cNvSpPr txBox="1"/>
+          <p:nvPr/>
+        </p:nvSpPr>
+        <p:spPr>
+          <a:xfrm>
+            <a:off x="3093531" y="1729918"/>
+            <a:ext cx="1991027" cy="246221"/>
+          </a:xfrm>
+          <a:prstGeom prst="rect">
+            <a:avLst/>
+          </a:prstGeom>
+          <a:noFill/>
+        </p:spPr>
+        <p:txBody>
+          <a:bodyPr wrap="square" rtlCol="0">
+            <a:spAutoFit/>
+          </a:bodyPr>
+          <a:lstStyle/>
+          <a:p>
+            <a:pPr algn="l"/>
+            <a:r>
+              <a:rPr lang="zh-CN" altLang="en-US" sz="1000" dirty="0">
+                <a:latin typeface="微软雅黑" panose="020B0503020204020204" pitchFamily="34" charset="-122"/>
+                <a:ea typeface="微软雅黑" panose="020B0503020204020204" pitchFamily="34" charset="-122"/>
+              </a:rPr>
+              <a:t>共</a:t>
+            </a:r>
+            <a:r>
+              <a:rPr lang="en-US" altLang="zh-CN" sz="1000" dirty="0">
+                <a:latin typeface="微软雅黑" panose="020B0503020204020204" pitchFamily="34" charset="-122"/>
+                <a:ea typeface="微软雅黑" panose="020B0503020204020204" pitchFamily="34" charset="-122"/>
+              </a:rPr>
+              <a:t>10000</a:t>
+            </a:r>
+            <a:r>
+              <a:rPr lang="zh-CN" altLang="en-US" sz="1000" dirty="0">
+                <a:latin typeface="微软雅黑" panose="020B0503020204020204" pitchFamily="34" charset="-122"/>
+                <a:ea typeface="微软雅黑" panose="020B0503020204020204" pitchFamily="34" charset="-122"/>
+              </a:rPr>
+              <a:t>条数据</a:t>
+            </a:r>
+          </a:p>
+        </p:txBody>
+      </p:sp>
+      <p:sp>
+        <p:nvSpPr>
+          <p:cNvPr id="17" name="文本框 16">
+            <a:extLst>
+              <a:ext uri="{FF2B5EF4-FFF2-40B4-BE49-F238E27FC236}">
+                <a16:creationId xmlns:a16="http://schemas.microsoft.com/office/drawing/2014/main" id="{9FB31CAB-4AC3-4CB7-89BB-7F4375E4E3D3}"/>
+              </a:ext>
+            </a:extLst>
+          </p:cNvPr>
+          <p:cNvSpPr txBox="1"/>
+          <p:nvPr/>
+        </p:nvSpPr>
+        <p:spPr>
+          <a:xfrm>
+            <a:off x="1411135" y="1438191"/>
+            <a:ext cx="1167517" cy="227755"/>
+          </a:xfrm>
+          <a:prstGeom prst="rect">
+            <a:avLst/>
+          </a:prstGeom>
+          <a:noFill/>
+        </p:spPr>
+        <p:txBody>
+          <a:bodyPr wrap="square" rtlCol="0">
+            <a:spAutoFit/>
+          </a:bodyPr>
+          <a:lstStyle/>
+          <a:p>
+            <a:pPr algn="ctr">
+              <a:lnSpc>
+                <a:spcPct val="80000"/>
+              </a:lnSpc>
+            </a:pPr>
+            <a:r>
+              <a:rPr kumimoji="1" lang="zh-CN" altLang="en-US" sz="1100" dirty="0">
+                <a:latin typeface="微软雅黑" panose="020B0503020204020204" pitchFamily="34" charset="-122"/>
+                <a:ea typeface="微软雅黑" panose="020B0503020204020204" pitchFamily="34" charset="-122"/>
+                <a:cs typeface="微软雅黑"/>
+              </a:rPr>
+              <a:t>订单管理</a:t>
+            </a:r>
+          </a:p>
+        </p:txBody>
+      </p:sp>
+      <p:sp>
+        <p:nvSpPr>
+          <p:cNvPr id="18" name="文本框 17">
+            <a:extLst>
+              <a:ext uri="{FF2B5EF4-FFF2-40B4-BE49-F238E27FC236}">
+                <a16:creationId xmlns:a16="http://schemas.microsoft.com/office/drawing/2014/main" id="{913D4FA5-8EE6-4FBE-8604-A160F05CDE0B}"/>
+              </a:ext>
+            </a:extLst>
+          </p:cNvPr>
+          <p:cNvSpPr txBox="1"/>
+          <p:nvPr/>
+        </p:nvSpPr>
+        <p:spPr>
+          <a:xfrm>
+            <a:off x="1411135" y="1914332"/>
+            <a:ext cx="1167517" cy="227755"/>
+          </a:xfrm>
+          <a:prstGeom prst="rect">
+            <a:avLst/>
+          </a:prstGeom>
+          <a:noFill/>
+        </p:spPr>
+        <p:txBody>
+          <a:bodyPr wrap="square" rtlCol="0">
+            <a:spAutoFit/>
+          </a:bodyPr>
+          <a:lstStyle/>
+          <a:p>
+            <a:pPr algn="ctr">
+              <a:lnSpc>
+                <a:spcPct val="80000"/>
+              </a:lnSpc>
+            </a:pPr>
+            <a:r>
+              <a:rPr kumimoji="1" lang="zh-CN" altLang="en-US" sz="1100" dirty="0">
+                <a:latin typeface="微软雅黑" panose="020B0503020204020204" pitchFamily="34" charset="-122"/>
+                <a:ea typeface="微软雅黑" panose="020B0503020204020204" pitchFamily="34" charset="-122"/>
+                <a:cs typeface="微软雅黑"/>
+              </a:rPr>
+              <a:t>挪车码</a:t>
+            </a:r>
+          </a:p>
+        </p:txBody>
+      </p:sp>
+      <p:sp>
+        <p:nvSpPr>
+          <p:cNvPr id="19" name="文本框 18">
+            <a:extLst>
+              <a:ext uri="{FF2B5EF4-FFF2-40B4-BE49-F238E27FC236}">
+                <a16:creationId xmlns:a16="http://schemas.microsoft.com/office/drawing/2014/main" id="{3285E903-42B2-4EDE-96DD-12A71F061C2E}"/>
+              </a:ext>
+            </a:extLst>
+          </p:cNvPr>
+          <p:cNvSpPr txBox="1"/>
+          <p:nvPr/>
+        </p:nvSpPr>
+        <p:spPr>
+          <a:xfrm>
+            <a:off x="1411135" y="2391307"/>
+            <a:ext cx="1167517" cy="227755"/>
+          </a:xfrm>
+          <a:prstGeom prst="rect">
+            <a:avLst/>
+          </a:prstGeom>
+          <a:noFill/>
+        </p:spPr>
+        <p:txBody>
+          <a:bodyPr wrap="square" rtlCol="0">
+            <a:spAutoFit/>
+          </a:bodyPr>
+          <a:lstStyle/>
+          <a:p>
+            <a:pPr algn="ctr">
+              <a:lnSpc>
+                <a:spcPct val="80000"/>
+              </a:lnSpc>
+            </a:pPr>
+            <a:r>
+              <a:rPr kumimoji="1" lang="zh-CN" altLang="en-US" sz="1100" dirty="0">
+                <a:latin typeface="微软雅黑" panose="020B0503020204020204" pitchFamily="34" charset="-122"/>
+                <a:ea typeface="微软雅黑" panose="020B0503020204020204" pitchFamily="34" charset="-122"/>
+                <a:cs typeface="微软雅黑"/>
+              </a:rPr>
+              <a:t>挪车记录</a:t>
+            </a:r>
+          </a:p>
+        </p:txBody>
+      </p:sp>
+      <p:sp>
+        <p:nvSpPr>
+          <p:cNvPr id="11" name="文本框 10">
+            <a:extLst>
+              <a:ext uri="{FF2B5EF4-FFF2-40B4-BE49-F238E27FC236}">
+                <a16:creationId xmlns:a16="http://schemas.microsoft.com/office/drawing/2014/main" id="{E82CC0D5-25F1-4B31-92AA-0A643D0294C5}"/>
+              </a:ext>
+            </a:extLst>
+          </p:cNvPr>
+          <p:cNvSpPr txBox="1"/>
+          <p:nvPr/>
+        </p:nvSpPr>
+        <p:spPr>
+          <a:xfrm>
+            <a:off x="1411135" y="2944597"/>
+            <a:ext cx="1167517" cy="227755"/>
+          </a:xfrm>
+          <a:prstGeom prst="rect">
+            <a:avLst/>
+          </a:prstGeom>
+          <a:noFill/>
+        </p:spPr>
+        <p:txBody>
+          <a:bodyPr wrap="square" rtlCol="0">
+            <a:spAutoFit/>
+          </a:bodyPr>
+          <a:lstStyle/>
+          <a:p>
+            <a:pPr algn="ctr">
+              <a:lnSpc>
+                <a:spcPct val="80000"/>
+              </a:lnSpc>
+            </a:pPr>
+            <a:r>
+              <a:rPr kumimoji="1" lang="zh-CN" altLang="en-US" sz="1100" dirty="0">
+                <a:solidFill>
+                  <a:schemeClr val="bg1"/>
+                </a:solidFill>
+                <a:latin typeface="微软雅黑" panose="020B0503020204020204" pitchFamily="34" charset="-122"/>
+                <a:ea typeface="微软雅黑" panose="020B0503020204020204" pitchFamily="34" charset="-122"/>
+                <a:cs typeface="微软雅黑"/>
+              </a:rPr>
+              <a:t>用户管理</a:t>
+            </a:r>
+          </a:p>
+        </p:txBody>
+      </p:sp>
+      <p:sp>
+        <p:nvSpPr>
+          <p:cNvPr id="24" name="圆角矩形 218">
+            <a:extLst>
+              <a:ext uri="{FF2B5EF4-FFF2-40B4-BE49-F238E27FC236}">
+                <a16:creationId xmlns:a16="http://schemas.microsoft.com/office/drawing/2014/main" id="{B8DD980D-E6A6-408C-B42B-D5FE2801704A}"/>
+              </a:ext>
+            </a:extLst>
+          </p:cNvPr>
+          <p:cNvSpPr/>
+          <p:nvPr/>
+        </p:nvSpPr>
+        <p:spPr>
+          <a:xfrm>
+            <a:off x="7853002" y="1448310"/>
+            <a:ext cx="3213165" cy="227755"/>
+          </a:xfrm>
+          <a:prstGeom prst="roundRect">
+            <a:avLst>
+              <a:gd name="adj" fmla="val 15413"/>
+            </a:avLst>
+          </a:prstGeom>
+          <a:solidFill>
+            <a:schemeClr val="bg1"/>
+          </a:solidFill>
+          <a:ln>
+            <a:solidFill>
+              <a:srgbClr val="D9D9D9"/>
+            </a:solidFill>
+          </a:ln>
+          <a:effectLst/>
+        </p:spPr>
+        <p:style>
+          <a:lnRef idx="1">
+            <a:schemeClr val="accent1"/>
+          </a:lnRef>
+          <a:fillRef idx="3">
+            <a:schemeClr val="accent1"/>
+          </a:fillRef>
+          <a:effectRef idx="2">
+            <a:schemeClr val="accent1"/>
+          </a:effectRef>
+          <a:fontRef idx="minor">
+            <a:schemeClr val="lt1"/>
+          </a:fontRef>
+        </p:style>
+        <p:txBody>
+          <a:bodyPr rtlCol="0" anchor="ctr"/>
+          <a:lstStyle/>
+          <a:p>
+            <a:pPr algn="ctr"/>
+            <a:r>
+              <a:rPr kumimoji="1" lang="zh-CN" altLang="en-US" sz="1000" dirty="0">
+                <a:solidFill>
+                  <a:schemeClr val="tx1">
+                    <a:lumMod val="50000"/>
+                    <a:lumOff val="50000"/>
+                  </a:schemeClr>
+                </a:solidFill>
+                <a:latin typeface="微软雅黑"/>
+                <a:ea typeface="微软雅黑"/>
+                <a:cs typeface="微软雅黑"/>
+              </a:rPr>
+              <a:t>过滤</a:t>
+            </a:r>
+          </a:p>
+        </p:txBody>
+      </p:sp>
+      <p:graphicFrame>
+        <p:nvGraphicFramePr>
+          <p:cNvPr id="26" name="对象 25">
+            <a:extLst>
+              <a:ext uri="{FF2B5EF4-FFF2-40B4-BE49-F238E27FC236}">
+                <a16:creationId xmlns:a16="http://schemas.microsoft.com/office/drawing/2014/main" id="{4F42B93C-44CF-4D65-9A20-8FFD164909E0}"/>
+              </a:ext>
+            </a:extLst>
+          </p:cNvPr>
+          <p:cNvGraphicFramePr>
+            <a:graphicFrameLocks noChangeAspect="1"/>
+          </p:cNvGraphicFramePr>
+          <p:nvPr>
+            <p:extLst>
+              <p:ext uri="{D42A27DB-BD31-4B8C-83A1-F6EECF244321}">
+                <p14:modId xmlns:p14="http://schemas.microsoft.com/office/powerpoint/2010/main" val="2726955285"/>
+              </p:ext>
+            </p:extLst>
+          </p:nvPr>
+        </p:nvGraphicFramePr>
+        <p:xfrm>
+          <a:off x="3093531" y="2142087"/>
+          <a:ext cx="8486408" cy="1912937"/>
+        </p:xfrm>
+        <a:graphic>
+          <a:graphicData uri="http://schemas.openxmlformats.org/presentationml/2006/ole">
+            <mc:AlternateContent xmlns:mc="http://schemas.openxmlformats.org/markup-compatibility/2006">
+              <mc:Choice xmlns:v="urn:schemas-microsoft-com:vml" Requires="v">
+                <p:oleObj spid="_x0000_s12309" name="Worksheet" r:id="rId3" imgW="10447132" imgH="1912694" progId="Excel.Sheet.12">
+                  <p:embed/>
+                </p:oleObj>
+              </mc:Choice>
+              <mc:Fallback>
+                <p:oleObj name="Worksheet" r:id="rId3" imgW="10447132" imgH="1912694" progId="Excel.Sheet.12">
+                  <p:embed/>
+                  <p:pic>
+                    <p:nvPicPr>
+                      <p:cNvPr id="0" name=""/>
+                      <p:cNvPicPr/>
+                      <p:nvPr/>
+                    </p:nvPicPr>
+                    <p:blipFill>
+                      <a:blip r:embed="rId4"/>
+                      <a:stretch>
+                        <a:fillRect/>
+                      </a:stretch>
+                    </p:blipFill>
+                    <p:spPr>
+                      <a:xfrm>
+                        <a:off x="3093531" y="2142087"/>
+                        <a:ext cx="8486408" cy="1912937"/>
+                      </a:xfrm>
+                      <a:prstGeom prst="rect">
+                        <a:avLst/>
+                      </a:prstGeom>
+                    </p:spPr>
+                  </p:pic>
+                </p:oleObj>
+              </mc:Fallback>
+            </mc:AlternateContent>
+          </a:graphicData>
+        </a:graphic>
+      </p:graphicFrame>
     </p:spTree>
     <p:extLst>
       <p:ext uri="{BB962C8B-B14F-4D97-AF65-F5344CB8AC3E}">
-        <p14:creationId xmlns:p14="http://schemas.microsoft.com/office/powerpoint/2010/main" val="952031707"/>
+        <p14:creationId xmlns:p14="http://schemas.microsoft.com/office/powerpoint/2010/main" val="216284370"/>
+      </p:ext>
+    </p:extLst>
+  </p:cSld>
+  <p:clrMapOvr>
+    <a:masterClrMapping/>
+  </p:clrMapOvr>
+</p:sld>
+</file>
+
+<file path=ppt/slides/slide8.xml><?xml version="1.0" encoding="utf-8"?>
+<p:sld xmlns:a="http://schemas.openxmlformats.org/drawingml/2006/main" xmlns:r="http://schemas.openxmlformats.org/officeDocument/2006/relationships" xmlns:p="http://schemas.openxmlformats.org/presentationml/2006/main">
+  <p:cSld>
+    <p:spTree>
+      <p:nvGrpSpPr>
+        <p:cNvPr id="1" name=""/>
+        <p:cNvGrpSpPr/>
+        <p:nvPr/>
+      </p:nvGrpSpPr>
+      <p:grpSpPr>
+        <a:xfrm>
+          <a:off x="0" y="0"/>
+          <a:ext cx="0" cy="0"/>
+          <a:chOff x="0" y="0"/>
+          <a:chExt cx="0" cy="0"/>
+        </a:xfrm>
+      </p:grpSpPr>
+      <p:sp>
+        <p:nvSpPr>
+          <p:cNvPr id="2" name="标题 1">
+            <a:extLst>
+              <a:ext uri="{FF2B5EF4-FFF2-40B4-BE49-F238E27FC236}">
+                <a16:creationId xmlns:a16="http://schemas.microsoft.com/office/drawing/2014/main" id="{5C338836-D9F2-42C8-A77D-257216397621}"/>
+              </a:ext>
+            </a:extLst>
+          </p:cNvPr>
+          <p:cNvSpPr>
+            <a:spLocks noGrp="1"/>
+          </p:cNvSpPr>
+          <p:nvPr>
+            <p:ph type="title"/>
+          </p:nvPr>
+        </p:nvSpPr>
+        <p:spPr/>
+        <p:txBody>
+          <a:bodyPr/>
+          <a:lstStyle/>
+          <a:p>
+            <a:r>
+              <a:rPr lang="zh-CN" altLang="en-US" dirty="0"/>
+              <a:t>用户管理</a:t>
+            </a:r>
+          </a:p>
+        </p:txBody>
+      </p:sp>
+      <p:sp>
+        <p:nvSpPr>
+          <p:cNvPr id="3" name="同侧圆角矩形 116">
+            <a:extLst>
+              <a:ext uri="{FF2B5EF4-FFF2-40B4-BE49-F238E27FC236}">
+                <a16:creationId xmlns:a16="http://schemas.microsoft.com/office/drawing/2014/main" id="{3DAF1249-A737-4E6D-AC69-6122261A73E1}"/>
+              </a:ext>
+            </a:extLst>
+          </p:cNvPr>
+          <p:cNvSpPr/>
+          <p:nvPr/>
+        </p:nvSpPr>
+        <p:spPr>
+          <a:xfrm rot="10800000">
+            <a:off x="1011024" y="751401"/>
+            <a:ext cx="10169951" cy="5722285"/>
+          </a:xfrm>
+          <a:prstGeom prst="round2SameRect">
+            <a:avLst>
+              <a:gd name="adj1" fmla="val 750"/>
+              <a:gd name="adj2" fmla="val 0"/>
+            </a:avLst>
+          </a:prstGeom>
+          <a:solidFill>
+            <a:schemeClr val="bg1">
+              <a:lumMod val="95000"/>
+            </a:schemeClr>
+          </a:solidFill>
+          <a:ln>
+            <a:solidFill>
+              <a:srgbClr val="F0F0F0"/>
+            </a:solidFill>
+          </a:ln>
+          <a:effectLst/>
+        </p:spPr>
+        <p:style>
+          <a:lnRef idx="1">
+            <a:schemeClr val="accent1"/>
+          </a:lnRef>
+          <a:fillRef idx="3">
+            <a:schemeClr val="accent1"/>
+          </a:fillRef>
+          <a:effectRef idx="2">
+            <a:schemeClr val="accent1"/>
+          </a:effectRef>
+          <a:fontRef idx="minor">
+            <a:schemeClr val="lt1"/>
+          </a:fontRef>
+        </p:style>
+        <p:txBody>
+          <a:bodyPr rtlCol="0" anchor="ctr"/>
+          <a:lstStyle/>
+          <a:p>
+            <a:endParaRPr lang="zh-CN" altLang="en-US" sz="1400">
+              <a:latin typeface="微软雅黑" panose="020B0503020204020204" pitchFamily="34" charset="-122"/>
+              <a:ea typeface="微软雅黑" panose="020B0503020204020204" pitchFamily="34" charset="-122"/>
+            </a:endParaRPr>
+          </a:p>
+        </p:txBody>
+      </p:sp>
+      <p:sp>
+        <p:nvSpPr>
+          <p:cNvPr id="4" name="同侧圆角矩形 130">
+            <a:extLst>
+              <a:ext uri="{FF2B5EF4-FFF2-40B4-BE49-F238E27FC236}">
+                <a16:creationId xmlns:a16="http://schemas.microsoft.com/office/drawing/2014/main" id="{C8F7F657-2BC5-43AD-A59F-36E846187208}"/>
+              </a:ext>
+            </a:extLst>
+          </p:cNvPr>
+          <p:cNvSpPr/>
+          <p:nvPr/>
+        </p:nvSpPr>
+        <p:spPr>
+          <a:xfrm rot="10800000">
+            <a:off x="1011067" y="748747"/>
+            <a:ext cx="1967658" cy="3101216"/>
+          </a:xfrm>
+          <a:prstGeom prst="round2SameRect">
+            <a:avLst>
+              <a:gd name="adj1" fmla="val 0"/>
+              <a:gd name="adj2" fmla="val 0"/>
+            </a:avLst>
+          </a:prstGeom>
+          <a:solidFill>
+            <a:schemeClr val="bg1"/>
+          </a:solidFill>
+          <a:ln>
+            <a:solidFill>
+              <a:srgbClr val="F0F0F0"/>
+            </a:solidFill>
+          </a:ln>
+          <a:effectLst/>
+        </p:spPr>
+        <p:style>
+          <a:lnRef idx="1">
+            <a:schemeClr val="accent1"/>
+          </a:lnRef>
+          <a:fillRef idx="3">
+            <a:schemeClr val="accent1"/>
+          </a:fillRef>
+          <a:effectRef idx="2">
+            <a:schemeClr val="accent1"/>
+          </a:effectRef>
+          <a:fontRef idx="minor">
+            <a:schemeClr val="lt1"/>
+          </a:fontRef>
+        </p:style>
+        <p:txBody>
+          <a:bodyPr rtlCol="0" anchor="ctr"/>
+          <a:lstStyle/>
+          <a:p>
+            <a:pPr algn="ctr"/>
+            <a:endParaRPr lang="zh-CN" altLang="en-US" sz="1400">
+              <a:latin typeface="微软雅黑" panose="020B0503020204020204" pitchFamily="34" charset="-122"/>
+              <a:ea typeface="微软雅黑" panose="020B0503020204020204" pitchFamily="34" charset="-122"/>
+            </a:endParaRPr>
+          </a:p>
+        </p:txBody>
+      </p:sp>
+      <p:cxnSp>
+        <p:nvCxnSpPr>
+          <p:cNvPr id="5" name="直接连接符 4">
+            <a:extLst>
+              <a:ext uri="{FF2B5EF4-FFF2-40B4-BE49-F238E27FC236}">
+                <a16:creationId xmlns:a16="http://schemas.microsoft.com/office/drawing/2014/main" id="{AEC2D8A1-F0E0-45E4-9922-79D366AFF1B4}"/>
+              </a:ext>
+            </a:extLst>
+          </p:cNvPr>
+          <p:cNvCxnSpPr/>
+          <p:nvPr/>
+        </p:nvCxnSpPr>
+        <p:spPr>
+          <a:xfrm>
+            <a:off x="1011067" y="1259515"/>
+            <a:ext cx="1967658" cy="0"/>
+          </a:xfrm>
+          <a:prstGeom prst="line">
+            <a:avLst/>
+          </a:prstGeom>
+          <a:ln w="3175">
+            <a:solidFill>
+              <a:srgbClr val="C4C4C7"/>
+            </a:solidFill>
+          </a:ln>
+          <a:effectLst/>
+        </p:spPr>
+        <p:style>
+          <a:lnRef idx="2">
+            <a:schemeClr val="accent1"/>
+          </a:lnRef>
+          <a:fillRef idx="0">
+            <a:schemeClr val="accent1"/>
+          </a:fillRef>
+          <a:effectRef idx="1">
+            <a:schemeClr val="accent1"/>
+          </a:effectRef>
+          <a:fontRef idx="minor">
+            <a:schemeClr val="tx1"/>
+          </a:fontRef>
+        </p:style>
+      </p:cxnSp>
+      <p:cxnSp>
+        <p:nvCxnSpPr>
+          <p:cNvPr id="6" name="直接连接符 5">
+            <a:extLst>
+              <a:ext uri="{FF2B5EF4-FFF2-40B4-BE49-F238E27FC236}">
+                <a16:creationId xmlns:a16="http://schemas.microsoft.com/office/drawing/2014/main" id="{2A916FA2-F28F-4FD4-BC04-54F766F4D0B1}"/>
+              </a:ext>
+            </a:extLst>
+          </p:cNvPr>
+          <p:cNvCxnSpPr/>
+          <p:nvPr/>
+        </p:nvCxnSpPr>
+        <p:spPr>
+          <a:xfrm>
+            <a:off x="1011067" y="1748043"/>
+            <a:ext cx="1967658" cy="0"/>
+          </a:xfrm>
+          <a:prstGeom prst="line">
+            <a:avLst/>
+          </a:prstGeom>
+          <a:ln w="3175">
+            <a:solidFill>
+              <a:srgbClr val="C4C4C7"/>
+            </a:solidFill>
+          </a:ln>
+          <a:effectLst/>
+        </p:spPr>
+        <p:style>
+          <a:lnRef idx="2">
+            <a:schemeClr val="accent1"/>
+          </a:lnRef>
+          <a:fillRef idx="0">
+            <a:schemeClr val="accent1"/>
+          </a:fillRef>
+          <a:effectRef idx="1">
+            <a:schemeClr val="accent1"/>
+          </a:effectRef>
+          <a:fontRef idx="minor">
+            <a:schemeClr val="tx1"/>
+          </a:fontRef>
+        </p:style>
+      </p:cxnSp>
+      <p:cxnSp>
+        <p:nvCxnSpPr>
+          <p:cNvPr id="7" name="直接连接符 6">
+            <a:extLst>
+              <a:ext uri="{FF2B5EF4-FFF2-40B4-BE49-F238E27FC236}">
+                <a16:creationId xmlns:a16="http://schemas.microsoft.com/office/drawing/2014/main" id="{F313FABE-BD46-417F-A146-E7302A5FC92C}"/>
+              </a:ext>
+            </a:extLst>
+          </p:cNvPr>
+          <p:cNvCxnSpPr/>
+          <p:nvPr/>
+        </p:nvCxnSpPr>
+        <p:spPr>
+          <a:xfrm>
+            <a:off x="1011067" y="2236570"/>
+            <a:ext cx="1967659" cy="0"/>
+          </a:xfrm>
+          <a:prstGeom prst="line">
+            <a:avLst/>
+          </a:prstGeom>
+          <a:ln w="3175">
+            <a:solidFill>
+              <a:srgbClr val="C4C4C7"/>
+            </a:solidFill>
+          </a:ln>
+          <a:effectLst/>
+        </p:spPr>
+        <p:style>
+          <a:lnRef idx="2">
+            <a:schemeClr val="accent1"/>
+          </a:lnRef>
+          <a:fillRef idx="0">
+            <a:schemeClr val="accent1"/>
+          </a:fillRef>
+          <a:effectRef idx="1">
+            <a:schemeClr val="accent1"/>
+          </a:effectRef>
+          <a:fontRef idx="minor">
+            <a:schemeClr val="tx1"/>
+          </a:fontRef>
+        </p:style>
+      </p:cxnSp>
+      <p:cxnSp>
+        <p:nvCxnSpPr>
+          <p:cNvPr id="8" name="直接连接符 7">
+            <a:extLst>
+              <a:ext uri="{FF2B5EF4-FFF2-40B4-BE49-F238E27FC236}">
+                <a16:creationId xmlns:a16="http://schemas.microsoft.com/office/drawing/2014/main" id="{B36CDB69-B4BF-495F-9B58-B908CF9F3C82}"/>
+              </a:ext>
+            </a:extLst>
+          </p:cNvPr>
+          <p:cNvCxnSpPr/>
+          <p:nvPr/>
+        </p:nvCxnSpPr>
+        <p:spPr>
+          <a:xfrm flipV="1">
+            <a:off x="2978725" y="773976"/>
+            <a:ext cx="1" cy="5651093"/>
+          </a:xfrm>
+          <a:prstGeom prst="line">
+            <a:avLst/>
+          </a:prstGeom>
+          <a:ln w="3175">
+            <a:solidFill>
+              <a:srgbClr val="C4C4C7"/>
+            </a:solidFill>
+          </a:ln>
+          <a:effectLst/>
+        </p:spPr>
+        <p:style>
+          <a:lnRef idx="2">
+            <a:schemeClr val="accent1"/>
+          </a:lnRef>
+          <a:fillRef idx="0">
+            <a:schemeClr val="accent1"/>
+          </a:fillRef>
+          <a:effectRef idx="1">
+            <a:schemeClr val="accent1"/>
+          </a:effectRef>
+          <a:fontRef idx="minor">
+            <a:schemeClr val="tx1"/>
+          </a:fontRef>
+        </p:style>
+      </p:cxnSp>
+      <p:cxnSp>
+        <p:nvCxnSpPr>
+          <p:cNvPr id="9" name="直接连接符 8">
+            <a:extLst>
+              <a:ext uri="{FF2B5EF4-FFF2-40B4-BE49-F238E27FC236}">
+                <a16:creationId xmlns:a16="http://schemas.microsoft.com/office/drawing/2014/main" id="{C0AD05C1-CE36-48F5-8421-4B00B06DE22C}"/>
+              </a:ext>
+            </a:extLst>
+          </p:cNvPr>
+          <p:cNvCxnSpPr/>
+          <p:nvPr/>
+        </p:nvCxnSpPr>
+        <p:spPr>
+          <a:xfrm>
+            <a:off x="1011067" y="2764003"/>
+            <a:ext cx="1967659" cy="0"/>
+          </a:xfrm>
+          <a:prstGeom prst="line">
+            <a:avLst/>
+          </a:prstGeom>
+          <a:ln w="3175">
+            <a:solidFill>
+              <a:srgbClr val="C4C4C7"/>
+            </a:solidFill>
+          </a:ln>
+          <a:effectLst/>
+        </p:spPr>
+        <p:style>
+          <a:lnRef idx="2">
+            <a:schemeClr val="accent1"/>
+          </a:lnRef>
+          <a:fillRef idx="0">
+            <a:schemeClr val="accent1"/>
+          </a:fillRef>
+          <a:effectRef idx="1">
+            <a:schemeClr val="accent1"/>
+          </a:effectRef>
+          <a:fontRef idx="minor">
+            <a:schemeClr val="tx1"/>
+          </a:fontRef>
+        </p:style>
+      </p:cxnSp>
+      <p:cxnSp>
+        <p:nvCxnSpPr>
+          <p:cNvPr id="10" name="直接连接符 9">
+            <a:extLst>
+              <a:ext uri="{FF2B5EF4-FFF2-40B4-BE49-F238E27FC236}">
+                <a16:creationId xmlns:a16="http://schemas.microsoft.com/office/drawing/2014/main" id="{FCAEB84C-B0FC-4790-835A-1D5D3B3A2536}"/>
+              </a:ext>
+            </a:extLst>
+          </p:cNvPr>
+          <p:cNvCxnSpPr/>
+          <p:nvPr/>
+        </p:nvCxnSpPr>
+        <p:spPr>
+          <a:xfrm>
+            <a:off x="1011067" y="3306989"/>
+            <a:ext cx="1967659" cy="0"/>
+          </a:xfrm>
+          <a:prstGeom prst="line">
+            <a:avLst/>
+          </a:prstGeom>
+          <a:ln w="3175">
+            <a:solidFill>
+              <a:srgbClr val="C4C4C7"/>
+            </a:solidFill>
+          </a:ln>
+          <a:effectLst/>
+        </p:spPr>
+        <p:style>
+          <a:lnRef idx="2">
+            <a:schemeClr val="accent1"/>
+          </a:lnRef>
+          <a:fillRef idx="0">
+            <a:schemeClr val="accent1"/>
+          </a:fillRef>
+          <a:effectRef idx="1">
+            <a:schemeClr val="accent1"/>
+          </a:effectRef>
+          <a:fontRef idx="minor">
+            <a:schemeClr val="tx1"/>
+          </a:fontRef>
+        </p:style>
+      </p:cxnSp>
+      <p:sp>
+        <p:nvSpPr>
+          <p:cNvPr id="12" name="圆角矩形 137">
+            <a:extLst>
+              <a:ext uri="{FF2B5EF4-FFF2-40B4-BE49-F238E27FC236}">
+                <a16:creationId xmlns:a16="http://schemas.microsoft.com/office/drawing/2014/main" id="{674EC464-4626-4015-9F9E-A7F36502276A}"/>
+              </a:ext>
+            </a:extLst>
+          </p:cNvPr>
+          <p:cNvSpPr/>
+          <p:nvPr/>
+        </p:nvSpPr>
+        <p:spPr>
+          <a:xfrm>
+            <a:off x="1011024" y="3329566"/>
+            <a:ext cx="1967701" cy="478930"/>
+          </a:xfrm>
+          <a:prstGeom prst="roundRect">
+            <a:avLst>
+              <a:gd name="adj" fmla="val 0"/>
+            </a:avLst>
+          </a:prstGeom>
+          <a:solidFill>
+            <a:srgbClr val="157EFB"/>
+          </a:solidFill>
+          <a:ln>
+            <a:noFill/>
+          </a:ln>
+          <a:effectLst/>
+        </p:spPr>
+        <p:style>
+          <a:lnRef idx="1">
+            <a:schemeClr val="accent1"/>
+          </a:lnRef>
+          <a:fillRef idx="3">
+            <a:schemeClr val="accent1"/>
+          </a:fillRef>
+          <a:effectRef idx="2">
+            <a:schemeClr val="accent1"/>
+          </a:effectRef>
+          <a:fontRef idx="minor">
+            <a:schemeClr val="lt1"/>
+          </a:fontRef>
+        </p:style>
+        <p:txBody>
+          <a:bodyPr rtlCol="0" anchor="ctr"/>
+          <a:lstStyle/>
+          <a:p>
+            <a:pPr algn="ctr"/>
+            <a:endParaRPr kumimoji="1" lang="zh-CN" altLang="en-US" sz="1400">
+              <a:ln>
+                <a:solidFill>
+                  <a:prstClr val="white">
+                    <a:lumMod val="65000"/>
+                  </a:prstClr>
+                </a:solidFill>
+              </a:ln>
+              <a:solidFill>
+                <a:schemeClr val="bg1"/>
+              </a:solidFill>
+              <a:latin typeface="微软雅黑" panose="020B0503020204020204" pitchFamily="34" charset="-122"/>
+              <a:ea typeface="微软雅黑" panose="020B0503020204020204" pitchFamily="34" charset="-122"/>
+            </a:endParaRPr>
+          </a:p>
+        </p:txBody>
+      </p:sp>
+      <p:sp>
+        <p:nvSpPr>
+          <p:cNvPr id="13" name="文本框 12">
+            <a:extLst>
+              <a:ext uri="{FF2B5EF4-FFF2-40B4-BE49-F238E27FC236}">
+                <a16:creationId xmlns:a16="http://schemas.microsoft.com/office/drawing/2014/main" id="{4F8D829F-DF10-45D7-8EC8-C372D278C6A8}"/>
+              </a:ext>
+            </a:extLst>
+          </p:cNvPr>
+          <p:cNvSpPr txBox="1"/>
+          <p:nvPr/>
+        </p:nvSpPr>
+        <p:spPr>
+          <a:xfrm>
+            <a:off x="1411135" y="946970"/>
+            <a:ext cx="1167517" cy="227755"/>
+          </a:xfrm>
+          <a:prstGeom prst="rect">
+            <a:avLst/>
+          </a:prstGeom>
+          <a:noFill/>
+        </p:spPr>
+        <p:txBody>
+          <a:bodyPr wrap="square" rtlCol="0">
+            <a:spAutoFit/>
+          </a:bodyPr>
+          <a:lstStyle/>
+          <a:p>
+            <a:pPr algn="ctr">
+              <a:lnSpc>
+                <a:spcPct val="80000"/>
+              </a:lnSpc>
+            </a:pPr>
+            <a:r>
+              <a:rPr kumimoji="1" lang="zh-CN" altLang="en-US" sz="1100" dirty="0">
+                <a:latin typeface="微软雅黑" panose="020B0503020204020204" pitchFamily="34" charset="-122"/>
+                <a:ea typeface="微软雅黑" panose="020B0503020204020204" pitchFamily="34" charset="-122"/>
+                <a:cs typeface="微软雅黑"/>
+              </a:rPr>
+              <a:t>空码管理</a:t>
+            </a:r>
+          </a:p>
+        </p:txBody>
+      </p:sp>
+      <p:cxnSp>
+        <p:nvCxnSpPr>
+          <p:cNvPr id="14" name="直接连接符 13">
+            <a:extLst>
+              <a:ext uri="{FF2B5EF4-FFF2-40B4-BE49-F238E27FC236}">
+                <a16:creationId xmlns:a16="http://schemas.microsoft.com/office/drawing/2014/main" id="{7D6649DC-10B1-4724-89DE-FD3A760566CA}"/>
+              </a:ext>
+            </a:extLst>
+          </p:cNvPr>
+          <p:cNvCxnSpPr/>
+          <p:nvPr/>
+        </p:nvCxnSpPr>
+        <p:spPr>
+          <a:xfrm>
+            <a:off x="1012171" y="3849969"/>
+            <a:ext cx="1967659" cy="0"/>
+          </a:xfrm>
+          <a:prstGeom prst="line">
+            <a:avLst/>
+          </a:prstGeom>
+          <a:ln w="3175">
+            <a:solidFill>
+              <a:srgbClr val="C4C4C7"/>
+            </a:solidFill>
+          </a:ln>
+          <a:effectLst/>
+        </p:spPr>
+        <p:style>
+          <a:lnRef idx="2">
+            <a:schemeClr val="accent1"/>
+          </a:lnRef>
+          <a:fillRef idx="0">
+            <a:schemeClr val="accent1"/>
+          </a:fillRef>
+          <a:effectRef idx="1">
+            <a:schemeClr val="accent1"/>
+          </a:effectRef>
+          <a:fontRef idx="minor">
+            <a:schemeClr val="tx1"/>
+          </a:fontRef>
+        </p:style>
+      </p:cxnSp>
+      <p:sp>
+        <p:nvSpPr>
+          <p:cNvPr id="17" name="文本框 16">
+            <a:extLst>
+              <a:ext uri="{FF2B5EF4-FFF2-40B4-BE49-F238E27FC236}">
+                <a16:creationId xmlns:a16="http://schemas.microsoft.com/office/drawing/2014/main" id="{9FB31CAB-4AC3-4CB7-89BB-7F4375E4E3D3}"/>
+              </a:ext>
+            </a:extLst>
+          </p:cNvPr>
+          <p:cNvSpPr txBox="1"/>
+          <p:nvPr/>
+        </p:nvSpPr>
+        <p:spPr>
+          <a:xfrm>
+            <a:off x="1411135" y="1438191"/>
+            <a:ext cx="1167517" cy="227755"/>
+          </a:xfrm>
+          <a:prstGeom prst="rect">
+            <a:avLst/>
+          </a:prstGeom>
+          <a:noFill/>
+        </p:spPr>
+        <p:txBody>
+          <a:bodyPr wrap="square" rtlCol="0">
+            <a:spAutoFit/>
+          </a:bodyPr>
+          <a:lstStyle/>
+          <a:p>
+            <a:pPr algn="ctr">
+              <a:lnSpc>
+                <a:spcPct val="80000"/>
+              </a:lnSpc>
+            </a:pPr>
+            <a:r>
+              <a:rPr kumimoji="1" lang="zh-CN" altLang="en-US" sz="1100" dirty="0">
+                <a:latin typeface="微软雅黑" panose="020B0503020204020204" pitchFamily="34" charset="-122"/>
+                <a:ea typeface="微软雅黑" panose="020B0503020204020204" pitchFamily="34" charset="-122"/>
+                <a:cs typeface="微软雅黑"/>
+              </a:rPr>
+              <a:t>订单管理</a:t>
+            </a:r>
+          </a:p>
+        </p:txBody>
+      </p:sp>
+      <p:sp>
+        <p:nvSpPr>
+          <p:cNvPr id="18" name="文本框 17">
+            <a:extLst>
+              <a:ext uri="{FF2B5EF4-FFF2-40B4-BE49-F238E27FC236}">
+                <a16:creationId xmlns:a16="http://schemas.microsoft.com/office/drawing/2014/main" id="{913D4FA5-8EE6-4FBE-8604-A160F05CDE0B}"/>
+              </a:ext>
+            </a:extLst>
+          </p:cNvPr>
+          <p:cNvSpPr txBox="1"/>
+          <p:nvPr/>
+        </p:nvSpPr>
+        <p:spPr>
+          <a:xfrm>
+            <a:off x="1411135" y="1914332"/>
+            <a:ext cx="1167517" cy="227755"/>
+          </a:xfrm>
+          <a:prstGeom prst="rect">
+            <a:avLst/>
+          </a:prstGeom>
+          <a:noFill/>
+        </p:spPr>
+        <p:txBody>
+          <a:bodyPr wrap="square" rtlCol="0">
+            <a:spAutoFit/>
+          </a:bodyPr>
+          <a:lstStyle/>
+          <a:p>
+            <a:pPr algn="ctr">
+              <a:lnSpc>
+                <a:spcPct val="80000"/>
+              </a:lnSpc>
+            </a:pPr>
+            <a:r>
+              <a:rPr kumimoji="1" lang="zh-CN" altLang="en-US" sz="1100" dirty="0">
+                <a:latin typeface="微软雅黑" panose="020B0503020204020204" pitchFamily="34" charset="-122"/>
+                <a:ea typeface="微软雅黑" panose="020B0503020204020204" pitchFamily="34" charset="-122"/>
+                <a:cs typeface="微软雅黑"/>
+              </a:rPr>
+              <a:t>挪车码</a:t>
+            </a:r>
+          </a:p>
+        </p:txBody>
+      </p:sp>
+      <p:sp>
+        <p:nvSpPr>
+          <p:cNvPr id="19" name="文本框 18">
+            <a:extLst>
+              <a:ext uri="{FF2B5EF4-FFF2-40B4-BE49-F238E27FC236}">
+                <a16:creationId xmlns:a16="http://schemas.microsoft.com/office/drawing/2014/main" id="{3285E903-42B2-4EDE-96DD-12A71F061C2E}"/>
+              </a:ext>
+            </a:extLst>
+          </p:cNvPr>
+          <p:cNvSpPr txBox="1"/>
+          <p:nvPr/>
+        </p:nvSpPr>
+        <p:spPr>
+          <a:xfrm>
+            <a:off x="1411135" y="2391307"/>
+            <a:ext cx="1167517" cy="227755"/>
+          </a:xfrm>
+          <a:prstGeom prst="rect">
+            <a:avLst/>
+          </a:prstGeom>
+          <a:noFill/>
+        </p:spPr>
+        <p:txBody>
+          <a:bodyPr wrap="square" rtlCol="0">
+            <a:spAutoFit/>
+          </a:bodyPr>
+          <a:lstStyle/>
+          <a:p>
+            <a:pPr algn="ctr">
+              <a:lnSpc>
+                <a:spcPct val="80000"/>
+              </a:lnSpc>
+            </a:pPr>
+            <a:r>
+              <a:rPr kumimoji="1" lang="zh-CN" altLang="en-US" sz="1100" dirty="0">
+                <a:latin typeface="微软雅黑" panose="020B0503020204020204" pitchFamily="34" charset="-122"/>
+                <a:ea typeface="微软雅黑" panose="020B0503020204020204" pitchFamily="34" charset="-122"/>
+                <a:cs typeface="微软雅黑"/>
+              </a:rPr>
+              <a:t>挪车记录</a:t>
+            </a:r>
+          </a:p>
+        </p:txBody>
+      </p:sp>
+      <p:sp>
+        <p:nvSpPr>
+          <p:cNvPr id="11" name="文本框 10">
+            <a:extLst>
+              <a:ext uri="{FF2B5EF4-FFF2-40B4-BE49-F238E27FC236}">
+                <a16:creationId xmlns:a16="http://schemas.microsoft.com/office/drawing/2014/main" id="{E82CC0D5-25F1-4B31-92AA-0A643D0294C5}"/>
+              </a:ext>
+            </a:extLst>
+          </p:cNvPr>
+          <p:cNvSpPr txBox="1"/>
+          <p:nvPr/>
+        </p:nvSpPr>
+        <p:spPr>
+          <a:xfrm>
+            <a:off x="1411135" y="2944597"/>
+            <a:ext cx="1167517" cy="227755"/>
+          </a:xfrm>
+          <a:prstGeom prst="rect">
+            <a:avLst/>
+          </a:prstGeom>
+          <a:noFill/>
+        </p:spPr>
+        <p:txBody>
+          <a:bodyPr wrap="square" rtlCol="0">
+            <a:spAutoFit/>
+          </a:bodyPr>
+          <a:lstStyle/>
+          <a:p>
+            <a:pPr algn="ctr">
+              <a:lnSpc>
+                <a:spcPct val="80000"/>
+              </a:lnSpc>
+            </a:pPr>
+            <a:r>
+              <a:rPr kumimoji="1" lang="zh-CN" altLang="en-US" sz="1100" dirty="0">
+                <a:latin typeface="微软雅黑" panose="020B0503020204020204" pitchFamily="34" charset="-122"/>
+                <a:ea typeface="微软雅黑" panose="020B0503020204020204" pitchFamily="34" charset="-122"/>
+                <a:cs typeface="微软雅黑"/>
+              </a:rPr>
+              <a:t>用户管理</a:t>
+            </a:r>
+          </a:p>
+        </p:txBody>
+      </p:sp>
+      <p:sp>
+        <p:nvSpPr>
+          <p:cNvPr id="15" name="文本框 14">
+            <a:extLst>
+              <a:ext uri="{FF2B5EF4-FFF2-40B4-BE49-F238E27FC236}">
+                <a16:creationId xmlns:a16="http://schemas.microsoft.com/office/drawing/2014/main" id="{5BD3DD2B-00ED-4E13-91FA-7F7DC2521A3D}"/>
+              </a:ext>
+            </a:extLst>
+          </p:cNvPr>
+          <p:cNvSpPr txBox="1"/>
+          <p:nvPr/>
+        </p:nvSpPr>
+        <p:spPr>
+          <a:xfrm>
+            <a:off x="1412239" y="3487577"/>
+            <a:ext cx="1167517" cy="227755"/>
+          </a:xfrm>
+          <a:prstGeom prst="rect">
+            <a:avLst/>
+          </a:prstGeom>
+          <a:noFill/>
+        </p:spPr>
+        <p:txBody>
+          <a:bodyPr wrap="square" rtlCol="0">
+            <a:spAutoFit/>
+          </a:bodyPr>
+          <a:lstStyle/>
+          <a:p>
+            <a:pPr algn="ctr">
+              <a:lnSpc>
+                <a:spcPct val="80000"/>
+              </a:lnSpc>
+            </a:pPr>
+            <a:r>
+              <a:rPr kumimoji="1" lang="zh-CN" altLang="en-US" sz="1100" dirty="0">
+                <a:solidFill>
+                  <a:schemeClr val="bg1"/>
+                </a:solidFill>
+                <a:latin typeface="微软雅黑" panose="020B0503020204020204" pitchFamily="34" charset="-122"/>
+                <a:ea typeface="微软雅黑" panose="020B0503020204020204" pitchFamily="34" charset="-122"/>
+                <a:cs typeface="微软雅黑"/>
+              </a:rPr>
+              <a:t>定价管理</a:t>
+            </a:r>
+          </a:p>
+        </p:txBody>
+      </p:sp>
+      <p:sp>
+        <p:nvSpPr>
+          <p:cNvPr id="22" name="文本框 21">
+            <a:extLst>
+              <a:ext uri="{FF2B5EF4-FFF2-40B4-BE49-F238E27FC236}">
+                <a16:creationId xmlns:a16="http://schemas.microsoft.com/office/drawing/2014/main" id="{7457C68A-49C2-4F5E-9932-B05A4B99CBDB}"/>
+              </a:ext>
+            </a:extLst>
+          </p:cNvPr>
+          <p:cNvSpPr txBox="1"/>
+          <p:nvPr/>
+        </p:nvSpPr>
+        <p:spPr>
+          <a:xfrm>
+            <a:off x="3093531" y="2667598"/>
+            <a:ext cx="5290201" cy="553998"/>
+          </a:xfrm>
+          <a:prstGeom prst="rect">
+            <a:avLst/>
+          </a:prstGeom>
+          <a:noFill/>
+        </p:spPr>
+        <p:txBody>
+          <a:bodyPr wrap="square" rtlCol="0">
+            <a:spAutoFit/>
+          </a:bodyPr>
+          <a:lstStyle/>
+          <a:p>
+            <a:pPr algn="l"/>
+            <a:r>
+              <a:rPr lang="zh-CN" altLang="en-US" sz="1000" dirty="0">
+                <a:latin typeface="微软雅黑" panose="020B0503020204020204" pitchFamily="34" charset="-122"/>
+                <a:ea typeface="微软雅黑" panose="020B0503020204020204" pitchFamily="34" charset="-122"/>
+              </a:rPr>
+              <a:t>考虑同时支持冠德版本</a:t>
+            </a:r>
+            <a:endParaRPr lang="en-US" altLang="zh-CN" sz="1000" dirty="0">
+              <a:latin typeface="微软雅黑" panose="020B0503020204020204" pitchFamily="34" charset="-122"/>
+              <a:ea typeface="微软雅黑" panose="020B0503020204020204" pitchFamily="34" charset="-122"/>
+            </a:endParaRPr>
+          </a:p>
+          <a:p>
+            <a:pPr algn="l"/>
+            <a:r>
+              <a:rPr lang="zh-CN" altLang="en-US" sz="1000" dirty="0">
+                <a:latin typeface="微软雅黑" panose="020B0503020204020204" pitchFamily="34" charset="-122"/>
+                <a:ea typeface="微软雅黑" panose="020B0503020204020204" pitchFamily="34" charset="-122"/>
+              </a:rPr>
+              <a:t>存在两种情况：快递或者到油站自提。快递收费</a:t>
+            </a:r>
+            <a:r>
+              <a:rPr lang="en-US" altLang="zh-CN" sz="1000" dirty="0">
+                <a:latin typeface="微软雅黑" panose="020B0503020204020204" pitchFamily="34" charset="-122"/>
+                <a:ea typeface="微软雅黑" panose="020B0503020204020204" pitchFamily="34" charset="-122"/>
+              </a:rPr>
+              <a:t>9.9</a:t>
+            </a:r>
+            <a:r>
+              <a:rPr lang="zh-CN" altLang="en-US" sz="1000" dirty="0">
+                <a:latin typeface="微软雅黑" panose="020B0503020204020204" pitchFamily="34" charset="-122"/>
+                <a:ea typeface="微软雅黑" panose="020B0503020204020204" pitchFamily="34" charset="-122"/>
+              </a:rPr>
+              <a:t>，油站自提</a:t>
+            </a:r>
+            <a:r>
+              <a:rPr lang="en-US" altLang="zh-CN" sz="1000" dirty="0">
+                <a:latin typeface="微软雅黑" panose="020B0503020204020204" pitchFamily="34" charset="-122"/>
+                <a:ea typeface="微软雅黑" panose="020B0503020204020204" pitchFamily="34" charset="-122"/>
+              </a:rPr>
+              <a:t>2</a:t>
+            </a:r>
+            <a:r>
+              <a:rPr lang="zh-CN" altLang="en-US" sz="1000" dirty="0">
+                <a:latin typeface="微软雅黑" panose="020B0503020204020204" pitchFamily="34" charset="-122"/>
+                <a:ea typeface="微软雅黑" panose="020B0503020204020204" pitchFamily="34" charset="-122"/>
+              </a:rPr>
+              <a:t>元或</a:t>
+            </a:r>
+            <a:r>
+              <a:rPr lang="en-US" altLang="zh-CN" sz="1000" dirty="0">
+                <a:latin typeface="微软雅黑" panose="020B0503020204020204" pitchFamily="34" charset="-122"/>
+                <a:ea typeface="微软雅黑" panose="020B0503020204020204" pitchFamily="34" charset="-122"/>
+              </a:rPr>
+              <a:t>0</a:t>
+            </a:r>
+            <a:r>
+              <a:rPr lang="zh-CN" altLang="en-US" sz="1000" dirty="0">
+                <a:latin typeface="微软雅黑" panose="020B0503020204020204" pitchFamily="34" charset="-122"/>
+                <a:ea typeface="微软雅黑" panose="020B0503020204020204" pitchFamily="34" charset="-122"/>
+              </a:rPr>
+              <a:t>元</a:t>
+            </a:r>
+            <a:endParaRPr lang="en-US" altLang="zh-CN" sz="1000" dirty="0">
+              <a:latin typeface="微软雅黑" panose="020B0503020204020204" pitchFamily="34" charset="-122"/>
+              <a:ea typeface="微软雅黑" panose="020B0503020204020204" pitchFamily="34" charset="-122"/>
+            </a:endParaRPr>
+          </a:p>
+          <a:p>
+            <a:pPr algn="l"/>
+            <a:r>
+              <a:rPr lang="zh-CN" altLang="en-US" sz="1000" dirty="0">
+                <a:latin typeface="微软雅黑" panose="020B0503020204020204" pitchFamily="34" charset="-122"/>
+                <a:ea typeface="微软雅黑" panose="020B0503020204020204" pitchFamily="34" charset="-122"/>
+              </a:rPr>
+              <a:t>考虑可能的促销活动，点到即可。不考虑复杂的业务模型。</a:t>
+            </a:r>
+            <a:endParaRPr lang="en-US" altLang="zh-CN" sz="1000" dirty="0">
+              <a:latin typeface="微软雅黑" panose="020B0503020204020204" pitchFamily="34" charset="-122"/>
+              <a:ea typeface="微软雅黑" panose="020B0503020204020204" pitchFamily="34" charset="-122"/>
+            </a:endParaRPr>
+          </a:p>
+        </p:txBody>
+      </p:sp>
+      <p:sp>
+        <p:nvSpPr>
+          <p:cNvPr id="27" name="圆角矩形 220">
+            <a:extLst>
+              <a:ext uri="{FF2B5EF4-FFF2-40B4-BE49-F238E27FC236}">
+                <a16:creationId xmlns:a16="http://schemas.microsoft.com/office/drawing/2014/main" id="{F4A04B0F-12A7-4303-9539-E4B9A82F0974}"/>
+              </a:ext>
+            </a:extLst>
+          </p:cNvPr>
+          <p:cNvSpPr/>
+          <p:nvPr/>
+        </p:nvSpPr>
+        <p:spPr>
+          <a:xfrm>
+            <a:off x="3093531" y="1448177"/>
+            <a:ext cx="1087524" cy="227755"/>
+          </a:xfrm>
+          <a:prstGeom prst="roundRect">
+            <a:avLst>
+              <a:gd name="adj" fmla="val 7169"/>
+            </a:avLst>
+          </a:prstGeom>
+          <a:solidFill>
+            <a:srgbClr val="157EFB"/>
+          </a:solidFill>
+          <a:ln>
+            <a:solidFill>
+              <a:srgbClr val="157EFB"/>
+            </a:solidFill>
+          </a:ln>
+          <a:effectLst/>
+        </p:spPr>
+        <p:style>
+          <a:lnRef idx="1">
+            <a:schemeClr val="accent1"/>
+          </a:lnRef>
+          <a:fillRef idx="3">
+            <a:schemeClr val="accent1"/>
+          </a:fillRef>
+          <a:effectRef idx="2">
+            <a:schemeClr val="accent1"/>
+          </a:effectRef>
+          <a:fontRef idx="minor">
+            <a:schemeClr val="lt1"/>
+          </a:fontRef>
+        </p:style>
+        <p:txBody>
+          <a:bodyPr rtlCol="0" anchor="ctr"/>
+          <a:lstStyle/>
+          <a:p>
+            <a:pPr algn="ctr"/>
+            <a:r>
+              <a:rPr lang="zh-CN" altLang="en-US" sz="1050" dirty="0">
+                <a:latin typeface="微软雅黑" panose="020B0503020204020204" pitchFamily="34" charset="-122"/>
+                <a:ea typeface="微软雅黑" panose="020B0503020204020204" pitchFamily="34" charset="-122"/>
+              </a:rPr>
+              <a:t>修改</a:t>
+            </a:r>
+          </a:p>
+        </p:txBody>
+      </p:sp>
+      <p:graphicFrame>
+        <p:nvGraphicFramePr>
+          <p:cNvPr id="32" name="对象 31">
+            <a:extLst>
+              <a:ext uri="{FF2B5EF4-FFF2-40B4-BE49-F238E27FC236}">
+                <a16:creationId xmlns:a16="http://schemas.microsoft.com/office/drawing/2014/main" id="{7C98673C-2DFE-4CBA-B848-C48A78391B62}"/>
+              </a:ext>
+            </a:extLst>
+          </p:cNvPr>
+          <p:cNvGraphicFramePr>
+            <a:graphicFrameLocks noChangeAspect="1"/>
+          </p:cNvGraphicFramePr>
+          <p:nvPr>
+            <p:extLst>
+              <p:ext uri="{D42A27DB-BD31-4B8C-83A1-F6EECF244321}">
+                <p14:modId xmlns:p14="http://schemas.microsoft.com/office/powerpoint/2010/main" val="3121309836"/>
+              </p:ext>
+            </p:extLst>
+          </p:nvPr>
+        </p:nvGraphicFramePr>
+        <p:xfrm>
+          <a:off x="3093531" y="1852368"/>
+          <a:ext cx="5303837" cy="579437"/>
+        </p:xfrm>
+        <a:graphic>
+          <a:graphicData uri="http://schemas.openxmlformats.org/presentationml/2006/ole">
+            <mc:AlternateContent xmlns:mc="http://schemas.openxmlformats.org/markup-compatibility/2006">
+              <mc:Choice xmlns:v="urn:schemas-microsoft-com:vml" Requires="v">
+                <p:oleObj spid="_x0000_s13330" name="Worksheet" r:id="rId3" imgW="5303790" imgH="579056" progId="Excel.Sheet.12">
+                  <p:embed/>
+                </p:oleObj>
+              </mc:Choice>
+              <mc:Fallback>
+                <p:oleObj name="Worksheet" r:id="rId3" imgW="5303790" imgH="579056" progId="Excel.Sheet.12">
+                  <p:embed/>
+                  <p:pic>
+                    <p:nvPicPr>
+                      <p:cNvPr id="0" name=""/>
+                      <p:cNvPicPr/>
+                      <p:nvPr/>
+                    </p:nvPicPr>
+                    <p:blipFill>
+                      <a:blip r:embed="rId4"/>
+                      <a:stretch>
+                        <a:fillRect/>
+                      </a:stretch>
+                    </p:blipFill>
+                    <p:spPr>
+                      <a:xfrm>
+                        <a:off x="3093531" y="1852368"/>
+                        <a:ext cx="5303837" cy="579437"/>
+                      </a:xfrm>
+                      <a:prstGeom prst="rect">
+                        <a:avLst/>
+                      </a:prstGeom>
+                    </p:spPr>
+                  </p:pic>
+                </p:oleObj>
+              </mc:Fallback>
+            </mc:AlternateContent>
+          </a:graphicData>
+        </a:graphic>
+      </p:graphicFrame>
+    </p:spTree>
+    <p:extLst>
+      <p:ext uri="{BB962C8B-B14F-4D97-AF65-F5344CB8AC3E}">
+        <p14:creationId xmlns:p14="http://schemas.microsoft.com/office/powerpoint/2010/main" val="1324203444"/>
       </p:ext>
     </p:extLst>
   </p:cSld>
@@ -1895,7 +10672,7 @@
       </a:bodyPr>
       <a:lstStyle>
         <a:defPPr algn="l">
-          <a:defRPr sz="1200" dirty="0" smtClean="0">
+          <a:defRPr sz="1000" dirty="0" smtClean="0">
             <a:latin typeface="微软雅黑" panose="020B0503020204020204" pitchFamily="34" charset="-122"/>
             <a:ea typeface="微软雅黑" panose="020B0503020204020204" pitchFamily="34" charset="-122"/>
           </a:defRPr>
